--- a/ss2012_slide.pptx
+++ b/ss2012_slide.pptx
@@ -24,6 +24,7 @@
     <p:sldId id="276" r:id="rId18"/>
     <p:sldId id="268" r:id="rId19"/>
     <p:sldId id="269" r:id="rId20"/>
+    <p:sldId id="277" r:id="rId21"/>
   </p:sldIdLst>
   <p:sldSz cx="13004800" cy="9753600"/>
   <p:notesSz cx="6858000" cy="9144000"/>
@@ -194,7 +195,18 @@
         <p:spPr/>
         <p:txBody>
           <a:bodyPr/>
-          <a:lstStyle/>
+          <a:lstStyle>
+            <a:lvl1pPr>
+              <a:defRPr>
+                <a:solidFill>
+                  <a:schemeClr val="tx1">
+                    <a:lumMod val="65000"/>
+                    <a:lumOff val="35000"/>
+                  </a:schemeClr>
+                </a:solidFill>
+              </a:defRPr>
+            </a:lvl1pPr>
+          </a:lstStyle>
           <a:p>
             <a:r>
               <a:rPr lang="en-US" altLang="ja-JP" smtClean="0"/>
@@ -644,8 +656,9 @@
             <a:lvl1pPr>
               <a:defRPr>
                 <a:solidFill>
-                  <a:schemeClr val="tx2">
-                    <a:lumMod val="75000"/>
+                  <a:schemeClr val="tx1">
+                    <a:lumMod val="65000"/>
+                    <a:lumOff val="35000"/>
                   </a:schemeClr>
                 </a:solidFill>
               </a:defRPr>
@@ -905,7 +918,7 @@
                 <a:spcPts val="1200"/>
               </a:spcBef>
               <a:spcAft>
-                <a:spcPts val="1200"/>
+                <a:spcPts val="1800"/>
               </a:spcAft>
               <a:buClr>
                 <a:schemeClr val="accent4">
@@ -914,15 +927,16 @@
               </a:buClr>
               <a:buFont typeface="Arial" pitchFamily="34" charset="0"/>
               <a:buChar char="•"/>
-              <a:defRPr sz="2800">
+              <a:defRPr sz="3200">
                 <a:solidFill>
-                  <a:schemeClr val="accent5">
-                    <a:lumMod val="25000"/>
+                  <a:schemeClr val="tx1">
+                    <a:lumMod val="75000"/>
+                    <a:lumOff val="25000"/>
                   </a:schemeClr>
                 </a:solidFill>
               </a:defRPr>
             </a:lvl1pPr>
-            <a:lvl2pPr marL="1173163" indent="-457200">
+            <a:lvl2pPr marL="1080000" indent="-358775">
               <a:lnSpc>
                 <a:spcPct val="100000"/>
               </a:lnSpc>
@@ -937,20 +951,29 @@
                   <a:lumMod val="75000"/>
                 </a:schemeClr>
               </a:buClr>
+              <a:buSzPct val="100000"/>
               <a:buFont typeface="Arial" pitchFamily="34" charset="0"/>
-              <a:buChar char="•"/>
+              <a:buChar char="-"/>
+              <a:tabLst/>
               <a:defRPr sz="2800">
                 <a:solidFill>
-                  <a:schemeClr val="accent5">
-                    <a:lumMod val="25000"/>
+                  <a:schemeClr val="tx1">
+                    <a:lumMod val="65000"/>
+                    <a:lumOff val="35000"/>
                   </a:schemeClr>
                 </a:solidFill>
               </a:defRPr>
             </a:lvl2pPr>
-            <a:lvl3pPr marL="715963" indent="0">
+            <a:lvl3pPr marL="720000" indent="0">
               <a:lnSpc>
                 <a:spcPct val="100000"/>
               </a:lnSpc>
+              <a:spcBef>
+                <a:spcPts val="1800"/>
+              </a:spcBef>
+              <a:spcAft>
+                <a:spcPts val="1800"/>
+              </a:spcAft>
               <a:buClr>
                 <a:schemeClr val="accent4">
                   <a:lumMod val="75000"/>
@@ -958,10 +981,11 @@
               </a:buClr>
               <a:buFontTx/>
               <a:buNone/>
-              <a:defRPr sz="2800">
+              <a:defRPr sz="2800" b="1">
                 <a:solidFill>
                   <a:srgbClr val="0070C0"/>
                 </a:solidFill>
+                <a:effectLst/>
                 <a:latin typeface="Consolas" pitchFamily="49" charset="0"/>
                 <a:cs typeface="Consolas" pitchFamily="49" charset="0"/>
               </a:defRPr>
@@ -1030,7 +1054,11 @@
             <a:pPr lvl="3"/>
             <a:r>
               <a:rPr kumimoji="1" lang="en-US" altLang="ja-JP" dirty="0" smtClean="0"/>
-              <a:t>Fourth level</a:t>
+              <a:t>Fourth </a:t>
+            </a:r>
+            <a:r>
+              <a:rPr kumimoji="1" lang="en-US" altLang="ja-JP" dirty="0" smtClean="0"/>
+              <a:t>level</a:t>
             </a:r>
           </a:p>
           <a:p>
@@ -1488,8 +1516,9 @@
         </a:spcAft>
         <a:defRPr sz="4200">
           <a:solidFill>
-            <a:schemeClr val="accent5">
-              <a:lumMod val="25000"/>
+            <a:schemeClr val="tx1">
+              <a:lumMod val="65000"/>
+              <a:lumOff val="35000"/>
             </a:schemeClr>
           </a:solidFill>
           <a:latin typeface="+mj-lt"/>
@@ -2333,9 +2362,10 @@
           <a:lstStyle/>
           <a:p>
             <a:r>
-              <a:rPr lang="ja-JP" altLang="en-US" dirty="0"/>
-              <a:t>教師あり分類器のための学習事例・素性</a:t>
-            </a:r>
+              <a:rPr lang="en-US" altLang="ja-JP" dirty="0" err="1" smtClean="0"/>
+              <a:t>nltk.MaxentClassifier</a:t>
+            </a:r>
+            <a:endParaRPr lang="ja-JP" altLang="en-US" dirty="0"/>
           </a:p>
         </p:txBody>
       </p:sp>
@@ -2384,6 +2414,11 @@
           <a:bodyPr/>
           <a:lstStyle/>
           <a:p>
+            <a:pPr marL="265113" indent="-265113">
+              <a:tabLst>
+                <a:tab pos="542925" algn="l"/>
+              </a:tabLst>
+            </a:pPr>
             <a:r>
               <a:rPr lang="en-US" altLang="ja-JP" dirty="0"/>
               <a:t>NLTK</a:t>
@@ -2424,82 +2459,105 @@
             </a:r>
             <a:r>
               <a:rPr lang="ja-JP" altLang="en-US" dirty="0"/>
-              <a:t>簡易的な評価が行える</a:t>
-            </a:r>
-          </a:p>
-          <a:p>
+              <a:t>簡易的な評価が</a:t>
+            </a:r>
+            <a:r>
+              <a:rPr lang="ja-JP" altLang="en-US" dirty="0" smtClean="0"/>
+              <a:t>行える</a:t>
+            </a:r>
+            <a:endParaRPr lang="en-US" altLang="ja-JP" dirty="0" smtClean="0"/>
+          </a:p>
+          <a:p>
+            <a:pPr marL="842963" lvl="1"/>
             <a:r>
               <a:rPr lang="ja-JP" altLang="en-US" dirty="0"/>
-              <a:t>多クラス分類を行いたいので最大エントロピー法を用いる</a:t>
-            </a:r>
-          </a:p>
-          <a:p>
+              <a:t>今回は</a:t>
+            </a:r>
+            <a:r>
+              <a:rPr lang="ja-JP" altLang="en-US" dirty="0" smtClean="0"/>
+              <a:t>最大エントロピー法分類器（</a:t>
+            </a:r>
+            <a:r>
+              <a:rPr lang="en-US" altLang="ja-JP" dirty="0" err="1" smtClean="0"/>
+              <a:t>nltk.MaxentClassifier</a:t>
+            </a:r>
+            <a:r>
+              <a:rPr lang="ja-JP" altLang="en-US" dirty="0" smtClean="0"/>
+              <a:t>）を用いる</a:t>
+            </a:r>
+            <a:endParaRPr lang="en-US" altLang="ja-JP" dirty="0" smtClean="0"/>
+          </a:p>
+          <a:p>
+            <a:pPr marL="225425"/>
+            <a:r>
+              <a:rPr lang="en-US" altLang="ja-JP" dirty="0" err="1" smtClean="0"/>
+              <a:t>MaxentClassifier</a:t>
+            </a:r>
+            <a:r>
+              <a:rPr lang="ja-JP" altLang="en-US" dirty="0" smtClean="0"/>
+              <a:t>は教師あり分類器である</a:t>
+            </a:r>
+            <a:endParaRPr lang="en-US" altLang="ja-JP" dirty="0"/>
+          </a:p>
+          <a:p>
+            <a:pPr marL="842963" lvl="1"/>
+            <a:r>
+              <a:rPr lang="ja-JP" altLang="en-US" dirty="0" smtClean="0"/>
+              <a:t>正解ラベルと素性集合が学習データとして必要</a:t>
+            </a:r>
+            <a:endParaRPr lang="en-US" altLang="ja-JP" dirty="0" smtClean="0"/>
+          </a:p>
+          <a:p>
+            <a:pPr marL="842963" lvl="1"/>
             <a:r>
               <a:rPr lang="ja-JP" altLang="en-US" dirty="0"/>
-              <a:t>そもそも素性</a:t>
-            </a:r>
-            <a:r>
-              <a:rPr lang="en-US" altLang="ja-JP" dirty="0"/>
-              <a:t>(</a:t>
+              <a:t>学習</a:t>
+            </a:r>
+            <a:r>
+              <a:rPr lang="ja-JP" altLang="en-US" dirty="0" smtClean="0"/>
+              <a:t>事例（</a:t>
+            </a:r>
+            <a:r>
+              <a:rPr lang="en-US" altLang="ja-JP" dirty="0" smtClean="0"/>
+              <a:t>Training</a:t>
             </a:r>
             <a:r>
               <a:rPr lang="ja-JP" altLang="en-US" dirty="0"/>
-              <a:t>そせい</a:t>
-            </a:r>
-            <a:r>
-              <a:rPr lang="en-US" altLang="ja-JP" dirty="0"/>
-              <a:t>)</a:t>
-            </a:r>
-            <a:r>
-              <a:rPr lang="ja-JP" altLang="en-US" dirty="0" err="1"/>
-              <a:t>って</a:t>
-            </a:r>
-            <a:r>
-              <a:rPr lang="ja-JP" altLang="en-US" dirty="0"/>
-              <a:t>何</a:t>
-            </a:r>
-            <a:r>
-              <a:rPr lang="en-US" altLang="ja-JP" dirty="0"/>
-              <a:t>??</a:t>
-            </a:r>
+              <a:t> </a:t>
+            </a:r>
+            <a:r>
+              <a:rPr lang="en-US" altLang="ja-JP" dirty="0" smtClean="0"/>
+              <a:t>Examples</a:t>
+            </a:r>
+            <a:r>
+              <a:rPr lang="ja-JP" altLang="en-US" dirty="0" smtClean="0"/>
+              <a:t>）はラベルと素性集合の組</a:t>
+            </a:r>
+            <a:endParaRPr lang="en-US" altLang="ja-JP" dirty="0"/>
           </a:p>
           <a:p>
             <a:pPr marL="842963" lvl="1"/>
             <a:r>
-              <a:rPr lang="ja-JP" altLang="en-US" dirty="0"/>
-              <a:t>画像処理など他の分野では特徴量とも呼ぶ</a:t>
-            </a:r>
+              <a:rPr lang="en-US" altLang="ja-JP" dirty="0" smtClean="0"/>
+              <a:t>CLC</a:t>
+            </a:r>
+            <a:r>
+              <a:rPr lang="ja-JP" altLang="en-US" dirty="0" smtClean="0"/>
+              <a:t>コーパスは訂正情報付き！正解ラベルはある</a:t>
+            </a:r>
+            <a:endParaRPr lang="en-US" altLang="ja-JP" dirty="0" smtClean="0"/>
           </a:p>
           <a:p>
             <a:pPr marL="842963" lvl="1"/>
             <a:r>
-              <a:rPr lang="ja-JP" altLang="en-US" dirty="0"/>
-              <a:t>例えば</a:t>
-            </a:r>
-            <a:r>
-              <a:rPr lang="en-US" altLang="ja-JP" dirty="0"/>
-              <a:t>, </a:t>
-            </a:r>
-            <a:r>
-              <a:rPr lang="ja-JP" altLang="en-US" dirty="0"/>
-              <a:t>ある単語の品詞や前後の単語</a:t>
-            </a:r>
-            <a:r>
-              <a:rPr lang="en-US" altLang="ja-JP" dirty="0"/>
-              <a:t>(</a:t>
-            </a:r>
-            <a:r>
-              <a:rPr lang="ja-JP" altLang="en-US" dirty="0"/>
-              <a:t>文脈</a:t>
-            </a:r>
-            <a:r>
-              <a:rPr lang="en-US" altLang="ja-JP" dirty="0"/>
-              <a:t>)</a:t>
-            </a:r>
-            <a:r>
-              <a:rPr lang="ja-JP" altLang="en-US" dirty="0"/>
-              <a:t>などを用いる</a:t>
-            </a:r>
+              <a:rPr lang="ja-JP" altLang="en-US" dirty="0" smtClean="0"/>
+              <a:t>となると、残るはどのような素性を使うか</a:t>
+            </a:r>
+            <a:r>
+              <a:rPr lang="en-US" altLang="ja-JP" dirty="0" smtClean="0"/>
+              <a:t>…</a:t>
+            </a:r>
+            <a:endParaRPr lang="en-US" altLang="ja-JP" dirty="0" smtClean="0"/>
           </a:p>
         </p:txBody>
       </p:sp>
@@ -2763,8 +2821,12 @@
               </a:tabLst>
             </a:pPr>
             <a:r>
+              <a:rPr lang="ja-JP" altLang="en-US" sz="3000" dirty="0" smtClean="0"/>
+              <a:t>素性</a:t>
+            </a:r>
+            <a:r>
               <a:rPr lang="ja-JP" altLang="en-US" sz="3000" dirty="0"/>
-              <a:t>素性集合</a:t>
+              <a:t>集合</a:t>
             </a:r>
             <a:r>
               <a:rPr lang="en-US" altLang="ja-JP" sz="3000" dirty="0"/>
@@ -3157,8 +3219,23 @@
             </a:r>
             <a:r>
               <a:rPr lang="en-US" altLang="ja-JP" dirty="0"/>
-              <a:t> + 1]): 1}</a:t>
-            </a:r>
+              <a:t> + 1]): 1</a:t>
+            </a:r>
+            <a:r>
+              <a:rPr lang="en-US" altLang="ja-JP" dirty="0" smtClean="0"/>
+              <a:t>}</a:t>
+            </a:r>
+          </a:p>
+          <a:p>
+            <a:pPr marL="525463" lvl="2">
+              <a:tabLst>
+                <a:tab pos="1304925" algn="l"/>
+                <a:tab pos="2346325" algn="l"/>
+                <a:tab pos="1304925" algn="l"/>
+                <a:tab pos="2346325" algn="l"/>
+              </a:tabLst>
+            </a:pPr>
+            <a:endParaRPr lang="en-US" altLang="ja-JP" dirty="0"/>
           </a:p>
           <a:p>
             <a:pPr>
@@ -3179,8 +3256,13 @@
             </a:r>
             <a:r>
               <a:rPr lang="ja-JP" altLang="en-US" dirty="0"/>
-              <a:t>のみを用いる</a:t>
-            </a:r>
+              <a:t>のみを</a:t>
+            </a:r>
+            <a:r>
+              <a:rPr lang="ja-JP" altLang="en-US" dirty="0" smtClean="0"/>
+              <a:t>用いる</a:t>
+            </a:r>
+            <a:endParaRPr lang="ja-JP" altLang="en-US" dirty="0"/>
           </a:p>
         </p:txBody>
       </p:sp>
@@ -3419,33 +3501,27 @@
               <a:t>words = </a:t>
             </a:r>
             <a:r>
-              <a:rPr lang="en-US" altLang="ja-JP" dirty="0" err="1"/>
+              <a:rPr lang="en-US" altLang="ja-JP" dirty="0" err="1" smtClean="0"/>
               <a:t>nltk.word_tokenize</a:t>
             </a:r>
             <a:r>
+              <a:rPr lang="en-US" altLang="ja-JP" dirty="0" smtClean="0"/>
+              <a:t>(sentence)</a:t>
+            </a:r>
+            <a:br>
+              <a:rPr lang="en-US" altLang="ja-JP" dirty="0" smtClean="0"/>
+            </a:br>
+            <a:r>
+              <a:rPr lang="en-US" altLang="ja-JP" dirty="0" err="1" smtClean="0"/>
+              <a:t>nltk.pos_tag</a:t>
+            </a:r>
+            <a:r>
+              <a:rPr lang="en-US" altLang="ja-JP" dirty="0" smtClean="0"/>
+              <a:t>(words</a:t>
+            </a:r>
+            <a:r>
               <a:rPr lang="en-US" altLang="ja-JP" dirty="0"/>
-              <a:t>(sentence)</a:t>
-            </a:r>
-          </a:p>
-          <a:p>
-            <a:pPr marL="525463" lvl="2">
-              <a:spcBef>
-                <a:spcPts val="1138"/>
-              </a:spcBef>
-              <a:tabLst>
-                <a:tab pos="1304925" algn="l"/>
-                <a:tab pos="2346325" algn="l"/>
-                <a:tab pos="1304925" algn="l"/>
-                <a:tab pos="2346325" algn="l"/>
-              </a:tabLst>
-            </a:pPr>
-            <a:r>
-              <a:rPr lang="en-US" altLang="ja-JP" dirty="0" err="1"/>
-              <a:t>nltk.pos_tag</a:t>
-            </a:r>
-            <a:r>
-              <a:rPr lang="en-US" altLang="ja-JP" dirty="0"/>
-              <a:t>(words)</a:t>
+              <a:t>)</a:t>
             </a:r>
           </a:p>
           <a:p>
@@ -3552,8 +3628,17 @@
           <a:p>
             <a:r>
               <a:rPr lang="ja-JP" altLang="en-US" dirty="0"/>
-              <a:t>学習データとテストデータ</a:t>
-            </a:r>
+              <a:t>評価</a:t>
+            </a:r>
+            <a:r>
+              <a:rPr lang="ja-JP" altLang="en-US" dirty="0" smtClean="0"/>
+              <a:t>の前に</a:t>
+            </a:r>
+            <a:r>
+              <a:rPr lang="en-US" altLang="ja-JP" dirty="0" smtClean="0"/>
+              <a:t>…</a:t>
+            </a:r>
+            <a:endParaRPr lang="ja-JP" altLang="en-US" dirty="0"/>
           </a:p>
         </p:txBody>
       </p:sp>
@@ -3595,12 +3680,87 @@
             <p:ph sz="quarter" idx="10"/>
           </p:nvPr>
         </p:nvSpPr>
-        <p:spPr/>
+        <p:spPr>
+          <a:xfrm>
+            <a:off x="525736" y="2355850"/>
+            <a:ext cx="11953328" cy="6553200"/>
+          </a:xfrm>
+        </p:spPr>
         <p:txBody>
-          <a:bodyPr/>
+          <a:bodyPr anchor="t"/>
           <a:lstStyle/>
           <a:p>
-            <a:endParaRPr kumimoji="1" lang="ja-JP" altLang="en-US"/>
+            <a:r>
+              <a:rPr kumimoji="1" lang="ja-JP" altLang="en-US" dirty="0" smtClean="0"/>
+              <a:t>学習データとテストデータはあらかじめ分けておく</a:t>
+            </a:r>
+            <a:endParaRPr kumimoji="1" lang="en-US" altLang="ja-JP" dirty="0" smtClean="0"/>
+          </a:p>
+          <a:p>
+            <a:pPr lvl="1"/>
+            <a:r>
+              <a:rPr kumimoji="1" lang="ja-JP" altLang="en-US" dirty="0" smtClean="0"/>
+              <a:t>「正しい評価」をおこなうにはどのような状態が必要だろうか</a:t>
+            </a:r>
+            <a:endParaRPr kumimoji="1" lang="en-US" altLang="ja-JP" dirty="0"/>
+          </a:p>
+          <a:p>
+            <a:pPr lvl="1"/>
+            <a:r>
+              <a:rPr kumimoji="1" lang="ja-JP" altLang="en-US" dirty="0" smtClean="0"/>
+              <a:t>テストデータが学習データに含まれるとまずい？</a:t>
+            </a:r>
+            <a:endParaRPr kumimoji="1" lang="en-US" altLang="ja-JP" dirty="0" smtClean="0"/>
+          </a:p>
+          <a:p>
+            <a:r>
+              <a:rPr kumimoji="1" lang="ja-JP" altLang="en-US" dirty="0" smtClean="0"/>
+              <a:t>評価尺度</a:t>
+            </a:r>
+            <a:endParaRPr kumimoji="1" lang="en-US" altLang="ja-JP" dirty="0" smtClean="0"/>
+          </a:p>
+          <a:p>
+            <a:pPr lvl="1"/>
+            <a:r>
+              <a:rPr kumimoji="1" lang="ja-JP" altLang="en-US" dirty="0" smtClean="0"/>
+              <a:t>前置詞誤り箇所は特定済み！という問題設定</a:t>
+            </a:r>
+            <a:endParaRPr kumimoji="1" lang="en-US" altLang="ja-JP" dirty="0" smtClean="0"/>
+          </a:p>
+          <a:p>
+            <a:pPr lvl="1"/>
+            <a:r>
+              <a:rPr kumimoji="1" lang="ja-JP" altLang="en-US" dirty="0" smtClean="0"/>
+              <a:t>正解率（</a:t>
+            </a:r>
+            <a:r>
+              <a:rPr kumimoji="1" lang="en-US" altLang="ja-JP" dirty="0" smtClean="0"/>
+              <a:t>accuracy</a:t>
+            </a:r>
+            <a:r>
+              <a:rPr kumimoji="1" lang="ja-JP" altLang="en-US" dirty="0" smtClean="0"/>
+              <a:t>）を評価尺度とする</a:t>
+            </a:r>
+            <a:endParaRPr kumimoji="1" lang="en-US" altLang="ja-JP" dirty="0" smtClean="0"/>
+          </a:p>
+          <a:p>
+            <a:pPr lvl="2"/>
+            <a:r>
+              <a:rPr kumimoji="1" lang="en-US" altLang="ja-JP" dirty="0" smtClean="0"/>
+              <a:t>accuracy = </a:t>
+            </a:r>
+            <a:br>
+              <a:rPr kumimoji="1" lang="en-US" altLang="ja-JP" dirty="0" smtClean="0"/>
+            </a:br>
+            <a:r>
+              <a:rPr kumimoji="1" lang="en-US" altLang="ja-JP" dirty="0" smtClean="0"/>
+              <a:t>(num. of correct output) / (num. of input cases)</a:t>
+            </a:r>
+            <a:endParaRPr kumimoji="1" lang="en-US" altLang="ja-JP" dirty="0"/>
+          </a:p>
+          <a:p>
+            <a:pPr lvl="1"/>
+            <a:endParaRPr kumimoji="1" lang="en-US" altLang="ja-JP" dirty="0" smtClean="0"/>
           </a:p>
         </p:txBody>
       </p:sp>
@@ -3660,7 +3820,7 @@
         </p:blipFill>
         <p:spPr bwMode="auto">
           <a:xfrm>
-            <a:off x="7185025" y="2346325"/>
+            <a:off x="6862440" y="2346324"/>
             <a:ext cx="5148263" cy="5148263"/>
           </a:xfrm>
           <a:prstGeom prst="rect">
@@ -3709,9 +3869,10 @@
           <a:lstStyle/>
           <a:p>
             <a:r>
-              <a:rPr lang="ja-JP" altLang="en-US" dirty="0"/>
-              <a:t>休憩</a:t>
-            </a:r>
+              <a:rPr lang="ja-JP" altLang="en-US" dirty="0" smtClean="0"/>
+              <a:t>休憩？</a:t>
+            </a:r>
+            <a:endParaRPr lang="ja-JP" altLang="en-US" dirty="0"/>
           </a:p>
         </p:txBody>
       </p:sp>
@@ -3870,7 +4031,28 @@
               </a:tabLst>
             </a:pPr>
             <a:r>
-              <a:rPr lang="en-US" altLang="ja-JP" dirty="0" err="1"/>
+              <a:rPr lang="en-US" altLang="ja-JP" dirty="0" smtClean="0"/>
+              <a:t>Accuracy</a:t>
+            </a:r>
+            <a:r>
+              <a:rPr lang="ja-JP" altLang="en-US" dirty="0" smtClean="0"/>
+              <a:t>はどうでしたか？</a:t>
+            </a:r>
+            <a:endParaRPr lang="en-US" altLang="ja-JP" dirty="0" smtClean="0"/>
+          </a:p>
+          <a:p>
+            <a:pPr>
+              <a:tabLst>
+                <a:tab pos="1304925" algn="l"/>
+                <a:tab pos="2346325" algn="l"/>
+                <a:tab pos="1304925" algn="l"/>
+                <a:tab pos="2346325" algn="l"/>
+                <a:tab pos="1304925" algn="l"/>
+                <a:tab pos="2346325" algn="l"/>
+              </a:tabLst>
+            </a:pPr>
+            <a:r>
+              <a:rPr lang="en-US" altLang="ja-JP" dirty="0" err="1" smtClean="0"/>
               <a:t>MaxentClassifier</a:t>
             </a:r>
             <a:r>
@@ -3962,15 +4144,33 @@
               <a:t>だと出力した場合はどちらが多いんだろう</a:t>
             </a:r>
             <a:r>
-              <a:rPr lang="en-US" altLang="ja-JP" dirty="0">
+              <a:rPr lang="en-US" altLang="ja-JP" dirty="0" smtClean="0">
                 <a:latin typeface="Helvetica"/>
               </a:rPr>
               <a:t>…</a:t>
             </a:r>
-            <a:r>
-              <a:rPr lang="ja-JP" altLang="en-US" dirty="0"/>
-              <a:t>と思ったり。</a:t>
-            </a:r>
+            <a:endParaRPr lang="en-US" altLang="ja-JP" dirty="0"/>
+          </a:p>
+          <a:p>
+            <a:pPr marL="484188" lvl="2">
+              <a:tabLst>
+                <a:tab pos="1304925" algn="l"/>
+                <a:tab pos="2346325" algn="l"/>
+                <a:tab pos="1304925" algn="l"/>
+                <a:tab pos="2346325" algn="l"/>
+                <a:tab pos="1304925" algn="l"/>
+                <a:tab pos="2346325" algn="l"/>
+              </a:tabLst>
+            </a:pPr>
+            <a:r>
+              <a:rPr lang="en-US" altLang="ja-JP" b="0" dirty="0" smtClean="0"/>
+              <a:t>	</a:t>
+            </a:r>
+            <a:r>
+              <a:rPr lang="ja-JP" altLang="en-US" b="0" dirty="0" smtClean="0"/>
+              <a:t>分類器が間違いやすいケースを特定したい！</a:t>
+            </a:r>
+            <a:endParaRPr lang="ja-JP" altLang="en-US" b="0" dirty="0"/>
           </a:p>
           <a:p>
             <a:pPr marL="842963" lvl="1">
@@ -3989,8 +4189,17 @@
             </a:r>
             <a:r>
               <a:rPr lang="en-US" altLang="ja-JP" dirty="0"/>
-              <a:t>(Confusion Matrix)</a:t>
-            </a:r>
+              <a:t>(Confusion Matrix</a:t>
+            </a:r>
+            <a:r>
+              <a:rPr lang="en-US" altLang="ja-JP" dirty="0" smtClean="0"/>
+              <a:t>)</a:t>
+            </a:r>
+            <a:r>
+              <a:rPr lang="ja-JP" altLang="en-US" dirty="0" smtClean="0"/>
+              <a:t>！</a:t>
+            </a:r>
+            <a:endParaRPr lang="en-US" altLang="ja-JP" dirty="0"/>
           </a:p>
           <a:p>
             <a:pPr marL="525463" lvl="2">
@@ -4012,8 +4221,35 @@
               <a:t> = </a:t>
             </a:r>
             <a:r>
+              <a:rPr lang="en-US" altLang="ja-JP" dirty="0" err="1" smtClean="0"/>
+              <a:t>MaxentClassifier.classify</a:t>
+            </a:r>
+            <a:r>
+              <a:rPr lang="en-US" altLang="ja-JP" dirty="0" smtClean="0"/>
+              <a:t>(</a:t>
+            </a:r>
+            <a:r>
+              <a:rPr lang="en-US" altLang="ja-JP" dirty="0" err="1" smtClean="0"/>
+              <a:t>test_features</a:t>
+            </a:r>
+            <a:r>
+              <a:rPr lang="en-US" altLang="ja-JP" dirty="0" smtClean="0"/>
+              <a:t>)</a:t>
+            </a:r>
+            <a:br>
+              <a:rPr lang="en-US" altLang="ja-JP" dirty="0" smtClean="0"/>
+            </a:br>
+            <a:r>
+              <a:rPr lang="en-US" altLang="ja-JP" dirty="0" smtClean="0"/>
+              <a:t>cm </a:t>
+            </a:r>
+            <a:r>
+              <a:rPr lang="en-US" altLang="ja-JP" dirty="0"/>
+              <a:t>= </a:t>
+            </a:r>
+            <a:r>
               <a:rPr lang="en-US" altLang="ja-JP" dirty="0" err="1"/>
-              <a:t>MaxentClassifier.classify</a:t>
+              <a:t>nltk.ConfusionMatrix</a:t>
             </a:r>
             <a:r>
               <a:rPr lang="en-US" altLang="ja-JP" dirty="0"/>
@@ -4021,38 +4257,6 @@
             </a:r>
             <a:r>
               <a:rPr lang="en-US" altLang="ja-JP" dirty="0" err="1"/>
-              <a:t>test_features</a:t>
-            </a:r>
-            <a:r>
-              <a:rPr lang="en-US" altLang="ja-JP" dirty="0"/>
-              <a:t>)</a:t>
-            </a:r>
-          </a:p>
-          <a:p>
-            <a:pPr marL="525463" lvl="2">
-              <a:tabLst>
-                <a:tab pos="1304925" algn="l"/>
-                <a:tab pos="2346325" algn="l"/>
-                <a:tab pos="1304925" algn="l"/>
-                <a:tab pos="2346325" algn="l"/>
-                <a:tab pos="1304925" algn="l"/>
-                <a:tab pos="2346325" algn="l"/>
-              </a:tabLst>
-            </a:pPr>
-            <a:r>
-              <a:rPr lang="en-US" altLang="ja-JP" dirty="0"/>
-              <a:t>cm = </a:t>
-            </a:r>
-            <a:r>
-              <a:rPr lang="en-US" altLang="ja-JP" dirty="0" err="1"/>
-              <a:t>nltk.ConfusionMatrix</a:t>
-            </a:r>
-            <a:r>
-              <a:rPr lang="en-US" altLang="ja-JP" dirty="0"/>
-              <a:t>(</a:t>
-            </a:r>
-            <a:r>
-              <a:rPr lang="en-US" altLang="ja-JP" dirty="0" err="1"/>
               <a:t>gold_labels</a:t>
             </a:r>
             <a:r>
@@ -4060,28 +4264,23 @@
               <a:t>, </a:t>
             </a:r>
             <a:r>
-              <a:rPr lang="en-US" altLang="ja-JP" dirty="0" err="1"/>
+              <a:rPr lang="en-US" altLang="ja-JP" dirty="0" err="1" smtClean="0"/>
               <a:t>classifier_outputs</a:t>
             </a:r>
             <a:r>
+              <a:rPr lang="en-US" altLang="ja-JP" dirty="0" smtClean="0"/>
+              <a:t>)</a:t>
+            </a:r>
+            <a:br>
+              <a:rPr lang="en-US" altLang="ja-JP" dirty="0" smtClean="0"/>
+            </a:br>
+            <a:r>
+              <a:rPr lang="en-US" altLang="ja-JP" dirty="0" smtClean="0"/>
+              <a:t>print </a:t>
+            </a:r>
+            <a:r>
               <a:rPr lang="en-US" altLang="ja-JP" dirty="0"/>
-              <a:t>)</a:t>
-            </a:r>
-          </a:p>
-          <a:p>
-            <a:pPr marL="525463" lvl="2">
-              <a:tabLst>
-                <a:tab pos="1304925" algn="l"/>
-                <a:tab pos="2346325" algn="l"/>
-                <a:tab pos="1304925" algn="l"/>
-                <a:tab pos="2346325" algn="l"/>
-                <a:tab pos="1304925" algn="l"/>
-                <a:tab pos="2346325" algn="l"/>
-              </a:tabLst>
-            </a:pPr>
-            <a:r>
-              <a:rPr lang="en-US" altLang="ja-JP" dirty="0"/>
-              <a:t>print cm</a:t>
+              <a:t>cm</a:t>
             </a:r>
           </a:p>
         </p:txBody>
@@ -4138,16 +4337,17 @@
           <a:p>
             <a:r>
               <a:rPr lang="ja-JP" altLang="en-US" dirty="0"/>
-              <a:t>もっと良いモデルを</a:t>
-            </a:r>
-            <a:r>
-              <a:rPr lang="en-US" altLang="ja-JP" dirty="0"/>
+              <a:t>より</a:t>
+            </a:r>
+            <a:r>
+              <a:rPr lang="ja-JP" altLang="en-US" dirty="0" smtClean="0"/>
+              <a:t>良いモデルを求めて</a:t>
+            </a:r>
+            <a:r>
+              <a:rPr lang="en-US" altLang="ja-JP" dirty="0" smtClean="0"/>
               <a:t>…</a:t>
             </a:r>
-            <a:r>
-              <a:rPr lang="ja-JP" altLang="en-US" dirty="0"/>
-              <a:t>素性の改良</a:t>
-            </a:r>
+            <a:endParaRPr lang="ja-JP" altLang="en-US" dirty="0"/>
           </a:p>
         </p:txBody>
       </p:sp>
@@ -4204,8 +4404,17 @@
             </a:pPr>
             <a:r>
               <a:rPr lang="ja-JP" altLang="en-US" dirty="0"/>
-              <a:t>どの素性が精度に寄与しているのか調べたい</a:t>
-            </a:r>
+              <a:t>どの素性が精度に寄与しているのか</a:t>
+            </a:r>
+            <a:r>
+              <a:rPr lang="ja-JP" altLang="en-US" dirty="0" smtClean="0"/>
+              <a:t>調べたい</a:t>
+            </a:r>
+            <a:r>
+              <a:rPr lang="en-US" altLang="ja-JP" dirty="0" smtClean="0"/>
+              <a:t>…</a:t>
+            </a:r>
+            <a:endParaRPr lang="ja-JP" altLang="en-US" dirty="0"/>
           </a:p>
           <a:p>
             <a:pPr marL="525463" lvl="2">
@@ -4215,12 +4424,24 @@
               </a:tabLst>
             </a:pPr>
             <a:r>
-              <a:rPr lang="en-US" altLang="ja-JP" dirty="0" err="1"/>
+              <a:rPr lang="en-US" altLang="ja-JP" sz="2400" dirty="0" smtClean="0"/>
+              <a:t>print </a:t>
+            </a:r>
+            <a:r>
+              <a:rPr lang="en-US" altLang="ja-JP" sz="2400" dirty="0" err="1" smtClean="0"/>
               <a:t>nltk.MaxentClassifier.show_most_informative_features</a:t>
             </a:r>
             <a:r>
-              <a:rPr lang="en-US" altLang="ja-JP" dirty="0"/>
-              <a:t>(n = 10)</a:t>
+              <a:rPr lang="en-US" altLang="ja-JP" sz="2400" dirty="0" smtClean="0"/>
+              <a:t>(n </a:t>
+            </a:r>
+            <a:r>
+              <a:rPr lang="en-US" altLang="ja-JP" sz="2400" dirty="0"/>
+              <a:t>= 10</a:t>
+            </a:r>
+            <a:r>
+              <a:rPr lang="en-US" altLang="ja-JP" sz="2400" dirty="0" smtClean="0"/>
+              <a:t>)</a:t>
             </a:r>
           </a:p>
           <a:p>
@@ -4231,7 +4452,7 @@
               </a:tabLst>
             </a:pPr>
             <a:r>
-              <a:rPr lang="ja-JP" altLang="en-US" dirty="0"/>
+              <a:rPr lang="ja-JP" altLang="en-US" dirty="0" smtClean="0"/>
               <a:t>上位</a:t>
             </a:r>
             <a:r>
@@ -4240,8 +4461,90 @@
             </a:r>
             <a:r>
               <a:rPr lang="ja-JP" altLang="en-US" dirty="0"/>
-              <a:t>個の素性とそのラベルが表示される</a:t>
-            </a:r>
+              <a:t>個の素性とそのラベルが表示</a:t>
+            </a:r>
+            <a:r>
+              <a:rPr lang="ja-JP" altLang="en-US" dirty="0" smtClean="0"/>
+              <a:t>される</a:t>
+            </a:r>
+            <a:endParaRPr lang="en-US" altLang="ja-JP" dirty="0" smtClean="0"/>
+          </a:p>
+          <a:p>
+            <a:pPr marL="225425">
+              <a:tabLst>
+                <a:tab pos="1304925" algn="l"/>
+                <a:tab pos="2346325" algn="l"/>
+              </a:tabLst>
+            </a:pPr>
+            <a:r>
+              <a:rPr lang="ja-JP" altLang="en-US" dirty="0" smtClean="0"/>
+              <a:t>シンプルな素性では正しい文の特徴を捉えられないときがある</a:t>
+            </a:r>
+            <a:endParaRPr lang="en-US" altLang="ja-JP" dirty="0" smtClean="0"/>
+          </a:p>
+          <a:p>
+            <a:pPr marL="848225" lvl="1">
+              <a:tabLst>
+                <a:tab pos="1304925" algn="l"/>
+                <a:tab pos="2346325" algn="l"/>
+              </a:tabLst>
+            </a:pPr>
+            <a:r>
+              <a:rPr lang="ja-JP" altLang="en-US" dirty="0" smtClean="0"/>
+              <a:t>誤り事例や，元のコーパスをもう一度眺めてみる</a:t>
+            </a:r>
+            <a:r>
+              <a:rPr lang="en-US" altLang="ja-JP" dirty="0" smtClean="0"/>
+              <a:t>…</a:t>
+            </a:r>
+            <a:r>
+              <a:rPr lang="ja-JP" altLang="en-US" dirty="0" smtClean="0"/>
+              <a:t>そして考える</a:t>
+            </a:r>
+            <a:endParaRPr lang="en-US" altLang="ja-JP" dirty="0"/>
+          </a:p>
+          <a:p>
+            <a:pPr marL="848225" lvl="1">
+              <a:tabLst>
+                <a:tab pos="1304925" algn="l"/>
+                <a:tab pos="2346325" algn="l"/>
+              </a:tabLst>
+            </a:pPr>
+            <a:r>
+              <a:rPr lang="ja-JP" altLang="en-US" dirty="0"/>
+              <a:t>誤り</a:t>
+            </a:r>
+            <a:r>
+              <a:rPr lang="ja-JP" altLang="en-US" dirty="0" smtClean="0"/>
+              <a:t>の傾向を素性に取り込む必要があるのだろうか</a:t>
+            </a:r>
+            <a:endParaRPr lang="en-US" altLang="ja-JP" dirty="0" smtClean="0"/>
+          </a:p>
+          <a:p>
+            <a:pPr marL="848225" lvl="1">
+              <a:tabLst>
+                <a:tab pos="1304925" algn="l"/>
+                <a:tab pos="2346325" algn="l"/>
+              </a:tabLst>
+            </a:pPr>
+            <a:r>
+              <a:rPr lang="ja-JP" altLang="en-US" dirty="0" smtClean="0"/>
+              <a:t>単語の活用形ではなく，原形を入れてみてはどうだろうか</a:t>
+            </a:r>
+            <a:endParaRPr lang="en-US" altLang="ja-JP" dirty="0" smtClean="0"/>
+          </a:p>
+          <a:p>
+            <a:pPr marL="848225" lvl="1">
+              <a:tabLst>
+                <a:tab pos="1304925" algn="l"/>
+                <a:tab pos="2346325" algn="l"/>
+              </a:tabLst>
+            </a:pPr>
+            <a:r>
+              <a:rPr lang="ja-JP" altLang="en-US" dirty="0" smtClean="0"/>
+              <a:t>より広い範囲の構文的な情報を取り込むとどうなるだろうか</a:t>
+            </a:r>
+            <a:endParaRPr lang="en-US" altLang="ja-JP" dirty="0" smtClean="0"/>
           </a:p>
         </p:txBody>
       </p:sp>
@@ -4441,6 +4744,75 @@
 </p:sld>
 </file>
 
+<file path=ppt/slides/slide20.xml><?xml version="1.0" encoding="utf-8"?>
+<p:sld xmlns:a="http://schemas.openxmlformats.org/drawingml/2006/main" xmlns:r="http://schemas.openxmlformats.org/officeDocument/2006/relationships" xmlns:p="http://schemas.openxmlformats.org/presentationml/2006/main">
+  <p:cSld>
+    <p:spTree>
+      <p:nvGrpSpPr>
+        <p:cNvPr id="1" name=""/>
+        <p:cNvGrpSpPr/>
+        <p:nvPr/>
+      </p:nvGrpSpPr>
+      <p:grpSpPr>
+        <a:xfrm>
+          <a:off x="0" y="0"/>
+          <a:ext cx="0" cy="0"/>
+          <a:chOff x="0" y="0"/>
+          <a:chExt cx="0" cy="0"/>
+        </a:xfrm>
+      </p:grpSpPr>
+      <p:sp>
+        <p:nvSpPr>
+          <p:cNvPr id="4" name="Title 3"/>
+          <p:cNvSpPr>
+            <a:spLocks noGrp="1"/>
+          </p:cNvSpPr>
+          <p:nvPr>
+            <p:ph type="title"/>
+          </p:nvPr>
+        </p:nvSpPr>
+        <p:spPr/>
+        <p:txBody>
+          <a:bodyPr/>
+          <a:lstStyle/>
+          <a:p>
+            <a:endParaRPr kumimoji="1" lang="ja-JP" altLang="en-US" dirty="0"/>
+          </a:p>
+        </p:txBody>
+      </p:sp>
+      <p:sp>
+        <p:nvSpPr>
+          <p:cNvPr id="5" name="Text Placeholder 4"/>
+          <p:cNvSpPr>
+            <a:spLocks noGrp="1"/>
+          </p:cNvSpPr>
+          <p:nvPr>
+            <p:ph type="body" sz="quarter" idx="10"/>
+          </p:nvPr>
+        </p:nvSpPr>
+        <p:spPr/>
+        <p:txBody>
+          <a:bodyPr/>
+          <a:lstStyle/>
+          <a:p>
+            <a:endParaRPr kumimoji="1" lang="ja-JP" altLang="en-US"/>
+          </a:p>
+        </p:txBody>
+      </p:sp>
+    </p:spTree>
+    <p:extLst>
+      <p:ext uri="{BB962C8B-B14F-4D97-AF65-F5344CB8AC3E}">
+        <p14:creationId xmlns:p14="http://schemas.microsoft.com/office/powerpoint/2010/main" val="1445007360"/>
+      </p:ext>
+    </p:extLst>
+  </p:cSld>
+  <p:clrMapOvr>
+    <a:masterClrMapping/>
+  </p:clrMapOvr>
+  <p:transition/>
+</p:sld>
+</file>
+
 <file path=ppt/slides/slide3.xml><?xml version="1.0" encoding="utf-8"?>
 <p:sld xmlns:a="http://schemas.openxmlformats.org/drawingml/2006/main" xmlns:r="http://schemas.openxmlformats.org/officeDocument/2006/relationships" xmlns:p="http://schemas.openxmlformats.org/presentationml/2006/main">
   <p:cSld>
@@ -4752,21 +5124,22 @@
             </a:r>
             <a:r>
               <a:rPr lang="en-US" altLang="ja-JP" dirty="0"/>
-              <a:t> clone git://github.com/tuxedocat/ss2012.git</a:t>
-            </a:r>
-          </a:p>
-          <a:p>
-            <a:pPr marL="525463" lvl="2">
-              <a:tabLst>
-                <a:tab pos="1304925" algn="l"/>
-                <a:tab pos="2346325" algn="l"/>
-                <a:tab pos="1304925" algn="l"/>
-                <a:tab pos="2346325" algn="l"/>
-              </a:tabLst>
-            </a:pPr>
+              <a:t> clone git://</a:t>
+            </a:r>
+            <a:r>
+              <a:rPr lang="en-US" altLang="ja-JP" dirty="0" smtClean="0"/>
+              <a:t>github.com/tuxedocat/ss2012.git</a:t>
+            </a:r>
+            <a:br>
+              <a:rPr lang="en-US" altLang="ja-JP" dirty="0" smtClean="0"/>
+            </a:br>
+            <a:r>
+              <a:rPr lang="en-US" altLang="ja-JP" dirty="0" smtClean="0"/>
+              <a:t>$cd </a:t>
+            </a:r>
             <a:r>
               <a:rPr lang="en-US" altLang="ja-JP" dirty="0"/>
-              <a:t>$cd ss2012</a:t>
+              <a:t>ss2012</a:t>
             </a:r>
           </a:p>
           <a:p>
@@ -4930,8 +5303,13 @@
           <a:p>
             <a:r>
               <a:rPr lang="ja-JP" altLang="en-US" dirty="0"/>
-              <a:t>ざっくりとした流れ</a:t>
-            </a:r>
+              <a:t>大まか</a:t>
+            </a:r>
+            <a:r>
+              <a:rPr lang="ja-JP" altLang="en-US" dirty="0" smtClean="0"/>
+              <a:t>な流れ</a:t>
+            </a:r>
+            <a:endParaRPr lang="ja-JP" altLang="en-US" dirty="0"/>
           </a:p>
         </p:txBody>
       </p:sp>
@@ -5112,17 +5490,16 @@
             <p:ph type="title"/>
           </p:nvPr>
         </p:nvSpPr>
-        <p:spPr>
-          <a:ln/>
-        </p:spPr>
+        <p:spPr/>
         <p:txBody>
           <a:bodyPr/>
           <a:lstStyle/>
           <a:p>
             <a:r>
-              <a:rPr lang="ja-JP" altLang="en-US" dirty="0"/>
+              <a:rPr lang="ja-JP" altLang="en-US" smtClean="0"/>
               <a:t>前処理</a:t>
             </a:r>
+            <a:endParaRPr lang="ja-JP" altLang="en-US" dirty="0"/>
           </a:p>
         </p:txBody>
       </p:sp>
@@ -5136,17 +5513,13 @@
             <p:ph type="sldNum" sz="quarter" idx="4"/>
           </p:nvPr>
         </p:nvSpPr>
-        <p:spPr>
-          <a:prstGeom prst="rect">
-            <a:avLst/>
-          </a:prstGeom>
-        </p:spPr>
+        <p:spPr/>
         <p:txBody>
           <a:bodyPr/>
           <a:lstStyle/>
           <a:p>
             <a:fld id="{454F6648-BBE0-4562-A19D-9C00ED809A7A}" type="slidenum">
-              <a:rPr lang="en-US" altLang="ja-JP"/>
+              <a:rPr lang="en-US" altLang="ja-JP" smtClean="0"/>
               <a:pPr/>
               <a:t>6</a:t>
             </a:fld>
@@ -5164,240 +5537,86 @@
             <p:ph sz="quarter" idx="10"/>
           </p:nvPr>
         </p:nvSpPr>
-        <p:spPr>
-          <a:ln/>
-        </p:spPr>
+        <p:spPr/>
         <p:txBody>
           <a:bodyPr/>
           <a:lstStyle/>
           <a:p>
-            <a:pPr>
-              <a:tabLst>
-                <a:tab pos="1304925" algn="l"/>
-                <a:tab pos="2346325" algn="l"/>
-              </a:tabLst>
-            </a:pPr>
-            <a:r>
-              <a:rPr lang="en-US" altLang="ja-JP" sz="2800" dirty="0"/>
+            <a:r>
+              <a:rPr lang="en-US" altLang="ja-JP" dirty="0" smtClean="0"/>
               <a:t>CLC</a:t>
             </a:r>
             <a:r>
-              <a:rPr lang="ja-JP" altLang="en-US" sz="2800" dirty="0"/>
+              <a:rPr lang="ja-JP" altLang="en-US" dirty="0" smtClean="0"/>
               <a:t>コーパス</a:t>
             </a:r>
             <a:r>
-              <a:rPr lang="en-US" altLang="ja-JP" sz="2800" dirty="0"/>
+              <a:rPr lang="en-US" altLang="ja-JP" dirty="0" smtClean="0"/>
               <a:t>(./</a:t>
             </a:r>
             <a:r>
-              <a:rPr lang="en-US" altLang="ja-JP" sz="2800" dirty="0" err="1"/>
+              <a:rPr lang="en-US" altLang="ja-JP" dirty="0" err="1" smtClean="0"/>
               <a:t>wdiff_prep</a:t>
             </a:r>
             <a:r>
-              <a:rPr lang="en-US" altLang="ja-JP" sz="2800" dirty="0"/>
+              <a:rPr lang="en-US" altLang="ja-JP" dirty="0" smtClean="0"/>
               <a:t> </a:t>
             </a:r>
             <a:r>
-              <a:rPr lang="ja-JP" altLang="en-US" sz="2800" dirty="0"/>
+              <a:rPr lang="ja-JP" altLang="en-US" dirty="0" smtClean="0"/>
               <a:t>ファイル</a:t>
             </a:r>
             <a:r>
-              <a:rPr lang="en-US" altLang="ja-JP" sz="2800" dirty="0"/>
+              <a:rPr lang="en-US" altLang="ja-JP" dirty="0" smtClean="0"/>
               <a:t>)</a:t>
             </a:r>
             <a:r>
-              <a:rPr lang="ja-JP" altLang="en-US" sz="2800" dirty="0"/>
-              <a:t>を読み込み，誤り・訂正情報を抽出する．</a:t>
-            </a:r>
-          </a:p>
-          <a:p>
-            <a:pPr marL="525463" lvl="2">
-              <a:spcBef>
-                <a:spcPts val="2125"/>
-              </a:spcBef>
-              <a:tabLst>
-                <a:tab pos="1304925" algn="l"/>
-                <a:tab pos="2346325" algn="l"/>
-              </a:tabLst>
-            </a:pPr>
-            <a:r>
-              <a:rPr lang="en-US" altLang="ja-JP" sz="2400" dirty="0" err="1"/>
+              <a:rPr lang="ja-JP" altLang="en-US" dirty="0" smtClean="0"/>
+              <a:t>を読み込み，誤り・訂正情報を抽出する</a:t>
+            </a:r>
+          </a:p>
+          <a:p>
+            <a:pPr lvl="2"/>
+            <a:r>
+              <a:rPr lang="en-US" altLang="ja-JP" dirty="0" err="1" smtClean="0"/>
               <a:t>clc</a:t>
             </a:r>
             <a:r>
-              <a:rPr lang="en-US" altLang="ja-JP" sz="2400" dirty="0"/>
-              <a:t> = open(</a:t>
-            </a:r>
-            <a:r>
-              <a:rPr lang="en-US" altLang="ja-JP" sz="2400" dirty="0">
-                <a:latin typeface="Helvetica"/>
-              </a:rPr>
-              <a:t>“</a:t>
-            </a:r>
-            <a:r>
-              <a:rPr lang="en-US" altLang="ja-JP" sz="2400" dirty="0" err="1"/>
+              <a:rPr lang="en-US" altLang="ja-JP" dirty="0" smtClean="0"/>
+              <a:t> = open(“</a:t>
+            </a:r>
+            <a:r>
+              <a:rPr lang="en-US" altLang="ja-JP" dirty="0" err="1" smtClean="0"/>
               <a:t>wdiff_prep</a:t>
             </a:r>
             <a:r>
-              <a:rPr lang="en-US" altLang="ja-JP" sz="2400" dirty="0">
-                <a:latin typeface="Helvetica"/>
-              </a:rPr>
-              <a:t>”</a:t>
-            </a:r>
-            <a:r>
-              <a:rPr lang="en-US" altLang="ja-JP" sz="2400" dirty="0"/>
-              <a:t>, </a:t>
-            </a:r>
-            <a:r>
-              <a:rPr lang="en-US" altLang="ja-JP" sz="2400" dirty="0">
-                <a:latin typeface="Helvetica"/>
-              </a:rPr>
-              <a:t>“</a:t>
-            </a:r>
-            <a:r>
-              <a:rPr lang="en-US" altLang="ja-JP" sz="2400" dirty="0"/>
-              <a:t>r</a:t>
-            </a:r>
-            <a:r>
-              <a:rPr lang="en-US" altLang="ja-JP" sz="2400" dirty="0">
-                <a:latin typeface="Helvetica"/>
-              </a:rPr>
-              <a:t>”</a:t>
-            </a:r>
-            <a:r>
-              <a:rPr lang="en-US" altLang="ja-JP" sz="2400" dirty="0"/>
-              <a:t>).read()</a:t>
-            </a:r>
-          </a:p>
-          <a:p>
-            <a:pPr>
-              <a:spcBef>
-                <a:spcPts val="2125"/>
-              </a:spcBef>
-              <a:tabLst>
-                <a:tab pos="1304925" algn="l"/>
-                <a:tab pos="2346325" algn="l"/>
-              </a:tabLst>
-            </a:pPr>
-            <a:r>
-              <a:rPr lang="ja-JP" altLang="en-US" sz="2800" dirty="0"/>
+              <a:rPr lang="en-US" altLang="ja-JP" dirty="0" smtClean="0"/>
+              <a:t>”, “r”).read()</a:t>
+            </a:r>
+          </a:p>
+          <a:p>
+            <a:pPr lvl="1"/>
+            <a:r>
+              <a:rPr lang="ja-JP" altLang="en-US" dirty="0" smtClean="0"/>
               <a:t>これでリストに入る</a:t>
             </a:r>
             <a:r>
-              <a:rPr lang="en-US" altLang="ja-JP" sz="2800" dirty="0"/>
+              <a:rPr lang="en-US" altLang="ja-JP" dirty="0" smtClean="0"/>
               <a:t>...</a:t>
             </a:r>
-            <a:br>
-              <a:rPr lang="en-US" altLang="ja-JP" sz="2800" dirty="0"/>
-            </a:br>
-            <a:r>
-              <a:rPr lang="ja-JP" altLang="en-US" sz="2800" dirty="0"/>
-              <a:t>しかし</a:t>
-            </a:r>
-            <a:r>
-              <a:rPr lang="en-US" altLang="ja-JP" sz="2800" dirty="0"/>
-              <a:t>! </a:t>
-            </a:r>
-            <a:r>
-              <a:rPr lang="ja-JP" altLang="en-US" sz="2800" dirty="0"/>
+          </a:p>
+          <a:p>
+            <a:r>
+              <a:rPr lang="ja-JP" altLang="en-US" dirty="0" smtClean="0"/>
               <a:t>このままでは段落単位なので</a:t>
             </a:r>
             <a:r>
-              <a:rPr lang="en-US" altLang="ja-JP" sz="2800" dirty="0"/>
+              <a:rPr lang="en-US" altLang="ja-JP" dirty="0" smtClean="0"/>
               <a:t>,</a:t>
             </a:r>
             <a:r>
-              <a:rPr lang="ja-JP" altLang="en-US" sz="2800" dirty="0"/>
-              <a:t>文単位に分割する必要がある</a:t>
-            </a:r>
-            <a:r>
-              <a:rPr lang="en-US" altLang="ja-JP" sz="2800" dirty="0"/>
-              <a:t>!</a:t>
-            </a:r>
-          </a:p>
-          <a:p>
-            <a:pPr marL="842963" lvl="1">
-              <a:spcBef>
-                <a:spcPts val="2125"/>
-              </a:spcBef>
-              <a:tabLst>
-                <a:tab pos="1304925" algn="l"/>
-                <a:tab pos="2346325" algn="l"/>
-              </a:tabLst>
-            </a:pPr>
-            <a:r>
-              <a:rPr lang="en-US" altLang="ja-JP" sz="2800" dirty="0"/>
-              <a:t>NLTK</a:t>
-            </a:r>
-            <a:r>
-              <a:rPr lang="ja-JP" altLang="en-US" sz="2800" dirty="0" err="1"/>
-              <a:t>には</a:t>
-            </a:r>
-            <a:r>
-              <a:rPr lang="ja-JP" altLang="en-US" sz="2800" dirty="0"/>
-              <a:t>簡易文分割関数がある</a:t>
-            </a:r>
-            <a:r>
-              <a:rPr lang="en-US" altLang="ja-JP" sz="2800" dirty="0"/>
-              <a:t>(</a:t>
-            </a:r>
-            <a:r>
-              <a:rPr lang="en-US" altLang="ja-JP" sz="2800" dirty="0" err="1"/>
-              <a:t>nltk.sent_tokenize</a:t>
-            </a:r>
-            <a:r>
-              <a:rPr lang="en-US" altLang="ja-JP" sz="2800" dirty="0"/>
-              <a:t>)</a:t>
-            </a:r>
-          </a:p>
-          <a:p>
-            <a:pPr>
-              <a:spcBef>
-                <a:spcPts val="2125"/>
-              </a:spcBef>
-              <a:tabLst>
-                <a:tab pos="1304925" algn="l"/>
-                <a:tab pos="2346325" algn="l"/>
-              </a:tabLst>
-            </a:pPr>
-            <a:r>
-              <a:rPr lang="ja-JP" altLang="en-US" sz="2800" dirty="0"/>
-              <a:t>文</a:t>
-            </a:r>
-            <a:r>
-              <a:rPr lang="en-US" altLang="ja-JP" sz="2800" dirty="0"/>
-              <a:t>(</a:t>
-            </a:r>
-            <a:r>
-              <a:rPr lang="ja-JP" altLang="en-US" sz="2800" dirty="0"/>
-              <a:t>文字列型</a:t>
-            </a:r>
-            <a:r>
-              <a:rPr lang="en-US" altLang="ja-JP" sz="2800" dirty="0"/>
-              <a:t>)</a:t>
-            </a:r>
-            <a:r>
-              <a:rPr lang="ja-JP" altLang="en-US" sz="2800" dirty="0"/>
-              <a:t>から正規表現を用いて訂正情報などを抽出する</a:t>
-            </a:r>
-          </a:p>
-          <a:p>
-            <a:pPr>
-              <a:spcBef>
-                <a:spcPts val="2125"/>
-              </a:spcBef>
-              <a:tabLst>
-                <a:tab pos="1304925" algn="l"/>
-                <a:tab pos="2346325" algn="l"/>
-              </a:tabLst>
-            </a:pPr>
-            <a:r>
-              <a:rPr lang="ja-JP" altLang="en-US" dirty="0"/>
-              <a:t>後</a:t>
-            </a:r>
-            <a:r>
               <a:rPr lang="ja-JP" altLang="en-US" dirty="0" smtClean="0"/>
-              <a:t>で処理しやすいように整形する</a:t>
+              <a:t>文単位に分割する</a:t>
             </a:r>
             <a:r>
               <a:rPr lang="en-US" altLang="ja-JP" dirty="0" smtClean="0"/>
@@ -5405,16 +5624,66 @@
             </a:r>
           </a:p>
           <a:p>
-            <a:pPr>
-              <a:spcBef>
-                <a:spcPts val="2125"/>
-              </a:spcBef>
-              <a:tabLst>
-                <a:tab pos="1304925" algn="l"/>
-                <a:tab pos="2346325" algn="l"/>
-              </a:tabLst>
-            </a:pPr>
-            <a:endParaRPr lang="en-US" altLang="ja-JP" sz="2800" dirty="0"/>
+            <a:pPr lvl="1"/>
+            <a:r>
+              <a:rPr lang="en-US" altLang="ja-JP" dirty="0" smtClean="0"/>
+              <a:t>NLTK</a:t>
+            </a:r>
+            <a:r>
+              <a:rPr lang="ja-JP" altLang="en-US" dirty="0" err="1" smtClean="0"/>
+              <a:t>には</a:t>
+            </a:r>
+            <a:r>
+              <a:rPr lang="ja-JP" altLang="en-US" dirty="0" smtClean="0"/>
+              <a:t>簡易文分割関数がある</a:t>
+            </a:r>
+            <a:r>
+              <a:rPr lang="en-US" altLang="ja-JP" dirty="0" smtClean="0"/>
+              <a:t>(</a:t>
+            </a:r>
+            <a:r>
+              <a:rPr lang="en-US" altLang="ja-JP" dirty="0" err="1" smtClean="0"/>
+              <a:t>nltk.sent_tokenize</a:t>
+            </a:r>
+            <a:r>
+              <a:rPr lang="en-US" altLang="ja-JP" dirty="0" smtClean="0"/>
+              <a:t>)</a:t>
+            </a:r>
+          </a:p>
+          <a:p>
+            <a:r>
+              <a:rPr lang="ja-JP" altLang="en-US" dirty="0" smtClean="0"/>
+              <a:t>文</a:t>
+            </a:r>
+            <a:r>
+              <a:rPr lang="en-US" altLang="ja-JP" dirty="0" smtClean="0"/>
+              <a:t>(</a:t>
+            </a:r>
+            <a:r>
+              <a:rPr lang="ja-JP" altLang="en-US" dirty="0" smtClean="0"/>
+              <a:t>文字列型</a:t>
+            </a:r>
+            <a:r>
+              <a:rPr lang="en-US" altLang="ja-JP" dirty="0" smtClean="0"/>
+              <a:t>)</a:t>
+            </a:r>
+            <a:r>
+              <a:rPr lang="ja-JP" altLang="en-US" dirty="0" smtClean="0"/>
+              <a:t>から正規表現を用いて訂正情報などを抽出する</a:t>
+            </a:r>
+          </a:p>
+          <a:p>
+            <a:r>
+              <a:rPr lang="ja-JP" altLang="en-US" dirty="0" smtClean="0"/>
+              <a:t>後で処理しやすいように整形する</a:t>
+            </a:r>
+            <a:r>
+              <a:rPr lang="en-US" altLang="ja-JP" dirty="0" smtClean="0"/>
+              <a:t>…</a:t>
+            </a:r>
+          </a:p>
+          <a:p>
+            <a:endParaRPr lang="en-US" altLang="ja-JP" dirty="0"/>
           </a:p>
         </p:txBody>
       </p:sp>
@@ -5515,17 +5784,16 @@
             <p:ph type="title"/>
           </p:nvPr>
         </p:nvSpPr>
-        <p:spPr>
-          <a:ln/>
-        </p:spPr>
+        <p:spPr/>
         <p:txBody>
           <a:bodyPr/>
           <a:lstStyle/>
           <a:p>
             <a:r>
-              <a:rPr lang="ja-JP" altLang="en-US" dirty="0"/>
+              <a:rPr lang="ja-JP" altLang="en-US" smtClean="0"/>
               <a:t>これが意外とめんどくさい</a:t>
             </a:r>
+            <a:endParaRPr lang="ja-JP" altLang="en-US" dirty="0"/>
           </a:p>
         </p:txBody>
       </p:sp>
@@ -5539,25 +5807,24 @@
             <p:ph type="body" sz="quarter" idx="10"/>
           </p:nvPr>
         </p:nvSpPr>
-        <p:spPr>
-          <a:ln/>
-        </p:spPr>
+        <p:spPr/>
         <p:txBody>
           <a:bodyPr/>
           <a:lstStyle/>
           <a:p>
             <a:r>
-              <a:rPr lang="ja-JP" altLang="en-US" dirty="0"/>
+              <a:rPr lang="ja-JP" altLang="en-US" smtClean="0"/>
               <a:t>／</a:t>
             </a:r>
             <a:r>
-              <a:rPr lang="en-US" altLang="ja-JP" dirty="0"/>
+              <a:rPr lang="en-US" altLang="ja-JP" smtClean="0"/>
               <a:t>(^o^)</a:t>
             </a:r>
             <a:r>
-              <a:rPr lang="ja-JP" altLang="en-US" dirty="0"/>
+              <a:rPr lang="ja-JP" altLang="en-US" smtClean="0"/>
               <a:t>＼ﾅﾝﾃｺｯﾀｲ</a:t>
             </a:r>
+            <a:endParaRPr lang="ja-JP" altLang="en-US" dirty="0"/>
           </a:p>
         </p:txBody>
       </p:sp>
@@ -5949,29 +6216,15 @@
               <a:t>を読み込むには</a:t>
             </a:r>
             <a:r>
-              <a:rPr lang="en-US" altLang="ja-JP" dirty="0">
+              <a:rPr lang="en-US" altLang="ja-JP" dirty="0" smtClean="0">
                 <a:latin typeface="Helvetica"/>
               </a:rPr>
               <a:t>…</a:t>
             </a:r>
-            <a:r>
-              <a:rPr lang="en-US" altLang="ja-JP" dirty="0"/>
-              <a:t/>
-            </a:r>
-            <a:br>
-              <a:rPr lang="en-US" altLang="ja-JP" dirty="0"/>
-            </a:br>
-            <a:r>
-              <a:rPr lang="en-US" altLang="ja-JP" dirty="0"/>
-              <a:t>→Pickle module</a:t>
-            </a:r>
-            <a:r>
-              <a:rPr lang="ja-JP" altLang="en-US" dirty="0"/>
-              <a:t>を使う</a:t>
-            </a:r>
-          </a:p>
-          <a:p>
-            <a:pPr>
+            <a:endParaRPr lang="en-US" altLang="ja-JP" dirty="0"/>
+          </a:p>
+          <a:p>
+            <a:pPr lvl="1">
               <a:tabLst>
                 <a:tab pos="1304925" algn="l"/>
                 <a:tab pos="2346325" algn="l"/>
@@ -5980,9 +6233,22 @@
               </a:tabLst>
             </a:pPr>
             <a:r>
+              <a:rPr lang="en-US" altLang="ja-JP" dirty="0" smtClean="0"/>
+              <a:t>Pickle </a:t>
+            </a:r>
+            <a:r>
               <a:rPr lang="en-US" altLang="ja-JP" dirty="0"/>
-              <a:t>code</a:t>
-            </a:r>
+              <a:t>module</a:t>
+            </a:r>
+            <a:r>
+              <a:rPr lang="ja-JP" altLang="en-US" dirty="0"/>
+              <a:t>を</a:t>
+            </a:r>
+            <a:r>
+              <a:rPr lang="ja-JP" altLang="en-US" dirty="0" smtClean="0"/>
+              <a:t>使う</a:t>
+            </a:r>
+            <a:endParaRPr lang="en-US" altLang="ja-JP" dirty="0"/>
           </a:p>
           <a:p>
             <a:pPr marL="525463" lvl="2">
@@ -6003,21 +6269,22 @@
             </a:r>
             <a:r>
               <a:rPr lang="en-US" altLang="ja-JP" dirty="0"/>
-              <a:t> as pickle</a:t>
-            </a:r>
-          </a:p>
-          <a:p>
-            <a:pPr marL="525463" lvl="2">
-              <a:tabLst>
-                <a:tab pos="1304925" algn="l"/>
-                <a:tab pos="2346325" algn="l"/>
-                <a:tab pos="1304925" algn="l"/>
-                <a:tab pos="2346325" algn="l"/>
-              </a:tabLst>
-            </a:pPr>
+              <a:t> as </a:t>
+            </a:r>
+            <a:r>
+              <a:rPr lang="en-US" altLang="ja-JP" dirty="0" smtClean="0"/>
+              <a:t>pickle</a:t>
+            </a:r>
+            <a:br>
+              <a:rPr lang="en-US" altLang="ja-JP" dirty="0" smtClean="0"/>
+            </a:br>
+            <a:r>
+              <a:rPr lang="en-US" altLang="ja-JP" dirty="0" smtClean="0"/>
+              <a:t>corpus </a:t>
+            </a:r>
             <a:r>
               <a:rPr lang="en-US" altLang="ja-JP" dirty="0"/>
-              <a:t>corpus = </a:t>
+              <a:t>= </a:t>
             </a:r>
             <a:r>
               <a:rPr lang="en-US" altLang="ja-JP" dirty="0" err="1"/>
@@ -6069,6 +6336,49 @@
             </a:r>
           </a:p>
           <a:p>
+            <a:pPr marL="220163">
+              <a:tabLst>
+                <a:tab pos="1304925" algn="l"/>
+                <a:tab pos="2346325" algn="l"/>
+                <a:tab pos="1304925" algn="l"/>
+                <a:tab pos="2346325" algn="l"/>
+              </a:tabLst>
+            </a:pPr>
+            <a:r>
+              <a:rPr lang="ja-JP" altLang="en-US" dirty="0"/>
+              <a:t>一文に対応</a:t>
+            </a:r>
+            <a:r>
+              <a:rPr lang="ja-JP" altLang="en-US" dirty="0" smtClean="0"/>
+              <a:t>する</a:t>
+            </a:r>
+            <a:r>
+              <a:rPr lang="en-US" altLang="ja-JP" dirty="0" err="1" smtClean="0"/>
+              <a:t>dict</a:t>
+            </a:r>
+            <a:r>
+              <a:rPr lang="ja-JP" altLang="en-US" dirty="0" smtClean="0"/>
+              <a:t>が</a:t>
+            </a:r>
+            <a:r>
+              <a:rPr lang="en-US" altLang="ja-JP" dirty="0"/>
+              <a:t>1582</a:t>
+            </a:r>
+            <a:r>
+              <a:rPr lang="ja-JP" altLang="en-US" dirty="0"/>
+              <a:t>個入って</a:t>
+            </a:r>
+            <a:r>
+              <a:rPr lang="ja-JP" altLang="en-US" dirty="0" smtClean="0"/>
+              <a:t>いる</a:t>
+            </a:r>
+            <a:r>
+              <a:rPr lang="en-US" altLang="ja-JP" dirty="0" smtClean="0"/>
+              <a:t>list</a:t>
+            </a:r>
+            <a:endParaRPr lang="en-US" altLang="ja-JP" dirty="0" smtClean="0"/>
+          </a:p>
+          <a:p>
             <a:pPr marL="842963" lvl="1">
               <a:tabLst>
                 <a:tab pos="1304925" algn="l"/>
@@ -6078,17 +6388,84 @@
               </a:tabLst>
             </a:pPr>
             <a:r>
-              <a:rPr lang="ja-JP" altLang="en-US" dirty="0"/>
-              <a:t>一文に対応する辞書，が</a:t>
-            </a:r>
-            <a:r>
-              <a:rPr lang="en-US" altLang="ja-JP" dirty="0"/>
-              <a:t>1582</a:t>
-            </a:r>
-            <a:r>
-              <a:rPr lang="ja-JP" altLang="en-US" dirty="0"/>
-              <a:t>個入っているリスト</a:t>
-            </a:r>
+              <a:rPr lang="en-US" altLang="ja-JP" dirty="0" smtClean="0"/>
+              <a:t>key “</a:t>
+            </a:r>
+            <a:r>
+              <a:rPr lang="en-US" altLang="ja-JP" dirty="0" err="1" smtClean="0"/>
+              <a:t>training_words</a:t>
+            </a:r>
+            <a:r>
+              <a:rPr lang="en-US" altLang="ja-JP" dirty="0" smtClean="0"/>
+              <a:t>”, “</a:t>
+            </a:r>
+            <a:r>
+              <a:rPr lang="en-US" altLang="ja-JP" dirty="0" err="1" smtClean="0"/>
+              <a:t>test_words</a:t>
+            </a:r>
+            <a:r>
+              <a:rPr lang="en-US" altLang="ja-JP" dirty="0" smtClean="0"/>
+              <a:t>” </a:t>
+            </a:r>
+            <a:br>
+              <a:rPr lang="en-US" altLang="ja-JP" dirty="0" smtClean="0"/>
+            </a:br>
+            <a:r>
+              <a:rPr lang="en-US" altLang="ja-JP" dirty="0" smtClean="0"/>
+              <a:t>value = [“tokenized”, “sentence”, …]</a:t>
+            </a:r>
+          </a:p>
+          <a:p>
+            <a:pPr marL="842963" lvl="1">
+              <a:tabLst>
+                <a:tab pos="1304925" algn="l"/>
+                <a:tab pos="2346325" algn="l"/>
+                <a:tab pos="1304925" algn="l"/>
+                <a:tab pos="2346325" algn="l"/>
+              </a:tabLst>
+            </a:pPr>
+            <a:r>
+              <a:rPr lang="en-US" altLang="ja-JP" dirty="0" smtClean="0"/>
+              <a:t>key “</a:t>
+            </a:r>
+            <a:r>
+              <a:rPr lang="en-US" altLang="ja-JP" dirty="0" err="1" smtClean="0"/>
+              <a:t>correction_pair</a:t>
+            </a:r>
+            <a:r>
+              <a:rPr lang="en-US" altLang="ja-JP" dirty="0" smtClean="0"/>
+              <a:t>”, value = (“incorrect prep.”, “correct prep.”)</a:t>
+            </a:r>
+          </a:p>
+          <a:p>
+            <a:pPr marL="842963" lvl="1">
+              <a:tabLst>
+                <a:tab pos="1304925" algn="l"/>
+                <a:tab pos="2346325" algn="l"/>
+                <a:tab pos="1304925" algn="l"/>
+                <a:tab pos="2346325" algn="l"/>
+              </a:tabLst>
+            </a:pPr>
+            <a:r>
+              <a:rPr lang="en-US" altLang="ja-JP" dirty="0" smtClean="0"/>
+              <a:t>key “</a:t>
+            </a:r>
+            <a:r>
+              <a:rPr lang="en-US" altLang="ja-JP" dirty="0" err="1" smtClean="0"/>
+              <a:t>ppindex</a:t>
+            </a:r>
+            <a:r>
+              <a:rPr lang="en-US" altLang="ja-JP" dirty="0" smtClean="0"/>
+              <a:t>”, </a:t>
+            </a:r>
+            <a:br>
+              <a:rPr lang="en-US" altLang="ja-JP" dirty="0" smtClean="0"/>
+            </a:br>
+            <a:r>
+              <a:rPr lang="en-US" altLang="ja-JP" dirty="0" smtClean="0"/>
+              <a:t>value = &lt;index of target preposition in tokenized sentence&gt;</a:t>
+            </a:r>
+            <a:endParaRPr lang="ja-JP" altLang="en-US" dirty="0"/>
           </a:p>
         </p:txBody>
       </p:sp>

--- a/ss2012_slide.pptx
+++ b/ss2012_slide.pptx
@@ -1054,11 +1054,7 @@
             <a:pPr lvl="3"/>
             <a:r>
               <a:rPr kumimoji="1" lang="en-US" altLang="ja-JP" dirty="0" smtClean="0"/>
-              <a:t>Fourth </a:t>
-            </a:r>
-            <a:r>
-              <a:rPr kumimoji="1" lang="en-US" altLang="ja-JP" dirty="0" smtClean="0"/>
-              <a:t>level</a:t>
+              <a:t>Fourth level</a:t>
             </a:r>
           </a:p>
           <a:p>
@@ -2557,7 +2553,6 @@
               <a:rPr lang="en-US" altLang="ja-JP" dirty="0" smtClean="0"/>
               <a:t>…</a:t>
             </a:r>
-            <a:endParaRPr lang="en-US" altLang="ja-JP" dirty="0" smtClean="0"/>
           </a:p>
         </p:txBody>
       </p:sp>
@@ -2725,7 +2720,31 @@
             </a:r>
             <a:r>
               <a:rPr lang="en-US" altLang="ja-JP" dirty="0" err="1"/>
-              <a:t>:value,</a:t>
+              <a:t>:</a:t>
+            </a:r>
+            <a:r>
+              <a:rPr lang="en-US" altLang="ja-JP" dirty="0" err="1" smtClean="0"/>
+              <a:t>value</a:t>
+            </a:r>
+            <a:r>
+              <a:rPr lang="en-US" altLang="ja-JP" dirty="0" smtClean="0"/>
+              <a:t>,</a:t>
+            </a:r>
+            <a:r>
+              <a:rPr lang="en-US" altLang="ja-JP" dirty="0">
+                <a:latin typeface="Helvetica"/>
+              </a:rPr>
+              <a:t> </a:t>
+            </a:r>
+            <a:r>
+              <a:rPr lang="en-US" altLang="ja-JP" dirty="0" smtClean="0">
+                <a:latin typeface="Helvetica"/>
+              </a:rPr>
+              <a:t>“</a:t>
+            </a:r>
+            <a:r>
+              <a:rPr lang="en-US" altLang="ja-JP" dirty="0" err="1" smtClean="0"/>
+              <a:t>feature</a:t>
             </a:r>
             <a:r>
               <a:rPr lang="en-US" altLang="ja-JP" dirty="0" err="1">
@@ -2735,6 +2754,27 @@
             </a:r>
             <a:r>
               <a:rPr lang="en-US" altLang="ja-JP" dirty="0" err="1"/>
+              <a:t>:value</a:t>
+            </a:r>
+            <a:r>
+              <a:rPr lang="en-US" altLang="ja-JP" dirty="0"/>
+              <a:t>,...}, label),</a:t>
+            </a:r>
+            <a:br>
+              <a:rPr lang="en-US" altLang="ja-JP" dirty="0"/>
+            </a:br>
+            <a:r>
+              <a:rPr lang="en-US" altLang="ja-JP" dirty="0"/>
+              <a:t> ({</a:t>
+            </a:r>
+            <a:r>
+              <a:rPr lang="en-US" altLang="ja-JP" dirty="0">
+                <a:latin typeface="Helvetica"/>
+              </a:rPr>
+              <a:t>“</a:t>
+            </a:r>
+            <a:r>
+              <a:rPr lang="en-US" altLang="ja-JP" dirty="0" err="1"/>
               <a:t>feature</a:t>
             </a:r>
             <a:r>
@@ -2745,47 +2785,30 @@
             </a:r>
             <a:r>
               <a:rPr lang="en-US" altLang="ja-JP" dirty="0" err="1"/>
-              <a:t>:value</a:t>
-            </a:r>
-            <a:r>
-              <a:rPr lang="en-US" altLang="ja-JP" dirty="0"/>
-              <a:t>,...}, label),</a:t>
-            </a:r>
-            <a:br>
-              <a:rPr lang="en-US" altLang="ja-JP" dirty="0"/>
-            </a:br>
-            <a:r>
-              <a:rPr lang="en-US" altLang="ja-JP" dirty="0"/>
-              <a:t> ({</a:t>
+              <a:t>:</a:t>
+            </a:r>
+            <a:r>
+              <a:rPr lang="en-US" altLang="ja-JP" dirty="0" err="1" smtClean="0"/>
+              <a:t>value</a:t>
+            </a:r>
+            <a:r>
+              <a:rPr lang="en-US" altLang="ja-JP" dirty="0" smtClean="0"/>
+              <a:t>,</a:t>
             </a:r>
             <a:r>
               <a:rPr lang="en-US" altLang="ja-JP" dirty="0">
                 <a:latin typeface="Helvetica"/>
               </a:rPr>
-              <a:t>“</a:t>
-            </a:r>
-            <a:r>
-              <a:rPr lang="en-US" altLang="ja-JP" dirty="0" err="1"/>
-              <a:t>feature</a:t>
-            </a:r>
-            <a:r>
-              <a:rPr lang="en-US" altLang="ja-JP" dirty="0" err="1">
+              <a:t> </a:t>
+            </a:r>
+            <a:r>
+              <a:rPr lang="en-US" altLang="ja-JP" dirty="0" smtClean="0">
                 <a:latin typeface="Helvetica"/>
               </a:rPr>
-              <a:t>”</a:t>
-            </a:r>
-            <a:r>
-              <a:rPr lang="en-US" altLang="ja-JP" dirty="0" err="1"/>
-              <a:t>:value,</a:t>
-            </a:r>
-            <a:r>
-              <a:rPr lang="en-US" altLang="ja-JP" dirty="0" err="1">
-                <a:latin typeface="Helvetica"/>
-              </a:rPr>
-              <a:t>”</a:t>
-            </a:r>
-            <a:r>
-              <a:rPr lang="en-US" altLang="ja-JP" dirty="0" err="1"/>
+              <a:t>“</a:t>
+            </a:r>
+            <a:r>
+              <a:rPr lang="en-US" altLang="ja-JP" dirty="0" err="1" smtClean="0"/>
               <a:t>feature</a:t>
             </a:r>
             <a:r>
@@ -2852,7 +2875,51 @@
                 <a:cs typeface="Consolas" pitchFamily="49" charset="0"/>
                 <a:sym typeface="Consolas Bold" charset="0"/>
               </a:rPr>
-              <a:t>feature”:value,”feature”:value</a:t>
+              <a:t>feature”:</a:t>
+            </a:r>
+            <a:r>
+              <a:rPr lang="en-US" altLang="ja-JP" dirty="0" err="1" smtClean="0">
+                <a:solidFill>
+                  <a:schemeClr val="tx1"/>
+                </a:solidFill>
+                <a:latin typeface="Consolas" pitchFamily="49" charset="0"/>
+                <a:cs typeface="Consolas" pitchFamily="49" charset="0"/>
+                <a:sym typeface="Consolas Bold" charset="0"/>
+              </a:rPr>
+              <a:t>value</a:t>
+            </a:r>
+            <a:r>
+              <a:rPr lang="en-US" altLang="ja-JP" dirty="0" smtClean="0">
+                <a:solidFill>
+                  <a:schemeClr val="tx1"/>
+                </a:solidFill>
+                <a:latin typeface="Consolas" pitchFamily="49" charset="0"/>
+                <a:cs typeface="Consolas" pitchFamily="49" charset="0"/>
+                <a:sym typeface="Consolas Bold" charset="0"/>
+              </a:rPr>
+              <a:t>, “</a:t>
+            </a:r>
+            <a:r>
+              <a:rPr lang="en-US" altLang="ja-JP" dirty="0" err="1" smtClean="0">
+                <a:solidFill>
+                  <a:schemeClr val="tx1"/>
+                </a:solidFill>
+                <a:latin typeface="Consolas" pitchFamily="49" charset="0"/>
+                <a:cs typeface="Consolas" pitchFamily="49" charset="0"/>
+                <a:sym typeface="Consolas Bold" charset="0"/>
+              </a:rPr>
+              <a:t>feature</a:t>
+            </a:r>
+            <a:r>
+              <a:rPr lang="en-US" altLang="ja-JP" dirty="0" err="1">
+                <a:solidFill>
+                  <a:schemeClr val="tx1"/>
+                </a:solidFill>
+                <a:latin typeface="Consolas" pitchFamily="49" charset="0"/>
+                <a:cs typeface="Consolas" pitchFamily="49" charset="0"/>
+                <a:sym typeface="Consolas Bold" charset="0"/>
+              </a:rPr>
+              <a:t>”:value</a:t>
             </a:r>
             <a:r>
               <a:rPr lang="en-US" altLang="ja-JP" dirty="0">
@@ -3164,22 +3231,19 @@
               <a:t>ppindex</a:t>
             </a:r>
             <a:r>
+              <a:rPr lang="en-US" altLang="ja-JP" dirty="0" smtClean="0"/>
+              <a:t>):</a:t>
+            </a:r>
+            <a:br>
+              <a:rPr lang="en-US" altLang="ja-JP" dirty="0" smtClean="0"/>
+            </a:br>
+            <a:r>
+              <a:rPr lang="en-US" altLang="ja-JP" dirty="0" smtClean="0"/>
+              <a:t>    return </a:t>
+            </a:r>
+            <a:r>
               <a:rPr lang="en-US" altLang="ja-JP" dirty="0"/>
-              <a:t>):</a:t>
-            </a:r>
-          </a:p>
-          <a:p>
-            <a:pPr marL="525463" lvl="2">
-              <a:tabLst>
-                <a:tab pos="1304925" algn="l"/>
-                <a:tab pos="2346325" algn="l"/>
-                <a:tab pos="1304925" algn="l"/>
-                <a:tab pos="2346325" algn="l"/>
-              </a:tabLst>
-            </a:pPr>
-            <a:r>
-              <a:rPr lang="en-US" altLang="ja-JP" dirty="0"/>
-              <a:t>	return {</a:t>
+              <a:t>{</a:t>
             </a:r>
             <a:r>
               <a:rPr lang="en-US" altLang="ja-JP" dirty="0">
@@ -3723,15 +3787,11 @@
             <a:pPr lvl="1"/>
             <a:r>
               <a:rPr kumimoji="1" lang="ja-JP" altLang="en-US" dirty="0" smtClean="0"/>
-              <a:t>前置詞誤り箇所は特定済み！という問題設定</a:t>
-            </a:r>
-            <a:endParaRPr kumimoji="1" lang="en-US" altLang="ja-JP" dirty="0" smtClean="0"/>
-          </a:p>
-          <a:p>
-            <a:pPr lvl="1"/>
+              <a:t>正解率</a:t>
+            </a:r>
             <a:r>
               <a:rPr kumimoji="1" lang="ja-JP" altLang="en-US" dirty="0" smtClean="0"/>
-              <a:t>正解率（</a:t>
+              <a:t>（</a:t>
             </a:r>
             <a:r>
               <a:rPr kumimoji="1" lang="en-US" altLang="ja-JP" dirty="0" smtClean="0"/>
@@ -4073,75 +4133,93 @@
             </a:pPr>
             <a:r>
               <a:rPr lang="ja-JP" altLang="en-US" dirty="0"/>
-              <a:t>本当は</a:t>
+              <a:t>本当</a:t>
+            </a:r>
+            <a:r>
+              <a:rPr lang="ja-JP" altLang="en-US" dirty="0" smtClean="0"/>
+              <a:t>は </a:t>
+            </a:r>
+            <a:r>
+              <a:rPr lang="en-US" altLang="ja-JP" dirty="0" smtClean="0">
+                <a:latin typeface="Helvetica"/>
+              </a:rPr>
+              <a:t>“</a:t>
+            </a:r>
+            <a:r>
+              <a:rPr lang="en-US" altLang="ja-JP" dirty="0" smtClean="0"/>
+              <a:t>at</a:t>
+            </a:r>
+            <a:r>
+              <a:rPr lang="en-US" altLang="ja-JP" dirty="0" smtClean="0">
+                <a:latin typeface="Helvetica"/>
+              </a:rPr>
+              <a:t>”</a:t>
+            </a:r>
+            <a:r>
+              <a:rPr lang="en-US" altLang="ja-JP" dirty="0" smtClean="0"/>
+              <a:t> </a:t>
+            </a:r>
+            <a:r>
+              <a:rPr lang="ja-JP" altLang="en-US" dirty="0" err="1" smtClean="0"/>
+              <a:t>だったのに</a:t>
             </a:r>
             <a:r>
               <a:rPr lang="ja-JP" altLang="en-US" dirty="0">
                 <a:latin typeface="Helvetica"/>
               </a:rPr>
-              <a:t>”</a:t>
-            </a:r>
-            <a:r>
-              <a:rPr lang="en-US" altLang="ja-JP" dirty="0"/>
-              <a:t>at</a:t>
-            </a:r>
-            <a:r>
-              <a:rPr lang="en-US" altLang="ja-JP" dirty="0">
+              <a:t> </a:t>
+            </a:r>
+            <a:r>
+              <a:rPr lang="en-US" altLang="ja-JP" dirty="0" smtClean="0">
+                <a:latin typeface="Helvetica"/>
+              </a:rPr>
+              <a:t>“</a:t>
+            </a:r>
+            <a:r>
+              <a:rPr lang="en-US" altLang="ja-JP" dirty="0" smtClean="0"/>
+              <a:t>in</a:t>
+            </a:r>
+            <a:r>
+              <a:rPr lang="en-US" altLang="ja-JP" dirty="0" smtClean="0">
                 <a:latin typeface="Helvetica"/>
               </a:rPr>
               <a:t>”</a:t>
             </a:r>
             <a:r>
-              <a:rPr lang="en-US" altLang="ja-JP" dirty="0"/>
+              <a:rPr lang="en-US" altLang="ja-JP" dirty="0" smtClean="0"/>
               <a:t> </a:t>
             </a:r>
             <a:r>
-              <a:rPr lang="ja-JP" altLang="en-US" dirty="0" err="1"/>
-              <a:t>だったのに</a:t>
-            </a:r>
-            <a:r>
-              <a:rPr lang="ja-JP" altLang="en-US" dirty="0">
+              <a:rPr lang="ja-JP" altLang="en-US" dirty="0"/>
+              <a:t>だと出力した場合</a:t>
+            </a:r>
+            <a:r>
+              <a:rPr lang="ja-JP" altLang="en-US" dirty="0" smtClean="0"/>
+              <a:t>と </a:t>
+            </a:r>
+            <a:r>
+              <a:rPr lang="en-US" altLang="ja-JP" dirty="0" smtClean="0">
                 <a:latin typeface="Helvetica"/>
               </a:rPr>
-              <a:t>”</a:t>
-            </a:r>
-            <a:r>
-              <a:rPr lang="en-US" altLang="ja-JP" dirty="0"/>
-              <a:t>in</a:t>
-            </a:r>
-            <a:r>
-              <a:rPr lang="en-US" altLang="ja-JP" dirty="0">
+              <a:t>“</a:t>
+            </a:r>
+            <a:r>
+              <a:rPr lang="en-US" altLang="ja-JP" dirty="0" smtClean="0"/>
+              <a:t>on</a:t>
+            </a:r>
+            <a:r>
+              <a:rPr lang="en-US" altLang="ja-JP" dirty="0" smtClean="0">
                 <a:latin typeface="Helvetica"/>
               </a:rPr>
-              <a:t>”</a:t>
-            </a:r>
-            <a:r>
-              <a:rPr lang="en-US" altLang="ja-JP" dirty="0"/>
-              <a:t> </a:t>
+              <a:t>” </a:t>
+            </a:r>
+            <a:r>
+              <a:rPr lang="ja-JP" altLang="en-US" dirty="0" smtClean="0"/>
+              <a:t>だと</a:t>
             </a:r>
             <a:r>
               <a:rPr lang="ja-JP" altLang="en-US" dirty="0"/>
-              <a:t>だと出力した場合と</a:t>
-            </a:r>
-            <a:r>
-              <a:rPr lang="ja-JP" altLang="en-US" dirty="0">
-                <a:latin typeface="Helvetica"/>
-              </a:rPr>
-              <a:t>”</a:t>
-            </a:r>
-            <a:r>
-              <a:rPr lang="en-US" altLang="ja-JP" dirty="0"/>
-              <a:t>on</a:t>
-            </a:r>
-            <a:r>
-              <a:rPr lang="en-US" altLang="ja-JP" dirty="0">
-                <a:latin typeface="Helvetica"/>
-              </a:rPr>
-              <a:t>”</a:t>
-            </a:r>
-            <a:r>
-              <a:rPr lang="ja-JP" altLang="en-US" dirty="0"/>
-              <a:t>だと出力した場合はどちらが多いんだろう</a:t>
+              <a:t>出力した場合はどちらが多いんだろう</a:t>
             </a:r>
             <a:r>
               <a:rPr lang="en-US" altLang="ja-JP" dirty="0" smtClean="0">
@@ -4589,7 +4667,7 @@
           </p:cNvPicPr>
           <p:nvPr/>
         </p:nvPicPr>
-        <p:blipFill>
+        <p:blipFill rotWithShape="1">
           <a:blip r:embed="rId2">
             <a:extLst>
               <a:ext uri="{28A0092B-C50C-407E-A947-70E740481C1C}">
@@ -4597,15 +4675,13 @@
               </a:ext>
             </a:extLst>
           </a:blip>
-          <a:srcRect/>
-          <a:stretch>
-            <a:fillRect/>
-          </a:stretch>
+          <a:srcRect r="7664" b="32566"/>
+          <a:stretch/>
         </p:blipFill>
         <p:spPr bwMode="auto">
           <a:xfrm>
-            <a:off x="6443543" y="2500536"/>
-            <a:ext cx="7105816" cy="10755874"/>
+            <a:off x="6574408" y="2500536"/>
+            <a:ext cx="6561257" cy="7253064"/>
           </a:xfrm>
           <a:prstGeom prst="rect">
             <a:avLst/>
@@ -4614,11 +4690,7 @@
             <a:noFill/>
           </a:ln>
           <a:effectLst>
-            <a:outerShdw blurRad="190500" algn="tl" rotWithShape="0">
-              <a:srgbClr val="000000">
-                <a:alpha val="70000"/>
-              </a:srgbClr>
-            </a:outerShdw>
+            <a:softEdge rad="112500"/>
           </a:effectLst>
           <a:extLst>
             <a:ext uri="{909E8E84-426E-40DD-AFC4-6F175D3DCCD1}">
@@ -4696,7 +4768,7 @@
           </p:cNvPicPr>
           <p:nvPr/>
         </p:nvPicPr>
-        <p:blipFill>
+        <p:blipFill rotWithShape="1">
           <a:blip r:embed="rId3">
             <a:extLst>
               <a:ext uri="{28A0092B-C50C-407E-A947-70E740481C1C}">
@@ -4704,14 +4776,13 @@
               </a:ext>
             </a:extLst>
           </a:blip>
-          <a:stretch>
-            <a:fillRect/>
-          </a:stretch>
+          <a:srcRect r="34768"/>
+          <a:stretch/>
         </p:blipFill>
         <p:spPr>
           <a:xfrm>
-            <a:off x="6443543" y="608421"/>
-            <a:ext cx="10058400" cy="2982315"/>
+            <a:off x="6493871" y="412304"/>
+            <a:ext cx="6561257" cy="2982315"/>
           </a:xfrm>
           <a:prstGeom prst="rect">
             <a:avLst/>
@@ -4720,9 +4791,9 @@
             <a:noFill/>
           </a:ln>
           <a:effectLst>
-            <a:outerShdw blurRad="190500" algn="tl" rotWithShape="0">
-              <a:srgbClr val="000000">
-                <a:alpha val="70000"/>
+            <a:outerShdw blurRad="292100" dist="139700" dir="2700000" algn="tl" rotWithShape="0">
+              <a:srgbClr val="333333">
+                <a:alpha val="65000"/>
               </a:srgbClr>
             </a:outerShdw>
           </a:effectLst>
@@ -4810,6 +4881,13 @@
     <a:masterClrMapping/>
   </p:clrMapOvr>
   <p:transition/>
+  <p:timing>
+    <p:tnLst>
+      <p:par>
+        <p:cTn id="1" dur="indefinite" restart="never" nodeType="tmRoot"/>
+      </p:par>
+    </p:tnLst>
+  </p:timing>
 </p:sld>
 </file>
 
@@ -6376,7 +6454,6 @@
               <a:rPr lang="en-US" altLang="ja-JP" dirty="0" smtClean="0"/>
               <a:t>list</a:t>
             </a:r>
-            <a:endParaRPr lang="en-US" altLang="ja-JP" dirty="0" smtClean="0"/>
           </a:p>
           <a:p>
             <a:pPr marL="842963" lvl="1">

--- a/ss2012_slide.pptx
+++ b/ss2012_slide.pptx
@@ -10,21 +10,28 @@
     <p:sldId id="257" r:id="rId4"/>
     <p:sldId id="270" r:id="rId5"/>
     <p:sldId id="258" r:id="rId6"/>
-    <p:sldId id="259" r:id="rId7"/>
-    <p:sldId id="260" r:id="rId8"/>
-    <p:sldId id="261" r:id="rId9"/>
-    <p:sldId id="263" r:id="rId10"/>
-    <p:sldId id="272" r:id="rId11"/>
-    <p:sldId id="275" r:id="rId12"/>
-    <p:sldId id="264" r:id="rId13"/>
-    <p:sldId id="265" r:id="rId14"/>
-    <p:sldId id="274" r:id="rId15"/>
-    <p:sldId id="262" r:id="rId16"/>
-    <p:sldId id="266" r:id="rId17"/>
-    <p:sldId id="276" r:id="rId18"/>
-    <p:sldId id="268" r:id="rId19"/>
-    <p:sldId id="269" r:id="rId20"/>
-    <p:sldId id="277" r:id="rId21"/>
+    <p:sldId id="284" r:id="rId7"/>
+    <p:sldId id="285" r:id="rId8"/>
+    <p:sldId id="259" r:id="rId9"/>
+    <p:sldId id="260" r:id="rId10"/>
+    <p:sldId id="261" r:id="rId11"/>
+    <p:sldId id="286" r:id="rId12"/>
+    <p:sldId id="263" r:id="rId13"/>
+    <p:sldId id="272" r:id="rId14"/>
+    <p:sldId id="275" r:id="rId15"/>
+    <p:sldId id="280" r:id="rId16"/>
+    <p:sldId id="281" r:id="rId17"/>
+    <p:sldId id="282" r:id="rId18"/>
+    <p:sldId id="283" r:id="rId19"/>
+    <p:sldId id="264" r:id="rId20"/>
+    <p:sldId id="265" r:id="rId21"/>
+    <p:sldId id="274" r:id="rId22"/>
+    <p:sldId id="262" r:id="rId23"/>
+    <p:sldId id="266" r:id="rId24"/>
+    <p:sldId id="276" r:id="rId25"/>
+    <p:sldId id="268" r:id="rId26"/>
+    <p:sldId id="269" r:id="rId27"/>
+    <p:sldId id="277" r:id="rId28"/>
   </p:sldIdLst>
   <p:sldSz cx="13004800" cy="9753600"/>
   <p:notesSz cx="6858000" cy="9144000"/>
@@ -2060,7 +2067,7 @@
       </p:grpSpPr>
       <p:sp>
         <p:nvSpPr>
-          <p:cNvPr id="22529" name="Rectangle 1"/>
+          <p:cNvPr id="20481" name="Rectangle 1"/>
           <p:cNvSpPr>
             <a:spLocks noGrp="1" noChangeArrowheads="1"/>
           </p:cNvSpPr>
@@ -2076,8 +2083,12 @@
           <a:lstStyle/>
           <a:p>
             <a:r>
+              <a:rPr lang="en-US" altLang="ja-JP" dirty="0"/>
+              <a:t>…</a:t>
+            </a:r>
+            <a:r>
               <a:rPr lang="ja-JP" altLang="en-US" dirty="0"/>
-              <a:t>ここからの流れ</a:t>
+              <a:t>前処理はこちらでやります</a:t>
             </a:r>
           </a:p>
         </p:txBody>
@@ -2101,7 +2112,7 @@
           <a:bodyPr/>
           <a:lstStyle/>
           <a:p>
-            <a:fld id="{872FBE48-870A-48D5-9964-DEEFA794BDEE}" type="slidenum">
+            <a:fld id="{615D371A-56AF-4C11-88E3-9BEE827EAB19}" type="slidenum">
               <a:rPr lang="en-US" altLang="ja-JP"/>
               <a:pPr/>
               <a:t>10</a:t>
@@ -2112,7 +2123,7 @@
       </p:sp>
       <p:sp>
         <p:nvSpPr>
-          <p:cNvPr id="22530" name="Rectangle 2"/>
+          <p:cNvPr id="20482" name="Rectangle 2"/>
           <p:cNvSpPr>
             <a:spLocks noGrp="1" noChangeArrowheads="1"/>
           </p:cNvSpPr>
@@ -2127,43 +2138,185 @@
           <a:bodyPr/>
           <a:lstStyle/>
           <a:p>
-            <a:r>
-              <a:rPr lang="ja-JP" altLang="en-US" dirty="0"/>
-              <a:t>コーパスを読み込む</a:t>
-            </a:r>
-          </a:p>
-          <a:p>
-            <a:r>
-              <a:rPr lang="ja-JP" altLang="en-US" dirty="0"/>
-              <a:t>素性関数をつくる ← これから</a:t>
-            </a:r>
-          </a:p>
-          <a:p>
-            <a:r>
-              <a:rPr lang="ja-JP" altLang="en-US" dirty="0"/>
-              <a:t>学習事例をつくる</a:t>
-            </a:r>
-          </a:p>
-          <a:p>
-            <a:r>
-              <a:rPr lang="en-US" altLang="ja-JP" dirty="0"/>
-              <a:t>Classifier</a:t>
-            </a:r>
-            <a:r>
-              <a:rPr lang="ja-JP" altLang="en-US" dirty="0"/>
-              <a:t>を学習させる</a:t>
-            </a:r>
-          </a:p>
-          <a:p>
-            <a:r>
-              <a:rPr lang="ja-JP" altLang="en-US" dirty="0"/>
-              <a:t>テストをする</a:t>
-            </a:r>
-          </a:p>
-          <a:p>
-            <a:r>
-              <a:rPr lang="ja-JP" altLang="en-US" dirty="0"/>
-              <a:t>結果を眺める→エラー分析</a:t>
+            <a:pPr marL="525463" lvl="2">
+              <a:tabLst>
+                <a:tab pos="1304925" algn="l"/>
+                <a:tab pos="2346325" algn="l"/>
+              </a:tabLst>
+            </a:pPr>
+            <a:r>
+              <a:rPr lang="en-US" altLang="ja-JP" sz="2500" dirty="0"/>
+              <a:t>$python ./preprocessor.py </a:t>
+            </a:r>
+          </a:p>
+          <a:p>
+            <a:pPr>
+              <a:spcBef>
+                <a:spcPts val="2150"/>
+              </a:spcBef>
+              <a:tabLst>
+                <a:tab pos="1304925" algn="l"/>
+                <a:tab pos="2346325" algn="l"/>
+              </a:tabLst>
+            </a:pPr>
+            <a:r>
+              <a:rPr lang="en-US" altLang="ja-JP" sz="2800" dirty="0">
+                <a:latin typeface="Helvetica"/>
+              </a:rPr>
+              <a:t>”</a:t>
+            </a:r>
+            <a:r>
+              <a:rPr lang="en-US" altLang="ja-JP" sz="2800" dirty="0" err="1"/>
+              <a:t>packedcorpus.pkl</a:t>
+            </a:r>
+            <a:r>
+              <a:rPr lang="en-US" altLang="ja-JP" sz="2800" dirty="0">
+                <a:latin typeface="Helvetica"/>
+              </a:rPr>
+              <a:t>”</a:t>
+            </a:r>
+            <a:r>
+              <a:rPr lang="en-US" altLang="ja-JP" sz="2800" dirty="0"/>
+              <a:t> </a:t>
+            </a:r>
+            <a:r>
+              <a:rPr lang="ja-JP" altLang="en-US" sz="2800" dirty="0"/>
+              <a:t>が出力されます</a:t>
+            </a:r>
+            <a:r>
+              <a:rPr lang="en-US" altLang="ja-JP" sz="2800" dirty="0"/>
+              <a:t>.</a:t>
+            </a:r>
+          </a:p>
+          <a:p>
+            <a:pPr marL="842963" lvl="1">
+              <a:spcBef>
+                <a:spcPts val="2150"/>
+              </a:spcBef>
+              <a:tabLst>
+                <a:tab pos="1304925" algn="l"/>
+                <a:tab pos="2346325" algn="l"/>
+              </a:tabLst>
+            </a:pPr>
+            <a:r>
+              <a:rPr lang="ja-JP" altLang="en-US" sz="2800" dirty="0"/>
+              <a:t>今回はコーパスが小さく処理も簡潔なため </a:t>
+            </a:r>
+            <a:r>
+              <a:rPr lang="en-US" altLang="ja-JP" sz="2800" dirty="0"/>
+              <a:t>Python</a:t>
+            </a:r>
+            <a:r>
+              <a:rPr lang="ja-JP" altLang="en-US" sz="2800" dirty="0"/>
+              <a:t>の</a:t>
+            </a:r>
+            <a:r>
+              <a:rPr lang="en-US" altLang="ja-JP" sz="2800" dirty="0"/>
+              <a:t>pickle</a:t>
+            </a:r>
+            <a:r>
+              <a:rPr lang="ja-JP" altLang="en-US" sz="2800" dirty="0"/>
+              <a:t>モジュールを使いました</a:t>
+            </a:r>
+            <a:r>
+              <a:rPr lang="en-US" altLang="ja-JP" sz="2800" dirty="0"/>
+              <a:t>.</a:t>
+            </a:r>
+          </a:p>
+          <a:p>
+            <a:pPr>
+              <a:spcBef>
+                <a:spcPts val="2150"/>
+              </a:spcBef>
+              <a:tabLst>
+                <a:tab pos="1304925" algn="l"/>
+                <a:tab pos="2346325" algn="l"/>
+              </a:tabLst>
+            </a:pPr>
+            <a:r>
+              <a:rPr lang="ja-JP" altLang="en-US" sz="2800" dirty="0"/>
+              <a:t>ところで</a:t>
+            </a:r>
+            <a:r>
+              <a:rPr lang="en-US" altLang="ja-JP" sz="2800" dirty="0"/>
+              <a:t>...</a:t>
+            </a:r>
+          </a:p>
+          <a:p>
+            <a:pPr marL="842963" lvl="1">
+              <a:spcBef>
+                <a:spcPts val="2150"/>
+              </a:spcBef>
+              <a:tabLst>
+                <a:tab pos="1304925" algn="l"/>
+                <a:tab pos="2346325" algn="l"/>
+              </a:tabLst>
+            </a:pPr>
+            <a:r>
+              <a:rPr lang="ja-JP" altLang="en-US" sz="2800" dirty="0"/>
+              <a:t>これは実はほんとうの意味での下拵えではないのです</a:t>
+            </a:r>
+            <a:r>
+              <a:rPr lang="en-US" altLang="ja-JP" sz="2800" dirty="0"/>
+              <a:t>...</a:t>
+            </a:r>
+          </a:p>
+          <a:p>
+            <a:pPr marL="842963" lvl="1">
+              <a:spcBef>
+                <a:spcPts val="1800"/>
+              </a:spcBef>
+              <a:tabLst>
+                <a:tab pos="1304925" algn="l"/>
+                <a:tab pos="2346325" algn="l"/>
+              </a:tabLst>
+            </a:pPr>
+            <a:r>
+              <a:rPr lang="ja-JP" altLang="en-US" sz="2800" dirty="0"/>
+              <a:t>コーパスの整備や前処理はとても大事な工程です</a:t>
+            </a:r>
+            <a:r>
+              <a:rPr lang="en-US" altLang="ja-JP" sz="2800" dirty="0"/>
+              <a:t>!!!!!!</a:t>
+            </a:r>
+          </a:p>
+          <a:p>
+            <a:pPr marL="842963" lvl="1">
+              <a:spcBef>
+                <a:spcPts val="1800"/>
+              </a:spcBef>
+              <a:tabLst>
+                <a:tab pos="1304925" algn="l"/>
+                <a:tab pos="2346325" algn="l"/>
+              </a:tabLst>
+            </a:pPr>
+            <a:r>
+              <a:rPr lang="ja-JP" altLang="en-US" sz="2800" dirty="0"/>
+              <a:t>ここ</a:t>
+            </a:r>
+            <a:r>
+              <a:rPr lang="ja-JP" altLang="en-US" sz="2800" dirty="0" smtClean="0"/>
+              <a:t>で</a:t>
+            </a:r>
+            <a:r>
+              <a:rPr lang="ja-JP" altLang="en-US" dirty="0" smtClean="0"/>
+              <a:t>現役</a:t>
+            </a:r>
+            <a:r>
+              <a:rPr lang="en-US" altLang="ja-JP" dirty="0" err="1" smtClean="0"/>
+              <a:t>NLPer</a:t>
+            </a:r>
+            <a:r>
+              <a:rPr lang="ja-JP" altLang="en-US" dirty="0" smtClean="0"/>
+              <a:t>の諸氏</a:t>
+            </a:r>
+            <a:r>
+              <a:rPr lang="ja-JP" altLang="en-US" sz="2800" dirty="0" smtClean="0"/>
+              <a:t>から</a:t>
+            </a:r>
+            <a:r>
+              <a:rPr lang="ja-JP" altLang="en-US" sz="2800" dirty="0"/>
+              <a:t>色々なエピソードが語られます・・・</a:t>
             </a:r>
           </a:p>
         </p:txBody>
@@ -2185,6 +2338,718 @@
 </file>
 
 <file path=ppt/slides/slide11.xml><?xml version="1.0" encoding="utf-8"?>
+<p:sld xmlns:a="http://schemas.openxmlformats.org/drawingml/2006/main" xmlns:r="http://schemas.openxmlformats.org/officeDocument/2006/relationships" xmlns:p="http://schemas.openxmlformats.org/presentationml/2006/main">
+  <p:cSld>
+    <p:spTree>
+      <p:nvGrpSpPr>
+        <p:cNvPr id="1" name=""/>
+        <p:cNvGrpSpPr/>
+        <p:nvPr/>
+      </p:nvGrpSpPr>
+      <p:grpSpPr>
+        <a:xfrm>
+          <a:off x="0" y="0"/>
+          <a:ext cx="0" cy="0"/>
+          <a:chOff x="0" y="0"/>
+          <a:chExt cx="0" cy="0"/>
+        </a:xfrm>
+      </p:grpSpPr>
+      <p:sp>
+        <p:nvSpPr>
+          <p:cNvPr id="10" name="Title 9"/>
+          <p:cNvSpPr>
+            <a:spLocks noGrp="1"/>
+          </p:cNvSpPr>
+          <p:nvPr>
+            <p:ph type="title"/>
+          </p:nvPr>
+        </p:nvSpPr>
+        <p:spPr/>
+        <p:txBody>
+          <a:bodyPr/>
+          <a:lstStyle/>
+          <a:p>
+            <a:r>
+              <a:rPr kumimoji="1" lang="ja-JP" altLang="en-US" dirty="0" smtClean="0"/>
+              <a:t>コーパス前処理職人の朝は早い</a:t>
+            </a:r>
+            <a:endParaRPr kumimoji="1" lang="ja-JP" altLang="en-US" dirty="0"/>
+          </a:p>
+        </p:txBody>
+      </p:sp>
+      <p:sp>
+        <p:nvSpPr>
+          <p:cNvPr id="11" name="Content Placeholder 10"/>
+          <p:cNvSpPr>
+            <a:spLocks noGrp="1"/>
+          </p:cNvSpPr>
+          <p:nvPr>
+            <p:ph sz="quarter" idx="10"/>
+          </p:nvPr>
+        </p:nvSpPr>
+        <p:spPr/>
+        <p:txBody>
+          <a:bodyPr/>
+          <a:lstStyle/>
+          <a:p>
+            <a:r>
+              <a:rPr kumimoji="1" lang="ja-JP" altLang="en-US" dirty="0" smtClean="0"/>
+              <a:t>「まぁ、好きで始めた仕事ですからね。」</a:t>
+            </a:r>
+            <a:r>
+              <a:rPr kumimoji="1" lang="en-US" altLang="ja-JP" dirty="0" smtClean="0"/>
+              <a:t/>
+            </a:r>
+            <a:br>
+              <a:rPr kumimoji="1" lang="en-US" altLang="ja-JP" dirty="0" smtClean="0"/>
+            </a:br>
+            <a:r>
+              <a:rPr kumimoji="1" lang="en-US" altLang="ja-JP" dirty="0" smtClean="0"/>
+              <a:t>		</a:t>
+            </a:r>
+            <a:r>
+              <a:rPr kumimoji="1" lang="en-US" altLang="ja-JP" sz="2400" dirty="0" smtClean="0"/>
+              <a:t>CLC-FCE</a:t>
+            </a:r>
+            <a:r>
+              <a:rPr kumimoji="1" lang="ja-JP" altLang="en-US" sz="2400" dirty="0" smtClean="0"/>
+              <a:t>コーパスの</a:t>
+            </a:r>
+            <a:r>
+              <a:rPr kumimoji="1" lang="en-US" altLang="ja-JP" sz="2400" dirty="0" smtClean="0"/>
+              <a:t>XML</a:t>
+            </a:r>
+            <a:r>
+              <a:rPr kumimoji="1" lang="ja-JP" altLang="en-US" sz="2400" dirty="0" smtClean="0"/>
+              <a:t>を眺めながらつぶやく。</a:t>
+            </a:r>
+            <a:r>
+              <a:rPr kumimoji="1" lang="en-US" altLang="ja-JP" sz="2400" dirty="0" smtClean="0"/>
+              <a:t/>
+            </a:r>
+            <a:br>
+              <a:rPr kumimoji="1" lang="en-US" altLang="ja-JP" sz="2400" dirty="0" smtClean="0"/>
+            </a:br>
+            <a:r>
+              <a:rPr kumimoji="1" lang="en-US" altLang="ja-JP" sz="2400" dirty="0" smtClean="0"/>
+              <a:t>		</a:t>
+            </a:r>
+            <a:r>
+              <a:rPr kumimoji="1" lang="ja-JP" altLang="en-US" sz="2400" dirty="0" smtClean="0"/>
+              <a:t>もちろんエディタは</a:t>
+            </a:r>
+            <a:r>
+              <a:rPr kumimoji="1" lang="en-US" altLang="ja-JP" sz="2400" dirty="0" smtClean="0"/>
+              <a:t>Vim</a:t>
+            </a:r>
+            <a:r>
+              <a:rPr kumimoji="1" lang="ja-JP" altLang="en-US" sz="2400" dirty="0" smtClean="0"/>
+              <a:t>だ。</a:t>
+            </a:r>
+            <a:endParaRPr kumimoji="1" lang="en-US" altLang="ja-JP" sz="2400" dirty="0" smtClean="0"/>
+          </a:p>
+          <a:p>
+            <a:r>
+              <a:rPr kumimoji="1" lang="ja-JP" altLang="en-US" dirty="0" smtClean="0"/>
+              <a:t>「なんでこんな間違いを</a:t>
+            </a:r>
+            <a:r>
+              <a:rPr kumimoji="1" lang="ja-JP" altLang="en-US" dirty="0" err="1" smtClean="0"/>
+              <a:t>するんや</a:t>
+            </a:r>
+            <a:r>
+              <a:rPr kumimoji="1" lang="ja-JP" altLang="en-US" dirty="0" smtClean="0"/>
+              <a:t>、とか思っても言っちゃダメなんだよ。みんながんばってるからね。」</a:t>
+            </a:r>
+            <a:r>
+              <a:rPr kumimoji="1" lang="en-US" altLang="ja-JP" dirty="0" smtClean="0"/>
+              <a:t/>
+            </a:r>
+            <a:br>
+              <a:rPr kumimoji="1" lang="en-US" altLang="ja-JP" dirty="0" smtClean="0"/>
+            </a:br>
+            <a:r>
+              <a:rPr kumimoji="1" lang="en-US" altLang="ja-JP" dirty="0" smtClean="0"/>
+              <a:t>		</a:t>
+            </a:r>
+            <a:r>
+              <a:rPr kumimoji="1" lang="ja-JP" altLang="en-US" sz="2400" dirty="0" smtClean="0"/>
+              <a:t>膨大な量の言語交流</a:t>
+            </a:r>
+            <a:r>
+              <a:rPr kumimoji="1" lang="en-US" altLang="ja-JP" sz="2400" dirty="0" smtClean="0"/>
+              <a:t>SNS</a:t>
+            </a:r>
+            <a:r>
+              <a:rPr kumimoji="1" lang="ja-JP" altLang="en-US" sz="2400" dirty="0" smtClean="0"/>
+              <a:t>からのデータから</a:t>
+            </a:r>
+            <a:r>
+              <a:rPr kumimoji="1" lang="en-US" altLang="ja-JP" sz="2400" dirty="0" smtClean="0"/>
+              <a:t/>
+            </a:r>
+            <a:br>
+              <a:rPr kumimoji="1" lang="en-US" altLang="ja-JP" sz="2400" dirty="0" smtClean="0"/>
+            </a:br>
+            <a:r>
+              <a:rPr kumimoji="1" lang="en-US" altLang="ja-JP" sz="2400" dirty="0" smtClean="0"/>
+              <a:t>		</a:t>
+            </a:r>
+            <a:r>
+              <a:rPr kumimoji="1" lang="ja-JP" altLang="en-US" sz="2400" dirty="0" smtClean="0"/>
+              <a:t>金脈を見つけ出すのは一流の職人の仕事である。</a:t>
+            </a:r>
+            <a:endParaRPr kumimoji="1" lang="en-US" altLang="ja-JP" sz="2400" dirty="0" smtClean="0"/>
+          </a:p>
+          <a:p>
+            <a:r>
+              <a:rPr kumimoji="1" lang="ja-JP" altLang="en-US" dirty="0" smtClean="0"/>
+              <a:t>「このデータを使った論文が</a:t>
+            </a:r>
+            <a:r>
+              <a:rPr kumimoji="1" lang="en-US" altLang="ja-JP" dirty="0" smtClean="0"/>
+              <a:t>Accept</a:t>
+            </a:r>
+            <a:r>
+              <a:rPr kumimoji="1" lang="ja-JP" altLang="en-US" dirty="0" smtClean="0"/>
+              <a:t>されたことを聞く度に、この仕事をしていてよかったと感じるんです。」</a:t>
+            </a:r>
+            <a:endParaRPr kumimoji="1" lang="en-US" altLang="ja-JP" dirty="0" smtClean="0"/>
+          </a:p>
+        </p:txBody>
+      </p:sp>
+    </p:spTree>
+    <p:extLst>
+      <p:ext uri="{BB962C8B-B14F-4D97-AF65-F5344CB8AC3E}">
+        <p14:creationId xmlns:p14="http://schemas.microsoft.com/office/powerpoint/2010/main" val="1668115908"/>
+      </p:ext>
+    </p:extLst>
+  </p:cSld>
+  <p:clrMapOvr>
+    <a:masterClrMapping/>
+  </p:clrMapOvr>
+  <p:transition/>
+  <p:timing>
+    <p:tnLst>
+      <p:par>
+        <p:cTn id="1" dur="indefinite" restart="never" nodeType="tmRoot"/>
+      </p:par>
+    </p:tnLst>
+  </p:timing>
+</p:sld>
+</file>
+
+<file path=ppt/slides/slide12.xml><?xml version="1.0" encoding="utf-8"?>
+<p:sld xmlns:a="http://schemas.openxmlformats.org/drawingml/2006/main" xmlns:r="http://schemas.openxmlformats.org/officeDocument/2006/relationships" xmlns:p="http://schemas.openxmlformats.org/presentationml/2006/main">
+  <p:cSld>
+    <p:spTree>
+      <p:nvGrpSpPr>
+        <p:cNvPr id="1" name=""/>
+        <p:cNvGrpSpPr/>
+        <p:nvPr/>
+      </p:nvGrpSpPr>
+      <p:grpSpPr>
+        <a:xfrm>
+          <a:off x="0" y="0"/>
+          <a:ext cx="0" cy="0"/>
+          <a:chOff x="0" y="0"/>
+          <a:chExt cx="0" cy="0"/>
+        </a:xfrm>
+      </p:grpSpPr>
+      <p:sp>
+        <p:nvSpPr>
+          <p:cNvPr id="21505" name="Rectangle 1"/>
+          <p:cNvSpPr>
+            <a:spLocks noGrp="1" noChangeArrowheads="1"/>
+          </p:cNvSpPr>
+          <p:nvPr>
+            <p:ph type="title"/>
+          </p:nvPr>
+        </p:nvSpPr>
+        <p:spPr>
+          <a:ln/>
+        </p:spPr>
+        <p:txBody>
+          <a:bodyPr/>
+          <a:lstStyle/>
+          <a:p>
+            <a:r>
+              <a:rPr lang="ja-JP" altLang="en-US" dirty="0"/>
+              <a:t>コーパス読み込み</a:t>
+            </a:r>
+          </a:p>
+        </p:txBody>
+      </p:sp>
+      <p:sp>
+        <p:nvSpPr>
+          <p:cNvPr id="4" name="Slide Number Placeholder 3"/>
+          <p:cNvSpPr>
+            <a:spLocks noGrp="1"/>
+          </p:cNvSpPr>
+          <p:nvPr>
+            <p:ph type="sldNum" sz="quarter" idx="4"/>
+          </p:nvPr>
+        </p:nvSpPr>
+        <p:spPr>
+          <a:prstGeom prst="rect">
+            <a:avLst/>
+          </a:prstGeom>
+        </p:spPr>
+        <p:txBody>
+          <a:bodyPr/>
+          <a:lstStyle/>
+          <a:p>
+            <a:fld id="{9EB7EA04-46B5-431A-9BD0-3CB2D3518C66}" type="slidenum">
+              <a:rPr lang="en-US" altLang="ja-JP"/>
+              <a:pPr/>
+              <a:t>12</a:t>
+            </a:fld>
+            <a:endParaRPr lang="en-US" altLang="ja-JP"/>
+          </a:p>
+        </p:txBody>
+      </p:sp>
+      <p:sp>
+        <p:nvSpPr>
+          <p:cNvPr id="21506" name="Rectangle 2"/>
+          <p:cNvSpPr>
+            <a:spLocks noGrp="1" noChangeArrowheads="1"/>
+          </p:cNvSpPr>
+          <p:nvPr>
+            <p:ph sz="quarter" idx="10"/>
+          </p:nvPr>
+        </p:nvSpPr>
+        <p:spPr>
+          <a:ln/>
+        </p:spPr>
+        <p:txBody>
+          <a:bodyPr/>
+          <a:lstStyle/>
+          <a:p>
+            <a:pPr>
+              <a:tabLst>
+                <a:tab pos="1304925" algn="l"/>
+                <a:tab pos="2346325" algn="l"/>
+                <a:tab pos="1304925" algn="l"/>
+                <a:tab pos="2346325" algn="l"/>
+              </a:tabLst>
+            </a:pPr>
+            <a:r>
+              <a:rPr lang="ja-JP" altLang="en-US" dirty="0"/>
+              <a:t>シリアライズされた</a:t>
+            </a:r>
+            <a:r>
+              <a:rPr lang="en-US" altLang="ja-JP" dirty="0"/>
+              <a:t>Python object</a:t>
+            </a:r>
+            <a:r>
+              <a:rPr lang="ja-JP" altLang="en-US" dirty="0"/>
+              <a:t>を読み込むには</a:t>
+            </a:r>
+            <a:r>
+              <a:rPr lang="en-US" altLang="ja-JP" dirty="0" smtClean="0">
+                <a:latin typeface="Helvetica"/>
+              </a:rPr>
+              <a:t>…</a:t>
+            </a:r>
+            <a:endParaRPr lang="en-US" altLang="ja-JP" dirty="0"/>
+          </a:p>
+          <a:p>
+            <a:pPr lvl="1">
+              <a:tabLst>
+                <a:tab pos="1304925" algn="l"/>
+                <a:tab pos="2346325" algn="l"/>
+                <a:tab pos="1304925" algn="l"/>
+                <a:tab pos="2346325" algn="l"/>
+              </a:tabLst>
+            </a:pPr>
+            <a:r>
+              <a:rPr lang="en-US" altLang="ja-JP" dirty="0" smtClean="0"/>
+              <a:t>Pickle </a:t>
+            </a:r>
+            <a:r>
+              <a:rPr lang="en-US" altLang="ja-JP" dirty="0"/>
+              <a:t>module</a:t>
+            </a:r>
+            <a:r>
+              <a:rPr lang="ja-JP" altLang="en-US" dirty="0"/>
+              <a:t>を</a:t>
+            </a:r>
+            <a:r>
+              <a:rPr lang="ja-JP" altLang="en-US" dirty="0" smtClean="0"/>
+              <a:t>使う</a:t>
+            </a:r>
+            <a:endParaRPr lang="en-US" altLang="ja-JP" dirty="0"/>
+          </a:p>
+          <a:p>
+            <a:pPr marL="525463" lvl="2">
+              <a:tabLst>
+                <a:tab pos="1304925" algn="l"/>
+                <a:tab pos="2346325" algn="l"/>
+                <a:tab pos="1304925" algn="l"/>
+                <a:tab pos="2346325" algn="l"/>
+              </a:tabLst>
+            </a:pPr>
+            <a:r>
+              <a:rPr lang="en-US" altLang="ja-JP" dirty="0"/>
+              <a:t>import </a:t>
+            </a:r>
+            <a:r>
+              <a:rPr lang="en-US" altLang="ja-JP" dirty="0" err="1"/>
+              <a:t>cPickle</a:t>
+            </a:r>
+            <a:r>
+              <a:rPr lang="en-US" altLang="ja-JP" dirty="0"/>
+              <a:t> as </a:t>
+            </a:r>
+            <a:r>
+              <a:rPr lang="en-US" altLang="ja-JP" dirty="0" smtClean="0"/>
+              <a:t>pickle</a:t>
+            </a:r>
+            <a:br>
+              <a:rPr lang="en-US" altLang="ja-JP" dirty="0" smtClean="0"/>
+            </a:br>
+            <a:r>
+              <a:rPr lang="en-US" altLang="ja-JP" dirty="0" smtClean="0"/>
+              <a:t>corpus </a:t>
+            </a:r>
+            <a:r>
+              <a:rPr lang="en-US" altLang="ja-JP" dirty="0"/>
+              <a:t>= </a:t>
+            </a:r>
+            <a:r>
+              <a:rPr lang="en-US" altLang="ja-JP" dirty="0" err="1"/>
+              <a:t>pickle.load</a:t>
+            </a:r>
+            <a:r>
+              <a:rPr lang="en-US" altLang="ja-JP" dirty="0"/>
+              <a:t>(</a:t>
+            </a:r>
+            <a:r>
+              <a:rPr lang="en-US" altLang="ja-JP" dirty="0">
+                <a:latin typeface="Helvetica"/>
+              </a:rPr>
+              <a:t>“</a:t>
+            </a:r>
+            <a:r>
+              <a:rPr lang="en-US" altLang="ja-JP" dirty="0" err="1"/>
+              <a:t>packedcorpus.pkl</a:t>
+            </a:r>
+            <a:r>
+              <a:rPr lang="en-US" altLang="ja-JP" dirty="0">
+                <a:latin typeface="Helvetica"/>
+              </a:rPr>
+              <a:t>”</a:t>
+            </a:r>
+            <a:r>
+              <a:rPr lang="en-US" altLang="ja-JP" dirty="0"/>
+              <a:t>, </a:t>
+            </a:r>
+            <a:r>
+              <a:rPr lang="en-US" altLang="ja-JP" dirty="0">
+                <a:latin typeface="Helvetica"/>
+              </a:rPr>
+              <a:t>“</a:t>
+            </a:r>
+            <a:r>
+              <a:rPr lang="en-US" altLang="ja-JP" dirty="0" err="1"/>
+              <a:t>rb</a:t>
+            </a:r>
+            <a:r>
+              <a:rPr lang="en-US" altLang="ja-JP" dirty="0">
+                <a:latin typeface="Helvetica"/>
+              </a:rPr>
+              <a:t>”</a:t>
+            </a:r>
+            <a:r>
+              <a:rPr lang="en-US" altLang="ja-JP" dirty="0"/>
+              <a:t>)</a:t>
+            </a:r>
+          </a:p>
+          <a:p>
+            <a:pPr marL="220163">
+              <a:tabLst>
+                <a:tab pos="1304925" algn="l"/>
+                <a:tab pos="2346325" algn="l"/>
+                <a:tab pos="1304925" algn="l"/>
+                <a:tab pos="2346325" algn="l"/>
+              </a:tabLst>
+            </a:pPr>
+            <a:r>
+              <a:rPr lang="ja-JP" altLang="en-US" dirty="0"/>
+              <a:t>一文に対応</a:t>
+            </a:r>
+            <a:r>
+              <a:rPr lang="ja-JP" altLang="en-US" dirty="0" smtClean="0"/>
+              <a:t>する</a:t>
+            </a:r>
+            <a:r>
+              <a:rPr lang="en-US" altLang="ja-JP" dirty="0" err="1" smtClean="0"/>
+              <a:t>dict</a:t>
+            </a:r>
+            <a:r>
+              <a:rPr lang="ja-JP" altLang="en-US" dirty="0" smtClean="0"/>
+              <a:t>が入って</a:t>
+            </a:r>
+            <a:r>
+              <a:rPr lang="ja-JP" altLang="en-US" dirty="0" smtClean="0"/>
+              <a:t>いる</a:t>
+            </a:r>
+            <a:r>
+              <a:rPr lang="en-US" altLang="ja-JP" dirty="0" smtClean="0"/>
+              <a:t>list</a:t>
+            </a:r>
+          </a:p>
+          <a:p>
+            <a:pPr marL="842963" lvl="1">
+              <a:tabLst>
+                <a:tab pos="1304925" algn="l"/>
+                <a:tab pos="2346325" algn="l"/>
+                <a:tab pos="1304925" algn="l"/>
+                <a:tab pos="2346325" algn="l"/>
+              </a:tabLst>
+            </a:pPr>
+            <a:r>
+              <a:rPr lang="en-US" altLang="ja-JP" dirty="0" smtClean="0"/>
+              <a:t>key “</a:t>
+            </a:r>
+            <a:r>
+              <a:rPr lang="en-US" altLang="ja-JP" dirty="0" err="1" smtClean="0"/>
+              <a:t>training_words</a:t>
+            </a:r>
+            <a:r>
+              <a:rPr lang="en-US" altLang="ja-JP" dirty="0" smtClean="0"/>
+              <a:t>”, “</a:t>
+            </a:r>
+            <a:r>
+              <a:rPr lang="en-US" altLang="ja-JP" dirty="0" err="1" smtClean="0"/>
+              <a:t>test_words</a:t>
+            </a:r>
+            <a:r>
+              <a:rPr lang="en-US" altLang="ja-JP" dirty="0" smtClean="0"/>
+              <a:t>” </a:t>
+            </a:r>
+            <a:br>
+              <a:rPr lang="en-US" altLang="ja-JP" dirty="0" smtClean="0"/>
+            </a:br>
+            <a:r>
+              <a:rPr lang="en-US" altLang="ja-JP" dirty="0" smtClean="0"/>
+              <a:t>value = [“tokenized”, “sentence”, …]</a:t>
+            </a:r>
+          </a:p>
+          <a:p>
+            <a:pPr marL="842963" lvl="1">
+              <a:tabLst>
+                <a:tab pos="1304925" algn="l"/>
+                <a:tab pos="2346325" algn="l"/>
+                <a:tab pos="1304925" algn="l"/>
+                <a:tab pos="2346325" algn="l"/>
+              </a:tabLst>
+            </a:pPr>
+            <a:r>
+              <a:rPr lang="en-US" altLang="ja-JP" dirty="0" smtClean="0"/>
+              <a:t>key “</a:t>
+            </a:r>
+            <a:r>
+              <a:rPr lang="en-US" altLang="ja-JP" dirty="0" err="1" smtClean="0"/>
+              <a:t>correction_pair</a:t>
+            </a:r>
+            <a:r>
+              <a:rPr lang="en-US" altLang="ja-JP" dirty="0" smtClean="0"/>
+              <a:t>”, value = (“incorrect prep.”, “correct prep.”)</a:t>
+            </a:r>
+          </a:p>
+          <a:p>
+            <a:pPr marL="842963" lvl="1">
+              <a:tabLst>
+                <a:tab pos="1304925" algn="l"/>
+                <a:tab pos="2346325" algn="l"/>
+                <a:tab pos="1304925" algn="l"/>
+                <a:tab pos="2346325" algn="l"/>
+              </a:tabLst>
+            </a:pPr>
+            <a:r>
+              <a:rPr lang="en-US" altLang="ja-JP" dirty="0" smtClean="0"/>
+              <a:t>key “</a:t>
+            </a:r>
+            <a:r>
+              <a:rPr lang="en-US" altLang="ja-JP" dirty="0" err="1" smtClean="0"/>
+              <a:t>ppindex</a:t>
+            </a:r>
+            <a:r>
+              <a:rPr lang="en-US" altLang="ja-JP" dirty="0" smtClean="0"/>
+              <a:t>”, </a:t>
+            </a:r>
+            <a:br>
+              <a:rPr lang="en-US" altLang="ja-JP" dirty="0" smtClean="0"/>
+            </a:br>
+            <a:r>
+              <a:rPr lang="en-US" altLang="ja-JP" dirty="0" smtClean="0"/>
+              <a:t>value = &lt;index of target preposition in tokenized sentence&gt;</a:t>
+            </a:r>
+            <a:endParaRPr lang="ja-JP" altLang="en-US" dirty="0"/>
+          </a:p>
+        </p:txBody>
+      </p:sp>
+    </p:spTree>
+  </p:cSld>
+  <p:clrMapOvr>
+    <a:masterClrMapping/>
+  </p:clrMapOvr>
+  <p:transition/>
+  <p:timing>
+    <p:tnLst>
+      <p:par>
+        <p:cTn id="1" dur="indefinite" restart="never" nodeType="tmRoot"/>
+      </p:par>
+    </p:tnLst>
+  </p:timing>
+</p:sld>
+</file>
+
+<file path=ppt/slides/slide13.xml><?xml version="1.0" encoding="utf-8"?>
+<p:sld xmlns:a="http://schemas.openxmlformats.org/drawingml/2006/main" xmlns:r="http://schemas.openxmlformats.org/officeDocument/2006/relationships" xmlns:p="http://schemas.openxmlformats.org/presentationml/2006/main">
+  <p:cSld>
+    <p:spTree>
+      <p:nvGrpSpPr>
+        <p:cNvPr id="1" name=""/>
+        <p:cNvGrpSpPr/>
+        <p:nvPr/>
+      </p:nvGrpSpPr>
+      <p:grpSpPr>
+        <a:xfrm>
+          <a:off x="0" y="0"/>
+          <a:ext cx="0" cy="0"/>
+          <a:chOff x="0" y="0"/>
+          <a:chExt cx="0" cy="0"/>
+        </a:xfrm>
+      </p:grpSpPr>
+      <p:sp>
+        <p:nvSpPr>
+          <p:cNvPr id="22529" name="Rectangle 1"/>
+          <p:cNvSpPr>
+            <a:spLocks noGrp="1" noChangeArrowheads="1"/>
+          </p:cNvSpPr>
+          <p:nvPr>
+            <p:ph type="title"/>
+          </p:nvPr>
+        </p:nvSpPr>
+        <p:spPr>
+          <a:ln/>
+        </p:spPr>
+        <p:txBody>
+          <a:bodyPr/>
+          <a:lstStyle/>
+          <a:p>
+            <a:r>
+              <a:rPr lang="ja-JP" altLang="en-US" dirty="0"/>
+              <a:t>ここからの流れ</a:t>
+            </a:r>
+          </a:p>
+        </p:txBody>
+      </p:sp>
+      <p:sp>
+        <p:nvSpPr>
+          <p:cNvPr id="4" name="Slide Number Placeholder 3"/>
+          <p:cNvSpPr>
+            <a:spLocks noGrp="1"/>
+          </p:cNvSpPr>
+          <p:nvPr>
+            <p:ph type="sldNum" sz="quarter" idx="4"/>
+          </p:nvPr>
+        </p:nvSpPr>
+        <p:spPr>
+          <a:prstGeom prst="rect">
+            <a:avLst/>
+          </a:prstGeom>
+        </p:spPr>
+        <p:txBody>
+          <a:bodyPr/>
+          <a:lstStyle/>
+          <a:p>
+            <a:fld id="{872FBE48-870A-48D5-9964-DEEFA794BDEE}" type="slidenum">
+              <a:rPr lang="en-US" altLang="ja-JP"/>
+              <a:pPr/>
+              <a:t>13</a:t>
+            </a:fld>
+            <a:endParaRPr lang="en-US" altLang="ja-JP"/>
+          </a:p>
+        </p:txBody>
+      </p:sp>
+      <p:sp>
+        <p:nvSpPr>
+          <p:cNvPr id="22530" name="Rectangle 2"/>
+          <p:cNvSpPr>
+            <a:spLocks noGrp="1" noChangeArrowheads="1"/>
+          </p:cNvSpPr>
+          <p:nvPr>
+            <p:ph sz="quarter" idx="10"/>
+          </p:nvPr>
+        </p:nvSpPr>
+        <p:spPr>
+          <a:ln/>
+        </p:spPr>
+        <p:txBody>
+          <a:bodyPr/>
+          <a:lstStyle/>
+          <a:p>
+            <a:r>
+              <a:rPr lang="ja-JP" altLang="en-US" dirty="0"/>
+              <a:t>コーパスを読み込む</a:t>
+            </a:r>
+          </a:p>
+          <a:p>
+            <a:r>
+              <a:rPr lang="ja-JP" altLang="en-US" dirty="0"/>
+              <a:t>素性関数をつくる ← これから</a:t>
+            </a:r>
+          </a:p>
+          <a:p>
+            <a:r>
+              <a:rPr lang="ja-JP" altLang="en-US" dirty="0"/>
+              <a:t>学習事例をつくる</a:t>
+            </a:r>
+          </a:p>
+          <a:p>
+            <a:r>
+              <a:rPr lang="en-US" altLang="ja-JP" dirty="0"/>
+              <a:t>Classifier</a:t>
+            </a:r>
+            <a:r>
+              <a:rPr lang="ja-JP" altLang="en-US" dirty="0"/>
+              <a:t>を学習させる</a:t>
+            </a:r>
+          </a:p>
+          <a:p>
+            <a:r>
+              <a:rPr lang="ja-JP" altLang="en-US" dirty="0"/>
+              <a:t>テストをする</a:t>
+            </a:r>
+          </a:p>
+          <a:p>
+            <a:r>
+              <a:rPr lang="ja-JP" altLang="en-US" dirty="0"/>
+              <a:t>結果を眺める→エラー分析</a:t>
+            </a:r>
+          </a:p>
+        </p:txBody>
+      </p:sp>
+    </p:spTree>
+  </p:cSld>
+  <p:clrMapOvr>
+    <a:masterClrMapping/>
+  </p:clrMapOvr>
+  <p:transition/>
+  <p:timing>
+    <p:tnLst>
+      <p:par>
+        <p:cTn id="1" dur="indefinite" restart="never" nodeType="tmRoot"/>
+      </p:par>
+    </p:tnLst>
+  </p:timing>
+</p:sld>
+</file>
+
+<file path=ppt/slides/slide14.xml><?xml version="1.0" encoding="utf-8"?>
 <p:sld xmlns:a="http://schemas.openxmlformats.org/drawingml/2006/main" xmlns:r="http://schemas.openxmlformats.org/officeDocument/2006/relationships" xmlns:p="http://schemas.openxmlformats.org/presentationml/2006/main">
   <p:cSld>
     <p:spTree>
@@ -2297,1034 +3162,45 @@
           <a:lstStyle/>
           <a:p>
             <a:r>
-              <a:rPr lang="en-US" altLang="ja-JP" dirty="0" err="1"/>
-              <a:t>nltk.classify</a:t>
-            </a:r>
-            <a:r>
-              <a:rPr lang="ja-JP" altLang="en-US" dirty="0"/>
-              <a:t>による教師あり分類</a:t>
-            </a:r>
-          </a:p>
-        </p:txBody>
-      </p:sp>
-    </p:spTree>
-  </p:cSld>
-  <p:clrMapOvr>
-    <a:masterClrMapping/>
-  </p:clrMapOvr>
-  <p:transition/>
-  <p:timing>
-    <p:tnLst>
-      <p:par>
-        <p:cTn id="1" dur="indefinite" restart="never" nodeType="tmRoot"/>
-      </p:par>
-    </p:tnLst>
-  </p:timing>
-</p:sld>
-</file>
-
-<file path=ppt/slides/slide12.xml><?xml version="1.0" encoding="utf-8"?>
-<p:sld xmlns:a="http://schemas.openxmlformats.org/drawingml/2006/main" xmlns:r="http://schemas.openxmlformats.org/officeDocument/2006/relationships" xmlns:p="http://schemas.openxmlformats.org/presentationml/2006/main">
-  <p:cSld>
-    <p:spTree>
-      <p:nvGrpSpPr>
-        <p:cNvPr id="1" name=""/>
-        <p:cNvGrpSpPr/>
-        <p:nvPr/>
-      </p:nvGrpSpPr>
-      <p:grpSpPr>
-        <a:xfrm>
-          <a:off x="0" y="0"/>
-          <a:ext cx="0" cy="0"/>
-          <a:chOff x="0" y="0"/>
-          <a:chExt cx="0" cy="0"/>
-        </a:xfrm>
-      </p:grpSpPr>
-      <p:sp>
-        <p:nvSpPr>
-          <p:cNvPr id="24577" name="Rectangle 1"/>
-          <p:cNvSpPr>
-            <a:spLocks noGrp="1" noChangeArrowheads="1"/>
-          </p:cNvSpPr>
-          <p:nvPr>
-            <p:ph type="title"/>
-          </p:nvPr>
-        </p:nvSpPr>
-        <p:spPr>
-          <a:ln/>
-        </p:spPr>
-        <p:txBody>
-          <a:bodyPr/>
-          <a:lstStyle/>
-          <a:p>
-            <a:r>
               <a:rPr lang="en-US" altLang="ja-JP" dirty="0" err="1" smtClean="0"/>
               <a:t>nltk.MaxentClassifier</a:t>
             </a:r>
-            <a:endParaRPr lang="ja-JP" altLang="en-US" dirty="0"/>
-          </a:p>
-        </p:txBody>
-      </p:sp>
-      <p:sp>
-        <p:nvSpPr>
-          <p:cNvPr id="4" name="Slide Number Placeholder 3"/>
-          <p:cNvSpPr>
-            <a:spLocks noGrp="1"/>
-          </p:cNvSpPr>
-          <p:nvPr>
-            <p:ph type="sldNum" sz="quarter" idx="4"/>
-          </p:nvPr>
-        </p:nvSpPr>
-        <p:spPr>
-          <a:prstGeom prst="rect">
-            <a:avLst/>
-          </a:prstGeom>
-        </p:spPr>
-        <p:txBody>
-          <a:bodyPr/>
-          <a:lstStyle/>
-          <a:p>
-            <a:fld id="{A574D07E-A068-4EEC-A1FE-EC790BDA7BBC}" type="slidenum">
-              <a:rPr lang="en-US" altLang="ja-JP"/>
-              <a:pPr/>
-              <a:t>12</a:t>
-            </a:fld>
-            <a:endParaRPr lang="en-US" altLang="ja-JP"/>
-          </a:p>
-        </p:txBody>
-      </p:sp>
-      <p:sp>
-        <p:nvSpPr>
-          <p:cNvPr id="24578" name="Rectangle 2"/>
-          <p:cNvSpPr>
-            <a:spLocks noGrp="1" noChangeArrowheads="1"/>
-          </p:cNvSpPr>
-          <p:nvPr>
-            <p:ph sz="quarter" idx="10"/>
-          </p:nvPr>
-        </p:nvSpPr>
-        <p:spPr>
-          <a:ln/>
-        </p:spPr>
-        <p:txBody>
-          <a:bodyPr/>
-          <a:lstStyle/>
-          <a:p>
-            <a:pPr marL="265113" indent="-265113">
-              <a:tabLst>
-                <a:tab pos="542925" algn="l"/>
-              </a:tabLst>
-            </a:pPr>
-            <a:r>
-              <a:rPr lang="en-US" altLang="ja-JP" dirty="0"/>
-              <a:t>NLTK</a:t>
-            </a:r>
-            <a:r>
-              <a:rPr lang="ja-JP" altLang="en-US" dirty="0" err="1"/>
-              <a:t>には</a:t>
+            <a:r>
+              <a:rPr lang="ja-JP" altLang="en-US" dirty="0" smtClean="0"/>
+              <a:t>による</a:t>
+            </a:r>
+            <a:endParaRPr lang="en-US" altLang="ja-JP" dirty="0" smtClean="0"/>
+          </a:p>
+          <a:p>
+            <a:r>
+              <a:rPr lang="ja-JP" altLang="en-US" dirty="0" smtClean="0"/>
+              <a:t>最大エントロピー法分類器</a:t>
+            </a:r>
+            <a:endParaRPr lang="en-US" altLang="ja-JP" dirty="0" smtClean="0"/>
+          </a:p>
+          <a:p>
+            <a:r>
+              <a:rPr lang="ja-JP" altLang="en-US" dirty="0" smtClean="0"/>
+              <a:t>を用いた教師</a:t>
             </a:r>
             <a:r>
               <a:rPr lang="ja-JP" altLang="en-US" dirty="0"/>
-              <a:t>各種の機械学習アルゴリズムが含まれている</a:t>
-            </a:r>
-          </a:p>
-          <a:p>
-            <a:pPr marL="842963" lvl="1"/>
-            <a:r>
-              <a:rPr lang="en-US" altLang="ja-JP" dirty="0">
-                <a:latin typeface="Consolas" pitchFamily="49" charset="0"/>
-                <a:cs typeface="Consolas" pitchFamily="49" charset="0"/>
-                <a:sym typeface="Consolas Bold" charset="0"/>
-              </a:rPr>
-              <a:t>nltk.classify.* </a:t>
-            </a:r>
-            <a:r>
-              <a:rPr lang="en-US" altLang="ja-JP" dirty="0"/>
-              <a:t/>
-            </a:r>
-            <a:br>
-              <a:rPr lang="en-US" altLang="ja-JP" dirty="0"/>
-            </a:br>
-            <a:r>
-              <a:rPr lang="ja-JP" altLang="en-US" dirty="0"/>
-              <a:t>標準化された素性フォーマット</a:t>
-            </a:r>
-            <a:r>
-              <a:rPr lang="en-US" altLang="ja-JP" dirty="0"/>
-              <a:t>, </a:t>
-            </a:r>
-            <a:r>
-              <a:rPr lang="ja-JP" altLang="en-US" dirty="0"/>
-              <a:t>簡易的な評価が</a:t>
+              <a:t>あり</a:t>
             </a:r>
             <a:r>
               <a:rPr lang="ja-JP" altLang="en-US" dirty="0" smtClean="0"/>
-              <a:t>行える</a:t>
+              <a:t>分類問題</a:t>
             </a:r>
             <a:endParaRPr lang="en-US" altLang="ja-JP" dirty="0" smtClean="0"/>
           </a:p>
           <a:p>
-            <a:pPr marL="842963" lvl="1"/>
-            <a:r>
-              <a:rPr lang="ja-JP" altLang="en-US" dirty="0"/>
-              <a:t>今回は</a:t>
+            <a:r>
+              <a:rPr lang="en-US" altLang="ja-JP" dirty="0" smtClean="0"/>
+              <a:t>…</a:t>
             </a:r>
             <a:r>
               <a:rPr lang="ja-JP" altLang="en-US" dirty="0" smtClean="0"/>
-              <a:t>最大エントロピー法分類器（</a:t>
-            </a:r>
-            <a:r>
-              <a:rPr lang="en-US" altLang="ja-JP" dirty="0" err="1" smtClean="0"/>
-              <a:t>nltk.MaxentClassifier</a:t>
-            </a:r>
-            <a:r>
-              <a:rPr lang="ja-JP" altLang="en-US" dirty="0" smtClean="0"/>
-              <a:t>）を用いる</a:t>
-            </a:r>
-            <a:endParaRPr lang="en-US" altLang="ja-JP" dirty="0" smtClean="0"/>
-          </a:p>
-          <a:p>
-            <a:pPr marL="225425"/>
-            <a:r>
-              <a:rPr lang="en-US" altLang="ja-JP" dirty="0" err="1" smtClean="0"/>
-              <a:t>MaxentClassifier</a:t>
-            </a:r>
-            <a:r>
-              <a:rPr lang="ja-JP" altLang="en-US" dirty="0" smtClean="0"/>
-              <a:t>は教師あり分類器である</a:t>
-            </a:r>
-            <a:endParaRPr lang="en-US" altLang="ja-JP" dirty="0"/>
-          </a:p>
-          <a:p>
-            <a:pPr marL="842963" lvl="1"/>
-            <a:r>
-              <a:rPr lang="ja-JP" altLang="en-US" dirty="0" smtClean="0"/>
-              <a:t>正解ラベルと素性集合が学習データとして必要</a:t>
-            </a:r>
-            <a:endParaRPr lang="en-US" altLang="ja-JP" dirty="0" smtClean="0"/>
-          </a:p>
-          <a:p>
-            <a:pPr marL="842963" lvl="1"/>
-            <a:r>
-              <a:rPr lang="ja-JP" altLang="en-US" dirty="0"/>
-              <a:t>学習</a:t>
-            </a:r>
-            <a:r>
-              <a:rPr lang="ja-JP" altLang="en-US" dirty="0" smtClean="0"/>
-              <a:t>事例（</a:t>
-            </a:r>
-            <a:r>
-              <a:rPr lang="en-US" altLang="ja-JP" dirty="0" smtClean="0"/>
-              <a:t>Training</a:t>
-            </a:r>
-            <a:r>
-              <a:rPr lang="ja-JP" altLang="en-US" dirty="0"/>
-              <a:t> </a:t>
-            </a:r>
-            <a:r>
-              <a:rPr lang="en-US" altLang="ja-JP" dirty="0" smtClean="0"/>
-              <a:t>Examples</a:t>
-            </a:r>
-            <a:r>
-              <a:rPr lang="ja-JP" altLang="en-US" dirty="0" smtClean="0"/>
-              <a:t>）はラベルと素性集合の組</a:t>
-            </a:r>
-            <a:endParaRPr lang="en-US" altLang="ja-JP" dirty="0"/>
-          </a:p>
-          <a:p>
-            <a:pPr marL="842963" lvl="1"/>
-            <a:r>
-              <a:rPr lang="en-US" altLang="ja-JP" dirty="0" smtClean="0"/>
-              <a:t>CLC</a:t>
-            </a:r>
-            <a:r>
-              <a:rPr lang="ja-JP" altLang="en-US" dirty="0" smtClean="0"/>
-              <a:t>コーパスは訂正情報付き！正解ラベルはある</a:t>
-            </a:r>
-            <a:endParaRPr lang="en-US" altLang="ja-JP" dirty="0" smtClean="0"/>
-          </a:p>
-          <a:p>
-            <a:pPr marL="842963" lvl="1"/>
-            <a:r>
-              <a:rPr lang="ja-JP" altLang="en-US" dirty="0" smtClean="0"/>
-              <a:t>となると、残るはどのような素性を使うか</a:t>
-            </a:r>
-            <a:r>
-              <a:rPr lang="en-US" altLang="ja-JP" dirty="0" smtClean="0"/>
-              <a:t>…</a:t>
-            </a:r>
-          </a:p>
-        </p:txBody>
-      </p:sp>
-    </p:spTree>
-  </p:cSld>
-  <p:clrMapOvr>
-    <a:masterClrMapping/>
-  </p:clrMapOvr>
-  <p:transition/>
-  <p:timing>
-    <p:tnLst>
-      <p:par>
-        <p:cTn id="1" dur="indefinite" restart="never" nodeType="tmRoot"/>
-      </p:par>
-    </p:tnLst>
-  </p:timing>
-</p:sld>
-</file>
-
-<file path=ppt/slides/slide13.xml><?xml version="1.0" encoding="utf-8"?>
-<p:sld xmlns:a="http://schemas.openxmlformats.org/drawingml/2006/main" xmlns:r="http://schemas.openxmlformats.org/officeDocument/2006/relationships" xmlns:p="http://schemas.openxmlformats.org/presentationml/2006/main">
-  <p:cSld>
-    <p:spTree>
-      <p:nvGrpSpPr>
-        <p:cNvPr id="1" name=""/>
-        <p:cNvGrpSpPr/>
-        <p:nvPr/>
-      </p:nvGrpSpPr>
-      <p:grpSpPr>
-        <a:xfrm>
-          <a:off x="0" y="0"/>
-          <a:ext cx="0" cy="0"/>
-          <a:chOff x="0" y="0"/>
-          <a:chExt cx="0" cy="0"/>
-        </a:xfrm>
-      </p:grpSpPr>
-      <p:sp>
-        <p:nvSpPr>
-          <p:cNvPr id="25601" name="Rectangle 1"/>
-          <p:cNvSpPr>
-            <a:spLocks noGrp="1" noChangeArrowheads="1"/>
-          </p:cNvSpPr>
-          <p:nvPr>
-            <p:ph type="title"/>
-          </p:nvPr>
-        </p:nvSpPr>
-        <p:spPr>
-          <a:ln/>
-        </p:spPr>
-        <p:txBody>
-          <a:bodyPr/>
-          <a:lstStyle/>
-          <a:p>
-            <a:r>
-              <a:rPr lang="en-US" altLang="ja-JP" dirty="0" err="1"/>
-              <a:t>nltk.classify</a:t>
-            </a:r>
-            <a:r>
-              <a:rPr lang="ja-JP" altLang="en-US" dirty="0"/>
-              <a:t>のための学習事例</a:t>
-            </a:r>
-          </a:p>
-        </p:txBody>
-      </p:sp>
-      <p:sp>
-        <p:nvSpPr>
-          <p:cNvPr id="4" name="Slide Number Placeholder 3"/>
-          <p:cNvSpPr>
-            <a:spLocks noGrp="1"/>
-          </p:cNvSpPr>
-          <p:nvPr>
-            <p:ph type="sldNum" sz="quarter" idx="4"/>
-          </p:nvPr>
-        </p:nvSpPr>
-        <p:spPr>
-          <a:prstGeom prst="rect">
-            <a:avLst/>
-          </a:prstGeom>
-        </p:spPr>
-        <p:txBody>
-          <a:bodyPr/>
-          <a:lstStyle/>
-          <a:p>
-            <a:fld id="{1FC24041-9763-4A04-AC80-6D51DFB2EE78}" type="slidenum">
-              <a:rPr lang="en-US" altLang="ja-JP"/>
-              <a:pPr/>
-              <a:t>13</a:t>
-            </a:fld>
-            <a:endParaRPr lang="en-US" altLang="ja-JP"/>
-          </a:p>
-        </p:txBody>
-      </p:sp>
-      <p:sp>
-        <p:nvSpPr>
-          <p:cNvPr id="25602" name="Rectangle 2"/>
-          <p:cNvSpPr>
-            <a:spLocks noGrp="1" noChangeArrowheads="1"/>
-          </p:cNvSpPr>
-          <p:nvPr>
-            <p:ph sz="quarter" idx="10"/>
-          </p:nvPr>
-        </p:nvSpPr>
-        <p:spPr>
-          <a:ln/>
-        </p:spPr>
-        <p:txBody>
-          <a:bodyPr/>
-          <a:lstStyle/>
-          <a:p>
-            <a:pPr>
-              <a:tabLst>
-                <a:tab pos="1304925" algn="l"/>
-                <a:tab pos="2346325" algn="l"/>
-              </a:tabLst>
-            </a:pPr>
-            <a:r>
-              <a:rPr lang="en-US" altLang="ja-JP" sz="3000" dirty="0" err="1"/>
-              <a:t>nltk.classify</a:t>
-            </a:r>
-            <a:r>
-              <a:rPr lang="ja-JP" altLang="en-US" sz="3000" dirty="0"/>
-              <a:t>が扱える事例のフォーマット</a:t>
-            </a:r>
-          </a:p>
-          <a:p>
-            <a:pPr marL="525463" lvl="2">
-              <a:spcBef>
-                <a:spcPts val="2300"/>
-              </a:spcBef>
-              <a:tabLst>
-                <a:tab pos="1304925" algn="l"/>
-                <a:tab pos="2346325" algn="l"/>
-              </a:tabLst>
-            </a:pPr>
-            <a:r>
-              <a:rPr lang="en-US" altLang="ja-JP" dirty="0" err="1"/>
-              <a:t>training_set</a:t>
-            </a:r>
-            <a:r>
-              <a:rPr lang="en-US" altLang="ja-JP" dirty="0"/>
-              <a:t> = </a:t>
-            </a:r>
-            <a:br>
-              <a:rPr lang="en-US" altLang="ja-JP" dirty="0"/>
-            </a:br>
-            <a:r>
-              <a:rPr lang="en-US" altLang="ja-JP" dirty="0"/>
-              <a:t>[({</a:t>
-            </a:r>
-            <a:r>
-              <a:rPr lang="en-US" altLang="ja-JP" dirty="0">
-                <a:latin typeface="Helvetica"/>
-              </a:rPr>
-              <a:t>“</a:t>
-            </a:r>
-            <a:r>
-              <a:rPr lang="en-US" altLang="ja-JP" dirty="0" err="1"/>
-              <a:t>feature</a:t>
-            </a:r>
-            <a:r>
-              <a:rPr lang="en-US" altLang="ja-JP" dirty="0" err="1">
-                <a:latin typeface="Helvetica"/>
-              </a:rPr>
-              <a:t>”</a:t>
-            </a:r>
-            <a:r>
-              <a:rPr lang="en-US" altLang="ja-JP" dirty="0" err="1"/>
-              <a:t>:</a:t>
-            </a:r>
-            <a:r>
-              <a:rPr lang="en-US" altLang="ja-JP" dirty="0" err="1" smtClean="0"/>
-              <a:t>value</a:t>
-            </a:r>
-            <a:r>
-              <a:rPr lang="en-US" altLang="ja-JP" dirty="0" smtClean="0"/>
-              <a:t>,</a:t>
-            </a:r>
-            <a:r>
-              <a:rPr lang="en-US" altLang="ja-JP" dirty="0">
-                <a:latin typeface="Helvetica"/>
-              </a:rPr>
-              <a:t> </a:t>
-            </a:r>
-            <a:r>
-              <a:rPr lang="en-US" altLang="ja-JP" dirty="0" smtClean="0">
-                <a:latin typeface="Helvetica"/>
-              </a:rPr>
-              <a:t>“</a:t>
-            </a:r>
-            <a:r>
-              <a:rPr lang="en-US" altLang="ja-JP" dirty="0" err="1" smtClean="0"/>
-              <a:t>feature</a:t>
-            </a:r>
-            <a:r>
-              <a:rPr lang="en-US" altLang="ja-JP" dirty="0" err="1">
-                <a:latin typeface="Helvetica"/>
-              </a:rPr>
-              <a:t>”</a:t>
-            </a:r>
-            <a:r>
-              <a:rPr lang="en-US" altLang="ja-JP" dirty="0" err="1"/>
-              <a:t>:value</a:t>
-            </a:r>
-            <a:r>
-              <a:rPr lang="en-US" altLang="ja-JP" dirty="0"/>
-              <a:t>,...}, label),</a:t>
-            </a:r>
-            <a:br>
-              <a:rPr lang="en-US" altLang="ja-JP" dirty="0"/>
-            </a:br>
-            <a:r>
-              <a:rPr lang="en-US" altLang="ja-JP" dirty="0"/>
-              <a:t> ({</a:t>
-            </a:r>
-            <a:r>
-              <a:rPr lang="en-US" altLang="ja-JP" dirty="0">
-                <a:latin typeface="Helvetica"/>
-              </a:rPr>
-              <a:t>“</a:t>
-            </a:r>
-            <a:r>
-              <a:rPr lang="en-US" altLang="ja-JP" dirty="0" err="1"/>
-              <a:t>feature</a:t>
-            </a:r>
-            <a:r>
-              <a:rPr lang="en-US" altLang="ja-JP" dirty="0" err="1">
-                <a:latin typeface="Helvetica"/>
-              </a:rPr>
-              <a:t>”</a:t>
-            </a:r>
-            <a:r>
-              <a:rPr lang="en-US" altLang="ja-JP" dirty="0" err="1"/>
-              <a:t>:</a:t>
-            </a:r>
-            <a:r>
-              <a:rPr lang="en-US" altLang="ja-JP" dirty="0" err="1" smtClean="0"/>
-              <a:t>value</a:t>
-            </a:r>
-            <a:r>
-              <a:rPr lang="en-US" altLang="ja-JP" dirty="0" smtClean="0"/>
-              <a:t>,</a:t>
-            </a:r>
-            <a:r>
-              <a:rPr lang="en-US" altLang="ja-JP" dirty="0">
-                <a:latin typeface="Helvetica"/>
-              </a:rPr>
-              <a:t> </a:t>
-            </a:r>
-            <a:r>
-              <a:rPr lang="en-US" altLang="ja-JP" dirty="0" smtClean="0">
-                <a:latin typeface="Helvetica"/>
-              </a:rPr>
-              <a:t>“</a:t>
-            </a:r>
-            <a:r>
-              <a:rPr lang="en-US" altLang="ja-JP" dirty="0" err="1" smtClean="0"/>
-              <a:t>feature</a:t>
-            </a:r>
-            <a:r>
-              <a:rPr lang="en-US" altLang="ja-JP" dirty="0" err="1">
-                <a:latin typeface="Helvetica"/>
-              </a:rPr>
-              <a:t>”</a:t>
-            </a:r>
-            <a:r>
-              <a:rPr lang="en-US" altLang="ja-JP" dirty="0" err="1"/>
-              <a:t>:value</a:t>
-            </a:r>
-            <a:r>
-              <a:rPr lang="en-US" altLang="ja-JP" dirty="0"/>
-              <a:t>,...}, label),</a:t>
-            </a:r>
-            <a:br>
-              <a:rPr lang="en-US" altLang="ja-JP" dirty="0"/>
-            </a:br>
-            <a:r>
-              <a:rPr lang="en-US" altLang="ja-JP" dirty="0"/>
-              <a:t>...]</a:t>
-            </a:r>
-          </a:p>
-          <a:p>
-            <a:pPr>
-              <a:spcBef>
-                <a:spcPts val="2300"/>
-              </a:spcBef>
-              <a:tabLst>
-                <a:tab pos="1304925" algn="l"/>
-                <a:tab pos="2346325" algn="l"/>
-              </a:tabLst>
-            </a:pPr>
-            <a:r>
-              <a:rPr lang="ja-JP" altLang="en-US" sz="3000" dirty="0" smtClean="0"/>
-              <a:t>素性</a:t>
-            </a:r>
-            <a:r>
-              <a:rPr lang="ja-JP" altLang="en-US" sz="3000" dirty="0"/>
-              <a:t>集合</a:t>
-            </a:r>
-            <a:r>
-              <a:rPr lang="en-US" altLang="ja-JP" sz="3000" dirty="0"/>
-              <a:t>: </a:t>
-            </a:r>
-            <a:r>
-              <a:rPr lang="en-US" altLang="ja-JP" dirty="0">
-                <a:solidFill>
-                  <a:schemeClr val="tx1"/>
-                </a:solidFill>
-                <a:latin typeface="Consolas" pitchFamily="49" charset="0"/>
-                <a:cs typeface="Consolas" pitchFamily="49" charset="0"/>
-                <a:sym typeface="Consolas Bold" charset="0"/>
-              </a:rPr>
-              <a:t>{“</a:t>
-            </a:r>
-            <a:r>
-              <a:rPr lang="en-US" altLang="ja-JP" dirty="0" err="1">
-                <a:solidFill>
-                  <a:schemeClr val="tx1"/>
-                </a:solidFill>
-                <a:latin typeface="Consolas" pitchFamily="49" charset="0"/>
-                <a:cs typeface="Consolas" pitchFamily="49" charset="0"/>
-                <a:sym typeface="Consolas Bold" charset="0"/>
-              </a:rPr>
-              <a:t>feature”:</a:t>
-            </a:r>
-            <a:r>
-              <a:rPr lang="en-US" altLang="ja-JP" dirty="0" err="1" smtClean="0">
-                <a:solidFill>
-                  <a:schemeClr val="tx1"/>
-                </a:solidFill>
-                <a:latin typeface="Consolas" pitchFamily="49" charset="0"/>
-                <a:cs typeface="Consolas" pitchFamily="49" charset="0"/>
-                <a:sym typeface="Consolas Bold" charset="0"/>
-              </a:rPr>
-              <a:t>value</a:t>
-            </a:r>
-            <a:r>
-              <a:rPr lang="en-US" altLang="ja-JP" dirty="0" smtClean="0">
-                <a:solidFill>
-                  <a:schemeClr val="tx1"/>
-                </a:solidFill>
-                <a:latin typeface="Consolas" pitchFamily="49" charset="0"/>
-                <a:cs typeface="Consolas" pitchFamily="49" charset="0"/>
-                <a:sym typeface="Consolas Bold" charset="0"/>
-              </a:rPr>
-              <a:t>, “</a:t>
-            </a:r>
-            <a:r>
-              <a:rPr lang="en-US" altLang="ja-JP" dirty="0" err="1" smtClean="0">
-                <a:solidFill>
-                  <a:schemeClr val="tx1"/>
-                </a:solidFill>
-                <a:latin typeface="Consolas" pitchFamily="49" charset="0"/>
-                <a:cs typeface="Consolas" pitchFamily="49" charset="0"/>
-                <a:sym typeface="Consolas Bold" charset="0"/>
-              </a:rPr>
-              <a:t>feature</a:t>
-            </a:r>
-            <a:r>
-              <a:rPr lang="en-US" altLang="ja-JP" dirty="0" err="1">
-                <a:solidFill>
-                  <a:schemeClr val="tx1"/>
-                </a:solidFill>
-                <a:latin typeface="Consolas" pitchFamily="49" charset="0"/>
-                <a:cs typeface="Consolas" pitchFamily="49" charset="0"/>
-                <a:sym typeface="Consolas Bold" charset="0"/>
-              </a:rPr>
-              <a:t>”:value</a:t>
-            </a:r>
-            <a:r>
-              <a:rPr lang="en-US" altLang="ja-JP" dirty="0">
-                <a:solidFill>
-                  <a:schemeClr val="tx1"/>
-                </a:solidFill>
-                <a:latin typeface="Consolas" pitchFamily="49" charset="0"/>
-                <a:cs typeface="Consolas" pitchFamily="49" charset="0"/>
-                <a:sym typeface="Consolas Bold" charset="0"/>
-              </a:rPr>
-              <a:t>,...}</a:t>
-            </a:r>
-            <a:endParaRPr lang="en-US" altLang="ja-JP" sz="3000" dirty="0"/>
-          </a:p>
-          <a:p>
-            <a:pPr>
-              <a:spcBef>
-                <a:spcPts val="2300"/>
-              </a:spcBef>
-              <a:tabLst>
-                <a:tab pos="1304925" algn="l"/>
-                <a:tab pos="2346325" algn="l"/>
-              </a:tabLst>
-            </a:pPr>
-            <a:r>
-              <a:rPr lang="ja-JP" altLang="en-US" sz="3000" dirty="0"/>
-              <a:t>前置詞の正しさにはどんな素性</a:t>
-            </a:r>
-            <a:r>
-              <a:rPr lang="en-US" altLang="ja-JP" sz="3000" dirty="0"/>
-              <a:t>(</a:t>
-            </a:r>
-            <a:r>
-              <a:rPr lang="ja-JP" altLang="en-US" sz="3000" dirty="0"/>
-              <a:t>特徴量</a:t>
-            </a:r>
-            <a:r>
-              <a:rPr lang="en-US" altLang="ja-JP" sz="3000" dirty="0"/>
-              <a:t>)</a:t>
-            </a:r>
-            <a:r>
-              <a:rPr lang="ja-JP" altLang="en-US" sz="3000" dirty="0"/>
-              <a:t>が関係しているか</a:t>
-            </a:r>
-            <a:r>
-              <a:rPr lang="en-US" altLang="ja-JP" sz="3000" dirty="0"/>
-              <a:t>...</a:t>
-            </a:r>
-          </a:p>
-          <a:p>
-            <a:pPr marL="842963" lvl="1">
-              <a:spcBef>
-                <a:spcPts val="2300"/>
-              </a:spcBef>
-              <a:tabLst>
-                <a:tab pos="1304925" algn="l"/>
-                <a:tab pos="2346325" algn="l"/>
-              </a:tabLst>
-            </a:pPr>
-            <a:r>
-              <a:rPr lang="ja-JP" altLang="en-US" sz="3000" dirty="0"/>
-              <a:t>前後の文脈</a:t>
-            </a:r>
-            <a:r>
-              <a:rPr lang="en-US" altLang="ja-JP" sz="3000" dirty="0"/>
-              <a:t>(</a:t>
-            </a:r>
-            <a:r>
-              <a:rPr lang="ja-JP" altLang="en-US" sz="3000" dirty="0"/>
-              <a:t>単語</a:t>
-            </a:r>
-            <a:r>
-              <a:rPr lang="en-US" altLang="ja-JP" sz="3000" dirty="0"/>
-              <a:t>)</a:t>
-            </a:r>
-            <a:r>
-              <a:rPr lang="ja-JP" altLang="en-US" sz="3000" dirty="0"/>
-              <a:t>や品詞は何なのか</a:t>
-            </a:r>
-          </a:p>
-          <a:p>
-            <a:pPr marL="842963" lvl="1">
-              <a:spcBef>
-                <a:spcPts val="1913"/>
-              </a:spcBef>
-              <a:tabLst>
-                <a:tab pos="1304925" algn="l"/>
-                <a:tab pos="2346325" algn="l"/>
-              </a:tabLst>
-            </a:pPr>
-            <a:r>
-              <a:rPr lang="ja-JP" altLang="en-US" sz="3000" dirty="0"/>
-              <a:t>他にもっと良い素性は無いのだろうか</a:t>
-            </a:r>
-            <a:r>
-              <a:rPr lang="en-US" altLang="ja-JP" sz="3000" dirty="0">
-                <a:latin typeface="Helvetica"/>
-              </a:rPr>
-              <a:t>…</a:t>
-            </a:r>
-            <a:endParaRPr lang="en-US" altLang="ja-JP" sz="3000" dirty="0"/>
-          </a:p>
-        </p:txBody>
-      </p:sp>
-    </p:spTree>
-  </p:cSld>
-  <p:clrMapOvr>
-    <a:masterClrMapping/>
-  </p:clrMapOvr>
-  <p:transition/>
-  <p:timing>
-    <p:tnLst>
-      <p:par>
-        <p:cTn id="1" dur="indefinite" restart="never" nodeType="tmRoot"/>
-      </p:par>
-    </p:tnLst>
-  </p:timing>
-</p:sld>
-</file>
-
-<file path=ppt/slides/slide14.xml><?xml version="1.0" encoding="utf-8"?>
-<p:sld xmlns:a="http://schemas.openxmlformats.org/drawingml/2006/main" xmlns:r="http://schemas.openxmlformats.org/officeDocument/2006/relationships" xmlns:p="http://schemas.openxmlformats.org/presentationml/2006/main">
-  <p:cSld>
-    <p:spTree>
-      <p:nvGrpSpPr>
-        <p:cNvPr id="1" name=""/>
-        <p:cNvGrpSpPr/>
-        <p:nvPr/>
-      </p:nvGrpSpPr>
-      <p:grpSpPr>
-        <a:xfrm>
-          <a:off x="0" y="0"/>
-          <a:ext cx="0" cy="0"/>
-          <a:chOff x="0" y="0"/>
-          <a:chExt cx="0" cy="0"/>
-        </a:xfrm>
-      </p:grpSpPr>
-      <p:sp>
-        <p:nvSpPr>
-          <p:cNvPr id="26625" name="Rectangle 1"/>
-          <p:cNvSpPr>
-            <a:spLocks noGrp="1" noChangeArrowheads="1"/>
-          </p:cNvSpPr>
-          <p:nvPr>
-            <p:ph type="title"/>
-          </p:nvPr>
-        </p:nvSpPr>
-        <p:spPr>
-          <a:ln/>
-        </p:spPr>
-        <p:txBody>
-          <a:bodyPr/>
-          <a:lstStyle/>
-          <a:p>
-            <a:r>
-              <a:rPr lang="ja-JP" altLang="en-US" dirty="0"/>
-              <a:t>素性を抽出する関数</a:t>
-            </a:r>
-          </a:p>
-        </p:txBody>
-      </p:sp>
-      <p:sp>
-        <p:nvSpPr>
-          <p:cNvPr id="4" name="Slide Number Placeholder 3"/>
-          <p:cNvSpPr>
-            <a:spLocks noGrp="1"/>
-          </p:cNvSpPr>
-          <p:nvPr>
-            <p:ph type="sldNum" sz="quarter" idx="4"/>
-          </p:nvPr>
-        </p:nvSpPr>
-        <p:spPr>
-          <a:prstGeom prst="rect">
-            <a:avLst/>
-          </a:prstGeom>
-        </p:spPr>
-        <p:txBody>
-          <a:bodyPr/>
-          <a:lstStyle/>
-          <a:p>
-            <a:fld id="{CC0D0107-E524-4D17-9FF7-E684CA8B8081}" type="slidenum">
-              <a:rPr lang="en-US" altLang="ja-JP"/>
-              <a:pPr/>
-              <a:t>14</a:t>
-            </a:fld>
-            <a:endParaRPr lang="en-US" altLang="ja-JP"/>
-          </a:p>
-        </p:txBody>
-      </p:sp>
-      <p:sp>
-        <p:nvSpPr>
-          <p:cNvPr id="26626" name="Rectangle 2"/>
-          <p:cNvSpPr>
-            <a:spLocks noGrp="1" noChangeArrowheads="1"/>
-          </p:cNvSpPr>
-          <p:nvPr>
-            <p:ph sz="quarter" idx="10"/>
-          </p:nvPr>
-        </p:nvSpPr>
-        <p:spPr>
-          <a:ln/>
-        </p:spPr>
-        <p:txBody>
-          <a:bodyPr/>
-          <a:lstStyle/>
-          <a:p>
-            <a:pPr>
-              <a:tabLst>
-                <a:tab pos="1304925" algn="l"/>
-                <a:tab pos="2346325" algn="l"/>
-                <a:tab pos="1304925" algn="l"/>
-                <a:tab pos="2346325" algn="l"/>
-              </a:tabLst>
-            </a:pPr>
-            <a:r>
-              <a:rPr lang="ja-JP" altLang="en-US" dirty="0"/>
-              <a:t>ある入力に対する素性を抽出する関数をつくる</a:t>
-            </a:r>
-          </a:p>
-          <a:p>
-            <a:pPr marL="842963" lvl="1">
-              <a:tabLst>
-                <a:tab pos="1304925" algn="l"/>
-                <a:tab pos="2346325" algn="l"/>
-                <a:tab pos="1304925" algn="l"/>
-                <a:tab pos="2346325" algn="l"/>
-              </a:tabLst>
-            </a:pPr>
-            <a:r>
-              <a:rPr lang="ja-JP" altLang="en-US" dirty="0"/>
-              <a:t>文中の前置詞に対して</a:t>
-            </a:r>
-            <a:r>
-              <a:rPr lang="en-US" altLang="ja-JP" dirty="0"/>
-              <a:t>, </a:t>
-            </a:r>
-            <a:r>
-              <a:rPr lang="ja-JP" altLang="en-US" dirty="0"/>
-              <a:t>その前後の数単語をとらえたり</a:t>
-            </a:r>
-            <a:br>
-              <a:rPr lang="ja-JP" altLang="en-US" dirty="0"/>
-            </a:br>
-            <a:r>
-              <a:rPr lang="ja-JP" altLang="en-US" dirty="0"/>
-              <a:t>それらの品詞を取得したり</a:t>
-            </a:r>
-            <a:r>
-              <a:rPr lang="en-US" altLang="ja-JP" dirty="0">
-                <a:latin typeface="Helvetica"/>
-              </a:rPr>
-              <a:t>…</a:t>
-            </a:r>
-            <a:endParaRPr lang="en-US" altLang="ja-JP" dirty="0"/>
-          </a:p>
-          <a:p>
-            <a:pPr>
-              <a:tabLst>
-                <a:tab pos="1304925" algn="l"/>
-                <a:tab pos="2346325" algn="l"/>
-                <a:tab pos="1304925" algn="l"/>
-                <a:tab pos="2346325" algn="l"/>
-              </a:tabLst>
-            </a:pPr>
-            <a:r>
-              <a:rPr lang="ja-JP" altLang="en-US" dirty="0"/>
-              <a:t>簡単な素性関数</a:t>
-            </a:r>
-            <a:r>
-              <a:rPr lang="en-US" altLang="ja-JP" dirty="0"/>
-              <a:t>(</a:t>
-            </a:r>
-            <a:r>
-              <a:rPr lang="ja-JP" altLang="en-US" dirty="0"/>
-              <a:t>前置詞直後の単語</a:t>
-            </a:r>
-            <a:r>
-              <a:rPr lang="en-US" altLang="ja-JP" dirty="0"/>
-              <a:t>)</a:t>
-            </a:r>
-          </a:p>
-          <a:p>
-            <a:pPr marL="525463" lvl="2">
-              <a:tabLst>
-                <a:tab pos="1304925" algn="l"/>
-                <a:tab pos="2346325" algn="l"/>
-                <a:tab pos="1304925" algn="l"/>
-                <a:tab pos="2346325" algn="l"/>
-              </a:tabLst>
-            </a:pPr>
-            <a:r>
-              <a:rPr lang="en-US" altLang="ja-JP" dirty="0" err="1"/>
-              <a:t>def</a:t>
-            </a:r>
-            <a:r>
-              <a:rPr lang="en-US" altLang="ja-JP" dirty="0"/>
-              <a:t> successor(</a:t>
-            </a:r>
-            <a:r>
-              <a:rPr lang="en-US" altLang="ja-JP" dirty="0" err="1"/>
-              <a:t>sentence_list</a:t>
-            </a:r>
-            <a:r>
-              <a:rPr lang="en-US" altLang="ja-JP" dirty="0"/>
-              <a:t>, </a:t>
-            </a:r>
-            <a:r>
-              <a:rPr lang="en-US" altLang="ja-JP" dirty="0" err="1"/>
-              <a:t>ppindex</a:t>
-            </a:r>
-            <a:r>
-              <a:rPr lang="en-US" altLang="ja-JP" dirty="0" smtClean="0"/>
-              <a:t>):</a:t>
-            </a:r>
-            <a:br>
-              <a:rPr lang="en-US" altLang="ja-JP" dirty="0" smtClean="0"/>
-            </a:br>
-            <a:r>
-              <a:rPr lang="en-US" altLang="ja-JP" dirty="0" smtClean="0"/>
-              <a:t>    return </a:t>
-            </a:r>
-            <a:r>
-              <a:rPr lang="en-US" altLang="ja-JP" dirty="0"/>
-              <a:t>{</a:t>
-            </a:r>
-            <a:r>
-              <a:rPr lang="en-US" altLang="ja-JP" dirty="0">
-                <a:latin typeface="Helvetica"/>
-              </a:rPr>
-              <a:t>“</a:t>
-            </a:r>
-            <a:r>
-              <a:rPr lang="en-US" altLang="ja-JP" dirty="0" err="1"/>
-              <a:t>succ</a:t>
-            </a:r>
-            <a:r>
-              <a:rPr lang="en-US" altLang="ja-JP" dirty="0"/>
-              <a:t>_%s</a:t>
-            </a:r>
-            <a:r>
-              <a:rPr lang="en-US" altLang="ja-JP" dirty="0">
-                <a:latin typeface="Helvetica"/>
-              </a:rPr>
-              <a:t>”</a:t>
-            </a:r>
-            <a:r>
-              <a:rPr lang="en-US" altLang="ja-JP" dirty="0"/>
-              <a:t>%(</a:t>
-            </a:r>
-            <a:r>
-              <a:rPr lang="en-US" altLang="ja-JP" dirty="0" err="1"/>
-              <a:t>sentence_list</a:t>
-            </a:r>
-            <a:r>
-              <a:rPr lang="en-US" altLang="ja-JP" dirty="0"/>
-              <a:t>[</a:t>
-            </a:r>
-            <a:r>
-              <a:rPr lang="en-US" altLang="ja-JP" dirty="0" err="1"/>
-              <a:t>ppindex</a:t>
-            </a:r>
-            <a:r>
-              <a:rPr lang="en-US" altLang="ja-JP" dirty="0"/>
-              <a:t> + 1]): 1</a:t>
-            </a:r>
-            <a:r>
-              <a:rPr lang="en-US" altLang="ja-JP" dirty="0" smtClean="0"/>
-              <a:t>}</a:t>
-            </a:r>
-          </a:p>
-          <a:p>
-            <a:pPr marL="525463" lvl="2">
-              <a:tabLst>
-                <a:tab pos="1304925" algn="l"/>
-                <a:tab pos="2346325" algn="l"/>
-                <a:tab pos="1304925" algn="l"/>
-                <a:tab pos="2346325" algn="l"/>
-              </a:tabLst>
-            </a:pPr>
-            <a:endParaRPr lang="en-US" altLang="ja-JP" dirty="0"/>
-          </a:p>
-          <a:p>
-            <a:pPr>
-              <a:tabLst>
-                <a:tab pos="1304925" algn="l"/>
-                <a:tab pos="2346325" algn="l"/>
-                <a:tab pos="1304925" algn="l"/>
-                <a:tab pos="2346325" algn="l"/>
-              </a:tabLst>
-            </a:pPr>
-            <a:r>
-              <a:rPr lang="ja-JP" altLang="en-US" dirty="0"/>
-              <a:t>今回は二値素性</a:t>
-            </a:r>
-            <a:r>
-              <a:rPr lang="en-US" altLang="ja-JP" dirty="0"/>
-              <a:t>(on/off)</a:t>
-            </a:r>
-            <a:r>
-              <a:rPr lang="ja-JP" altLang="en-US" dirty="0"/>
-              <a:t>のみを</a:t>
-            </a:r>
-            <a:r>
-              <a:rPr lang="ja-JP" altLang="en-US" dirty="0" smtClean="0"/>
-              <a:t>用いる</a:t>
+              <a:t>としての前置詞訂正</a:t>
             </a:r>
             <a:endParaRPr lang="ja-JP" altLang="en-US" dirty="0"/>
           </a:p>
@@ -3365,282 +3241,314 @@
       </p:grpSpPr>
       <p:sp>
         <p:nvSpPr>
-          <p:cNvPr id="27649" name="Rectangle 1"/>
+          <p:cNvPr id="2" name="タイトル 1"/>
           <p:cNvSpPr>
-            <a:spLocks noGrp="1" noChangeArrowheads="1"/>
+            <a:spLocks noGrp="1"/>
           </p:cNvSpPr>
           <p:nvPr>
             <p:ph type="title"/>
           </p:nvPr>
         </p:nvSpPr>
-        <p:spPr>
-          <a:ln/>
-        </p:spPr>
+        <p:spPr/>
         <p:txBody>
           <a:bodyPr/>
           <a:lstStyle/>
           <a:p>
             <a:r>
-              <a:rPr lang="ja-JP" altLang="en-US" dirty="0"/>
-              <a:t>素性抽出関数の例</a:t>
-            </a:r>
-            <a:r>
-              <a:rPr lang="en-US" altLang="ja-JP" dirty="0"/>
-              <a:t>: </a:t>
-            </a:r>
-            <a:r>
-              <a:rPr lang="ja-JP" altLang="en-US" dirty="0"/>
-              <a:t>品詞素性</a:t>
-            </a:r>
+              <a:rPr lang="ja-JP" altLang="en-US" dirty="0" smtClean="0"/>
+              <a:t>最大エントロピー法</a:t>
+            </a:r>
+            <a:endParaRPr lang="ja-JP" altLang="en-US" dirty="0"/>
           </a:p>
         </p:txBody>
       </p:sp>
       <p:sp>
         <p:nvSpPr>
-          <p:cNvPr id="4" name="Slide Number Placeholder 3"/>
+          <p:cNvPr id="3" name="コンテンツ プレースホルダー 2"/>
           <p:cNvSpPr>
             <a:spLocks noGrp="1"/>
-          </p:cNvSpPr>
-          <p:nvPr>
-            <p:ph type="sldNum" sz="quarter" idx="4"/>
-          </p:nvPr>
-        </p:nvSpPr>
-        <p:spPr>
-          <a:prstGeom prst="rect">
-            <a:avLst/>
-          </a:prstGeom>
-        </p:spPr>
-        <p:txBody>
-          <a:bodyPr/>
-          <a:lstStyle/>
-          <a:p>
-            <a:fld id="{4FE14128-5E12-4059-B7FD-1B3B87E43B2B}" type="slidenum">
-              <a:rPr lang="en-US" altLang="ja-JP"/>
-              <a:pPr/>
-              <a:t>15</a:t>
-            </a:fld>
-            <a:endParaRPr lang="en-US" altLang="ja-JP"/>
-          </a:p>
-        </p:txBody>
-      </p:sp>
-      <p:sp>
-        <p:nvSpPr>
-          <p:cNvPr id="27650" name="Rectangle 2"/>
-          <p:cNvSpPr>
-            <a:spLocks noGrp="1" noChangeArrowheads="1"/>
           </p:cNvSpPr>
           <p:nvPr>
             <p:ph sz="quarter" idx="10"/>
           </p:nvPr>
         </p:nvSpPr>
-        <p:spPr>
-          <a:ln/>
-        </p:spPr>
+        <p:spPr/>
         <p:txBody>
-          <a:bodyPr/>
+          <a:bodyPr>
+            <a:normAutofit fontScale="77500" lnSpcReduction="20000"/>
+          </a:bodyPr>
           <a:lstStyle/>
           <a:p>
-            <a:pPr>
-              <a:tabLst>
-                <a:tab pos="1304925" algn="l"/>
-                <a:tab pos="2346325" algn="l"/>
-                <a:tab pos="1304925" algn="l"/>
-                <a:tab pos="2346325" algn="l"/>
-              </a:tabLst>
-            </a:pPr>
-            <a:r>
-              <a:rPr lang="en-US" altLang="ja-JP" sz="3000" dirty="0"/>
-              <a:t>NLTK</a:t>
-            </a:r>
-            <a:r>
-              <a:rPr lang="ja-JP" altLang="en-US" sz="3000" dirty="0" err="1"/>
-              <a:t>には</a:t>
-            </a:r>
-            <a:r>
-              <a:rPr lang="ja-JP" altLang="en-US" sz="3000" dirty="0"/>
-              <a:t>各種</a:t>
-            </a:r>
-            <a:r>
-              <a:rPr lang="en-US" altLang="ja-JP" sz="3000" dirty="0"/>
-              <a:t>POS Tagger</a:t>
-            </a:r>
-            <a:r>
-              <a:rPr lang="ja-JP" altLang="en-US" sz="3000" dirty="0"/>
-              <a:t>が含まれている</a:t>
-            </a:r>
-          </a:p>
-          <a:p>
-            <a:pPr>
-              <a:spcBef>
-                <a:spcPts val="2275"/>
-              </a:spcBef>
-              <a:tabLst>
-                <a:tab pos="1304925" algn="l"/>
-                <a:tab pos="2346325" algn="l"/>
-                <a:tab pos="1304925" algn="l"/>
-                <a:tab pos="2346325" algn="l"/>
-              </a:tabLst>
-            </a:pPr>
-            <a:r>
-              <a:rPr lang="ja-JP" altLang="en-US" sz="3000" dirty="0"/>
-              <a:t>今回は</a:t>
-            </a:r>
-            <a:r>
-              <a:rPr lang="en-US" altLang="ja-JP" sz="3000" dirty="0" err="1"/>
-              <a:t>PennTreeBank</a:t>
-            </a:r>
-            <a:r>
-              <a:rPr lang="ja-JP" altLang="en-US" sz="3000" dirty="0"/>
-              <a:t>で学習した</a:t>
-            </a:r>
-            <a:r>
-              <a:rPr lang="en-US" altLang="ja-JP" sz="3000" dirty="0" err="1">
-                <a:latin typeface="Consolas" pitchFamily="49" charset="0"/>
-                <a:cs typeface="Consolas" pitchFamily="49" charset="0"/>
-                <a:sym typeface="Consolas Bold" charset="0"/>
-              </a:rPr>
-              <a:t>nltk.pos_tag</a:t>
-            </a:r>
-            <a:r>
-              <a:rPr lang="ja-JP" altLang="en-US" sz="3000" dirty="0"/>
-              <a:t>を使う</a:t>
-            </a:r>
-          </a:p>
-          <a:p>
-            <a:pPr>
-              <a:spcBef>
-                <a:spcPts val="2275"/>
-              </a:spcBef>
-              <a:tabLst>
-                <a:tab pos="1304925" algn="l"/>
-                <a:tab pos="2346325" algn="l"/>
-                <a:tab pos="1304925" algn="l"/>
-                <a:tab pos="2346325" algn="l"/>
-              </a:tabLst>
-            </a:pPr>
-            <a:r>
-              <a:rPr lang="ja-JP" altLang="en-US" sz="3000" dirty="0"/>
-              <a:t>使用例：</a:t>
-            </a:r>
-          </a:p>
-          <a:p>
-            <a:pPr marL="842963" lvl="1">
-              <a:spcBef>
-                <a:spcPts val="2275"/>
-              </a:spcBef>
-              <a:tabLst>
-                <a:tab pos="1304925" algn="l"/>
-                <a:tab pos="2346325" algn="l"/>
-                <a:tab pos="1304925" algn="l"/>
-                <a:tab pos="2346325" algn="l"/>
-              </a:tabLst>
-            </a:pPr>
-            <a:r>
-              <a:rPr lang="en-US" altLang="ja-JP" sz="3000" dirty="0"/>
-              <a:t>sentence: </a:t>
-            </a:r>
-            <a:r>
-              <a:rPr lang="en-US" altLang="ja-JP" sz="3000" dirty="0" err="1"/>
-              <a:t>str</a:t>
-            </a:r>
-            <a:r>
-              <a:rPr lang="en-US" altLang="ja-JP" sz="3000" dirty="0"/>
-              <a:t>, words: list</a:t>
-            </a:r>
-          </a:p>
-          <a:p>
-            <a:pPr marL="525463" lvl="2">
-              <a:spcBef>
-                <a:spcPts val="1900"/>
-              </a:spcBef>
-              <a:tabLst>
-                <a:tab pos="1304925" algn="l"/>
-                <a:tab pos="2346325" algn="l"/>
-                <a:tab pos="1304925" algn="l"/>
-                <a:tab pos="2346325" algn="l"/>
-              </a:tabLst>
-            </a:pPr>
-            <a:r>
-              <a:rPr lang="en-US" altLang="ja-JP" dirty="0"/>
-              <a:t>words = </a:t>
-            </a:r>
-            <a:r>
-              <a:rPr lang="en-US" altLang="ja-JP" dirty="0" err="1" smtClean="0"/>
-              <a:t>nltk.word_tokenize</a:t>
-            </a:r>
-            <a:r>
-              <a:rPr lang="en-US" altLang="ja-JP" dirty="0" smtClean="0"/>
-              <a:t>(sentence)</a:t>
-            </a:r>
-            <a:br>
-              <a:rPr lang="en-US" altLang="ja-JP" dirty="0" smtClean="0"/>
-            </a:br>
-            <a:r>
-              <a:rPr lang="en-US" altLang="ja-JP" dirty="0" err="1" smtClean="0"/>
-              <a:t>nltk.pos_tag</a:t>
-            </a:r>
-            <a:r>
-              <a:rPr lang="en-US" altLang="ja-JP" dirty="0" smtClean="0"/>
-              <a:t>(words</a:t>
-            </a:r>
-            <a:r>
-              <a:rPr lang="en-US" altLang="ja-JP" dirty="0"/>
-              <a:t>)</a:t>
-            </a:r>
-          </a:p>
-          <a:p>
-            <a:pPr marL="842963" lvl="1">
-              <a:spcBef>
-                <a:spcPts val="1900"/>
-              </a:spcBef>
-              <a:tabLst>
-                <a:tab pos="1304925" algn="l"/>
-                <a:tab pos="2346325" algn="l"/>
-                <a:tab pos="1304925" algn="l"/>
-                <a:tab pos="2346325" algn="l"/>
-              </a:tabLst>
-            </a:pPr>
-            <a:r>
-              <a:rPr lang="ja-JP" altLang="en-US" sz="3000" dirty="0"/>
-              <a:t>入力は単語単位のリスト</a:t>
-            </a:r>
-            <a:r>
-              <a:rPr lang="en-US" altLang="ja-JP" sz="3000" dirty="0"/>
+            <a:r>
+              <a:rPr lang="ja-JP" altLang="en-US" dirty="0" smtClean="0"/>
+              <a:t>エントロピー</a:t>
+            </a:r>
+            <a:r>
+              <a:rPr lang="en-US" altLang="ja-JP" dirty="0" smtClean="0"/>
+              <a:t>: </a:t>
+            </a:r>
+            <a:r>
+              <a:rPr lang="ja-JP" altLang="en-US" dirty="0" smtClean="0"/>
+              <a:t>不確実さ、乱雑さの度合い。</a:t>
+            </a:r>
+            <a:endParaRPr lang="en-US" altLang="ja-JP" dirty="0" smtClean="0"/>
+          </a:p>
+          <a:p>
+            <a:pPr lvl="1"/>
+            <a:r>
+              <a:rPr lang="en-US" altLang="ja-JP" dirty="0" smtClean="0"/>
+              <a:t> </a:t>
+            </a:r>
+          </a:p>
+          <a:p>
+            <a:pPr lvl="1"/>
+            <a:r>
+              <a:rPr lang="ja-JP" altLang="en-US" dirty="0" smtClean="0"/>
+              <a:t>不確実な状態ほど、エントロピーは高くなる</a:t>
+            </a:r>
+            <a:endParaRPr lang="en-US" altLang="ja-JP" dirty="0" smtClean="0"/>
+          </a:p>
+          <a:p>
+            <a:r>
+              <a:rPr lang="ja-JP" altLang="en-US" dirty="0" smtClean="0"/>
+              <a:t>最大エントロピーの原則</a:t>
+            </a:r>
+            <a:r>
+              <a:rPr lang="en-US" altLang="ja-JP" dirty="0" smtClean="0"/>
+              <a:t>: </a:t>
+            </a:r>
+            <a:r>
+              <a:rPr lang="ja-JP" altLang="en-US" dirty="0" smtClean="0"/>
+              <a:t>与えられた制約の中で、エントロピーを最大化するモデルを選ぶ。</a:t>
+            </a:r>
+            <a:endParaRPr lang="en-US" altLang="ja-JP" dirty="0" smtClean="0"/>
+          </a:p>
+          <a:p>
+            <a:r>
+              <a:rPr lang="ja-JP" altLang="en-US" dirty="0" smtClean="0"/>
+              <a:t>例</a:t>
+            </a:r>
+            <a:r>
+              <a:rPr lang="en-US" altLang="ja-JP" dirty="0" smtClean="0"/>
+              <a:t>1</a:t>
+            </a:r>
+            <a:r>
+              <a:rPr lang="ja-JP" altLang="en-US" dirty="0" smtClean="0"/>
+              <a:t>：</a:t>
+            </a:r>
+            <a:r>
+              <a:rPr lang="en-US" altLang="ja-JP" dirty="0" smtClean="0"/>
+              <a:t>M</a:t>
+            </a:r>
+            <a:r>
+              <a:rPr lang="ja-JP" altLang="en-US" dirty="0" err="1" smtClean="0"/>
+              <a:t>さんのじゃんけん</a:t>
+            </a:r>
+            <a:r>
+              <a:rPr lang="ja-JP" altLang="en-US" dirty="0" smtClean="0"/>
+              <a:t>パターンをモデル化したい。</a:t>
+            </a:r>
+            <a:endParaRPr lang="en-US" altLang="ja-JP" dirty="0" smtClean="0"/>
+          </a:p>
+          <a:p>
+            <a:pPr lvl="1"/>
+            <a:r>
+              <a:rPr lang="ja-JP" altLang="en-US" dirty="0" smtClean="0"/>
+              <a:t>制約</a:t>
+            </a:r>
+            <a:endParaRPr lang="en-US" altLang="ja-JP" dirty="0" smtClean="0"/>
+          </a:p>
+          <a:p>
+            <a:pPr lvl="2"/>
+            <a:r>
+              <a:rPr lang="en-US" altLang="ja-JP" dirty="0" smtClean="0"/>
+              <a:t>(1) P(</a:t>
+            </a:r>
+            <a:r>
+              <a:rPr lang="ja-JP" altLang="en-US" dirty="0" smtClean="0"/>
+              <a:t>グー</a:t>
+            </a:r>
+            <a:r>
+              <a:rPr lang="en-US" altLang="ja-JP" dirty="0" smtClean="0"/>
+              <a:t>) + P(</a:t>
+            </a:r>
+            <a:r>
+              <a:rPr lang="ja-JP" altLang="en-US" dirty="0" smtClean="0"/>
+              <a:t>チョキ</a:t>
+            </a:r>
+            <a:r>
+              <a:rPr lang="en-US" altLang="ja-JP" dirty="0" smtClean="0"/>
+              <a:t>) + P(</a:t>
+            </a:r>
+            <a:r>
+              <a:rPr lang="ja-JP" altLang="en-US" dirty="0" smtClean="0"/>
+              <a:t>パー</a:t>
+            </a:r>
+            <a:r>
+              <a:rPr lang="en-US" altLang="ja-JP" dirty="0" smtClean="0"/>
+              <a:t>) = 1,  (2) P(</a:t>
+            </a:r>
+            <a:r>
+              <a:rPr lang="ja-JP" altLang="en-US" dirty="0" smtClean="0"/>
+              <a:t>グー）</a:t>
+            </a:r>
+            <a:r>
+              <a:rPr lang="en-US" altLang="ja-JP" dirty="0" smtClean="0"/>
+              <a:t>= 0.5</a:t>
+            </a:r>
+          </a:p>
+          <a:p>
+            <a:pPr lvl="1"/>
+            <a:r>
+              <a:rPr lang="ja-JP" altLang="en-US" dirty="0" smtClean="0"/>
+              <a:t>最大エントロピーの原則に従うとすると、どちらのモデルが妥当か。</a:t>
+            </a:r>
+            <a:endParaRPr lang="en-US" altLang="ja-JP" dirty="0" smtClean="0"/>
+          </a:p>
+          <a:p>
+            <a:pPr lvl="2"/>
+            <a:r>
+              <a:rPr lang="en-US" altLang="ja-JP" dirty="0" smtClean="0"/>
               <a:t>(</a:t>
             </a:r>
             <a:r>
-              <a:rPr lang="en-US" altLang="ja-JP" sz="3000" dirty="0" err="1"/>
-              <a:t>nltk.word_tokenize</a:t>
-            </a:r>
-            <a:r>
-              <a:rPr lang="en-US" altLang="ja-JP" sz="3000" dirty="0"/>
-              <a:t>(sentence))</a:t>
-            </a:r>
-          </a:p>
-          <a:p>
-            <a:pPr>
-              <a:spcBef>
-                <a:spcPts val="2275"/>
-              </a:spcBef>
-              <a:tabLst>
-                <a:tab pos="1304925" algn="l"/>
-                <a:tab pos="2346325" algn="l"/>
-                <a:tab pos="1304925" algn="l"/>
-                <a:tab pos="2346325" algn="l"/>
-              </a:tabLst>
-            </a:pPr>
-            <a:r>
-              <a:rPr lang="en-US" altLang="ja-JP" sz="3000" dirty="0"/>
-              <a:t>feature_extractor.py </a:t>
-            </a:r>
-            <a:r>
-              <a:rPr lang="ja-JP" altLang="en-US" sz="3000" dirty="0"/>
-              <a:t>を参考に作ってみよう</a:t>
-            </a:r>
+              <a:rPr lang="ja-JP" altLang="en-US" dirty="0" smtClean="0"/>
+              <a:t>ア</a:t>
+            </a:r>
+            <a:r>
+              <a:rPr lang="en-US" altLang="ja-JP" dirty="0" smtClean="0"/>
+              <a:t>) P(</a:t>
+            </a:r>
+            <a:r>
+              <a:rPr lang="ja-JP" altLang="en-US" dirty="0" smtClean="0"/>
+              <a:t>パー）</a:t>
+            </a:r>
+            <a:r>
+              <a:rPr lang="en-US" altLang="ja-JP" dirty="0" smtClean="0"/>
+              <a:t>= 0.1, P(</a:t>
+            </a:r>
+            <a:r>
+              <a:rPr lang="ja-JP" altLang="en-US" dirty="0" smtClean="0"/>
+              <a:t>チョキ</a:t>
+            </a:r>
+            <a:r>
+              <a:rPr lang="en-US" altLang="ja-JP" dirty="0" smtClean="0"/>
+              <a:t>) = 0.4, P(</a:t>
+            </a:r>
+            <a:r>
+              <a:rPr lang="ja-JP" altLang="en-US" dirty="0" smtClean="0"/>
+              <a:t>グー</a:t>
+            </a:r>
+            <a:r>
+              <a:rPr lang="en-US" altLang="ja-JP" dirty="0" smtClean="0"/>
+              <a:t>) = 0.5</a:t>
+            </a:r>
+          </a:p>
+          <a:p>
+            <a:pPr lvl="2"/>
+            <a:r>
+              <a:rPr lang="en-US" altLang="ja-JP" dirty="0" smtClean="0"/>
+              <a:t>(</a:t>
+            </a:r>
+            <a:r>
+              <a:rPr lang="ja-JP" altLang="en-US" dirty="0" smtClean="0"/>
+              <a:t>イ</a:t>
+            </a:r>
+            <a:r>
+              <a:rPr lang="en-US" altLang="ja-JP" dirty="0" smtClean="0"/>
+              <a:t>) P(</a:t>
+            </a:r>
+            <a:r>
+              <a:rPr lang="ja-JP" altLang="en-US" dirty="0" smtClean="0"/>
+              <a:t>パー）</a:t>
+            </a:r>
+            <a:r>
+              <a:rPr lang="en-US" altLang="ja-JP" dirty="0" smtClean="0"/>
+              <a:t>= 0.25, P(</a:t>
+            </a:r>
+            <a:r>
+              <a:rPr lang="ja-JP" altLang="en-US" dirty="0" smtClean="0"/>
+              <a:t>チョキ</a:t>
+            </a:r>
+            <a:r>
+              <a:rPr lang="en-US" altLang="ja-JP" dirty="0" smtClean="0"/>
+              <a:t>) = 0.25, P(</a:t>
+            </a:r>
+            <a:r>
+              <a:rPr lang="ja-JP" altLang="en-US" dirty="0" smtClean="0"/>
+              <a:t>グー</a:t>
+            </a:r>
+            <a:r>
+              <a:rPr lang="en-US" altLang="ja-JP" dirty="0" smtClean="0"/>
+              <a:t>) = 0.5</a:t>
+            </a:r>
+            <a:endParaRPr lang="en-US" altLang="ja-JP" dirty="0" smtClean="0"/>
           </a:p>
         </p:txBody>
       </p:sp>
+      <p:graphicFrame>
+        <p:nvGraphicFramePr>
+          <p:cNvPr id="4" name="オブジェクト 3"/>
+          <p:cNvGraphicFramePr>
+            <a:graphicFrameLocks noChangeAspect="1"/>
+          </p:cNvGraphicFramePr>
+          <p:nvPr>
+            <p:extLst>
+              <p:ext uri="{D42A27DB-BD31-4B8C-83A1-F6EECF244321}">
+                <p14:modId xmlns:p14="http://schemas.microsoft.com/office/powerpoint/2010/main" val="2026422504"/>
+              </p:ext>
+            </p:extLst>
+          </p:nvPr>
+        </p:nvGraphicFramePr>
+        <p:xfrm>
+          <a:off x="1965896" y="3076600"/>
+          <a:ext cx="3359546" cy="792088"/>
+        </p:xfrm>
+        <a:graphic>
+          <a:graphicData uri="http://schemas.openxmlformats.org/presentationml/2006/ole">
+            <mc:AlternateContent xmlns:mc="http://schemas.openxmlformats.org/markup-compatibility/2006">
+              <mc:Choice xmlns:v="urn:schemas-microsoft-com:vml" Requires="v">
+                <p:oleObj spid="_x0000_s1032" name="数式" r:id="rId3" imgW="1562100" imgH="368300" progId="Equation.3">
+                  <p:embed/>
+                </p:oleObj>
+              </mc:Choice>
+              <mc:Fallback>
+                <p:oleObj name="数式" r:id="rId3" imgW="1562100" imgH="368300" progId="Equation.3">
+                  <p:embed/>
+                  <p:pic>
+                    <p:nvPicPr>
+                      <p:cNvPr id="0" name=""/>
+                      <p:cNvPicPr/>
+                      <p:nvPr/>
+                    </p:nvPicPr>
+                    <p:blipFill>
+                      <a:blip r:embed="rId4"/>
+                      <a:stretch>
+                        <a:fillRect/>
+                      </a:stretch>
+                    </p:blipFill>
+                    <p:spPr>
+                      <a:xfrm>
+                        <a:off x="1965896" y="3076600"/>
+                        <a:ext cx="3359546" cy="792088"/>
+                      </a:xfrm>
+                      <a:prstGeom prst="rect">
+                        <a:avLst/>
+                      </a:prstGeom>
+                    </p:spPr>
+                  </p:pic>
+                </p:oleObj>
+              </mc:Fallback>
+            </mc:AlternateContent>
+          </a:graphicData>
+        </a:graphic>
+      </p:graphicFrame>
     </p:spTree>
+    <p:extLst>
+      <p:ext uri="{BB962C8B-B14F-4D97-AF65-F5344CB8AC3E}">
+        <p14:creationId xmlns:p14="http://schemas.microsoft.com/office/powerpoint/2010/main" val="1405176454"/>
+      </p:ext>
+    </p:extLst>
   </p:cSld>
   <p:clrMapOvr>
     <a:masterClrMapping/>
@@ -3675,68 +3583,30 @@
       </p:grpSpPr>
       <p:sp>
         <p:nvSpPr>
-          <p:cNvPr id="28673" name="Rectangle 1"/>
+          <p:cNvPr id="2" name="タイトル 1"/>
           <p:cNvSpPr>
-            <a:spLocks noGrp="1" noChangeArrowheads="1"/>
+            <a:spLocks noGrp="1"/>
           </p:cNvSpPr>
           <p:nvPr>
             <p:ph type="title"/>
           </p:nvPr>
         </p:nvSpPr>
-        <p:spPr>
-          <a:ln/>
-        </p:spPr>
+        <p:spPr/>
         <p:txBody>
           <a:bodyPr/>
           <a:lstStyle/>
           <a:p>
             <a:r>
-              <a:rPr lang="ja-JP" altLang="en-US" dirty="0"/>
-              <a:t>評価</a:t>
-            </a:r>
-            <a:r>
-              <a:rPr lang="ja-JP" altLang="en-US" dirty="0" smtClean="0"/>
-              <a:t>の前に</a:t>
-            </a:r>
-            <a:r>
-              <a:rPr lang="en-US" altLang="ja-JP" dirty="0" smtClean="0"/>
-              <a:t>…</a:t>
-            </a:r>
-            <a:endParaRPr lang="ja-JP" altLang="en-US" dirty="0"/>
+              <a:rPr kumimoji="1" lang="ja-JP" altLang="en-US" dirty="0" smtClean="0"/>
+              <a:t>最大エントロピー法</a:t>
+            </a:r>
+            <a:endParaRPr kumimoji="1" lang="ja-JP" altLang="en-US" dirty="0"/>
           </a:p>
         </p:txBody>
       </p:sp>
       <p:sp>
         <p:nvSpPr>
-          <p:cNvPr id="4" name="Slide Number Placeholder 3"/>
-          <p:cNvSpPr>
-            <a:spLocks noGrp="1"/>
-          </p:cNvSpPr>
-          <p:nvPr>
-            <p:ph type="sldNum" sz="quarter" idx="4"/>
-          </p:nvPr>
-        </p:nvSpPr>
-        <p:spPr>
-          <a:prstGeom prst="rect">
-            <a:avLst/>
-          </a:prstGeom>
-        </p:spPr>
-        <p:txBody>
-          <a:bodyPr/>
-          <a:lstStyle/>
-          <a:p>
-            <a:fld id="{4A5ABDE8-4550-4BB5-A21A-BE600FAD52A2}" type="slidenum">
-              <a:rPr lang="en-US" altLang="ja-JP"/>
-              <a:pPr/>
-              <a:t>16</a:t>
-            </a:fld>
-            <a:endParaRPr lang="en-US" altLang="ja-JP"/>
-          </a:p>
-        </p:txBody>
-      </p:sp>
-      <p:sp>
-        <p:nvSpPr>
-          <p:cNvPr id="2" name="Content Placeholder 1"/>
+          <p:cNvPr id="3" name="コンテンツ プレースホルダー 2"/>
           <p:cNvSpPr>
             <a:spLocks noGrp="1"/>
           </p:cNvSpPr>
@@ -3744,87 +3614,192 @@
             <p:ph sz="quarter" idx="10"/>
           </p:nvPr>
         </p:nvSpPr>
-        <p:spPr>
-          <a:xfrm>
-            <a:off x="525736" y="2355850"/>
-            <a:ext cx="11953328" cy="6553200"/>
-          </a:xfrm>
-        </p:spPr>
+        <p:spPr/>
         <p:txBody>
-          <a:bodyPr anchor="t"/>
+          <a:bodyPr/>
           <a:lstStyle/>
           <a:p>
             <a:r>
               <a:rPr kumimoji="1" lang="ja-JP" altLang="en-US" dirty="0" smtClean="0"/>
-              <a:t>学習データとテストデータはあらかじめ分けておく</a:t>
+              <a:t>例</a:t>
+            </a:r>
+            <a:r>
+              <a:rPr kumimoji="1" lang="en-US" altLang="ja-JP" dirty="0" smtClean="0"/>
+              <a:t>2: N</a:t>
+            </a:r>
+            <a:r>
+              <a:rPr kumimoji="1" lang="ja-JP" altLang="en-US" dirty="0" smtClean="0"/>
+              <a:t>さん、</a:t>
+            </a:r>
+            <a:r>
+              <a:rPr kumimoji="1" lang="en-US" altLang="ja-JP" dirty="0"/>
+              <a:t>L</a:t>
+            </a:r>
+            <a:r>
+              <a:rPr kumimoji="1" lang="ja-JP" altLang="en-US" dirty="0" smtClean="0"/>
+              <a:t>さん、</a:t>
+            </a:r>
+            <a:r>
+              <a:rPr kumimoji="1" lang="en-US" altLang="ja-JP" dirty="0"/>
+              <a:t>P</a:t>
+            </a:r>
+            <a:r>
+              <a:rPr kumimoji="1" lang="ja-JP" altLang="en-US" dirty="0" smtClean="0"/>
+              <a:t>さんが、次のように文を書いたとする。</a:t>
             </a:r>
             <a:endParaRPr kumimoji="1" lang="en-US" altLang="ja-JP" dirty="0" smtClean="0"/>
           </a:p>
           <a:p>
             <a:pPr lvl="1"/>
             <a:r>
+              <a:rPr kumimoji="1" lang="en-US" altLang="ja-JP" dirty="0" smtClean="0"/>
+              <a:t>N</a:t>
+            </a:r>
+            <a:r>
               <a:rPr kumimoji="1" lang="ja-JP" altLang="en-US" dirty="0" smtClean="0"/>
-              <a:t>「正しい評価」をおこなうにはどのような状態が必要だろうか</a:t>
-            </a:r>
-            <a:endParaRPr kumimoji="1" lang="en-US" altLang="ja-JP" dirty="0"/>
+              <a:t>さん</a:t>
+            </a:r>
+            <a:r>
+              <a:rPr kumimoji="1" lang="en-US" altLang="ja-JP" dirty="0" smtClean="0"/>
+              <a:t>: d</a:t>
+            </a:r>
+            <a:r>
+              <a:rPr kumimoji="1" lang="en-US" altLang="ja-JP" baseline="-25000" dirty="0" smtClean="0"/>
+              <a:t>1</a:t>
+            </a:r>
+            <a:r>
+              <a:rPr kumimoji="1" lang="en-US" altLang="ja-JP" dirty="0" smtClean="0"/>
+              <a:t>(block, scissors, block), d</a:t>
+            </a:r>
+            <a:r>
+              <a:rPr kumimoji="1" lang="en-US" altLang="ja-JP" baseline="-25000" dirty="0" smtClean="0"/>
+              <a:t>2</a:t>
+            </a:r>
+            <a:r>
+              <a:rPr kumimoji="1" lang="en-US" altLang="ja-JP" dirty="0" smtClean="0"/>
+              <a:t>(paper, scissors, paper)</a:t>
+            </a:r>
           </a:p>
           <a:p>
             <a:pPr lvl="1"/>
             <a:r>
+              <a:rPr kumimoji="1" lang="en-US" altLang="ja-JP" dirty="0"/>
+              <a:t>L</a:t>
+            </a:r>
+            <a:r>
               <a:rPr kumimoji="1" lang="ja-JP" altLang="en-US" dirty="0" smtClean="0"/>
-              <a:t>テストデータが学習データに含まれるとまずい？</a:t>
+              <a:t>さん</a:t>
+            </a:r>
+            <a:r>
+              <a:rPr kumimoji="1" lang="en-US" altLang="ja-JP" dirty="0" smtClean="0"/>
+              <a:t>: d</a:t>
+            </a:r>
+            <a:r>
+              <a:rPr kumimoji="1" lang="en-US" altLang="ja-JP" baseline="-25000" dirty="0" smtClean="0"/>
+              <a:t>3</a:t>
+            </a:r>
+            <a:r>
+              <a:rPr kumimoji="1" lang="en-US" altLang="ja-JP" dirty="0" smtClean="0"/>
+              <a:t>(paper, scissors, paper), d</a:t>
+            </a:r>
+            <a:r>
+              <a:rPr kumimoji="1" lang="en-US" altLang="ja-JP" baseline="-25000" dirty="0" smtClean="0"/>
+              <a:t>4</a:t>
+            </a:r>
+            <a:r>
+              <a:rPr kumimoji="1" lang="en-US" altLang="ja-JP" dirty="0" smtClean="0"/>
+              <a:t>(block, paper, scissors)</a:t>
+            </a:r>
+          </a:p>
+          <a:p>
+            <a:pPr lvl="1"/>
+            <a:r>
+              <a:rPr kumimoji="1" lang="en-US" altLang="ja-JP" dirty="0"/>
+              <a:t>P</a:t>
+            </a:r>
+            <a:r>
+              <a:rPr kumimoji="1" lang="ja-JP" altLang="en-US" dirty="0" smtClean="0"/>
+              <a:t>さん</a:t>
+            </a:r>
+            <a:r>
+              <a:rPr kumimoji="1" lang="en-US" altLang="ja-JP" dirty="0" smtClean="0"/>
+              <a:t>: d</a:t>
+            </a:r>
+            <a:r>
+              <a:rPr kumimoji="1" lang="en-US" altLang="ja-JP" baseline="-25000" dirty="0" smtClean="0"/>
+              <a:t>5</a:t>
+            </a:r>
+            <a:r>
+              <a:rPr kumimoji="1" lang="en-US" altLang="ja-JP" dirty="0" smtClean="0"/>
+              <a:t>(block, block, paper), d</a:t>
+            </a:r>
+            <a:r>
+              <a:rPr kumimoji="1" lang="en-US" altLang="ja-JP" baseline="-25000" dirty="0" smtClean="0"/>
+              <a:t>6</a:t>
+            </a:r>
+            <a:r>
+              <a:rPr kumimoji="1" lang="en-US" altLang="ja-JP" dirty="0" smtClean="0"/>
+              <a:t>(paper, scissors, block)</a:t>
+            </a:r>
+          </a:p>
+          <a:p>
+            <a:r>
+              <a:rPr kumimoji="1" lang="ja-JP" altLang="en-US" dirty="0" smtClean="0"/>
+              <a:t>今、</a:t>
+            </a:r>
+            <a:r>
+              <a:rPr kumimoji="1" lang="en-US" altLang="ja-JP" dirty="0" smtClean="0"/>
+              <a:t>d</a:t>
+            </a:r>
+            <a:r>
+              <a:rPr kumimoji="1" lang="en-US" altLang="ja-JP" baseline="-25000" dirty="0"/>
+              <a:t>x</a:t>
+            </a:r>
+            <a:r>
+              <a:rPr kumimoji="1" lang="en-US" altLang="ja-JP" dirty="0" smtClean="0"/>
+              <a:t>(block, scissors, paper)</a:t>
+            </a:r>
+            <a:r>
+              <a:rPr kumimoji="1" lang="ja-JP" altLang="en-US" dirty="0" smtClean="0"/>
+              <a:t>という文が来たとき、</a:t>
+            </a:r>
+            <a:r>
+              <a:rPr kumimoji="1" lang="en-US" altLang="ja-JP" dirty="0" smtClean="0"/>
+              <a:t>N</a:t>
+            </a:r>
+            <a:r>
+              <a:rPr kumimoji="1" lang="ja-JP" altLang="en-US" dirty="0" smtClean="0"/>
+              <a:t>さん、</a:t>
+            </a:r>
+            <a:r>
+              <a:rPr kumimoji="1" lang="en-US" altLang="ja-JP" dirty="0" smtClean="0"/>
+              <a:t>L</a:t>
+            </a:r>
+            <a:r>
+              <a:rPr kumimoji="1" lang="ja-JP" altLang="en-US" dirty="0" smtClean="0"/>
+              <a:t>さん、</a:t>
+            </a:r>
+            <a:r>
+              <a:rPr kumimoji="1" lang="en-US" altLang="ja-JP" dirty="0" smtClean="0"/>
+              <a:t>P</a:t>
+            </a:r>
+            <a:r>
+              <a:rPr kumimoji="1" lang="ja-JP" altLang="en-US" dirty="0" smtClean="0"/>
+              <a:t>さんによって書かれた確率はそれぞれいくらだろうか。</a:t>
             </a:r>
             <a:endParaRPr kumimoji="1" lang="en-US" altLang="ja-JP" dirty="0" smtClean="0"/>
           </a:p>
           <a:p>
-            <a:r>
-              <a:rPr kumimoji="1" lang="ja-JP" altLang="en-US" dirty="0" smtClean="0"/>
-              <a:t>評価尺度</a:t>
-            </a:r>
-            <a:endParaRPr kumimoji="1" lang="en-US" altLang="ja-JP" dirty="0" smtClean="0"/>
-          </a:p>
-          <a:p>
-            <a:pPr lvl="1"/>
-            <a:r>
-              <a:rPr kumimoji="1" lang="ja-JP" altLang="en-US" dirty="0" smtClean="0"/>
-              <a:t>正解率</a:t>
-            </a:r>
-            <a:r>
-              <a:rPr kumimoji="1" lang="ja-JP" altLang="en-US" dirty="0" smtClean="0"/>
-              <a:t>（</a:t>
-            </a:r>
-            <a:r>
-              <a:rPr kumimoji="1" lang="en-US" altLang="ja-JP" dirty="0" smtClean="0"/>
-              <a:t>accuracy</a:t>
-            </a:r>
-            <a:r>
-              <a:rPr kumimoji="1" lang="ja-JP" altLang="en-US" dirty="0" smtClean="0"/>
-              <a:t>）を評価尺度とする</a:t>
-            </a:r>
-            <a:endParaRPr kumimoji="1" lang="en-US" altLang="ja-JP" dirty="0" smtClean="0"/>
-          </a:p>
-          <a:p>
-            <a:pPr lvl="2"/>
-            <a:r>
-              <a:rPr kumimoji="1" lang="en-US" altLang="ja-JP" dirty="0" smtClean="0"/>
-              <a:t>accuracy = </a:t>
-            </a:r>
-            <a:br>
-              <a:rPr kumimoji="1" lang="en-US" altLang="ja-JP" dirty="0" smtClean="0"/>
-            </a:br>
-            <a:r>
-              <a:rPr kumimoji="1" lang="en-US" altLang="ja-JP" dirty="0" smtClean="0"/>
-              <a:t>(num. of correct output) / (num. of input cases)</a:t>
-            </a:r>
-            <a:endParaRPr kumimoji="1" lang="en-US" altLang="ja-JP" dirty="0"/>
-          </a:p>
-          <a:p>
-            <a:pPr lvl="1"/>
             <a:endParaRPr kumimoji="1" lang="en-US" altLang="ja-JP" dirty="0" smtClean="0"/>
           </a:p>
         </p:txBody>
       </p:sp>
     </p:spTree>
+    <p:extLst>
+      <p:ext uri="{BB962C8B-B14F-4D97-AF65-F5344CB8AC3E}">
+        <p14:creationId xmlns:p14="http://schemas.microsoft.com/office/powerpoint/2010/main" val="2187598023"/>
+      </p:ext>
+    </p:extLst>
   </p:cSld>
   <p:clrMapOvr>
     <a:masterClrMapping/>
@@ -3857,116 +3832,586 @@
           <a:chExt cx="0" cy="0"/>
         </a:xfrm>
       </p:grpSpPr>
-      <p:pic>
-        <p:nvPicPr>
-          <p:cNvPr id="29697" name="Picture 1"/>
-          <p:cNvPicPr>
-            <a:picLocks noChangeAspect="1" noChangeArrowheads="1"/>
-          </p:cNvPicPr>
-          <p:nvPr/>
-        </p:nvPicPr>
-        <p:blipFill>
-          <a:blip r:embed="rId2" cstate="print">
-            <a:extLst>
-              <a:ext uri="{28A0092B-C50C-407E-A947-70E740481C1C}">
-                <a14:useLocalDpi xmlns:a14="http://schemas.microsoft.com/office/drawing/2010/main" val="0"/>
-              </a:ext>
-            </a:extLst>
-          </a:blip>
-          <a:srcRect/>
-          <a:stretch>
-            <a:fillRect/>
-          </a:stretch>
-        </p:blipFill>
-        <p:spPr bwMode="auto">
-          <a:xfrm>
-            <a:off x="6862440" y="2346324"/>
-            <a:ext cx="5148263" cy="5148263"/>
-          </a:xfrm>
-          <a:prstGeom prst="rect">
-            <a:avLst/>
-          </a:prstGeom>
-          <a:noFill/>
-          <a:ln>
-            <a:noFill/>
-          </a:ln>
-          <a:extLst>
-            <a:ext uri="{909E8E84-426E-40DD-AFC4-6F175D3DCCD1}">
-              <a14:hiddenFill xmlns:a14="http://schemas.microsoft.com/office/drawing/2010/main">
-                <a:solidFill>
-                  <a:srgbClr val="FFFFFF"/>
-                </a:solidFill>
-              </a14:hiddenFill>
-            </a:ext>
-            <a:ext uri="{91240B29-F687-4F45-9708-019B960494DF}">
-              <a14:hiddenLine xmlns:a14="http://schemas.microsoft.com/office/drawing/2010/main" w="12700" cap="flat">
-                <a:solidFill>
-                  <a:schemeClr val="tx1"/>
-                </a:solidFill>
-                <a:miter lim="800000"/>
-                <a:headEnd/>
-                <a:tailEnd/>
-              </a14:hiddenLine>
-            </a:ext>
-          </a:extLst>
-        </p:spPr>
-      </p:pic>
       <p:sp>
         <p:nvSpPr>
-          <p:cNvPr id="29698" name="Rectangle 2"/>
+          <p:cNvPr id="2" name="タイトル 1"/>
           <p:cNvSpPr>
-            <a:spLocks noGrp="1" noChangeArrowheads="1"/>
+            <a:spLocks noGrp="1"/>
           </p:cNvSpPr>
           <p:nvPr>
             <p:ph type="title"/>
           </p:nvPr>
         </p:nvSpPr>
-        <p:spPr>
-          <a:ln/>
-        </p:spPr>
+        <p:spPr/>
         <p:txBody>
           <a:bodyPr/>
           <a:lstStyle/>
           <a:p>
             <a:r>
-              <a:rPr lang="ja-JP" altLang="en-US" dirty="0" smtClean="0"/>
-              <a:t>休憩？</a:t>
-            </a:r>
-            <a:endParaRPr lang="ja-JP" altLang="en-US" dirty="0"/>
+              <a:rPr kumimoji="1" lang="ja-JP" altLang="en-US" dirty="0" smtClean="0"/>
+              <a:t>最大エントロピー法</a:t>
+            </a:r>
+            <a:endParaRPr kumimoji="1" lang="ja-JP" altLang="en-US" dirty="0"/>
           </a:p>
         </p:txBody>
       </p:sp>
       <p:sp>
         <p:nvSpPr>
-          <p:cNvPr id="29699" name="Rectangle 3"/>
+          <p:cNvPr id="3" name="コンテンツ プレースホルダー 2"/>
           <p:cNvSpPr>
-            <a:spLocks noGrp="1" noChangeArrowheads="1"/>
+            <a:spLocks noGrp="1"/>
           </p:cNvSpPr>
           <p:nvPr>
-            <p:ph type="body" sz="quarter" idx="10"/>
+            <p:ph sz="quarter" idx="10"/>
           </p:nvPr>
         </p:nvSpPr>
         <p:spPr>
-          <a:ln/>
+          <a:xfrm>
+            <a:off x="525736" y="2355850"/>
+            <a:ext cx="11953328" cy="6913438"/>
+          </a:xfrm>
         </p:spPr>
         <p:txBody>
-          <a:bodyPr/>
+          <a:bodyPr>
+            <a:normAutofit fontScale="92500" lnSpcReduction="10000"/>
+          </a:bodyPr>
           <a:lstStyle/>
           <a:p>
             <a:r>
-              <a:rPr lang="ja-JP" altLang="en-US" dirty="0"/>
-              <a:t>学習には時間がかかります。</a:t>
-            </a:r>
-          </a:p>
-          <a:p>
-            <a:r>
-              <a:rPr lang="ja-JP" altLang="en-US" dirty="0"/>
-              <a:t>終わらないかも・・・</a:t>
-            </a:r>
+              <a:rPr kumimoji="1" lang="ja-JP" altLang="en-US" dirty="0" smtClean="0"/>
+              <a:t>素性</a:t>
+            </a:r>
+            <a:r>
+              <a:rPr kumimoji="1" lang="en-US" altLang="ja-JP" dirty="0" smtClean="0"/>
+              <a:t>(</a:t>
+            </a:r>
+            <a:r>
+              <a:rPr kumimoji="1" lang="ja-JP" altLang="en-US" dirty="0" smtClean="0"/>
+              <a:t>特徴</a:t>
+            </a:r>
+            <a:r>
+              <a:rPr kumimoji="1" lang="en-US" altLang="ja-JP" dirty="0" smtClean="0"/>
+              <a:t>)</a:t>
+            </a:r>
+            <a:r>
+              <a:rPr kumimoji="1" lang="ja-JP" altLang="en-US" dirty="0" smtClean="0"/>
+              <a:t>ベクトルとそのラベル</a:t>
+            </a:r>
+            <a:r>
+              <a:rPr kumimoji="1" lang="en-US" altLang="ja-JP" dirty="0" smtClean="0"/>
+              <a:t>(</a:t>
+            </a:r>
+            <a:r>
+              <a:rPr kumimoji="1" lang="ja-JP" altLang="en-US" dirty="0" smtClean="0"/>
+              <a:t>クラス</a:t>
+            </a:r>
+            <a:r>
+              <a:rPr kumimoji="1" lang="en-US" altLang="ja-JP" dirty="0" smtClean="0"/>
+              <a:t>)</a:t>
+            </a:r>
+            <a:r>
+              <a:rPr kumimoji="1" lang="ja-JP" altLang="en-US" dirty="0" smtClean="0"/>
+              <a:t>を考えてみる</a:t>
+            </a:r>
+            <a:endParaRPr kumimoji="1" lang="en-US" altLang="ja-JP" dirty="0"/>
+          </a:p>
+          <a:p>
+            <a:pPr lvl="1"/>
+            <a:r>
+              <a:rPr kumimoji="1" lang="ja-JP" altLang="en-US" dirty="0" smtClean="0"/>
+              <a:t>例</a:t>
+            </a:r>
+            <a:r>
+              <a:rPr kumimoji="1" lang="en-US" altLang="ja-JP" dirty="0" smtClean="0"/>
+              <a:t>: </a:t>
+            </a:r>
+            <a:r>
+              <a:rPr kumimoji="1" lang="en-US" altLang="ja-JP" dirty="0" err="1" smtClean="0"/>
+              <a:t>φ</a:t>
+            </a:r>
+            <a:r>
+              <a:rPr kumimoji="1" lang="en-US" altLang="ja-JP" dirty="0"/>
+              <a:t>(</a:t>
+            </a:r>
+            <a:r>
+              <a:rPr kumimoji="1" lang="en-US" altLang="ja-JP" dirty="0" smtClean="0"/>
+              <a:t>φ1,φ2,…φ9)</a:t>
+            </a:r>
+            <a:r>
+              <a:rPr kumimoji="1" lang="ja-JP" altLang="en-US" dirty="0" smtClean="0"/>
+              <a:t>を次のように定義する</a:t>
+            </a:r>
+            <a:endParaRPr kumimoji="1" lang="en-US" altLang="ja-JP" dirty="0" smtClean="0"/>
+          </a:p>
+          <a:p>
+            <a:pPr lvl="2"/>
+            <a:r>
+              <a:rPr kumimoji="1" lang="en-US" altLang="ja-JP" dirty="0" smtClean="0"/>
+              <a:t>φ1 = </a:t>
+            </a:r>
+            <a:r>
+              <a:rPr kumimoji="1" lang="ja-JP" altLang="en-US" dirty="0" smtClean="0"/>
+              <a:t>単語</a:t>
+            </a:r>
+            <a:r>
+              <a:rPr kumimoji="1" lang="en-US" altLang="ja-JP" dirty="0" smtClean="0"/>
+              <a:t> “block” </a:t>
+            </a:r>
+            <a:r>
+              <a:rPr kumimoji="1" lang="ja-JP" altLang="en-US" dirty="0" smtClean="0"/>
+              <a:t>が</a:t>
+            </a:r>
+            <a:r>
+              <a:rPr kumimoji="1" lang="en-US" altLang="ja-JP" dirty="0" smtClean="0"/>
+              <a:t>1</a:t>
+            </a:r>
+            <a:r>
+              <a:rPr kumimoji="1" lang="ja-JP" altLang="en-US" dirty="0" smtClean="0"/>
+              <a:t>単語目に</a:t>
+            </a:r>
+            <a:r>
+              <a:rPr kumimoji="1" lang="ja-JP" altLang="en-US" dirty="0" smtClean="0"/>
+              <a:t>出現</a:t>
+            </a:r>
+            <a:r>
+              <a:rPr kumimoji="1" lang="en-US" altLang="ja-JP" dirty="0" smtClean="0"/>
+              <a:t/>
+            </a:r>
+            <a:br>
+              <a:rPr kumimoji="1" lang="en-US" altLang="ja-JP" dirty="0" smtClean="0"/>
+            </a:br>
+            <a:r>
+              <a:rPr kumimoji="1" lang="en-US" altLang="ja-JP" dirty="0" smtClean="0"/>
+              <a:t>φ2 </a:t>
+            </a:r>
+            <a:r>
+              <a:rPr kumimoji="1" lang="en-US" altLang="ja-JP" dirty="0"/>
+              <a:t>= </a:t>
+            </a:r>
+            <a:r>
+              <a:rPr kumimoji="1" lang="ja-JP" altLang="en-US" dirty="0"/>
+              <a:t>単語</a:t>
+            </a:r>
+            <a:r>
+              <a:rPr kumimoji="1" lang="en-US" altLang="ja-JP" dirty="0"/>
+              <a:t> “block” </a:t>
+            </a:r>
+            <a:r>
+              <a:rPr kumimoji="1" lang="ja-JP" altLang="en-US" dirty="0" smtClean="0"/>
+              <a:t>が</a:t>
+            </a:r>
+            <a:r>
+              <a:rPr kumimoji="1" lang="en-US" altLang="ja-JP" dirty="0" smtClean="0"/>
+              <a:t>2</a:t>
+            </a:r>
+            <a:r>
+              <a:rPr kumimoji="1" lang="ja-JP" altLang="en-US" dirty="0" smtClean="0"/>
+              <a:t>単語目</a:t>
+            </a:r>
+            <a:r>
+              <a:rPr kumimoji="1" lang="ja-JP" altLang="en-US" dirty="0"/>
+              <a:t>に</a:t>
+            </a:r>
+            <a:r>
+              <a:rPr kumimoji="1" lang="ja-JP" altLang="en-US" dirty="0" smtClean="0"/>
+              <a:t>出現</a:t>
+            </a:r>
+            <a:r>
+              <a:rPr kumimoji="1" lang="en-US" altLang="ja-JP" dirty="0"/>
+              <a:t/>
+            </a:r>
+            <a:br>
+              <a:rPr kumimoji="1" lang="en-US" altLang="ja-JP" dirty="0"/>
+            </a:br>
+            <a:r>
+              <a:rPr kumimoji="1" lang="en-US" altLang="ja-JP" dirty="0" smtClean="0"/>
+              <a:t>φ3 </a:t>
+            </a:r>
+            <a:r>
+              <a:rPr kumimoji="1" lang="en-US" altLang="ja-JP" dirty="0"/>
+              <a:t>= </a:t>
+            </a:r>
+            <a:r>
+              <a:rPr kumimoji="1" lang="ja-JP" altLang="en-US" dirty="0"/>
+              <a:t>単語</a:t>
+            </a:r>
+            <a:r>
+              <a:rPr kumimoji="1" lang="en-US" altLang="ja-JP" dirty="0"/>
+              <a:t> “block” </a:t>
+            </a:r>
+            <a:r>
+              <a:rPr kumimoji="1" lang="ja-JP" altLang="en-US" dirty="0" smtClean="0"/>
+              <a:t>が</a:t>
+            </a:r>
+            <a:r>
+              <a:rPr kumimoji="1" lang="en-US" altLang="ja-JP" dirty="0" smtClean="0"/>
+              <a:t>3</a:t>
+            </a:r>
+            <a:r>
+              <a:rPr kumimoji="1" lang="ja-JP" altLang="en-US" dirty="0" smtClean="0"/>
+              <a:t>単語目</a:t>
+            </a:r>
+            <a:r>
+              <a:rPr kumimoji="1" lang="ja-JP" altLang="en-US" dirty="0"/>
+              <a:t>に</a:t>
+            </a:r>
+            <a:r>
+              <a:rPr kumimoji="1" lang="ja-JP" altLang="en-US" dirty="0" smtClean="0"/>
+              <a:t>出現</a:t>
+            </a:r>
+            <a:r>
+              <a:rPr kumimoji="1" lang="en-US" altLang="ja-JP" dirty="0"/>
+              <a:t/>
+            </a:r>
+            <a:br>
+              <a:rPr kumimoji="1" lang="en-US" altLang="ja-JP" dirty="0"/>
+            </a:br>
+            <a:r>
+              <a:rPr kumimoji="1" lang="en-US" altLang="ja-JP" dirty="0" smtClean="0"/>
+              <a:t>φ4 </a:t>
+            </a:r>
+            <a:r>
+              <a:rPr kumimoji="1" lang="en-US" altLang="ja-JP" dirty="0"/>
+              <a:t>= </a:t>
+            </a:r>
+            <a:r>
+              <a:rPr kumimoji="1" lang="ja-JP" altLang="en-US" dirty="0" smtClean="0"/>
+              <a:t>単語</a:t>
+            </a:r>
+            <a:r>
+              <a:rPr kumimoji="1" lang="en-US" altLang="ja-JP" dirty="0" smtClean="0"/>
+              <a:t> “paper” </a:t>
+            </a:r>
+            <a:r>
+              <a:rPr kumimoji="1" lang="ja-JP" altLang="en-US" dirty="0"/>
+              <a:t>が</a:t>
+            </a:r>
+            <a:r>
+              <a:rPr kumimoji="1" lang="en-US" altLang="ja-JP" dirty="0"/>
+              <a:t>1</a:t>
+            </a:r>
+            <a:r>
+              <a:rPr kumimoji="1" lang="ja-JP" altLang="en-US" dirty="0"/>
+              <a:t>単語目に</a:t>
+            </a:r>
+            <a:r>
+              <a:rPr kumimoji="1" lang="ja-JP" altLang="en-US" dirty="0" smtClean="0"/>
+              <a:t>出現</a:t>
+            </a:r>
+            <a:r>
+              <a:rPr kumimoji="1" lang="en-US" altLang="ja-JP" dirty="0"/>
+              <a:t/>
+            </a:r>
+            <a:br>
+              <a:rPr kumimoji="1" lang="en-US" altLang="ja-JP" dirty="0"/>
+            </a:br>
+            <a:r>
+              <a:rPr kumimoji="1" lang="en-US" altLang="ja-JP" dirty="0" smtClean="0"/>
+              <a:t>φ5 </a:t>
+            </a:r>
+            <a:r>
+              <a:rPr kumimoji="1" lang="en-US" altLang="ja-JP" dirty="0"/>
+              <a:t>= </a:t>
+            </a:r>
+            <a:r>
+              <a:rPr kumimoji="1" lang="ja-JP" altLang="en-US" dirty="0" smtClean="0"/>
+              <a:t>単語</a:t>
+            </a:r>
+            <a:r>
+              <a:rPr kumimoji="1" lang="en-US" altLang="ja-JP" dirty="0" smtClean="0"/>
+              <a:t> “paper” </a:t>
+            </a:r>
+            <a:r>
+              <a:rPr kumimoji="1" lang="ja-JP" altLang="en-US" dirty="0" smtClean="0"/>
+              <a:t>が</a:t>
+            </a:r>
+            <a:r>
+              <a:rPr kumimoji="1" lang="en-US" altLang="ja-JP" dirty="0" smtClean="0"/>
+              <a:t>2</a:t>
+            </a:r>
+            <a:r>
+              <a:rPr kumimoji="1" lang="ja-JP" altLang="en-US" dirty="0" smtClean="0"/>
+              <a:t>単語目</a:t>
+            </a:r>
+            <a:r>
+              <a:rPr kumimoji="1" lang="ja-JP" altLang="en-US" dirty="0"/>
+              <a:t>に</a:t>
+            </a:r>
+            <a:r>
+              <a:rPr kumimoji="1" lang="ja-JP" altLang="en-US" dirty="0" smtClean="0"/>
+              <a:t>出現</a:t>
+            </a:r>
+            <a:r>
+              <a:rPr kumimoji="1" lang="en-US" altLang="ja-JP" dirty="0"/>
+              <a:t/>
+            </a:r>
+            <a:br>
+              <a:rPr kumimoji="1" lang="en-US" altLang="ja-JP" dirty="0"/>
+            </a:br>
+            <a:r>
+              <a:rPr kumimoji="1" lang="en-US" altLang="ja-JP" dirty="0" smtClean="0"/>
+              <a:t>φ6 </a:t>
+            </a:r>
+            <a:r>
+              <a:rPr kumimoji="1" lang="en-US" altLang="ja-JP" dirty="0"/>
+              <a:t>= </a:t>
+            </a:r>
+            <a:r>
+              <a:rPr kumimoji="1" lang="ja-JP" altLang="en-US" dirty="0" smtClean="0"/>
+              <a:t>単語</a:t>
+            </a:r>
+            <a:r>
+              <a:rPr kumimoji="1" lang="en-US" altLang="ja-JP" dirty="0" smtClean="0"/>
+              <a:t> “paper” </a:t>
+            </a:r>
+            <a:r>
+              <a:rPr kumimoji="1" lang="ja-JP" altLang="en-US" dirty="0" smtClean="0"/>
+              <a:t>が</a:t>
+            </a:r>
+            <a:r>
+              <a:rPr kumimoji="1" lang="en-US" altLang="ja-JP" dirty="0" smtClean="0"/>
+              <a:t>3</a:t>
+            </a:r>
+            <a:r>
+              <a:rPr kumimoji="1" lang="ja-JP" altLang="en-US" dirty="0" smtClean="0"/>
+              <a:t>単語目</a:t>
+            </a:r>
+            <a:r>
+              <a:rPr kumimoji="1" lang="ja-JP" altLang="en-US" dirty="0"/>
+              <a:t>に</a:t>
+            </a:r>
+            <a:r>
+              <a:rPr kumimoji="1" lang="ja-JP" altLang="en-US" dirty="0" smtClean="0"/>
+              <a:t>出現</a:t>
+            </a:r>
+            <a:r>
+              <a:rPr kumimoji="1" lang="en-US" altLang="ja-JP" dirty="0"/>
+              <a:t/>
+            </a:r>
+            <a:br>
+              <a:rPr kumimoji="1" lang="en-US" altLang="ja-JP" dirty="0"/>
+            </a:br>
+            <a:r>
+              <a:rPr kumimoji="1" lang="en-US" altLang="ja-JP" dirty="0" smtClean="0"/>
+              <a:t>φ7 </a:t>
+            </a:r>
+            <a:r>
+              <a:rPr kumimoji="1" lang="en-US" altLang="ja-JP" dirty="0"/>
+              <a:t>= </a:t>
+            </a:r>
+            <a:r>
+              <a:rPr kumimoji="1" lang="ja-JP" altLang="en-US" dirty="0" smtClean="0"/>
+              <a:t>単語</a:t>
+            </a:r>
+            <a:r>
+              <a:rPr kumimoji="1" lang="en-US" altLang="ja-JP" dirty="0" smtClean="0"/>
+              <a:t> “scissors” </a:t>
+            </a:r>
+            <a:r>
+              <a:rPr kumimoji="1" lang="ja-JP" altLang="en-US" dirty="0"/>
+              <a:t>が</a:t>
+            </a:r>
+            <a:r>
+              <a:rPr kumimoji="1" lang="en-US" altLang="ja-JP" dirty="0"/>
+              <a:t>1</a:t>
+            </a:r>
+            <a:r>
+              <a:rPr kumimoji="1" lang="ja-JP" altLang="en-US" dirty="0"/>
+              <a:t>単語目に</a:t>
+            </a:r>
+            <a:r>
+              <a:rPr kumimoji="1" lang="ja-JP" altLang="en-US" dirty="0" smtClean="0"/>
+              <a:t>出現</a:t>
+            </a:r>
+            <a:r>
+              <a:rPr kumimoji="1" lang="en-US" altLang="ja-JP" dirty="0"/>
+              <a:t/>
+            </a:r>
+            <a:br>
+              <a:rPr kumimoji="1" lang="en-US" altLang="ja-JP" dirty="0"/>
+            </a:br>
+            <a:r>
+              <a:rPr kumimoji="1" lang="en-US" altLang="ja-JP" dirty="0" smtClean="0"/>
+              <a:t>φ8 </a:t>
+            </a:r>
+            <a:r>
+              <a:rPr kumimoji="1" lang="en-US" altLang="ja-JP" dirty="0"/>
+              <a:t>= </a:t>
+            </a:r>
+            <a:r>
+              <a:rPr kumimoji="1" lang="ja-JP" altLang="en-US" dirty="0" smtClean="0"/>
+              <a:t>単語</a:t>
+            </a:r>
+            <a:r>
+              <a:rPr kumimoji="1" lang="en-US" altLang="ja-JP" dirty="0" smtClean="0"/>
+              <a:t> “scissors” </a:t>
+            </a:r>
+            <a:r>
+              <a:rPr kumimoji="1" lang="ja-JP" altLang="en-US" dirty="0" smtClean="0"/>
+              <a:t>が</a:t>
+            </a:r>
+            <a:r>
+              <a:rPr kumimoji="1" lang="en-US" altLang="ja-JP" dirty="0" smtClean="0"/>
+              <a:t>2</a:t>
+            </a:r>
+            <a:r>
+              <a:rPr kumimoji="1" lang="ja-JP" altLang="en-US" dirty="0" smtClean="0"/>
+              <a:t>単語目</a:t>
+            </a:r>
+            <a:r>
+              <a:rPr kumimoji="1" lang="ja-JP" altLang="en-US" dirty="0"/>
+              <a:t>に</a:t>
+            </a:r>
+            <a:r>
+              <a:rPr kumimoji="1" lang="ja-JP" altLang="en-US" dirty="0" smtClean="0"/>
+              <a:t>出現</a:t>
+            </a:r>
+            <a:r>
+              <a:rPr kumimoji="1" lang="en-US" altLang="ja-JP" dirty="0"/>
+              <a:t/>
+            </a:r>
+            <a:br>
+              <a:rPr kumimoji="1" lang="en-US" altLang="ja-JP" dirty="0"/>
+            </a:br>
+            <a:r>
+              <a:rPr kumimoji="1" lang="en-US" altLang="ja-JP" dirty="0" smtClean="0"/>
+              <a:t>φ9 </a:t>
+            </a:r>
+            <a:r>
+              <a:rPr kumimoji="1" lang="en-US" altLang="ja-JP" dirty="0"/>
+              <a:t>= </a:t>
+            </a:r>
+            <a:r>
+              <a:rPr kumimoji="1" lang="ja-JP" altLang="en-US" dirty="0" smtClean="0"/>
+              <a:t>単語</a:t>
+            </a:r>
+            <a:r>
+              <a:rPr kumimoji="1" lang="en-US" altLang="ja-JP" dirty="0" smtClean="0"/>
+              <a:t> “scissors” </a:t>
+            </a:r>
+            <a:r>
+              <a:rPr kumimoji="1" lang="ja-JP" altLang="en-US" dirty="0" smtClean="0"/>
+              <a:t>が</a:t>
+            </a:r>
+            <a:r>
+              <a:rPr kumimoji="1" lang="en-US" altLang="ja-JP" dirty="0"/>
+              <a:t>3</a:t>
+            </a:r>
+            <a:r>
+              <a:rPr kumimoji="1" lang="ja-JP" altLang="en-US" dirty="0" smtClean="0"/>
+              <a:t>単語目</a:t>
+            </a:r>
+            <a:r>
+              <a:rPr kumimoji="1" lang="ja-JP" altLang="en-US" dirty="0"/>
+              <a:t>に</a:t>
+            </a:r>
+            <a:r>
+              <a:rPr kumimoji="1" lang="ja-JP" altLang="en-US" dirty="0" smtClean="0"/>
+              <a:t>出現</a:t>
+            </a:r>
+            <a:endParaRPr kumimoji="1" lang="en-US" altLang="ja-JP" dirty="0"/>
+          </a:p>
+          <a:p>
+            <a:pPr lvl="2"/>
+            <a:r>
+              <a:rPr kumimoji="1" lang="en-US" altLang="ja-JP" dirty="0" smtClean="0"/>
+              <a:t>d</a:t>
+            </a:r>
+            <a:r>
+              <a:rPr kumimoji="1" lang="en-US" altLang="ja-JP" baseline="-25000" dirty="0" smtClean="0"/>
+              <a:t>1</a:t>
+            </a:r>
+            <a:r>
+              <a:rPr kumimoji="1" lang="en-US" altLang="ja-JP" dirty="0" smtClean="0"/>
+              <a:t> = (1,0,1,0,0,0,0,1,0), label: N</a:t>
+            </a:r>
+            <a:r>
+              <a:rPr kumimoji="1" lang="ja-JP" altLang="en-US" dirty="0" err="1" smtClean="0"/>
+              <a:t>さん</a:t>
+            </a:r>
+            <a:r>
+              <a:rPr kumimoji="1" lang="en-US" altLang="ja-JP" dirty="0" smtClean="0"/>
+              <a:t/>
+            </a:r>
+            <a:br>
+              <a:rPr kumimoji="1" lang="en-US" altLang="ja-JP" dirty="0" smtClean="0"/>
+            </a:br>
+            <a:r>
+              <a:rPr kumimoji="1" lang="en-US" altLang="ja-JP" dirty="0" smtClean="0"/>
+              <a:t>d</a:t>
+            </a:r>
+            <a:r>
+              <a:rPr kumimoji="1" lang="en-US" altLang="ja-JP" baseline="-25000" dirty="0" smtClean="0"/>
+              <a:t>2</a:t>
+            </a:r>
+            <a:r>
+              <a:rPr kumimoji="1" lang="en-US" altLang="ja-JP" dirty="0" smtClean="0"/>
+              <a:t> </a:t>
+            </a:r>
+            <a:r>
+              <a:rPr kumimoji="1" lang="en-US" altLang="ja-JP" dirty="0"/>
+              <a:t>= </a:t>
+            </a:r>
+            <a:r>
+              <a:rPr kumimoji="1" lang="en-US" altLang="ja-JP" dirty="0" smtClean="0"/>
+              <a:t>(0,0,0,1,0,1,0,1,0</a:t>
+            </a:r>
+            <a:r>
+              <a:rPr kumimoji="1" lang="en-US" altLang="ja-JP" dirty="0"/>
+              <a:t>), label: N</a:t>
+            </a:r>
+            <a:r>
+              <a:rPr kumimoji="1" lang="ja-JP" altLang="en-US" dirty="0" err="1" smtClean="0"/>
+              <a:t>さん</a:t>
+            </a:r>
+            <a:r>
+              <a:rPr kumimoji="1" lang="en-US" altLang="ja-JP" dirty="0"/>
+              <a:t/>
+            </a:r>
+            <a:br>
+              <a:rPr kumimoji="1" lang="en-US" altLang="ja-JP" dirty="0"/>
+            </a:br>
+            <a:r>
+              <a:rPr kumimoji="1" lang="en-US" altLang="ja-JP" dirty="0" smtClean="0"/>
+              <a:t>d</a:t>
+            </a:r>
+            <a:r>
+              <a:rPr kumimoji="1" lang="en-US" altLang="ja-JP" baseline="-25000" dirty="0" smtClean="0"/>
+              <a:t>3</a:t>
+            </a:r>
+            <a:r>
+              <a:rPr kumimoji="1" lang="en-US" altLang="ja-JP" dirty="0" smtClean="0"/>
+              <a:t>〜d</a:t>
+            </a:r>
+            <a:r>
+              <a:rPr kumimoji="1" lang="en-US" altLang="ja-JP" baseline="-25000" dirty="0" smtClean="0"/>
+              <a:t>6</a:t>
+            </a:r>
+            <a:r>
+              <a:rPr kumimoji="1" lang="ja-JP" altLang="en-US" dirty="0" smtClean="0"/>
+              <a:t>を素性ベクトルとラベルで現してみよう。</a:t>
+            </a:r>
+            <a:endParaRPr kumimoji="1" lang="en-US" altLang="ja-JP" dirty="0"/>
+          </a:p>
+          <a:p>
+            <a:pPr lvl="2"/>
+            <a:endParaRPr kumimoji="1" lang="en-US" altLang="ja-JP" dirty="0"/>
+          </a:p>
+          <a:p>
+            <a:pPr lvl="2"/>
+            <a:endParaRPr kumimoji="1" lang="en-US" altLang="ja-JP" dirty="0" smtClean="0"/>
+          </a:p>
+          <a:p>
+            <a:endParaRPr kumimoji="1" lang="ja-JP" altLang="en-US" dirty="0"/>
           </a:p>
         </p:txBody>
       </p:sp>
     </p:spTree>
+    <p:extLst>
+      <p:ext uri="{BB962C8B-B14F-4D97-AF65-F5344CB8AC3E}">
+        <p14:creationId xmlns:p14="http://schemas.microsoft.com/office/powerpoint/2010/main" val="1697337549"/>
+      </p:ext>
+    </p:extLst>
   </p:cSld>
   <p:clrMapOvr>
     <a:masterClrMapping/>
@@ -4001,369 +4446,327 @@
       </p:grpSpPr>
       <p:sp>
         <p:nvSpPr>
-          <p:cNvPr id="30721" name="Rectangle 1"/>
+          <p:cNvPr id="2" name="タイトル 1"/>
           <p:cNvSpPr>
-            <a:spLocks noGrp="1" noChangeArrowheads="1"/>
+            <a:spLocks noGrp="1"/>
           </p:cNvSpPr>
           <p:nvPr>
             <p:ph type="title"/>
           </p:nvPr>
         </p:nvSpPr>
-        <p:spPr>
-          <a:ln/>
-        </p:spPr>
+        <p:spPr/>
         <p:txBody>
           <a:bodyPr/>
           <a:lstStyle/>
           <a:p>
             <a:r>
-              <a:rPr lang="ja-JP" altLang="en-US" dirty="0"/>
-              <a:t>評価</a:t>
-            </a:r>
-            <a:r>
-              <a:rPr lang="en-US" altLang="ja-JP" dirty="0"/>
-              <a:t>: </a:t>
-            </a:r>
-            <a:r>
-              <a:rPr lang="ja-JP" altLang="en-US" dirty="0"/>
-              <a:t>そのモデルで大丈夫</a:t>
-            </a:r>
-            <a:r>
-              <a:rPr lang="en-US" altLang="ja-JP" dirty="0"/>
-              <a:t>?</a:t>
-            </a:r>
+              <a:rPr kumimoji="1" lang="ja-JP" altLang="en-US" dirty="0" smtClean="0"/>
+              <a:t>最大エントロピー法</a:t>
+            </a:r>
+            <a:endParaRPr kumimoji="1" lang="ja-JP" altLang="en-US" dirty="0"/>
           </a:p>
         </p:txBody>
       </p:sp>
       <p:sp>
         <p:nvSpPr>
-          <p:cNvPr id="4" name="Slide Number Placeholder 3"/>
+          <p:cNvPr id="3" name="コンテンツ プレースホルダー 2"/>
           <p:cNvSpPr>
             <a:spLocks noGrp="1"/>
-          </p:cNvSpPr>
-          <p:nvPr>
-            <p:ph type="sldNum" sz="quarter" idx="4"/>
-          </p:nvPr>
-        </p:nvSpPr>
-        <p:spPr>
-          <a:prstGeom prst="rect">
-            <a:avLst/>
-          </a:prstGeom>
-        </p:spPr>
-        <p:txBody>
-          <a:bodyPr/>
-          <a:lstStyle/>
-          <a:p>
-            <a:fld id="{A9D3CB40-E20B-49ED-91F9-0F8BA9CA454A}" type="slidenum">
-              <a:rPr lang="en-US" altLang="ja-JP"/>
-              <a:pPr/>
-              <a:t>18</a:t>
-            </a:fld>
-            <a:endParaRPr lang="en-US" altLang="ja-JP"/>
-          </a:p>
-        </p:txBody>
-      </p:sp>
-      <p:sp>
-        <p:nvSpPr>
-          <p:cNvPr id="30722" name="Rectangle 2"/>
-          <p:cNvSpPr>
-            <a:spLocks noGrp="1" noChangeArrowheads="1"/>
           </p:cNvSpPr>
           <p:nvPr>
             <p:ph sz="quarter" idx="10"/>
           </p:nvPr>
         </p:nvSpPr>
         <p:spPr>
-          <a:ln/>
+          <a:xfrm>
+            <a:off x="525736" y="2355850"/>
+            <a:ext cx="12313368" cy="7201470"/>
+          </a:xfrm>
         </p:spPr>
         <p:txBody>
-          <a:bodyPr/>
+          <a:bodyPr>
+            <a:normAutofit fontScale="92500" lnSpcReduction="20000"/>
+          </a:bodyPr>
           <a:lstStyle/>
           <a:p>
+            <a:r>
+              <a:rPr kumimoji="1" lang="ja-JP" altLang="en-US" dirty="0" smtClean="0"/>
+              <a:t>素性とラベルのペアをもとに、新しい文のラベルを推定する。</a:t>
+            </a:r>
+            <a:endParaRPr kumimoji="1" lang="en-US" altLang="ja-JP" dirty="0"/>
+          </a:p>
+          <a:p>
+            <a:endParaRPr kumimoji="1" lang="en-US" altLang="ja-JP" dirty="0" smtClean="0"/>
+          </a:p>
+          <a:p>
+            <a:r>
+              <a:rPr kumimoji="1" lang="en-US" altLang="ja-JP" dirty="0" smtClean="0"/>
+              <a:t>※</a:t>
+            </a:r>
+            <a:r>
+              <a:rPr kumimoji="1" lang="ja-JP" altLang="en-US" dirty="0" smtClean="0"/>
+              <a:t>計算は省略しますが気になる人は以下を参考にしてください。</a:t>
+            </a:r>
+            <a:endParaRPr kumimoji="1" lang="en-US" altLang="ja-JP" dirty="0" smtClean="0"/>
+          </a:p>
+          <a:p>
+            <a:pPr lvl="1"/>
+            <a:r>
+              <a:rPr kumimoji="1" lang="ja-JP" altLang="en-US" dirty="0" smtClean="0"/>
+              <a:t>言語処理のための機械学習入門　</a:t>
+            </a:r>
+            <a:r>
+              <a:rPr kumimoji="1" lang="en-US" altLang="ja-JP" dirty="0" smtClean="0"/>
+              <a:t>(</a:t>
+            </a:r>
+            <a:r>
+              <a:rPr kumimoji="1" lang="ja-JP" altLang="en-US" dirty="0" smtClean="0"/>
+              <a:t>高村大也　著）</a:t>
+            </a:r>
+            <a:endParaRPr kumimoji="1" lang="en-US" altLang="ja-JP" dirty="0" smtClean="0"/>
+          </a:p>
+          <a:p>
+            <a:pPr lvl="1"/>
+            <a:r>
+              <a:rPr kumimoji="1" lang="ja-JP" altLang="en-US" dirty="0" smtClean="0"/>
+              <a:t>確率的言語モデル（北研二　著）</a:t>
+            </a:r>
+            <a:endParaRPr kumimoji="1" lang="en-US" altLang="ja-JP" dirty="0" smtClean="0"/>
+          </a:p>
+          <a:p>
+            <a:pPr lvl="1"/>
+            <a:r>
+              <a:rPr kumimoji="1" lang="ja-JP" altLang="en-US" dirty="0" smtClean="0"/>
+              <a:t>朱鷺の杜</a:t>
+            </a:r>
+            <a:r>
+              <a:rPr kumimoji="1" lang="en-US" altLang="ja-JP" dirty="0" smtClean="0"/>
+              <a:t> (http</a:t>
+            </a:r>
+            <a:r>
+              <a:rPr kumimoji="1" lang="en-US" altLang="ja-JP" dirty="0"/>
+              <a:t>://</a:t>
+            </a:r>
+            <a:r>
+              <a:rPr kumimoji="1" lang="en-US" altLang="ja-JP" dirty="0" err="1"/>
+              <a:t>ibisforest.org</a:t>
+            </a:r>
+            <a:r>
+              <a:rPr kumimoji="1" lang="en-US" altLang="ja-JP" dirty="0"/>
+              <a:t>/</a:t>
+            </a:r>
+            <a:r>
+              <a:rPr kumimoji="1" lang="en-US" altLang="ja-JP" dirty="0" err="1"/>
+              <a:t>index.php</a:t>
+            </a:r>
+            <a:r>
+              <a:rPr kumimoji="1" lang="en-US" altLang="ja-JP" dirty="0"/>
+              <a:t>?</a:t>
+            </a:r>
+            <a:r>
+              <a:rPr kumimoji="1" lang="ja-JP" altLang="en-US" dirty="0"/>
+              <a:t>最大</a:t>
+            </a:r>
+            <a:r>
+              <a:rPr kumimoji="1" lang="ja-JP" altLang="en-US" dirty="0" smtClean="0"/>
+              <a:t>エントロピー</a:t>
+            </a:r>
+            <a:r>
+              <a:rPr kumimoji="1" lang="en-US" altLang="ja-JP" dirty="0" smtClean="0"/>
+              <a:t>)</a:t>
+            </a:r>
+          </a:p>
+          <a:p>
+            <a:r>
+              <a:rPr kumimoji="1" lang="ja-JP" altLang="en-US" dirty="0" smtClean="0"/>
+              <a:t>先ほどの例だと、</a:t>
+            </a:r>
+            <a:endParaRPr kumimoji="1" lang="en-US" altLang="ja-JP" dirty="0" smtClean="0"/>
+          </a:p>
+          <a:p>
+            <a:pPr lvl="2"/>
+            <a:r>
+              <a:rPr kumimoji="1" lang="en-US" altLang="ja-JP" dirty="0" err="1" smtClean="0"/>
+              <a:t>Pr</a:t>
+            </a:r>
+            <a:r>
+              <a:rPr kumimoji="1" lang="en-US" altLang="ja-JP" dirty="0" smtClean="0"/>
+              <a:t>[</a:t>
+            </a:r>
+            <a:r>
+              <a:rPr kumimoji="1" lang="en-US" altLang="ja-JP" dirty="0" err="1" smtClean="0"/>
+              <a:t>N|d</a:t>
+            </a:r>
+            <a:r>
+              <a:rPr kumimoji="1" lang="en-US" altLang="ja-JP" baseline="-25000" dirty="0" err="1" smtClean="0"/>
+              <a:t>x</a:t>
+            </a:r>
+            <a:r>
+              <a:rPr kumimoji="1" lang="en-US" altLang="ja-JP" dirty="0" smtClean="0"/>
+              <a:t>] &gt; 0.99, </a:t>
+            </a:r>
+            <a:r>
+              <a:rPr kumimoji="1" lang="en-US" altLang="ja-JP" dirty="0" err="1"/>
+              <a:t>Pr</a:t>
+            </a:r>
+            <a:r>
+              <a:rPr kumimoji="1" lang="en-US" altLang="ja-JP" dirty="0"/>
+              <a:t>[</a:t>
+            </a:r>
+            <a:r>
+              <a:rPr kumimoji="1" lang="en-US" altLang="ja-JP" dirty="0" err="1"/>
+              <a:t>N|d</a:t>
+            </a:r>
+            <a:r>
+              <a:rPr kumimoji="1" lang="en-US" altLang="ja-JP" baseline="-25000" dirty="0" err="1"/>
+              <a:t>x</a:t>
+            </a:r>
+            <a:r>
+              <a:rPr kumimoji="1" lang="en-US" altLang="ja-JP" dirty="0"/>
+              <a:t>] </a:t>
+            </a:r>
+            <a:r>
+              <a:rPr kumimoji="1" lang="en-US" altLang="ja-JP" dirty="0" smtClean="0"/>
+              <a:t>&lt;&lt; 0.005, </a:t>
+            </a:r>
+            <a:r>
+              <a:rPr kumimoji="1" lang="en-US" altLang="ja-JP" dirty="0" err="1" smtClean="0"/>
+              <a:t>Pr</a:t>
+            </a:r>
+            <a:r>
+              <a:rPr kumimoji="1" lang="en-US" altLang="ja-JP" dirty="0"/>
+              <a:t>[</a:t>
+            </a:r>
+            <a:r>
+              <a:rPr kumimoji="1" lang="en-US" altLang="ja-JP" dirty="0" err="1"/>
+              <a:t>N|d</a:t>
+            </a:r>
+            <a:r>
+              <a:rPr kumimoji="1" lang="en-US" altLang="ja-JP" baseline="-25000" dirty="0" err="1"/>
+              <a:t>x</a:t>
+            </a:r>
+            <a:r>
+              <a:rPr kumimoji="1" lang="en-US" altLang="ja-JP" dirty="0"/>
+              <a:t>] </a:t>
+            </a:r>
+            <a:r>
+              <a:rPr kumimoji="1" lang="en-US" altLang="ja-JP" dirty="0" smtClean="0"/>
+              <a:t>&lt;&lt; 0.005</a:t>
+            </a:r>
+          </a:p>
+          <a:p>
+            <a:pPr marL="185737" lvl="0" indent="0">
+              <a:buClr>
+                <a:srgbClr val="6585CF">
+                  <a:lumMod val="75000"/>
+                </a:srgbClr>
+              </a:buClr>
+              <a:buNone/>
+            </a:pPr>
+            <a:r>
+              <a:rPr kumimoji="1" lang="en-US" altLang="ja-JP" dirty="0" smtClean="0">
+                <a:solidFill>
+                  <a:srgbClr val="7E6BC9">
+                    <a:lumMod val="25000"/>
+                  </a:srgbClr>
+                </a:solidFill>
+              </a:rPr>
+              <a:t>   </a:t>
+            </a:r>
+            <a:r>
+              <a:rPr kumimoji="1" lang="ja-JP" altLang="en-US" dirty="0" smtClean="0">
+                <a:solidFill>
+                  <a:srgbClr val="7E6BC9">
+                    <a:lumMod val="25000"/>
+                  </a:srgbClr>
+                </a:solidFill>
+              </a:rPr>
+              <a:t>となり、</a:t>
+            </a:r>
+            <a:r>
+              <a:rPr kumimoji="1" lang="en-US" altLang="ja-JP" dirty="0" smtClean="0">
+                <a:solidFill>
+                  <a:srgbClr val="7E6BC9">
+                    <a:lumMod val="25000"/>
+                  </a:srgbClr>
+                </a:solidFill>
+              </a:rPr>
+              <a:t>N</a:t>
+            </a:r>
+            <a:r>
+              <a:rPr kumimoji="1" lang="ja-JP" altLang="en-US" dirty="0" smtClean="0">
+                <a:solidFill>
+                  <a:srgbClr val="7E6BC9">
+                    <a:lumMod val="25000"/>
+                  </a:srgbClr>
+                </a:solidFill>
+              </a:rPr>
+              <a:t>さんによって書かれた可能性が高いことがわかる</a:t>
+            </a:r>
+            <a:endParaRPr kumimoji="1" lang="en-US" altLang="ja-JP" dirty="0" smtClean="0">
+              <a:solidFill>
+                <a:srgbClr val="7E6BC9">
+                  <a:lumMod val="25000"/>
+                </a:srgbClr>
+              </a:solidFill>
+            </a:endParaRPr>
+          </a:p>
+          <a:p>
             <a:pPr>
-              <a:tabLst>
-                <a:tab pos="1304925" algn="l"/>
-                <a:tab pos="2346325" algn="l"/>
-                <a:tab pos="1304925" algn="l"/>
-                <a:tab pos="2346325" algn="l"/>
-                <a:tab pos="1304925" algn="l"/>
-                <a:tab pos="2346325" algn="l"/>
-              </a:tabLst>
+              <a:buClr>
+                <a:srgbClr val="6585CF">
+                  <a:lumMod val="75000"/>
+                </a:srgbClr>
+              </a:buClr>
             </a:pPr>
             <a:r>
-              <a:rPr lang="en-US" altLang="ja-JP" dirty="0" smtClean="0"/>
-              <a:t>Accuracy</a:t>
-            </a:r>
-            <a:r>
-              <a:rPr lang="ja-JP" altLang="en-US" dirty="0" smtClean="0"/>
-              <a:t>はどうでしたか？</a:t>
-            </a:r>
-            <a:endParaRPr lang="en-US" altLang="ja-JP" dirty="0" smtClean="0"/>
-          </a:p>
-          <a:p>
-            <a:pPr>
-              <a:tabLst>
-                <a:tab pos="1304925" algn="l"/>
-                <a:tab pos="2346325" algn="l"/>
-                <a:tab pos="1304925" algn="l"/>
-                <a:tab pos="2346325" algn="l"/>
-                <a:tab pos="1304925" algn="l"/>
-                <a:tab pos="2346325" algn="l"/>
-              </a:tabLst>
-            </a:pPr>
-            <a:r>
-              <a:rPr lang="en-US" altLang="ja-JP" dirty="0" err="1" smtClean="0"/>
-              <a:t>MaxentClassifier</a:t>
-            </a:r>
-            <a:r>
-              <a:rPr lang="ja-JP" altLang="en-US" dirty="0"/>
-              <a:t>は多クラス分類器</a:t>
-            </a:r>
-          </a:p>
-          <a:p>
-            <a:pPr marL="842963" lvl="1">
-              <a:tabLst>
-                <a:tab pos="1304925" algn="l"/>
-                <a:tab pos="2346325" algn="l"/>
-                <a:tab pos="1304925" algn="l"/>
-                <a:tab pos="2346325" algn="l"/>
-                <a:tab pos="1304925" algn="l"/>
-                <a:tab pos="2346325" algn="l"/>
-              </a:tabLst>
-            </a:pPr>
-            <a:r>
-              <a:rPr lang="ja-JP" altLang="en-US" dirty="0"/>
-              <a:t>本当</a:t>
-            </a:r>
-            <a:r>
-              <a:rPr lang="ja-JP" altLang="en-US" dirty="0" smtClean="0"/>
-              <a:t>は </a:t>
-            </a:r>
-            <a:r>
-              <a:rPr lang="en-US" altLang="ja-JP" dirty="0" smtClean="0">
-                <a:latin typeface="Helvetica"/>
+              <a:rPr kumimoji="1" lang="ja-JP" altLang="en-US" dirty="0" smtClean="0">
+                <a:solidFill>
+                  <a:srgbClr val="FF0000"/>
+                </a:solidFill>
               </a:rPr>
-              <a:t>“</a:t>
-            </a:r>
-            <a:r>
-              <a:rPr lang="en-US" altLang="ja-JP" dirty="0" smtClean="0"/>
-              <a:t>at</a:t>
-            </a:r>
-            <a:r>
-              <a:rPr lang="en-US" altLang="ja-JP" dirty="0" smtClean="0">
-                <a:latin typeface="Helvetica"/>
-              </a:rPr>
-              <a:t>”</a:t>
-            </a:r>
-            <a:r>
-              <a:rPr lang="en-US" altLang="ja-JP" dirty="0" smtClean="0"/>
-              <a:t> </a:t>
-            </a:r>
-            <a:r>
-              <a:rPr lang="ja-JP" altLang="en-US" dirty="0" err="1" smtClean="0"/>
-              <a:t>だったのに</a:t>
-            </a:r>
-            <a:r>
-              <a:rPr lang="ja-JP" altLang="en-US" dirty="0">
-                <a:latin typeface="Helvetica"/>
-              </a:rPr>
-              <a:t> </a:t>
-            </a:r>
-            <a:r>
-              <a:rPr lang="en-US" altLang="ja-JP" dirty="0" smtClean="0">
-                <a:latin typeface="Helvetica"/>
-              </a:rPr>
-              <a:t>“</a:t>
-            </a:r>
-            <a:r>
-              <a:rPr lang="en-US" altLang="ja-JP" dirty="0" smtClean="0"/>
-              <a:t>in</a:t>
-            </a:r>
-            <a:r>
-              <a:rPr lang="en-US" altLang="ja-JP" dirty="0" smtClean="0">
-                <a:latin typeface="Helvetica"/>
-              </a:rPr>
-              <a:t>”</a:t>
-            </a:r>
-            <a:r>
-              <a:rPr lang="en-US" altLang="ja-JP" dirty="0" smtClean="0"/>
-              <a:t> </a:t>
-            </a:r>
-            <a:r>
-              <a:rPr lang="ja-JP" altLang="en-US" dirty="0"/>
-              <a:t>だと出力した場合</a:t>
-            </a:r>
-            <a:r>
-              <a:rPr lang="ja-JP" altLang="en-US" dirty="0" smtClean="0"/>
-              <a:t>と </a:t>
-            </a:r>
-            <a:r>
-              <a:rPr lang="en-US" altLang="ja-JP" dirty="0" smtClean="0">
-                <a:latin typeface="Helvetica"/>
-              </a:rPr>
-              <a:t>“</a:t>
-            </a:r>
-            <a:r>
-              <a:rPr lang="en-US" altLang="ja-JP" dirty="0" smtClean="0"/>
-              <a:t>on</a:t>
-            </a:r>
-            <a:r>
-              <a:rPr lang="en-US" altLang="ja-JP" dirty="0" smtClean="0">
-                <a:latin typeface="Helvetica"/>
-              </a:rPr>
-              <a:t>” </a:t>
-            </a:r>
-            <a:r>
-              <a:rPr lang="ja-JP" altLang="en-US" dirty="0" smtClean="0"/>
-              <a:t>だと</a:t>
-            </a:r>
-            <a:r>
-              <a:rPr lang="ja-JP" altLang="en-US" dirty="0"/>
-              <a:t>出力した場合はどちらが多いんだろう</a:t>
-            </a:r>
-            <a:r>
-              <a:rPr lang="en-US" altLang="ja-JP" dirty="0" smtClean="0">
-                <a:latin typeface="Helvetica"/>
-              </a:rPr>
-              <a:t>…</a:t>
-            </a:r>
-            <a:endParaRPr lang="en-US" altLang="ja-JP" dirty="0"/>
-          </a:p>
-          <a:p>
-            <a:pPr marL="484188" lvl="2">
-              <a:tabLst>
-                <a:tab pos="1304925" algn="l"/>
-                <a:tab pos="2346325" algn="l"/>
-                <a:tab pos="1304925" algn="l"/>
-                <a:tab pos="2346325" algn="l"/>
-                <a:tab pos="1304925" algn="l"/>
-                <a:tab pos="2346325" algn="l"/>
-              </a:tabLst>
-            </a:pPr>
-            <a:r>
-              <a:rPr lang="en-US" altLang="ja-JP" b="0" dirty="0" smtClean="0"/>
-              <a:t>	</a:t>
-            </a:r>
-            <a:r>
-              <a:rPr lang="ja-JP" altLang="en-US" b="0" dirty="0" smtClean="0"/>
-              <a:t>分類器が間違いやすいケースを特定したい！</a:t>
-            </a:r>
-            <a:endParaRPr lang="ja-JP" altLang="en-US" b="0" dirty="0"/>
-          </a:p>
-          <a:p>
-            <a:pPr marL="842963" lvl="1">
-              <a:tabLst>
-                <a:tab pos="1304925" algn="l"/>
-                <a:tab pos="2346325" algn="l"/>
-                <a:tab pos="1304925" algn="l"/>
-                <a:tab pos="2346325" algn="l"/>
-                <a:tab pos="1304925" algn="l"/>
-                <a:tab pos="2346325" algn="l"/>
-              </a:tabLst>
-            </a:pPr>
-            <a:r>
-              <a:rPr lang="ja-JP" altLang="en-US" dirty="0"/>
-              <a:t>そこで混同行列</a:t>
-            </a:r>
-            <a:r>
-              <a:rPr lang="en-US" altLang="ja-JP" dirty="0"/>
-              <a:t>(Confusion Matrix</a:t>
-            </a:r>
-            <a:r>
-              <a:rPr lang="en-US" altLang="ja-JP" dirty="0" smtClean="0"/>
-              <a:t>)</a:t>
-            </a:r>
-            <a:r>
-              <a:rPr lang="ja-JP" altLang="en-US" dirty="0" smtClean="0"/>
-              <a:t>！</a:t>
-            </a:r>
-            <a:endParaRPr lang="en-US" altLang="ja-JP" dirty="0"/>
-          </a:p>
-          <a:p>
-            <a:pPr marL="525463" lvl="2">
-              <a:tabLst>
-                <a:tab pos="1304925" algn="l"/>
-                <a:tab pos="2346325" algn="l"/>
-                <a:tab pos="1304925" algn="l"/>
-                <a:tab pos="2346325" algn="l"/>
-                <a:tab pos="1304925" algn="l"/>
-                <a:tab pos="2346325" algn="l"/>
-              </a:tabLst>
-            </a:pPr>
-            <a:r>
-              <a:rPr lang="en-US" altLang="ja-JP" dirty="0" err="1"/>
-              <a:t>classifier_outputs</a:t>
-            </a:r>
-            <a:r>
-              <a:rPr lang="en-US" altLang="ja-JP" dirty="0"/>
-              <a:t> = </a:t>
-            </a:r>
-            <a:r>
-              <a:rPr lang="en-US" altLang="ja-JP" dirty="0" err="1" smtClean="0"/>
-              <a:t>MaxentClassifier.classify</a:t>
-            </a:r>
-            <a:r>
-              <a:rPr lang="en-US" altLang="ja-JP" dirty="0" smtClean="0"/>
-              <a:t>(</a:t>
-            </a:r>
-            <a:r>
-              <a:rPr lang="en-US" altLang="ja-JP" dirty="0" err="1" smtClean="0"/>
-              <a:t>test_features</a:t>
-            </a:r>
-            <a:r>
-              <a:rPr lang="en-US" altLang="ja-JP" dirty="0" smtClean="0"/>
-              <a:t>)</a:t>
-            </a:r>
-            <a:br>
-              <a:rPr lang="en-US" altLang="ja-JP" dirty="0" smtClean="0"/>
-            </a:br>
-            <a:r>
-              <a:rPr lang="en-US" altLang="ja-JP" dirty="0" smtClean="0"/>
-              <a:t>cm </a:t>
-            </a:r>
-            <a:r>
-              <a:rPr lang="en-US" altLang="ja-JP" dirty="0"/>
-              <a:t>= </a:t>
-            </a:r>
-            <a:r>
-              <a:rPr lang="en-US" altLang="ja-JP" dirty="0" err="1"/>
-              <a:t>nltk.ConfusionMatrix</a:t>
-            </a:r>
-            <a:r>
-              <a:rPr lang="en-US" altLang="ja-JP" dirty="0"/>
-              <a:t>(</a:t>
-            </a:r>
-            <a:r>
-              <a:rPr lang="en-US" altLang="ja-JP" dirty="0" err="1"/>
-              <a:t>gold_labels</a:t>
-            </a:r>
-            <a:r>
-              <a:rPr lang="en-US" altLang="ja-JP" dirty="0"/>
-              <a:t>, </a:t>
-            </a:r>
-            <a:r>
-              <a:rPr lang="en-US" altLang="ja-JP" dirty="0" err="1" smtClean="0"/>
-              <a:t>classifier_outputs</a:t>
-            </a:r>
-            <a:r>
-              <a:rPr lang="en-US" altLang="ja-JP" dirty="0" smtClean="0"/>
-              <a:t>)</a:t>
-            </a:r>
-            <a:br>
-              <a:rPr lang="en-US" altLang="ja-JP" dirty="0" smtClean="0"/>
-            </a:br>
-            <a:r>
-              <a:rPr lang="en-US" altLang="ja-JP" dirty="0" smtClean="0"/>
-              <a:t>print </a:t>
-            </a:r>
-            <a:r>
-              <a:rPr lang="en-US" altLang="ja-JP" dirty="0"/>
-              <a:t>cm</a:t>
-            </a:r>
+              <a:t>素性の定義がとても重要</a:t>
+            </a:r>
+            <a:endParaRPr kumimoji="1" lang="en-US" altLang="ja-JP" dirty="0">
+              <a:solidFill>
+                <a:srgbClr val="7E6BC9">
+                  <a:lumMod val="25000"/>
+                </a:srgbClr>
+              </a:solidFill>
+            </a:endParaRPr>
           </a:p>
         </p:txBody>
       </p:sp>
+      <p:pic>
+        <p:nvPicPr>
+          <p:cNvPr id="5" name="図 4"/>
+          <p:cNvPicPr>
+            <a:picLocks noChangeAspect="1"/>
+          </p:cNvPicPr>
+          <p:nvPr/>
+        </p:nvPicPr>
+        <p:blipFill>
+          <a:blip r:embed="rId2"/>
+          <a:stretch>
+            <a:fillRect/>
+          </a:stretch>
+        </p:blipFill>
+        <p:spPr>
+          <a:xfrm>
+            <a:off x="2577504" y="2860576"/>
+            <a:ext cx="7741320" cy="938923"/>
+          </a:xfrm>
+          <a:prstGeom prst="rect">
+            <a:avLst/>
+          </a:prstGeom>
+        </p:spPr>
+      </p:pic>
     </p:spTree>
+    <p:extLst>
+      <p:ext uri="{BB962C8B-B14F-4D97-AF65-F5344CB8AC3E}">
+        <p14:creationId xmlns:p14="http://schemas.microsoft.com/office/powerpoint/2010/main" val="3773997186"/>
+      </p:ext>
+    </p:extLst>
   </p:cSld>
   <p:clrMapOvr>
     <a:masterClrMapping/>
@@ -4398,7 +4801,7 @@
       </p:grpSpPr>
       <p:sp>
         <p:nvSpPr>
-          <p:cNvPr id="31745" name="Rectangle 1"/>
+          <p:cNvPr id="24577" name="Rectangle 1"/>
           <p:cNvSpPr>
             <a:spLocks noGrp="1" noChangeArrowheads="1"/>
           </p:cNvSpPr>
@@ -4414,16 +4817,8 @@
           <a:lstStyle/>
           <a:p>
             <a:r>
-              <a:rPr lang="ja-JP" altLang="en-US" dirty="0"/>
-              <a:t>より</a:t>
-            </a:r>
-            <a:r>
-              <a:rPr lang="ja-JP" altLang="en-US" dirty="0" smtClean="0"/>
-              <a:t>良いモデルを求めて</a:t>
-            </a:r>
-            <a:r>
-              <a:rPr lang="en-US" altLang="ja-JP" dirty="0" smtClean="0"/>
-              <a:t>…</a:t>
+              <a:rPr lang="en-US" altLang="ja-JP" dirty="0" err="1" smtClean="0"/>
+              <a:t>nltk.MaxentClassifier</a:t>
             </a:r>
             <a:endParaRPr lang="ja-JP" altLang="en-US" dirty="0"/>
           </a:p>
@@ -4448,7 +4843,7 @@
           <a:bodyPr/>
           <a:lstStyle/>
           <a:p>
-            <a:fld id="{A51ECD0F-213E-4DC8-8B09-BB3C23AD1406}" type="slidenum">
+            <a:fld id="{A574D07E-A068-4EEC-A1FE-EC790BDA7BBC}" type="slidenum">
               <a:rPr lang="en-US" altLang="ja-JP"/>
               <a:pPr/>
               <a:t>19</a:t>
@@ -4459,7 +4854,7 @@
       </p:sp>
       <p:sp>
         <p:nvSpPr>
-          <p:cNvPr id="31746" name="Rectangle 2"/>
+          <p:cNvPr id="24578" name="Rectangle 2"/>
           <p:cNvSpPr>
             <a:spLocks noGrp="1" noChangeArrowheads="1"/>
           </p:cNvSpPr>
@@ -4474,155 +4869,149 @@
           <a:bodyPr/>
           <a:lstStyle/>
           <a:p>
-            <a:pPr>
+            <a:pPr marL="265113" indent="-265113">
               <a:tabLst>
-                <a:tab pos="1304925" algn="l"/>
-                <a:tab pos="2346325" algn="l"/>
+                <a:tab pos="542925" algn="l"/>
               </a:tabLst>
             </a:pPr>
             <a:r>
+              <a:rPr lang="en-US" altLang="ja-JP" dirty="0"/>
+              <a:t>NLTK</a:t>
+            </a:r>
+            <a:r>
+              <a:rPr lang="ja-JP" altLang="en-US" dirty="0" err="1"/>
+              <a:t>には</a:t>
+            </a:r>
+            <a:r>
               <a:rPr lang="ja-JP" altLang="en-US" dirty="0"/>
-              <a:t>どの素性が精度に寄与しているのか</a:t>
+              <a:t>各種の機械学習アルゴリズムが含まれている</a:t>
+            </a:r>
+          </a:p>
+          <a:p>
+            <a:pPr marL="842963" lvl="1"/>
+            <a:r>
+              <a:rPr lang="en-US" altLang="ja-JP" dirty="0">
+                <a:latin typeface="Consolas" pitchFamily="49" charset="0"/>
+                <a:cs typeface="Consolas" pitchFamily="49" charset="0"/>
+                <a:sym typeface="Consolas Bold" charset="0"/>
+              </a:rPr>
+              <a:t>nltk.classify.* </a:t>
+            </a:r>
+            <a:r>
+              <a:rPr lang="en-US" altLang="ja-JP" dirty="0"/>
+              <a:t/>
+            </a:r>
+            <a:br>
+              <a:rPr lang="en-US" altLang="ja-JP" dirty="0"/>
+            </a:br>
+            <a:r>
+              <a:rPr lang="ja-JP" altLang="en-US" dirty="0"/>
+              <a:t>標準化された素性フォーマット</a:t>
+            </a:r>
+            <a:r>
+              <a:rPr lang="en-US" altLang="ja-JP" dirty="0"/>
+              <a:t>, </a:t>
+            </a:r>
+            <a:r>
+              <a:rPr lang="ja-JP" altLang="en-US" dirty="0"/>
+              <a:t>簡易的な評価が</a:t>
             </a:r>
             <a:r>
               <a:rPr lang="ja-JP" altLang="en-US" dirty="0" smtClean="0"/>
-              <a:t>調べたい</a:t>
+              <a:t>行える</a:t>
+            </a:r>
+            <a:endParaRPr lang="en-US" altLang="ja-JP" dirty="0" smtClean="0"/>
+          </a:p>
+          <a:p>
+            <a:pPr marL="842963" lvl="1"/>
+            <a:r>
+              <a:rPr lang="ja-JP" altLang="en-US" dirty="0"/>
+              <a:t>今回は</a:t>
+            </a:r>
+            <a:r>
+              <a:rPr lang="ja-JP" altLang="en-US" dirty="0" smtClean="0"/>
+              <a:t>最大エントロピー法分類器（</a:t>
+            </a:r>
+            <a:r>
+              <a:rPr lang="en-US" altLang="ja-JP" dirty="0" err="1" smtClean="0"/>
+              <a:t>nltk.MaxentClassifier</a:t>
+            </a:r>
+            <a:r>
+              <a:rPr lang="ja-JP" altLang="en-US" dirty="0" smtClean="0"/>
+              <a:t>）を用いる</a:t>
+            </a:r>
+            <a:endParaRPr lang="en-US" altLang="ja-JP" dirty="0" smtClean="0"/>
+          </a:p>
+          <a:p>
+            <a:pPr marL="225425"/>
+            <a:r>
+              <a:rPr lang="en-US" altLang="ja-JP" dirty="0" err="1" smtClean="0"/>
+              <a:t>MaxentClassifier</a:t>
+            </a:r>
+            <a:r>
+              <a:rPr lang="ja-JP" altLang="en-US" dirty="0" smtClean="0"/>
+              <a:t>は教師あり分類器である</a:t>
+            </a:r>
+            <a:endParaRPr lang="en-US" altLang="ja-JP" dirty="0"/>
+          </a:p>
+          <a:p>
+            <a:pPr marL="842963" lvl="1"/>
+            <a:r>
+              <a:rPr lang="ja-JP" altLang="en-US" dirty="0" smtClean="0"/>
+              <a:t>正解ラベルと素性集合が学習データとして必要</a:t>
+            </a:r>
+            <a:endParaRPr lang="en-US" altLang="ja-JP" dirty="0" smtClean="0"/>
+          </a:p>
+          <a:p>
+            <a:pPr marL="842963" lvl="1"/>
+            <a:r>
+              <a:rPr lang="ja-JP" altLang="en-US" dirty="0"/>
+              <a:t>学習</a:t>
+            </a:r>
+            <a:r>
+              <a:rPr lang="ja-JP" altLang="en-US" dirty="0" smtClean="0"/>
+              <a:t>事例（</a:t>
+            </a:r>
+            <a:r>
+              <a:rPr lang="en-US" altLang="ja-JP" dirty="0" smtClean="0"/>
+              <a:t>Training</a:t>
+            </a:r>
+            <a:r>
+              <a:rPr lang="ja-JP" altLang="en-US" dirty="0"/>
+              <a:t> </a:t>
+            </a:r>
+            <a:r>
+              <a:rPr lang="en-US" altLang="ja-JP" dirty="0" smtClean="0"/>
+              <a:t>Examples</a:t>
+            </a:r>
+            <a:r>
+              <a:rPr lang="ja-JP" altLang="en-US" dirty="0" smtClean="0"/>
+              <a:t>）はラベルと素性集合の組</a:t>
+            </a:r>
+            <a:endParaRPr lang="en-US" altLang="ja-JP" dirty="0"/>
+          </a:p>
+          <a:p>
+            <a:pPr marL="842963" lvl="1"/>
+            <a:r>
+              <a:rPr lang="en-US" altLang="ja-JP" dirty="0" smtClean="0"/>
+              <a:t>CLC</a:t>
+            </a:r>
+            <a:r>
+              <a:rPr lang="ja-JP" altLang="en-US" dirty="0" smtClean="0"/>
+              <a:t>コーパスは訂正情報付き！正解ラベルはある</a:t>
+            </a:r>
+            <a:endParaRPr lang="en-US" altLang="ja-JP" dirty="0" smtClean="0"/>
+          </a:p>
+          <a:p>
+            <a:pPr marL="842963" lvl="1"/>
+            <a:r>
+              <a:rPr lang="ja-JP" altLang="en-US" dirty="0" smtClean="0"/>
+              <a:t>となると、残るはどのような素性を使うか</a:t>
             </a:r>
             <a:r>
               <a:rPr lang="en-US" altLang="ja-JP" dirty="0" smtClean="0"/>
               <a:t>…</a:t>
             </a:r>
-            <a:endParaRPr lang="ja-JP" altLang="en-US" dirty="0"/>
-          </a:p>
-          <a:p>
-            <a:pPr marL="525463" lvl="2">
-              <a:tabLst>
-                <a:tab pos="1304925" algn="l"/>
-                <a:tab pos="2346325" algn="l"/>
-              </a:tabLst>
-            </a:pPr>
-            <a:r>
-              <a:rPr lang="en-US" altLang="ja-JP" sz="2400" dirty="0" smtClean="0"/>
-              <a:t>print </a:t>
-            </a:r>
-            <a:r>
-              <a:rPr lang="en-US" altLang="ja-JP" sz="2400" dirty="0" err="1" smtClean="0"/>
-              <a:t>nltk.MaxentClassifier.show_most_informative_features</a:t>
-            </a:r>
-            <a:r>
-              <a:rPr lang="en-US" altLang="ja-JP" sz="2400" dirty="0" smtClean="0"/>
-              <a:t>(n </a:t>
-            </a:r>
-            <a:r>
-              <a:rPr lang="en-US" altLang="ja-JP" sz="2400" dirty="0"/>
-              <a:t>= 10</a:t>
-            </a:r>
-            <a:r>
-              <a:rPr lang="en-US" altLang="ja-JP" sz="2400" dirty="0" smtClean="0"/>
-              <a:t>)</a:t>
-            </a:r>
-          </a:p>
-          <a:p>
-            <a:pPr marL="842963" lvl="1">
-              <a:tabLst>
-                <a:tab pos="1304925" algn="l"/>
-                <a:tab pos="2346325" algn="l"/>
-              </a:tabLst>
-            </a:pPr>
-            <a:r>
-              <a:rPr lang="ja-JP" altLang="en-US" dirty="0" smtClean="0"/>
-              <a:t>上位</a:t>
-            </a:r>
-            <a:r>
-              <a:rPr lang="en-US" altLang="ja-JP" dirty="0"/>
-              <a:t>10</a:t>
-            </a:r>
-            <a:r>
-              <a:rPr lang="ja-JP" altLang="en-US" dirty="0"/>
-              <a:t>個の素性とそのラベルが表示</a:t>
-            </a:r>
-            <a:r>
-              <a:rPr lang="ja-JP" altLang="en-US" dirty="0" smtClean="0"/>
-              <a:t>される</a:t>
-            </a:r>
-            <a:endParaRPr lang="en-US" altLang="ja-JP" dirty="0" smtClean="0"/>
-          </a:p>
-          <a:p>
-            <a:pPr marL="225425">
-              <a:tabLst>
-                <a:tab pos="1304925" algn="l"/>
-                <a:tab pos="2346325" algn="l"/>
-              </a:tabLst>
-            </a:pPr>
-            <a:r>
-              <a:rPr lang="ja-JP" altLang="en-US" dirty="0" smtClean="0"/>
-              <a:t>シンプルな素性では正しい文の特徴を捉えられないときがある</a:t>
-            </a:r>
-            <a:endParaRPr lang="en-US" altLang="ja-JP" dirty="0" smtClean="0"/>
-          </a:p>
-          <a:p>
-            <a:pPr marL="848225" lvl="1">
-              <a:tabLst>
-                <a:tab pos="1304925" algn="l"/>
-                <a:tab pos="2346325" algn="l"/>
-              </a:tabLst>
-            </a:pPr>
-            <a:r>
-              <a:rPr lang="ja-JP" altLang="en-US" dirty="0" smtClean="0"/>
-              <a:t>誤り事例や，元のコーパスをもう一度眺めてみる</a:t>
-            </a:r>
-            <a:r>
-              <a:rPr lang="en-US" altLang="ja-JP" dirty="0" smtClean="0"/>
-              <a:t>…</a:t>
-            </a:r>
-            <a:r>
-              <a:rPr lang="ja-JP" altLang="en-US" dirty="0" smtClean="0"/>
-              <a:t>そして考える</a:t>
-            </a:r>
-            <a:endParaRPr lang="en-US" altLang="ja-JP" dirty="0"/>
-          </a:p>
-          <a:p>
-            <a:pPr marL="848225" lvl="1">
-              <a:tabLst>
-                <a:tab pos="1304925" algn="l"/>
-                <a:tab pos="2346325" algn="l"/>
-              </a:tabLst>
-            </a:pPr>
-            <a:r>
-              <a:rPr lang="ja-JP" altLang="en-US" dirty="0"/>
-              <a:t>誤り</a:t>
-            </a:r>
-            <a:r>
-              <a:rPr lang="ja-JP" altLang="en-US" dirty="0" smtClean="0"/>
-              <a:t>の傾向を素性に取り込む必要があるのだろうか</a:t>
-            </a:r>
-            <a:endParaRPr lang="en-US" altLang="ja-JP" dirty="0" smtClean="0"/>
-          </a:p>
-          <a:p>
-            <a:pPr marL="848225" lvl="1">
-              <a:tabLst>
-                <a:tab pos="1304925" algn="l"/>
-                <a:tab pos="2346325" algn="l"/>
-              </a:tabLst>
-            </a:pPr>
-            <a:r>
-              <a:rPr lang="ja-JP" altLang="en-US" dirty="0" smtClean="0"/>
-              <a:t>単語の活用形ではなく，原形を入れてみてはどうだろうか</a:t>
-            </a:r>
-            <a:endParaRPr lang="en-US" altLang="ja-JP" dirty="0" smtClean="0"/>
-          </a:p>
-          <a:p>
-            <a:pPr marL="848225" lvl="1">
-              <a:tabLst>
-                <a:tab pos="1304925" algn="l"/>
-                <a:tab pos="2346325" algn="l"/>
-              </a:tabLst>
-            </a:pPr>
-            <a:r>
-              <a:rPr lang="ja-JP" altLang="en-US" dirty="0" smtClean="0"/>
-              <a:t>より広い範囲の構文的な情報を取り込むとどうなるだろうか</a:t>
-            </a:r>
-            <a:endParaRPr lang="en-US" altLang="ja-JP" dirty="0" smtClean="0"/>
           </a:p>
         </p:txBody>
       </p:sp>
@@ -4834,7 +5223,2073 @@
       </p:grpSpPr>
       <p:sp>
         <p:nvSpPr>
-          <p:cNvPr id="4" name="Title 3"/>
+          <p:cNvPr id="25601" name="Rectangle 1"/>
+          <p:cNvSpPr>
+            <a:spLocks noGrp="1" noChangeArrowheads="1"/>
+          </p:cNvSpPr>
+          <p:nvPr>
+            <p:ph type="title"/>
+          </p:nvPr>
+        </p:nvSpPr>
+        <p:spPr>
+          <a:ln/>
+        </p:spPr>
+        <p:txBody>
+          <a:bodyPr/>
+          <a:lstStyle/>
+          <a:p>
+            <a:r>
+              <a:rPr lang="en-US" altLang="ja-JP" dirty="0" err="1"/>
+              <a:t>nltk.classify</a:t>
+            </a:r>
+            <a:r>
+              <a:rPr lang="ja-JP" altLang="en-US" dirty="0"/>
+              <a:t>のための学習事例</a:t>
+            </a:r>
+          </a:p>
+        </p:txBody>
+      </p:sp>
+      <p:sp>
+        <p:nvSpPr>
+          <p:cNvPr id="4" name="Slide Number Placeholder 3"/>
+          <p:cNvSpPr>
+            <a:spLocks noGrp="1"/>
+          </p:cNvSpPr>
+          <p:nvPr>
+            <p:ph type="sldNum" sz="quarter" idx="4"/>
+          </p:nvPr>
+        </p:nvSpPr>
+        <p:spPr>
+          <a:prstGeom prst="rect">
+            <a:avLst/>
+          </a:prstGeom>
+        </p:spPr>
+        <p:txBody>
+          <a:bodyPr/>
+          <a:lstStyle/>
+          <a:p>
+            <a:fld id="{1FC24041-9763-4A04-AC80-6D51DFB2EE78}" type="slidenum">
+              <a:rPr lang="en-US" altLang="ja-JP"/>
+              <a:pPr/>
+              <a:t>20</a:t>
+            </a:fld>
+            <a:endParaRPr lang="en-US" altLang="ja-JP"/>
+          </a:p>
+        </p:txBody>
+      </p:sp>
+      <p:sp>
+        <p:nvSpPr>
+          <p:cNvPr id="25602" name="Rectangle 2"/>
+          <p:cNvSpPr>
+            <a:spLocks noGrp="1" noChangeArrowheads="1"/>
+          </p:cNvSpPr>
+          <p:nvPr>
+            <p:ph sz="quarter" idx="10"/>
+          </p:nvPr>
+        </p:nvSpPr>
+        <p:spPr>
+          <a:ln/>
+        </p:spPr>
+        <p:txBody>
+          <a:bodyPr/>
+          <a:lstStyle/>
+          <a:p>
+            <a:pPr>
+              <a:tabLst>
+                <a:tab pos="1304925" algn="l"/>
+                <a:tab pos="2346325" algn="l"/>
+              </a:tabLst>
+            </a:pPr>
+            <a:r>
+              <a:rPr lang="en-US" altLang="ja-JP" sz="3000" dirty="0" err="1"/>
+              <a:t>nltk.classify</a:t>
+            </a:r>
+            <a:r>
+              <a:rPr lang="ja-JP" altLang="en-US" sz="3000" dirty="0"/>
+              <a:t>が扱える事例のフォーマット</a:t>
+            </a:r>
+          </a:p>
+          <a:p>
+            <a:pPr marL="525463" lvl="2">
+              <a:spcBef>
+                <a:spcPts val="2300"/>
+              </a:spcBef>
+              <a:tabLst>
+                <a:tab pos="1304925" algn="l"/>
+                <a:tab pos="2346325" algn="l"/>
+              </a:tabLst>
+            </a:pPr>
+            <a:r>
+              <a:rPr lang="en-US" altLang="ja-JP" dirty="0" err="1"/>
+              <a:t>training_set</a:t>
+            </a:r>
+            <a:r>
+              <a:rPr lang="en-US" altLang="ja-JP" dirty="0"/>
+              <a:t> = </a:t>
+            </a:r>
+            <a:br>
+              <a:rPr lang="en-US" altLang="ja-JP" dirty="0"/>
+            </a:br>
+            <a:r>
+              <a:rPr lang="en-US" altLang="ja-JP" dirty="0"/>
+              <a:t>[({</a:t>
+            </a:r>
+            <a:r>
+              <a:rPr lang="en-US" altLang="ja-JP" dirty="0">
+                <a:latin typeface="Helvetica"/>
+              </a:rPr>
+              <a:t>“</a:t>
+            </a:r>
+            <a:r>
+              <a:rPr lang="en-US" altLang="ja-JP" dirty="0" err="1"/>
+              <a:t>feature</a:t>
+            </a:r>
+            <a:r>
+              <a:rPr lang="en-US" altLang="ja-JP" dirty="0" err="1">
+                <a:latin typeface="Helvetica"/>
+              </a:rPr>
+              <a:t>”</a:t>
+            </a:r>
+            <a:r>
+              <a:rPr lang="en-US" altLang="ja-JP" dirty="0" err="1"/>
+              <a:t>:</a:t>
+            </a:r>
+            <a:r>
+              <a:rPr lang="en-US" altLang="ja-JP" dirty="0" err="1" smtClean="0"/>
+              <a:t>value</a:t>
+            </a:r>
+            <a:r>
+              <a:rPr lang="en-US" altLang="ja-JP" dirty="0" smtClean="0"/>
+              <a:t>,</a:t>
+            </a:r>
+            <a:r>
+              <a:rPr lang="en-US" altLang="ja-JP" dirty="0">
+                <a:latin typeface="Helvetica"/>
+              </a:rPr>
+              <a:t> </a:t>
+            </a:r>
+            <a:r>
+              <a:rPr lang="en-US" altLang="ja-JP" dirty="0" smtClean="0">
+                <a:latin typeface="Helvetica"/>
+              </a:rPr>
+              <a:t>“</a:t>
+            </a:r>
+            <a:r>
+              <a:rPr lang="en-US" altLang="ja-JP" dirty="0" err="1" smtClean="0"/>
+              <a:t>feature</a:t>
+            </a:r>
+            <a:r>
+              <a:rPr lang="en-US" altLang="ja-JP" dirty="0" err="1">
+                <a:latin typeface="Helvetica"/>
+              </a:rPr>
+              <a:t>”</a:t>
+            </a:r>
+            <a:r>
+              <a:rPr lang="en-US" altLang="ja-JP" dirty="0" err="1"/>
+              <a:t>:value</a:t>
+            </a:r>
+            <a:r>
+              <a:rPr lang="en-US" altLang="ja-JP" dirty="0"/>
+              <a:t>,...}, label),</a:t>
+            </a:r>
+            <a:br>
+              <a:rPr lang="en-US" altLang="ja-JP" dirty="0"/>
+            </a:br>
+            <a:r>
+              <a:rPr lang="en-US" altLang="ja-JP" dirty="0"/>
+              <a:t> ({</a:t>
+            </a:r>
+            <a:r>
+              <a:rPr lang="en-US" altLang="ja-JP" dirty="0">
+                <a:latin typeface="Helvetica"/>
+              </a:rPr>
+              <a:t>“</a:t>
+            </a:r>
+            <a:r>
+              <a:rPr lang="en-US" altLang="ja-JP" dirty="0" err="1"/>
+              <a:t>feature</a:t>
+            </a:r>
+            <a:r>
+              <a:rPr lang="en-US" altLang="ja-JP" dirty="0" err="1">
+                <a:latin typeface="Helvetica"/>
+              </a:rPr>
+              <a:t>”</a:t>
+            </a:r>
+            <a:r>
+              <a:rPr lang="en-US" altLang="ja-JP" dirty="0" err="1"/>
+              <a:t>:</a:t>
+            </a:r>
+            <a:r>
+              <a:rPr lang="en-US" altLang="ja-JP" dirty="0" err="1" smtClean="0"/>
+              <a:t>value</a:t>
+            </a:r>
+            <a:r>
+              <a:rPr lang="en-US" altLang="ja-JP" dirty="0" smtClean="0"/>
+              <a:t>,</a:t>
+            </a:r>
+            <a:r>
+              <a:rPr lang="en-US" altLang="ja-JP" dirty="0">
+                <a:latin typeface="Helvetica"/>
+              </a:rPr>
+              <a:t> </a:t>
+            </a:r>
+            <a:r>
+              <a:rPr lang="en-US" altLang="ja-JP" dirty="0" smtClean="0">
+                <a:latin typeface="Helvetica"/>
+              </a:rPr>
+              <a:t>“</a:t>
+            </a:r>
+            <a:r>
+              <a:rPr lang="en-US" altLang="ja-JP" dirty="0" err="1" smtClean="0"/>
+              <a:t>feature</a:t>
+            </a:r>
+            <a:r>
+              <a:rPr lang="en-US" altLang="ja-JP" dirty="0" err="1">
+                <a:latin typeface="Helvetica"/>
+              </a:rPr>
+              <a:t>”</a:t>
+            </a:r>
+            <a:r>
+              <a:rPr lang="en-US" altLang="ja-JP" dirty="0" err="1"/>
+              <a:t>:value</a:t>
+            </a:r>
+            <a:r>
+              <a:rPr lang="en-US" altLang="ja-JP" dirty="0"/>
+              <a:t>,...}, label),</a:t>
+            </a:r>
+            <a:br>
+              <a:rPr lang="en-US" altLang="ja-JP" dirty="0"/>
+            </a:br>
+            <a:r>
+              <a:rPr lang="en-US" altLang="ja-JP" dirty="0"/>
+              <a:t>...]</a:t>
+            </a:r>
+          </a:p>
+          <a:p>
+            <a:pPr>
+              <a:spcBef>
+                <a:spcPts val="2300"/>
+              </a:spcBef>
+              <a:tabLst>
+                <a:tab pos="1304925" algn="l"/>
+                <a:tab pos="2346325" algn="l"/>
+              </a:tabLst>
+            </a:pPr>
+            <a:r>
+              <a:rPr lang="ja-JP" altLang="en-US" sz="3000" dirty="0" smtClean="0"/>
+              <a:t>素性</a:t>
+            </a:r>
+            <a:r>
+              <a:rPr lang="ja-JP" altLang="en-US" sz="3000" dirty="0"/>
+              <a:t>集合</a:t>
+            </a:r>
+            <a:r>
+              <a:rPr lang="en-US" altLang="ja-JP" sz="3000" dirty="0"/>
+              <a:t>: </a:t>
+            </a:r>
+            <a:r>
+              <a:rPr lang="en-US" altLang="ja-JP" dirty="0">
+                <a:solidFill>
+                  <a:schemeClr val="tx1"/>
+                </a:solidFill>
+                <a:latin typeface="Consolas" pitchFamily="49" charset="0"/>
+                <a:cs typeface="Consolas" pitchFamily="49" charset="0"/>
+                <a:sym typeface="Consolas Bold" charset="0"/>
+              </a:rPr>
+              <a:t>{“</a:t>
+            </a:r>
+            <a:r>
+              <a:rPr lang="en-US" altLang="ja-JP" dirty="0" err="1">
+                <a:solidFill>
+                  <a:schemeClr val="tx1"/>
+                </a:solidFill>
+                <a:latin typeface="Consolas" pitchFamily="49" charset="0"/>
+                <a:cs typeface="Consolas" pitchFamily="49" charset="0"/>
+                <a:sym typeface="Consolas Bold" charset="0"/>
+              </a:rPr>
+              <a:t>feature”:</a:t>
+            </a:r>
+            <a:r>
+              <a:rPr lang="en-US" altLang="ja-JP" dirty="0" err="1" smtClean="0">
+                <a:solidFill>
+                  <a:schemeClr val="tx1"/>
+                </a:solidFill>
+                <a:latin typeface="Consolas" pitchFamily="49" charset="0"/>
+                <a:cs typeface="Consolas" pitchFamily="49" charset="0"/>
+                <a:sym typeface="Consolas Bold" charset="0"/>
+              </a:rPr>
+              <a:t>value</a:t>
+            </a:r>
+            <a:r>
+              <a:rPr lang="en-US" altLang="ja-JP" dirty="0" smtClean="0">
+                <a:solidFill>
+                  <a:schemeClr val="tx1"/>
+                </a:solidFill>
+                <a:latin typeface="Consolas" pitchFamily="49" charset="0"/>
+                <a:cs typeface="Consolas" pitchFamily="49" charset="0"/>
+                <a:sym typeface="Consolas Bold" charset="0"/>
+              </a:rPr>
+              <a:t>, “</a:t>
+            </a:r>
+            <a:r>
+              <a:rPr lang="en-US" altLang="ja-JP" dirty="0" err="1" smtClean="0">
+                <a:solidFill>
+                  <a:schemeClr val="tx1"/>
+                </a:solidFill>
+                <a:latin typeface="Consolas" pitchFamily="49" charset="0"/>
+                <a:cs typeface="Consolas" pitchFamily="49" charset="0"/>
+                <a:sym typeface="Consolas Bold" charset="0"/>
+              </a:rPr>
+              <a:t>feature</a:t>
+            </a:r>
+            <a:r>
+              <a:rPr lang="en-US" altLang="ja-JP" dirty="0" err="1">
+                <a:solidFill>
+                  <a:schemeClr val="tx1"/>
+                </a:solidFill>
+                <a:latin typeface="Consolas" pitchFamily="49" charset="0"/>
+                <a:cs typeface="Consolas" pitchFamily="49" charset="0"/>
+                <a:sym typeface="Consolas Bold" charset="0"/>
+              </a:rPr>
+              <a:t>”:value</a:t>
+            </a:r>
+            <a:r>
+              <a:rPr lang="en-US" altLang="ja-JP" dirty="0">
+                <a:solidFill>
+                  <a:schemeClr val="tx1"/>
+                </a:solidFill>
+                <a:latin typeface="Consolas" pitchFamily="49" charset="0"/>
+                <a:cs typeface="Consolas" pitchFamily="49" charset="0"/>
+                <a:sym typeface="Consolas Bold" charset="0"/>
+              </a:rPr>
+              <a:t>,...}</a:t>
+            </a:r>
+            <a:endParaRPr lang="en-US" altLang="ja-JP" sz="3000" dirty="0"/>
+          </a:p>
+          <a:p>
+            <a:pPr>
+              <a:spcBef>
+                <a:spcPts val="2300"/>
+              </a:spcBef>
+              <a:tabLst>
+                <a:tab pos="1304925" algn="l"/>
+                <a:tab pos="2346325" algn="l"/>
+              </a:tabLst>
+            </a:pPr>
+            <a:r>
+              <a:rPr lang="ja-JP" altLang="en-US" sz="3000" dirty="0"/>
+              <a:t>前置詞の正しさにはどんな素性</a:t>
+            </a:r>
+            <a:r>
+              <a:rPr lang="en-US" altLang="ja-JP" sz="3000" dirty="0"/>
+              <a:t>(</a:t>
+            </a:r>
+            <a:r>
+              <a:rPr lang="ja-JP" altLang="en-US" sz="3000" dirty="0"/>
+              <a:t>特徴量</a:t>
+            </a:r>
+            <a:r>
+              <a:rPr lang="en-US" altLang="ja-JP" sz="3000" dirty="0"/>
+              <a:t>)</a:t>
+            </a:r>
+            <a:r>
+              <a:rPr lang="ja-JP" altLang="en-US" sz="3000" dirty="0"/>
+              <a:t>が関係しているか</a:t>
+            </a:r>
+            <a:r>
+              <a:rPr lang="en-US" altLang="ja-JP" sz="3000" dirty="0"/>
+              <a:t>...</a:t>
+            </a:r>
+          </a:p>
+          <a:p>
+            <a:pPr marL="842963" lvl="1">
+              <a:spcBef>
+                <a:spcPts val="2300"/>
+              </a:spcBef>
+              <a:tabLst>
+                <a:tab pos="1304925" algn="l"/>
+                <a:tab pos="2346325" algn="l"/>
+              </a:tabLst>
+            </a:pPr>
+            <a:r>
+              <a:rPr lang="ja-JP" altLang="en-US" sz="3000" dirty="0"/>
+              <a:t>前後の文脈</a:t>
+            </a:r>
+            <a:r>
+              <a:rPr lang="en-US" altLang="ja-JP" sz="3000" dirty="0"/>
+              <a:t>(</a:t>
+            </a:r>
+            <a:r>
+              <a:rPr lang="ja-JP" altLang="en-US" sz="3000" dirty="0"/>
+              <a:t>単語</a:t>
+            </a:r>
+            <a:r>
+              <a:rPr lang="en-US" altLang="ja-JP" sz="3000" dirty="0"/>
+              <a:t>)</a:t>
+            </a:r>
+            <a:r>
+              <a:rPr lang="ja-JP" altLang="en-US" sz="3000" dirty="0"/>
+              <a:t>や品詞は何なのか</a:t>
+            </a:r>
+          </a:p>
+          <a:p>
+            <a:pPr marL="842963" lvl="1">
+              <a:spcBef>
+                <a:spcPts val="1913"/>
+              </a:spcBef>
+              <a:tabLst>
+                <a:tab pos="1304925" algn="l"/>
+                <a:tab pos="2346325" algn="l"/>
+              </a:tabLst>
+            </a:pPr>
+            <a:r>
+              <a:rPr lang="ja-JP" altLang="en-US" sz="3000" dirty="0"/>
+              <a:t>他にもっと良い素性は無いのだろうか</a:t>
+            </a:r>
+            <a:r>
+              <a:rPr lang="en-US" altLang="ja-JP" sz="3000" dirty="0">
+                <a:latin typeface="Helvetica"/>
+              </a:rPr>
+              <a:t>…</a:t>
+            </a:r>
+            <a:endParaRPr lang="en-US" altLang="ja-JP" sz="3000" dirty="0"/>
+          </a:p>
+        </p:txBody>
+      </p:sp>
+    </p:spTree>
+  </p:cSld>
+  <p:clrMapOvr>
+    <a:masterClrMapping/>
+  </p:clrMapOvr>
+  <p:transition/>
+  <p:timing>
+    <p:tnLst>
+      <p:par>
+        <p:cTn id="1" dur="indefinite" restart="never" nodeType="tmRoot"/>
+      </p:par>
+    </p:tnLst>
+  </p:timing>
+</p:sld>
+</file>
+
+<file path=ppt/slides/slide21.xml><?xml version="1.0" encoding="utf-8"?>
+<p:sld xmlns:a="http://schemas.openxmlformats.org/drawingml/2006/main" xmlns:r="http://schemas.openxmlformats.org/officeDocument/2006/relationships" xmlns:p="http://schemas.openxmlformats.org/presentationml/2006/main">
+  <p:cSld>
+    <p:spTree>
+      <p:nvGrpSpPr>
+        <p:cNvPr id="1" name=""/>
+        <p:cNvGrpSpPr/>
+        <p:nvPr/>
+      </p:nvGrpSpPr>
+      <p:grpSpPr>
+        <a:xfrm>
+          <a:off x="0" y="0"/>
+          <a:ext cx="0" cy="0"/>
+          <a:chOff x="0" y="0"/>
+          <a:chExt cx="0" cy="0"/>
+        </a:xfrm>
+      </p:grpSpPr>
+      <p:sp>
+        <p:nvSpPr>
+          <p:cNvPr id="26625" name="Rectangle 1"/>
+          <p:cNvSpPr>
+            <a:spLocks noGrp="1" noChangeArrowheads="1"/>
+          </p:cNvSpPr>
+          <p:nvPr>
+            <p:ph type="title"/>
+          </p:nvPr>
+        </p:nvSpPr>
+        <p:spPr>
+          <a:ln/>
+        </p:spPr>
+        <p:txBody>
+          <a:bodyPr/>
+          <a:lstStyle/>
+          <a:p>
+            <a:r>
+              <a:rPr lang="ja-JP" altLang="en-US" dirty="0"/>
+              <a:t>素性を抽出する関数</a:t>
+            </a:r>
+          </a:p>
+        </p:txBody>
+      </p:sp>
+      <p:sp>
+        <p:nvSpPr>
+          <p:cNvPr id="4" name="Slide Number Placeholder 3"/>
+          <p:cNvSpPr>
+            <a:spLocks noGrp="1"/>
+          </p:cNvSpPr>
+          <p:nvPr>
+            <p:ph type="sldNum" sz="quarter" idx="4"/>
+          </p:nvPr>
+        </p:nvSpPr>
+        <p:spPr>
+          <a:prstGeom prst="rect">
+            <a:avLst/>
+          </a:prstGeom>
+        </p:spPr>
+        <p:txBody>
+          <a:bodyPr/>
+          <a:lstStyle/>
+          <a:p>
+            <a:fld id="{CC0D0107-E524-4D17-9FF7-E684CA8B8081}" type="slidenum">
+              <a:rPr lang="en-US" altLang="ja-JP"/>
+              <a:pPr/>
+              <a:t>21</a:t>
+            </a:fld>
+            <a:endParaRPr lang="en-US" altLang="ja-JP"/>
+          </a:p>
+        </p:txBody>
+      </p:sp>
+      <p:sp>
+        <p:nvSpPr>
+          <p:cNvPr id="26626" name="Rectangle 2"/>
+          <p:cNvSpPr>
+            <a:spLocks noGrp="1" noChangeArrowheads="1"/>
+          </p:cNvSpPr>
+          <p:nvPr>
+            <p:ph sz="quarter" idx="10"/>
+          </p:nvPr>
+        </p:nvSpPr>
+        <p:spPr>
+          <a:ln/>
+        </p:spPr>
+        <p:txBody>
+          <a:bodyPr/>
+          <a:lstStyle/>
+          <a:p>
+            <a:pPr>
+              <a:tabLst>
+                <a:tab pos="1304925" algn="l"/>
+                <a:tab pos="2346325" algn="l"/>
+                <a:tab pos="1304925" algn="l"/>
+                <a:tab pos="2346325" algn="l"/>
+              </a:tabLst>
+            </a:pPr>
+            <a:r>
+              <a:rPr lang="ja-JP" altLang="en-US" dirty="0"/>
+              <a:t>ある入力に対する素性を抽出する関数をつくる</a:t>
+            </a:r>
+          </a:p>
+          <a:p>
+            <a:pPr marL="842963" lvl="1">
+              <a:tabLst>
+                <a:tab pos="1304925" algn="l"/>
+                <a:tab pos="2346325" algn="l"/>
+                <a:tab pos="1304925" algn="l"/>
+                <a:tab pos="2346325" algn="l"/>
+              </a:tabLst>
+            </a:pPr>
+            <a:r>
+              <a:rPr lang="ja-JP" altLang="en-US" dirty="0"/>
+              <a:t>文中の前置詞に対して</a:t>
+            </a:r>
+            <a:r>
+              <a:rPr lang="en-US" altLang="ja-JP" dirty="0"/>
+              <a:t>, </a:t>
+            </a:r>
+            <a:r>
+              <a:rPr lang="ja-JP" altLang="en-US" dirty="0"/>
+              <a:t>その前後の数単語をとらえたり</a:t>
+            </a:r>
+            <a:br>
+              <a:rPr lang="ja-JP" altLang="en-US" dirty="0"/>
+            </a:br>
+            <a:r>
+              <a:rPr lang="ja-JP" altLang="en-US" dirty="0"/>
+              <a:t>それらの品詞を取得したり</a:t>
+            </a:r>
+            <a:r>
+              <a:rPr lang="en-US" altLang="ja-JP" dirty="0">
+                <a:latin typeface="Helvetica"/>
+              </a:rPr>
+              <a:t>…</a:t>
+            </a:r>
+            <a:endParaRPr lang="en-US" altLang="ja-JP" dirty="0"/>
+          </a:p>
+          <a:p>
+            <a:pPr>
+              <a:tabLst>
+                <a:tab pos="1304925" algn="l"/>
+                <a:tab pos="2346325" algn="l"/>
+                <a:tab pos="1304925" algn="l"/>
+                <a:tab pos="2346325" algn="l"/>
+              </a:tabLst>
+            </a:pPr>
+            <a:r>
+              <a:rPr lang="ja-JP" altLang="en-US" dirty="0"/>
+              <a:t>簡単な素性関数</a:t>
+            </a:r>
+            <a:r>
+              <a:rPr lang="en-US" altLang="ja-JP" dirty="0"/>
+              <a:t>(</a:t>
+            </a:r>
+            <a:r>
+              <a:rPr lang="ja-JP" altLang="en-US" dirty="0"/>
+              <a:t>前置詞直後の単語</a:t>
+            </a:r>
+            <a:r>
+              <a:rPr lang="en-US" altLang="ja-JP" dirty="0"/>
+              <a:t>)</a:t>
+            </a:r>
+          </a:p>
+          <a:p>
+            <a:pPr marL="525463" lvl="2">
+              <a:tabLst>
+                <a:tab pos="1304925" algn="l"/>
+                <a:tab pos="2346325" algn="l"/>
+                <a:tab pos="1304925" algn="l"/>
+                <a:tab pos="2346325" algn="l"/>
+              </a:tabLst>
+            </a:pPr>
+            <a:r>
+              <a:rPr lang="en-US" altLang="ja-JP" dirty="0" err="1"/>
+              <a:t>def</a:t>
+            </a:r>
+            <a:r>
+              <a:rPr lang="en-US" altLang="ja-JP" dirty="0"/>
+              <a:t> successor(</a:t>
+            </a:r>
+            <a:r>
+              <a:rPr lang="en-US" altLang="ja-JP" dirty="0" err="1"/>
+              <a:t>sentence_list</a:t>
+            </a:r>
+            <a:r>
+              <a:rPr lang="en-US" altLang="ja-JP" dirty="0"/>
+              <a:t>, </a:t>
+            </a:r>
+            <a:r>
+              <a:rPr lang="en-US" altLang="ja-JP" dirty="0" err="1"/>
+              <a:t>ppindex</a:t>
+            </a:r>
+            <a:r>
+              <a:rPr lang="en-US" altLang="ja-JP" dirty="0" smtClean="0"/>
+              <a:t>):</a:t>
+            </a:r>
+            <a:br>
+              <a:rPr lang="en-US" altLang="ja-JP" dirty="0" smtClean="0"/>
+            </a:br>
+            <a:r>
+              <a:rPr lang="en-US" altLang="ja-JP" dirty="0" smtClean="0"/>
+              <a:t>    return </a:t>
+            </a:r>
+            <a:r>
+              <a:rPr lang="en-US" altLang="ja-JP" dirty="0"/>
+              <a:t>{</a:t>
+            </a:r>
+            <a:r>
+              <a:rPr lang="en-US" altLang="ja-JP" dirty="0">
+                <a:latin typeface="Helvetica"/>
+              </a:rPr>
+              <a:t>“</a:t>
+            </a:r>
+            <a:r>
+              <a:rPr lang="en-US" altLang="ja-JP" dirty="0" err="1"/>
+              <a:t>succ</a:t>
+            </a:r>
+            <a:r>
+              <a:rPr lang="en-US" altLang="ja-JP" dirty="0"/>
+              <a:t>_%s</a:t>
+            </a:r>
+            <a:r>
+              <a:rPr lang="en-US" altLang="ja-JP" dirty="0">
+                <a:latin typeface="Helvetica"/>
+              </a:rPr>
+              <a:t>”</a:t>
+            </a:r>
+            <a:r>
+              <a:rPr lang="en-US" altLang="ja-JP" dirty="0"/>
+              <a:t>%(</a:t>
+            </a:r>
+            <a:r>
+              <a:rPr lang="en-US" altLang="ja-JP" dirty="0" err="1"/>
+              <a:t>sentence_list</a:t>
+            </a:r>
+            <a:r>
+              <a:rPr lang="en-US" altLang="ja-JP" dirty="0"/>
+              <a:t>[</a:t>
+            </a:r>
+            <a:r>
+              <a:rPr lang="en-US" altLang="ja-JP" dirty="0" err="1"/>
+              <a:t>ppindex</a:t>
+            </a:r>
+            <a:r>
+              <a:rPr lang="en-US" altLang="ja-JP" dirty="0"/>
+              <a:t> + 1]): 1</a:t>
+            </a:r>
+            <a:r>
+              <a:rPr lang="en-US" altLang="ja-JP" dirty="0" smtClean="0"/>
+              <a:t>}</a:t>
+            </a:r>
+          </a:p>
+          <a:p>
+            <a:pPr marL="525463" lvl="2">
+              <a:tabLst>
+                <a:tab pos="1304925" algn="l"/>
+                <a:tab pos="2346325" algn="l"/>
+                <a:tab pos="1304925" algn="l"/>
+                <a:tab pos="2346325" algn="l"/>
+              </a:tabLst>
+            </a:pPr>
+            <a:endParaRPr lang="en-US" altLang="ja-JP" dirty="0"/>
+          </a:p>
+          <a:p>
+            <a:pPr>
+              <a:tabLst>
+                <a:tab pos="1304925" algn="l"/>
+                <a:tab pos="2346325" algn="l"/>
+                <a:tab pos="1304925" algn="l"/>
+                <a:tab pos="2346325" algn="l"/>
+              </a:tabLst>
+            </a:pPr>
+            <a:r>
+              <a:rPr lang="ja-JP" altLang="en-US" dirty="0"/>
+              <a:t>今回は二値素性</a:t>
+            </a:r>
+            <a:r>
+              <a:rPr lang="en-US" altLang="ja-JP" dirty="0"/>
+              <a:t>(on/off)</a:t>
+            </a:r>
+            <a:r>
+              <a:rPr lang="ja-JP" altLang="en-US" dirty="0"/>
+              <a:t>のみを</a:t>
+            </a:r>
+            <a:r>
+              <a:rPr lang="ja-JP" altLang="en-US" dirty="0" smtClean="0"/>
+              <a:t>用いる</a:t>
+            </a:r>
+            <a:endParaRPr lang="ja-JP" altLang="en-US" dirty="0"/>
+          </a:p>
+        </p:txBody>
+      </p:sp>
+    </p:spTree>
+  </p:cSld>
+  <p:clrMapOvr>
+    <a:masterClrMapping/>
+  </p:clrMapOvr>
+  <p:transition/>
+  <p:timing>
+    <p:tnLst>
+      <p:par>
+        <p:cTn id="1" dur="indefinite" restart="never" nodeType="tmRoot"/>
+      </p:par>
+    </p:tnLst>
+  </p:timing>
+</p:sld>
+</file>
+
+<file path=ppt/slides/slide22.xml><?xml version="1.0" encoding="utf-8"?>
+<p:sld xmlns:a="http://schemas.openxmlformats.org/drawingml/2006/main" xmlns:r="http://schemas.openxmlformats.org/officeDocument/2006/relationships" xmlns:p="http://schemas.openxmlformats.org/presentationml/2006/main">
+  <p:cSld>
+    <p:spTree>
+      <p:nvGrpSpPr>
+        <p:cNvPr id="1" name=""/>
+        <p:cNvGrpSpPr/>
+        <p:nvPr/>
+      </p:nvGrpSpPr>
+      <p:grpSpPr>
+        <a:xfrm>
+          <a:off x="0" y="0"/>
+          <a:ext cx="0" cy="0"/>
+          <a:chOff x="0" y="0"/>
+          <a:chExt cx="0" cy="0"/>
+        </a:xfrm>
+      </p:grpSpPr>
+      <p:sp>
+        <p:nvSpPr>
+          <p:cNvPr id="27649" name="Rectangle 1"/>
+          <p:cNvSpPr>
+            <a:spLocks noGrp="1" noChangeArrowheads="1"/>
+          </p:cNvSpPr>
+          <p:nvPr>
+            <p:ph type="title"/>
+          </p:nvPr>
+        </p:nvSpPr>
+        <p:spPr>
+          <a:ln/>
+        </p:spPr>
+        <p:txBody>
+          <a:bodyPr/>
+          <a:lstStyle/>
+          <a:p>
+            <a:r>
+              <a:rPr lang="ja-JP" altLang="en-US" dirty="0"/>
+              <a:t>素性抽出関数の例</a:t>
+            </a:r>
+            <a:r>
+              <a:rPr lang="en-US" altLang="ja-JP" dirty="0"/>
+              <a:t>: </a:t>
+            </a:r>
+            <a:r>
+              <a:rPr lang="ja-JP" altLang="en-US" dirty="0"/>
+              <a:t>品詞素性</a:t>
+            </a:r>
+          </a:p>
+        </p:txBody>
+      </p:sp>
+      <p:sp>
+        <p:nvSpPr>
+          <p:cNvPr id="4" name="Slide Number Placeholder 3"/>
+          <p:cNvSpPr>
+            <a:spLocks noGrp="1"/>
+          </p:cNvSpPr>
+          <p:nvPr>
+            <p:ph type="sldNum" sz="quarter" idx="4"/>
+          </p:nvPr>
+        </p:nvSpPr>
+        <p:spPr>
+          <a:prstGeom prst="rect">
+            <a:avLst/>
+          </a:prstGeom>
+        </p:spPr>
+        <p:txBody>
+          <a:bodyPr/>
+          <a:lstStyle/>
+          <a:p>
+            <a:fld id="{4FE14128-5E12-4059-B7FD-1B3B87E43B2B}" type="slidenum">
+              <a:rPr lang="en-US" altLang="ja-JP"/>
+              <a:pPr/>
+              <a:t>22</a:t>
+            </a:fld>
+            <a:endParaRPr lang="en-US" altLang="ja-JP"/>
+          </a:p>
+        </p:txBody>
+      </p:sp>
+      <p:sp>
+        <p:nvSpPr>
+          <p:cNvPr id="27650" name="Rectangle 2"/>
+          <p:cNvSpPr>
+            <a:spLocks noGrp="1" noChangeArrowheads="1"/>
+          </p:cNvSpPr>
+          <p:nvPr>
+            <p:ph sz="quarter" idx="10"/>
+          </p:nvPr>
+        </p:nvSpPr>
+        <p:spPr>
+          <a:ln/>
+        </p:spPr>
+        <p:txBody>
+          <a:bodyPr/>
+          <a:lstStyle/>
+          <a:p>
+            <a:pPr>
+              <a:tabLst>
+                <a:tab pos="1304925" algn="l"/>
+                <a:tab pos="2346325" algn="l"/>
+                <a:tab pos="1304925" algn="l"/>
+                <a:tab pos="2346325" algn="l"/>
+              </a:tabLst>
+            </a:pPr>
+            <a:r>
+              <a:rPr lang="en-US" altLang="ja-JP" sz="3000" dirty="0"/>
+              <a:t>NLTK</a:t>
+            </a:r>
+            <a:r>
+              <a:rPr lang="ja-JP" altLang="en-US" sz="3000" dirty="0" err="1"/>
+              <a:t>には</a:t>
+            </a:r>
+            <a:r>
+              <a:rPr lang="ja-JP" altLang="en-US" sz="3000" dirty="0"/>
+              <a:t>各種</a:t>
+            </a:r>
+            <a:r>
+              <a:rPr lang="en-US" altLang="ja-JP" sz="3000" dirty="0"/>
+              <a:t>POS Tagger</a:t>
+            </a:r>
+            <a:r>
+              <a:rPr lang="ja-JP" altLang="en-US" sz="3000" dirty="0"/>
+              <a:t>が含まれている</a:t>
+            </a:r>
+          </a:p>
+          <a:p>
+            <a:pPr>
+              <a:spcBef>
+                <a:spcPts val="2275"/>
+              </a:spcBef>
+              <a:tabLst>
+                <a:tab pos="1304925" algn="l"/>
+                <a:tab pos="2346325" algn="l"/>
+                <a:tab pos="1304925" algn="l"/>
+                <a:tab pos="2346325" algn="l"/>
+              </a:tabLst>
+            </a:pPr>
+            <a:r>
+              <a:rPr lang="ja-JP" altLang="en-US" sz="3000" dirty="0"/>
+              <a:t>今回は</a:t>
+            </a:r>
+            <a:r>
+              <a:rPr lang="en-US" altLang="ja-JP" sz="3000" dirty="0" err="1"/>
+              <a:t>PennTreeBank</a:t>
+            </a:r>
+            <a:r>
+              <a:rPr lang="ja-JP" altLang="en-US" sz="3000" dirty="0"/>
+              <a:t>で学習した</a:t>
+            </a:r>
+            <a:r>
+              <a:rPr lang="en-US" altLang="ja-JP" sz="3000" dirty="0" err="1">
+                <a:latin typeface="Consolas" pitchFamily="49" charset="0"/>
+                <a:cs typeface="Consolas" pitchFamily="49" charset="0"/>
+                <a:sym typeface="Consolas Bold" charset="0"/>
+              </a:rPr>
+              <a:t>nltk.pos_tag</a:t>
+            </a:r>
+            <a:r>
+              <a:rPr lang="ja-JP" altLang="en-US" sz="3000" dirty="0"/>
+              <a:t>を使う</a:t>
+            </a:r>
+          </a:p>
+          <a:p>
+            <a:pPr>
+              <a:spcBef>
+                <a:spcPts val="2275"/>
+              </a:spcBef>
+              <a:tabLst>
+                <a:tab pos="1304925" algn="l"/>
+                <a:tab pos="2346325" algn="l"/>
+                <a:tab pos="1304925" algn="l"/>
+                <a:tab pos="2346325" algn="l"/>
+              </a:tabLst>
+            </a:pPr>
+            <a:r>
+              <a:rPr lang="ja-JP" altLang="en-US" sz="3000" dirty="0"/>
+              <a:t>使用例：</a:t>
+            </a:r>
+          </a:p>
+          <a:p>
+            <a:pPr marL="842963" lvl="1">
+              <a:spcBef>
+                <a:spcPts val="2275"/>
+              </a:spcBef>
+              <a:tabLst>
+                <a:tab pos="1304925" algn="l"/>
+                <a:tab pos="2346325" algn="l"/>
+                <a:tab pos="1304925" algn="l"/>
+                <a:tab pos="2346325" algn="l"/>
+              </a:tabLst>
+            </a:pPr>
+            <a:r>
+              <a:rPr lang="en-US" altLang="ja-JP" sz="3000" dirty="0"/>
+              <a:t>sentence: </a:t>
+            </a:r>
+            <a:r>
+              <a:rPr lang="en-US" altLang="ja-JP" sz="3000" dirty="0" err="1"/>
+              <a:t>str</a:t>
+            </a:r>
+            <a:r>
+              <a:rPr lang="en-US" altLang="ja-JP" sz="3000" dirty="0"/>
+              <a:t>, words: list</a:t>
+            </a:r>
+          </a:p>
+          <a:p>
+            <a:pPr marL="525463" lvl="2">
+              <a:spcBef>
+                <a:spcPts val="1900"/>
+              </a:spcBef>
+              <a:tabLst>
+                <a:tab pos="1304925" algn="l"/>
+                <a:tab pos="2346325" algn="l"/>
+                <a:tab pos="1304925" algn="l"/>
+                <a:tab pos="2346325" algn="l"/>
+              </a:tabLst>
+            </a:pPr>
+            <a:r>
+              <a:rPr lang="en-US" altLang="ja-JP" dirty="0"/>
+              <a:t>words = </a:t>
+            </a:r>
+            <a:r>
+              <a:rPr lang="en-US" altLang="ja-JP" dirty="0" err="1" smtClean="0"/>
+              <a:t>nltk.word_tokenize</a:t>
+            </a:r>
+            <a:r>
+              <a:rPr lang="en-US" altLang="ja-JP" dirty="0" smtClean="0"/>
+              <a:t>(sentence)</a:t>
+            </a:r>
+            <a:br>
+              <a:rPr lang="en-US" altLang="ja-JP" dirty="0" smtClean="0"/>
+            </a:br>
+            <a:r>
+              <a:rPr lang="en-US" altLang="ja-JP" dirty="0" err="1" smtClean="0"/>
+              <a:t>nltk.pos_tag</a:t>
+            </a:r>
+            <a:r>
+              <a:rPr lang="en-US" altLang="ja-JP" dirty="0" smtClean="0"/>
+              <a:t>(words</a:t>
+            </a:r>
+            <a:r>
+              <a:rPr lang="en-US" altLang="ja-JP" dirty="0"/>
+              <a:t>)</a:t>
+            </a:r>
+          </a:p>
+          <a:p>
+            <a:pPr marL="842963" lvl="1">
+              <a:spcBef>
+                <a:spcPts val="1900"/>
+              </a:spcBef>
+              <a:tabLst>
+                <a:tab pos="1304925" algn="l"/>
+                <a:tab pos="2346325" algn="l"/>
+                <a:tab pos="1304925" algn="l"/>
+                <a:tab pos="2346325" algn="l"/>
+              </a:tabLst>
+            </a:pPr>
+            <a:r>
+              <a:rPr lang="ja-JP" altLang="en-US" sz="3000" dirty="0"/>
+              <a:t>入力は単語単位のリスト</a:t>
+            </a:r>
+            <a:r>
+              <a:rPr lang="en-US" altLang="ja-JP" sz="3000" dirty="0"/>
+              <a:t>(</a:t>
+            </a:r>
+            <a:r>
+              <a:rPr lang="en-US" altLang="ja-JP" sz="3000" dirty="0" err="1"/>
+              <a:t>nltk.word_tokenize</a:t>
+            </a:r>
+            <a:r>
+              <a:rPr lang="en-US" altLang="ja-JP" sz="3000" dirty="0"/>
+              <a:t>(sentence))</a:t>
+            </a:r>
+          </a:p>
+          <a:p>
+            <a:pPr>
+              <a:spcBef>
+                <a:spcPts val="2275"/>
+              </a:spcBef>
+              <a:tabLst>
+                <a:tab pos="1304925" algn="l"/>
+                <a:tab pos="2346325" algn="l"/>
+                <a:tab pos="1304925" algn="l"/>
+                <a:tab pos="2346325" algn="l"/>
+              </a:tabLst>
+            </a:pPr>
+            <a:r>
+              <a:rPr lang="en-US" altLang="ja-JP" sz="3000" dirty="0"/>
+              <a:t>feature_extractor.py </a:t>
+            </a:r>
+            <a:r>
+              <a:rPr lang="ja-JP" altLang="en-US" sz="3000" dirty="0"/>
+              <a:t>を参考に作ってみよう</a:t>
+            </a:r>
+          </a:p>
+        </p:txBody>
+      </p:sp>
+    </p:spTree>
+  </p:cSld>
+  <p:clrMapOvr>
+    <a:masterClrMapping/>
+  </p:clrMapOvr>
+  <p:transition/>
+  <p:timing>
+    <p:tnLst>
+      <p:par>
+        <p:cTn id="1" dur="indefinite" restart="never" nodeType="tmRoot"/>
+      </p:par>
+    </p:tnLst>
+  </p:timing>
+</p:sld>
+</file>
+
+<file path=ppt/slides/slide23.xml><?xml version="1.0" encoding="utf-8"?>
+<p:sld xmlns:a="http://schemas.openxmlformats.org/drawingml/2006/main" xmlns:r="http://schemas.openxmlformats.org/officeDocument/2006/relationships" xmlns:p="http://schemas.openxmlformats.org/presentationml/2006/main">
+  <p:cSld>
+    <p:spTree>
+      <p:nvGrpSpPr>
+        <p:cNvPr id="1" name=""/>
+        <p:cNvGrpSpPr/>
+        <p:nvPr/>
+      </p:nvGrpSpPr>
+      <p:grpSpPr>
+        <a:xfrm>
+          <a:off x="0" y="0"/>
+          <a:ext cx="0" cy="0"/>
+          <a:chOff x="0" y="0"/>
+          <a:chExt cx="0" cy="0"/>
+        </a:xfrm>
+      </p:grpSpPr>
+      <p:sp>
+        <p:nvSpPr>
+          <p:cNvPr id="28673" name="Rectangle 1"/>
+          <p:cNvSpPr>
+            <a:spLocks noGrp="1" noChangeArrowheads="1"/>
+          </p:cNvSpPr>
+          <p:nvPr>
+            <p:ph type="title"/>
+          </p:nvPr>
+        </p:nvSpPr>
+        <p:spPr>
+          <a:ln/>
+        </p:spPr>
+        <p:txBody>
+          <a:bodyPr/>
+          <a:lstStyle/>
+          <a:p>
+            <a:r>
+              <a:rPr lang="ja-JP" altLang="en-US" dirty="0"/>
+              <a:t>評価</a:t>
+            </a:r>
+            <a:r>
+              <a:rPr lang="ja-JP" altLang="en-US" dirty="0" smtClean="0"/>
+              <a:t>の前に</a:t>
+            </a:r>
+            <a:r>
+              <a:rPr lang="en-US" altLang="ja-JP" dirty="0" smtClean="0"/>
+              <a:t>…</a:t>
+            </a:r>
+            <a:endParaRPr lang="ja-JP" altLang="en-US" dirty="0"/>
+          </a:p>
+        </p:txBody>
+      </p:sp>
+      <p:sp>
+        <p:nvSpPr>
+          <p:cNvPr id="4" name="Slide Number Placeholder 3"/>
+          <p:cNvSpPr>
+            <a:spLocks noGrp="1"/>
+          </p:cNvSpPr>
+          <p:nvPr>
+            <p:ph type="sldNum" sz="quarter" idx="4"/>
+          </p:nvPr>
+        </p:nvSpPr>
+        <p:spPr>
+          <a:prstGeom prst="rect">
+            <a:avLst/>
+          </a:prstGeom>
+        </p:spPr>
+        <p:txBody>
+          <a:bodyPr/>
+          <a:lstStyle/>
+          <a:p>
+            <a:fld id="{4A5ABDE8-4550-4BB5-A21A-BE600FAD52A2}" type="slidenum">
+              <a:rPr lang="en-US" altLang="ja-JP"/>
+              <a:pPr/>
+              <a:t>23</a:t>
+            </a:fld>
+            <a:endParaRPr lang="en-US" altLang="ja-JP"/>
+          </a:p>
+        </p:txBody>
+      </p:sp>
+      <p:sp>
+        <p:nvSpPr>
+          <p:cNvPr id="2" name="Content Placeholder 1"/>
+          <p:cNvSpPr>
+            <a:spLocks noGrp="1"/>
+          </p:cNvSpPr>
+          <p:nvPr>
+            <p:ph sz="quarter" idx="10"/>
+          </p:nvPr>
+        </p:nvSpPr>
+        <p:spPr>
+          <a:xfrm>
+            <a:off x="525736" y="2355850"/>
+            <a:ext cx="11953328" cy="6553200"/>
+          </a:xfrm>
+        </p:spPr>
+        <p:txBody>
+          <a:bodyPr anchor="t"/>
+          <a:lstStyle/>
+          <a:p>
+            <a:r>
+              <a:rPr kumimoji="1" lang="ja-JP" altLang="en-US" dirty="0" smtClean="0"/>
+              <a:t>学習データとテストデータはあらかじめ分けておく</a:t>
+            </a:r>
+            <a:endParaRPr kumimoji="1" lang="en-US" altLang="ja-JP" dirty="0" smtClean="0"/>
+          </a:p>
+          <a:p>
+            <a:pPr lvl="1"/>
+            <a:r>
+              <a:rPr kumimoji="1" lang="ja-JP" altLang="en-US" dirty="0" smtClean="0"/>
+              <a:t>「正しい評価」をおこなうにはどのような状態が必要だろうか</a:t>
+            </a:r>
+            <a:endParaRPr kumimoji="1" lang="en-US" altLang="ja-JP" dirty="0"/>
+          </a:p>
+          <a:p>
+            <a:pPr lvl="1"/>
+            <a:r>
+              <a:rPr kumimoji="1" lang="ja-JP" altLang="en-US" dirty="0" smtClean="0"/>
+              <a:t>テストデータが学習データに含まれるとまずい？</a:t>
+            </a:r>
+            <a:endParaRPr kumimoji="1" lang="en-US" altLang="ja-JP" dirty="0" smtClean="0"/>
+          </a:p>
+          <a:p>
+            <a:r>
+              <a:rPr kumimoji="1" lang="ja-JP" altLang="en-US" dirty="0" smtClean="0"/>
+              <a:t>評価尺度</a:t>
+            </a:r>
+            <a:endParaRPr kumimoji="1" lang="en-US" altLang="ja-JP" dirty="0" smtClean="0"/>
+          </a:p>
+          <a:p>
+            <a:pPr lvl="1"/>
+            <a:r>
+              <a:rPr kumimoji="1" lang="ja-JP" altLang="en-US" dirty="0" smtClean="0"/>
+              <a:t>正解率（</a:t>
+            </a:r>
+            <a:r>
+              <a:rPr kumimoji="1" lang="en-US" altLang="ja-JP" dirty="0" smtClean="0"/>
+              <a:t>accuracy</a:t>
+            </a:r>
+            <a:r>
+              <a:rPr kumimoji="1" lang="ja-JP" altLang="en-US" dirty="0" smtClean="0"/>
+              <a:t>）を評価尺度とする</a:t>
+            </a:r>
+            <a:endParaRPr kumimoji="1" lang="en-US" altLang="ja-JP" dirty="0" smtClean="0"/>
+          </a:p>
+          <a:p>
+            <a:pPr lvl="2"/>
+            <a:r>
+              <a:rPr kumimoji="1" lang="en-US" altLang="ja-JP" dirty="0" smtClean="0"/>
+              <a:t>accuracy = </a:t>
+            </a:r>
+            <a:br>
+              <a:rPr kumimoji="1" lang="en-US" altLang="ja-JP" dirty="0" smtClean="0"/>
+            </a:br>
+            <a:r>
+              <a:rPr kumimoji="1" lang="en-US" altLang="ja-JP" dirty="0" smtClean="0"/>
+              <a:t>(num. of correct output) / (num. of input cases)</a:t>
+            </a:r>
+            <a:endParaRPr kumimoji="1" lang="en-US" altLang="ja-JP" dirty="0"/>
+          </a:p>
+          <a:p>
+            <a:pPr lvl="1"/>
+            <a:endParaRPr kumimoji="1" lang="en-US" altLang="ja-JP" dirty="0" smtClean="0"/>
+          </a:p>
+        </p:txBody>
+      </p:sp>
+    </p:spTree>
+  </p:cSld>
+  <p:clrMapOvr>
+    <a:masterClrMapping/>
+  </p:clrMapOvr>
+  <p:transition/>
+  <p:timing>
+    <p:tnLst>
+      <p:par>
+        <p:cTn id="1" dur="indefinite" restart="never" nodeType="tmRoot"/>
+      </p:par>
+    </p:tnLst>
+  </p:timing>
+</p:sld>
+</file>
+
+<file path=ppt/slides/slide24.xml><?xml version="1.0" encoding="utf-8"?>
+<p:sld xmlns:a="http://schemas.openxmlformats.org/drawingml/2006/main" xmlns:r="http://schemas.openxmlformats.org/officeDocument/2006/relationships" xmlns:p="http://schemas.openxmlformats.org/presentationml/2006/main">
+  <p:cSld>
+    <p:spTree>
+      <p:nvGrpSpPr>
+        <p:cNvPr id="1" name=""/>
+        <p:cNvGrpSpPr/>
+        <p:nvPr/>
+      </p:nvGrpSpPr>
+      <p:grpSpPr>
+        <a:xfrm>
+          <a:off x="0" y="0"/>
+          <a:ext cx="0" cy="0"/>
+          <a:chOff x="0" y="0"/>
+          <a:chExt cx="0" cy="0"/>
+        </a:xfrm>
+      </p:grpSpPr>
+      <p:pic>
+        <p:nvPicPr>
+          <p:cNvPr id="29697" name="Picture 1"/>
+          <p:cNvPicPr>
+            <a:picLocks noChangeAspect="1" noChangeArrowheads="1"/>
+          </p:cNvPicPr>
+          <p:nvPr/>
+        </p:nvPicPr>
+        <p:blipFill>
+          <a:blip r:embed="rId2" cstate="print">
+            <a:extLst>
+              <a:ext uri="{28A0092B-C50C-407E-A947-70E740481C1C}">
+                <a14:useLocalDpi xmlns:a14="http://schemas.microsoft.com/office/drawing/2010/main" val="0"/>
+              </a:ext>
+            </a:extLst>
+          </a:blip>
+          <a:srcRect/>
+          <a:stretch>
+            <a:fillRect/>
+          </a:stretch>
+        </p:blipFill>
+        <p:spPr bwMode="auto">
+          <a:xfrm>
+            <a:off x="6862440" y="2346324"/>
+            <a:ext cx="5148263" cy="5148263"/>
+          </a:xfrm>
+          <a:prstGeom prst="rect">
+            <a:avLst/>
+          </a:prstGeom>
+          <a:noFill/>
+          <a:ln>
+            <a:noFill/>
+          </a:ln>
+          <a:extLst>
+            <a:ext uri="{909E8E84-426E-40DD-AFC4-6F175D3DCCD1}">
+              <a14:hiddenFill xmlns:a14="http://schemas.microsoft.com/office/drawing/2010/main">
+                <a:solidFill>
+                  <a:srgbClr val="FFFFFF"/>
+                </a:solidFill>
+              </a14:hiddenFill>
+            </a:ext>
+            <a:ext uri="{91240B29-F687-4F45-9708-019B960494DF}">
+              <a14:hiddenLine xmlns:a14="http://schemas.microsoft.com/office/drawing/2010/main" w="12700" cap="flat">
+                <a:solidFill>
+                  <a:schemeClr val="tx1"/>
+                </a:solidFill>
+                <a:miter lim="800000"/>
+                <a:headEnd/>
+                <a:tailEnd/>
+              </a14:hiddenLine>
+            </a:ext>
+          </a:extLst>
+        </p:spPr>
+      </p:pic>
+      <p:sp>
+        <p:nvSpPr>
+          <p:cNvPr id="29698" name="Rectangle 2"/>
+          <p:cNvSpPr>
+            <a:spLocks noGrp="1" noChangeArrowheads="1"/>
+          </p:cNvSpPr>
+          <p:nvPr>
+            <p:ph type="title"/>
+          </p:nvPr>
+        </p:nvSpPr>
+        <p:spPr>
+          <a:ln/>
+        </p:spPr>
+        <p:txBody>
+          <a:bodyPr/>
+          <a:lstStyle/>
+          <a:p>
+            <a:r>
+              <a:rPr lang="ja-JP" altLang="en-US" dirty="0" smtClean="0"/>
+              <a:t>休憩？</a:t>
+            </a:r>
+            <a:endParaRPr lang="ja-JP" altLang="en-US" dirty="0"/>
+          </a:p>
+        </p:txBody>
+      </p:sp>
+      <p:sp>
+        <p:nvSpPr>
+          <p:cNvPr id="29699" name="Rectangle 3"/>
+          <p:cNvSpPr>
+            <a:spLocks noGrp="1" noChangeArrowheads="1"/>
+          </p:cNvSpPr>
+          <p:nvPr>
+            <p:ph type="body" sz="quarter" idx="10"/>
+          </p:nvPr>
+        </p:nvSpPr>
+        <p:spPr>
+          <a:ln/>
+        </p:spPr>
+        <p:txBody>
+          <a:bodyPr/>
+          <a:lstStyle/>
+          <a:p>
+            <a:r>
+              <a:rPr lang="ja-JP" altLang="en-US" dirty="0"/>
+              <a:t>学習には時間がかかります。</a:t>
+            </a:r>
+          </a:p>
+          <a:p>
+            <a:r>
+              <a:rPr lang="ja-JP" altLang="en-US" dirty="0"/>
+              <a:t>終わらないかも・・・</a:t>
+            </a:r>
+          </a:p>
+        </p:txBody>
+      </p:sp>
+    </p:spTree>
+  </p:cSld>
+  <p:clrMapOvr>
+    <a:masterClrMapping/>
+  </p:clrMapOvr>
+  <p:transition/>
+  <p:timing>
+    <p:tnLst>
+      <p:par>
+        <p:cTn id="1" dur="indefinite" restart="never" nodeType="tmRoot"/>
+      </p:par>
+    </p:tnLst>
+  </p:timing>
+</p:sld>
+</file>
+
+<file path=ppt/slides/slide25.xml><?xml version="1.0" encoding="utf-8"?>
+<p:sld xmlns:a="http://schemas.openxmlformats.org/drawingml/2006/main" xmlns:r="http://schemas.openxmlformats.org/officeDocument/2006/relationships" xmlns:p="http://schemas.openxmlformats.org/presentationml/2006/main">
+  <p:cSld>
+    <p:spTree>
+      <p:nvGrpSpPr>
+        <p:cNvPr id="1" name=""/>
+        <p:cNvGrpSpPr/>
+        <p:nvPr/>
+      </p:nvGrpSpPr>
+      <p:grpSpPr>
+        <a:xfrm>
+          <a:off x="0" y="0"/>
+          <a:ext cx="0" cy="0"/>
+          <a:chOff x="0" y="0"/>
+          <a:chExt cx="0" cy="0"/>
+        </a:xfrm>
+      </p:grpSpPr>
+      <p:sp>
+        <p:nvSpPr>
+          <p:cNvPr id="30721" name="Rectangle 1"/>
+          <p:cNvSpPr>
+            <a:spLocks noGrp="1" noChangeArrowheads="1"/>
+          </p:cNvSpPr>
+          <p:nvPr>
+            <p:ph type="title"/>
+          </p:nvPr>
+        </p:nvSpPr>
+        <p:spPr>
+          <a:ln/>
+        </p:spPr>
+        <p:txBody>
+          <a:bodyPr/>
+          <a:lstStyle/>
+          <a:p>
+            <a:r>
+              <a:rPr lang="ja-JP" altLang="en-US" dirty="0"/>
+              <a:t>評価</a:t>
+            </a:r>
+            <a:r>
+              <a:rPr lang="en-US" altLang="ja-JP" dirty="0"/>
+              <a:t>: </a:t>
+            </a:r>
+            <a:r>
+              <a:rPr lang="ja-JP" altLang="en-US" dirty="0"/>
+              <a:t>そのモデルで大丈夫</a:t>
+            </a:r>
+            <a:r>
+              <a:rPr lang="en-US" altLang="ja-JP" dirty="0"/>
+              <a:t>?</a:t>
+            </a:r>
+          </a:p>
+        </p:txBody>
+      </p:sp>
+      <p:sp>
+        <p:nvSpPr>
+          <p:cNvPr id="4" name="Slide Number Placeholder 3"/>
+          <p:cNvSpPr>
+            <a:spLocks noGrp="1"/>
+          </p:cNvSpPr>
+          <p:nvPr>
+            <p:ph type="sldNum" sz="quarter" idx="4"/>
+          </p:nvPr>
+        </p:nvSpPr>
+        <p:spPr>
+          <a:prstGeom prst="rect">
+            <a:avLst/>
+          </a:prstGeom>
+        </p:spPr>
+        <p:txBody>
+          <a:bodyPr/>
+          <a:lstStyle/>
+          <a:p>
+            <a:fld id="{A9D3CB40-E20B-49ED-91F9-0F8BA9CA454A}" type="slidenum">
+              <a:rPr lang="en-US" altLang="ja-JP"/>
+              <a:pPr/>
+              <a:t>25</a:t>
+            </a:fld>
+            <a:endParaRPr lang="en-US" altLang="ja-JP"/>
+          </a:p>
+        </p:txBody>
+      </p:sp>
+      <p:sp>
+        <p:nvSpPr>
+          <p:cNvPr id="30722" name="Rectangle 2"/>
+          <p:cNvSpPr>
+            <a:spLocks noGrp="1" noChangeArrowheads="1"/>
+          </p:cNvSpPr>
+          <p:nvPr>
+            <p:ph sz="quarter" idx="10"/>
+          </p:nvPr>
+        </p:nvSpPr>
+        <p:spPr>
+          <a:ln/>
+        </p:spPr>
+        <p:txBody>
+          <a:bodyPr/>
+          <a:lstStyle/>
+          <a:p>
+            <a:pPr>
+              <a:tabLst>
+                <a:tab pos="1304925" algn="l"/>
+                <a:tab pos="2346325" algn="l"/>
+                <a:tab pos="1304925" algn="l"/>
+                <a:tab pos="2346325" algn="l"/>
+                <a:tab pos="1304925" algn="l"/>
+                <a:tab pos="2346325" algn="l"/>
+              </a:tabLst>
+            </a:pPr>
+            <a:r>
+              <a:rPr lang="en-US" altLang="ja-JP" dirty="0" smtClean="0"/>
+              <a:t>Accuracy</a:t>
+            </a:r>
+            <a:r>
+              <a:rPr lang="ja-JP" altLang="en-US" dirty="0" smtClean="0"/>
+              <a:t>はどうでしたか？</a:t>
+            </a:r>
+            <a:endParaRPr lang="en-US" altLang="ja-JP" dirty="0" smtClean="0"/>
+          </a:p>
+          <a:p>
+            <a:pPr>
+              <a:tabLst>
+                <a:tab pos="1304925" algn="l"/>
+                <a:tab pos="2346325" algn="l"/>
+                <a:tab pos="1304925" algn="l"/>
+                <a:tab pos="2346325" algn="l"/>
+                <a:tab pos="1304925" algn="l"/>
+                <a:tab pos="2346325" algn="l"/>
+              </a:tabLst>
+            </a:pPr>
+            <a:r>
+              <a:rPr lang="en-US" altLang="ja-JP" dirty="0" err="1" smtClean="0"/>
+              <a:t>MaxentClassifier</a:t>
+            </a:r>
+            <a:r>
+              <a:rPr lang="ja-JP" altLang="en-US" dirty="0"/>
+              <a:t>は多クラス分類器</a:t>
+            </a:r>
+          </a:p>
+          <a:p>
+            <a:pPr marL="842963" lvl="1">
+              <a:tabLst>
+                <a:tab pos="1304925" algn="l"/>
+                <a:tab pos="2346325" algn="l"/>
+                <a:tab pos="1304925" algn="l"/>
+                <a:tab pos="2346325" algn="l"/>
+                <a:tab pos="1304925" algn="l"/>
+                <a:tab pos="2346325" algn="l"/>
+              </a:tabLst>
+            </a:pPr>
+            <a:r>
+              <a:rPr lang="ja-JP" altLang="en-US" dirty="0"/>
+              <a:t>本当</a:t>
+            </a:r>
+            <a:r>
+              <a:rPr lang="ja-JP" altLang="en-US" dirty="0" smtClean="0"/>
+              <a:t>は </a:t>
+            </a:r>
+            <a:r>
+              <a:rPr lang="en-US" altLang="ja-JP" dirty="0" smtClean="0">
+                <a:latin typeface="Helvetica"/>
+              </a:rPr>
+              <a:t>“</a:t>
+            </a:r>
+            <a:r>
+              <a:rPr lang="en-US" altLang="ja-JP" dirty="0" smtClean="0"/>
+              <a:t>at</a:t>
+            </a:r>
+            <a:r>
+              <a:rPr lang="en-US" altLang="ja-JP" dirty="0" smtClean="0">
+                <a:latin typeface="Helvetica"/>
+              </a:rPr>
+              <a:t>”</a:t>
+            </a:r>
+            <a:r>
+              <a:rPr lang="en-US" altLang="ja-JP" dirty="0" smtClean="0"/>
+              <a:t> </a:t>
+            </a:r>
+            <a:r>
+              <a:rPr lang="ja-JP" altLang="en-US" dirty="0" err="1" smtClean="0"/>
+              <a:t>だったのに</a:t>
+            </a:r>
+            <a:r>
+              <a:rPr lang="ja-JP" altLang="en-US" dirty="0">
+                <a:latin typeface="Helvetica"/>
+              </a:rPr>
+              <a:t> </a:t>
+            </a:r>
+            <a:r>
+              <a:rPr lang="en-US" altLang="ja-JP" dirty="0" smtClean="0">
+                <a:latin typeface="Helvetica"/>
+              </a:rPr>
+              <a:t>“</a:t>
+            </a:r>
+            <a:r>
+              <a:rPr lang="en-US" altLang="ja-JP" dirty="0" smtClean="0"/>
+              <a:t>in</a:t>
+            </a:r>
+            <a:r>
+              <a:rPr lang="en-US" altLang="ja-JP" dirty="0" smtClean="0">
+                <a:latin typeface="Helvetica"/>
+              </a:rPr>
+              <a:t>”</a:t>
+            </a:r>
+            <a:r>
+              <a:rPr lang="en-US" altLang="ja-JP" dirty="0" smtClean="0"/>
+              <a:t> </a:t>
+            </a:r>
+            <a:r>
+              <a:rPr lang="ja-JP" altLang="en-US" dirty="0"/>
+              <a:t>だと出力した場合</a:t>
+            </a:r>
+            <a:r>
+              <a:rPr lang="ja-JP" altLang="en-US" dirty="0" smtClean="0"/>
+              <a:t>と </a:t>
+            </a:r>
+            <a:r>
+              <a:rPr lang="en-US" altLang="ja-JP" dirty="0" smtClean="0">
+                <a:latin typeface="Helvetica"/>
+              </a:rPr>
+              <a:t>“</a:t>
+            </a:r>
+            <a:r>
+              <a:rPr lang="en-US" altLang="ja-JP" dirty="0" smtClean="0"/>
+              <a:t>on</a:t>
+            </a:r>
+            <a:r>
+              <a:rPr lang="en-US" altLang="ja-JP" dirty="0" smtClean="0">
+                <a:latin typeface="Helvetica"/>
+              </a:rPr>
+              <a:t>” </a:t>
+            </a:r>
+            <a:r>
+              <a:rPr lang="ja-JP" altLang="en-US" dirty="0" smtClean="0"/>
+              <a:t>だと</a:t>
+            </a:r>
+            <a:r>
+              <a:rPr lang="ja-JP" altLang="en-US" dirty="0"/>
+              <a:t>出力した場合はどちらが多いんだろう</a:t>
+            </a:r>
+            <a:r>
+              <a:rPr lang="en-US" altLang="ja-JP" dirty="0" smtClean="0">
+                <a:latin typeface="Helvetica"/>
+              </a:rPr>
+              <a:t>…</a:t>
+            </a:r>
+            <a:endParaRPr lang="en-US" altLang="ja-JP" dirty="0"/>
+          </a:p>
+          <a:p>
+            <a:pPr marL="484188" lvl="2">
+              <a:tabLst>
+                <a:tab pos="1304925" algn="l"/>
+                <a:tab pos="2346325" algn="l"/>
+                <a:tab pos="1304925" algn="l"/>
+                <a:tab pos="2346325" algn="l"/>
+                <a:tab pos="1304925" algn="l"/>
+                <a:tab pos="2346325" algn="l"/>
+              </a:tabLst>
+            </a:pPr>
+            <a:r>
+              <a:rPr lang="en-US" altLang="ja-JP" b="0" dirty="0" smtClean="0"/>
+              <a:t>	</a:t>
+            </a:r>
+            <a:r>
+              <a:rPr lang="ja-JP" altLang="en-US" b="0" dirty="0" smtClean="0"/>
+              <a:t>分類器が間違いやすいケースを特定したい！</a:t>
+            </a:r>
+            <a:endParaRPr lang="ja-JP" altLang="en-US" b="0" dirty="0"/>
+          </a:p>
+          <a:p>
+            <a:pPr marL="842963" lvl="1">
+              <a:tabLst>
+                <a:tab pos="1304925" algn="l"/>
+                <a:tab pos="2346325" algn="l"/>
+                <a:tab pos="1304925" algn="l"/>
+                <a:tab pos="2346325" algn="l"/>
+                <a:tab pos="1304925" algn="l"/>
+                <a:tab pos="2346325" algn="l"/>
+              </a:tabLst>
+            </a:pPr>
+            <a:r>
+              <a:rPr lang="ja-JP" altLang="en-US" dirty="0"/>
+              <a:t>そこで混同行列</a:t>
+            </a:r>
+            <a:r>
+              <a:rPr lang="en-US" altLang="ja-JP" dirty="0"/>
+              <a:t>(Confusion Matrix</a:t>
+            </a:r>
+            <a:r>
+              <a:rPr lang="en-US" altLang="ja-JP" dirty="0" smtClean="0"/>
+              <a:t>)</a:t>
+            </a:r>
+            <a:r>
+              <a:rPr lang="ja-JP" altLang="en-US" dirty="0" smtClean="0"/>
+              <a:t>！</a:t>
+            </a:r>
+            <a:endParaRPr lang="en-US" altLang="ja-JP" dirty="0"/>
+          </a:p>
+          <a:p>
+            <a:pPr marL="525463" lvl="2">
+              <a:tabLst>
+                <a:tab pos="1304925" algn="l"/>
+                <a:tab pos="2346325" algn="l"/>
+                <a:tab pos="1304925" algn="l"/>
+                <a:tab pos="2346325" algn="l"/>
+                <a:tab pos="1304925" algn="l"/>
+                <a:tab pos="2346325" algn="l"/>
+              </a:tabLst>
+            </a:pPr>
+            <a:r>
+              <a:rPr lang="en-US" altLang="ja-JP" dirty="0" err="1"/>
+              <a:t>classifier_outputs</a:t>
+            </a:r>
+            <a:r>
+              <a:rPr lang="en-US" altLang="ja-JP" dirty="0"/>
+              <a:t> = </a:t>
+            </a:r>
+            <a:r>
+              <a:rPr lang="en-US" altLang="ja-JP" dirty="0" err="1" smtClean="0"/>
+              <a:t>MaxentClassifier.classify</a:t>
+            </a:r>
+            <a:r>
+              <a:rPr lang="en-US" altLang="ja-JP" dirty="0" smtClean="0"/>
+              <a:t>(</a:t>
+            </a:r>
+            <a:r>
+              <a:rPr lang="en-US" altLang="ja-JP" dirty="0" err="1" smtClean="0"/>
+              <a:t>test_features</a:t>
+            </a:r>
+            <a:r>
+              <a:rPr lang="en-US" altLang="ja-JP" dirty="0" smtClean="0"/>
+              <a:t>)</a:t>
+            </a:r>
+            <a:br>
+              <a:rPr lang="en-US" altLang="ja-JP" dirty="0" smtClean="0"/>
+            </a:br>
+            <a:r>
+              <a:rPr lang="en-US" altLang="ja-JP" dirty="0" smtClean="0"/>
+              <a:t>cm </a:t>
+            </a:r>
+            <a:r>
+              <a:rPr lang="en-US" altLang="ja-JP" dirty="0"/>
+              <a:t>= </a:t>
+            </a:r>
+            <a:r>
+              <a:rPr lang="en-US" altLang="ja-JP" dirty="0" err="1"/>
+              <a:t>nltk.ConfusionMatrix</a:t>
+            </a:r>
+            <a:r>
+              <a:rPr lang="en-US" altLang="ja-JP" dirty="0"/>
+              <a:t>(</a:t>
+            </a:r>
+            <a:r>
+              <a:rPr lang="en-US" altLang="ja-JP" dirty="0" err="1"/>
+              <a:t>gold_labels</a:t>
+            </a:r>
+            <a:r>
+              <a:rPr lang="en-US" altLang="ja-JP" dirty="0"/>
+              <a:t>, </a:t>
+            </a:r>
+            <a:r>
+              <a:rPr lang="en-US" altLang="ja-JP" dirty="0" err="1" smtClean="0"/>
+              <a:t>classifier_outputs</a:t>
+            </a:r>
+            <a:r>
+              <a:rPr lang="en-US" altLang="ja-JP" dirty="0" smtClean="0"/>
+              <a:t>)</a:t>
+            </a:r>
+            <a:br>
+              <a:rPr lang="en-US" altLang="ja-JP" dirty="0" smtClean="0"/>
+            </a:br>
+            <a:r>
+              <a:rPr lang="en-US" altLang="ja-JP" dirty="0" smtClean="0"/>
+              <a:t>print </a:t>
+            </a:r>
+            <a:r>
+              <a:rPr lang="en-US" altLang="ja-JP" dirty="0"/>
+              <a:t>cm</a:t>
+            </a:r>
+          </a:p>
+        </p:txBody>
+      </p:sp>
+    </p:spTree>
+  </p:cSld>
+  <p:clrMapOvr>
+    <a:masterClrMapping/>
+  </p:clrMapOvr>
+  <p:transition/>
+  <p:timing>
+    <p:tnLst>
+      <p:par>
+        <p:cTn id="1" dur="indefinite" restart="never" nodeType="tmRoot"/>
+      </p:par>
+    </p:tnLst>
+  </p:timing>
+</p:sld>
+</file>
+
+<file path=ppt/slides/slide26.xml><?xml version="1.0" encoding="utf-8"?>
+<p:sld xmlns:a="http://schemas.openxmlformats.org/drawingml/2006/main" xmlns:r="http://schemas.openxmlformats.org/officeDocument/2006/relationships" xmlns:p="http://schemas.openxmlformats.org/presentationml/2006/main">
+  <p:cSld>
+    <p:spTree>
+      <p:nvGrpSpPr>
+        <p:cNvPr id="1" name=""/>
+        <p:cNvGrpSpPr/>
+        <p:nvPr/>
+      </p:nvGrpSpPr>
+      <p:grpSpPr>
+        <a:xfrm>
+          <a:off x="0" y="0"/>
+          <a:ext cx="0" cy="0"/>
+          <a:chOff x="0" y="0"/>
+          <a:chExt cx="0" cy="0"/>
+        </a:xfrm>
+      </p:grpSpPr>
+      <p:sp>
+        <p:nvSpPr>
+          <p:cNvPr id="31745" name="Rectangle 1"/>
+          <p:cNvSpPr>
+            <a:spLocks noGrp="1" noChangeArrowheads="1"/>
+          </p:cNvSpPr>
+          <p:nvPr>
+            <p:ph type="title"/>
+          </p:nvPr>
+        </p:nvSpPr>
+        <p:spPr>
+          <a:ln/>
+        </p:spPr>
+        <p:txBody>
+          <a:bodyPr/>
+          <a:lstStyle/>
+          <a:p>
+            <a:r>
+              <a:rPr lang="ja-JP" altLang="en-US" dirty="0"/>
+              <a:t>より</a:t>
+            </a:r>
+            <a:r>
+              <a:rPr lang="ja-JP" altLang="en-US" dirty="0" smtClean="0"/>
+              <a:t>良いモデルを求めて</a:t>
+            </a:r>
+            <a:r>
+              <a:rPr lang="en-US" altLang="ja-JP" dirty="0" smtClean="0"/>
+              <a:t>…</a:t>
+            </a:r>
+            <a:endParaRPr lang="ja-JP" altLang="en-US" dirty="0"/>
+          </a:p>
+        </p:txBody>
+      </p:sp>
+      <p:sp>
+        <p:nvSpPr>
+          <p:cNvPr id="4" name="Slide Number Placeholder 3"/>
+          <p:cNvSpPr>
+            <a:spLocks noGrp="1"/>
+          </p:cNvSpPr>
+          <p:nvPr>
+            <p:ph type="sldNum" sz="quarter" idx="4"/>
+          </p:nvPr>
+        </p:nvSpPr>
+        <p:spPr>
+          <a:prstGeom prst="rect">
+            <a:avLst/>
+          </a:prstGeom>
+        </p:spPr>
+        <p:txBody>
+          <a:bodyPr/>
+          <a:lstStyle/>
+          <a:p>
+            <a:fld id="{A51ECD0F-213E-4DC8-8B09-BB3C23AD1406}" type="slidenum">
+              <a:rPr lang="en-US" altLang="ja-JP"/>
+              <a:pPr/>
+              <a:t>26</a:t>
+            </a:fld>
+            <a:endParaRPr lang="en-US" altLang="ja-JP"/>
+          </a:p>
+        </p:txBody>
+      </p:sp>
+      <p:sp>
+        <p:nvSpPr>
+          <p:cNvPr id="31746" name="Rectangle 2"/>
+          <p:cNvSpPr>
+            <a:spLocks noGrp="1" noChangeArrowheads="1"/>
+          </p:cNvSpPr>
+          <p:nvPr>
+            <p:ph sz="quarter" idx="10"/>
+          </p:nvPr>
+        </p:nvSpPr>
+        <p:spPr>
+          <a:ln/>
+        </p:spPr>
+        <p:txBody>
+          <a:bodyPr/>
+          <a:lstStyle/>
+          <a:p>
+            <a:pPr>
+              <a:tabLst>
+                <a:tab pos="1304925" algn="l"/>
+                <a:tab pos="2346325" algn="l"/>
+              </a:tabLst>
+            </a:pPr>
+            <a:r>
+              <a:rPr lang="ja-JP" altLang="en-US" dirty="0"/>
+              <a:t>どの素性が精度に寄与しているのか</a:t>
+            </a:r>
+            <a:r>
+              <a:rPr lang="ja-JP" altLang="en-US" dirty="0" smtClean="0"/>
+              <a:t>調べたい</a:t>
+            </a:r>
+            <a:r>
+              <a:rPr lang="en-US" altLang="ja-JP" dirty="0" smtClean="0"/>
+              <a:t>…</a:t>
+            </a:r>
+            <a:endParaRPr lang="ja-JP" altLang="en-US" dirty="0"/>
+          </a:p>
+          <a:p>
+            <a:pPr marL="525463" lvl="2">
+              <a:tabLst>
+                <a:tab pos="1304925" algn="l"/>
+                <a:tab pos="2346325" algn="l"/>
+              </a:tabLst>
+            </a:pPr>
+            <a:r>
+              <a:rPr lang="en-US" altLang="ja-JP" sz="2400" dirty="0" smtClean="0"/>
+              <a:t>print </a:t>
+            </a:r>
+            <a:r>
+              <a:rPr lang="en-US" altLang="ja-JP" sz="2400" dirty="0" err="1" smtClean="0"/>
+              <a:t>nltk.MaxentClassifier.show_most_informative_features</a:t>
+            </a:r>
+            <a:r>
+              <a:rPr lang="en-US" altLang="ja-JP" sz="2400" dirty="0" smtClean="0"/>
+              <a:t>(n </a:t>
+            </a:r>
+            <a:r>
+              <a:rPr lang="en-US" altLang="ja-JP" sz="2400" dirty="0"/>
+              <a:t>= 10</a:t>
+            </a:r>
+            <a:r>
+              <a:rPr lang="en-US" altLang="ja-JP" sz="2400" dirty="0" smtClean="0"/>
+              <a:t>)</a:t>
+            </a:r>
+          </a:p>
+          <a:p>
+            <a:pPr marL="842963" lvl="1">
+              <a:tabLst>
+                <a:tab pos="1304925" algn="l"/>
+                <a:tab pos="2346325" algn="l"/>
+              </a:tabLst>
+            </a:pPr>
+            <a:r>
+              <a:rPr lang="ja-JP" altLang="en-US" dirty="0" smtClean="0"/>
+              <a:t>上位</a:t>
+            </a:r>
+            <a:r>
+              <a:rPr lang="en-US" altLang="ja-JP" dirty="0"/>
+              <a:t>10</a:t>
+            </a:r>
+            <a:r>
+              <a:rPr lang="ja-JP" altLang="en-US" dirty="0"/>
+              <a:t>個の素性とそのラベルが表示</a:t>
+            </a:r>
+            <a:r>
+              <a:rPr lang="ja-JP" altLang="en-US" dirty="0" smtClean="0"/>
+              <a:t>される</a:t>
+            </a:r>
+            <a:endParaRPr lang="en-US" altLang="ja-JP" dirty="0" smtClean="0"/>
+          </a:p>
+          <a:p>
+            <a:pPr marL="225425">
+              <a:tabLst>
+                <a:tab pos="1304925" algn="l"/>
+                <a:tab pos="2346325" algn="l"/>
+              </a:tabLst>
+            </a:pPr>
+            <a:r>
+              <a:rPr lang="ja-JP" altLang="en-US" dirty="0" smtClean="0"/>
+              <a:t>シンプルな素性では正しい文の特徴を捉えられないときがある</a:t>
+            </a:r>
+            <a:endParaRPr lang="en-US" altLang="ja-JP" dirty="0" smtClean="0"/>
+          </a:p>
+          <a:p>
+            <a:pPr marL="848225" lvl="1">
+              <a:tabLst>
+                <a:tab pos="1304925" algn="l"/>
+                <a:tab pos="2346325" algn="l"/>
+              </a:tabLst>
+            </a:pPr>
+            <a:r>
+              <a:rPr lang="ja-JP" altLang="en-US" dirty="0" smtClean="0"/>
+              <a:t>誤り事例や，元のコーパスをもう一度眺めてみる</a:t>
+            </a:r>
+            <a:r>
+              <a:rPr lang="en-US" altLang="ja-JP" dirty="0" smtClean="0"/>
+              <a:t>…</a:t>
+            </a:r>
+            <a:r>
+              <a:rPr lang="ja-JP" altLang="en-US" dirty="0" smtClean="0"/>
+              <a:t>そして考える</a:t>
+            </a:r>
+            <a:endParaRPr lang="en-US" altLang="ja-JP" dirty="0"/>
+          </a:p>
+          <a:p>
+            <a:pPr marL="848225" lvl="1">
+              <a:tabLst>
+                <a:tab pos="1304925" algn="l"/>
+                <a:tab pos="2346325" algn="l"/>
+              </a:tabLst>
+            </a:pPr>
+            <a:r>
+              <a:rPr lang="ja-JP" altLang="en-US" dirty="0"/>
+              <a:t>誤り</a:t>
+            </a:r>
+            <a:r>
+              <a:rPr lang="ja-JP" altLang="en-US" dirty="0" smtClean="0"/>
+              <a:t>の傾向を素性に取り込む必要があるのだろうか</a:t>
+            </a:r>
+            <a:endParaRPr lang="en-US" altLang="ja-JP" dirty="0" smtClean="0"/>
+          </a:p>
+          <a:p>
+            <a:pPr marL="848225" lvl="1">
+              <a:tabLst>
+                <a:tab pos="1304925" algn="l"/>
+                <a:tab pos="2346325" algn="l"/>
+              </a:tabLst>
+            </a:pPr>
+            <a:r>
+              <a:rPr lang="ja-JP" altLang="en-US" dirty="0" smtClean="0"/>
+              <a:t>単語の活用形ではなく，原形を入れてみてはどうだろうか</a:t>
+            </a:r>
+            <a:endParaRPr lang="en-US" altLang="ja-JP" dirty="0" smtClean="0"/>
+          </a:p>
+          <a:p>
+            <a:pPr marL="848225" lvl="1">
+              <a:tabLst>
+                <a:tab pos="1304925" algn="l"/>
+                <a:tab pos="2346325" algn="l"/>
+              </a:tabLst>
+            </a:pPr>
+            <a:r>
+              <a:rPr lang="ja-JP" altLang="en-US" dirty="0" smtClean="0"/>
+              <a:t>より広い範囲の構文的な情報を取り込むとどうなるだろうか</a:t>
+            </a:r>
+            <a:endParaRPr lang="en-US" altLang="ja-JP" dirty="0" smtClean="0"/>
+          </a:p>
+        </p:txBody>
+      </p:sp>
+    </p:spTree>
+  </p:cSld>
+  <p:clrMapOvr>
+    <a:masterClrMapping/>
+  </p:clrMapOvr>
+  <p:transition/>
+  <p:timing>
+    <p:tnLst>
+      <p:par>
+        <p:cTn id="1" dur="indefinite" restart="never" nodeType="tmRoot"/>
+      </p:par>
+    </p:tnLst>
+  </p:timing>
+</p:sld>
+</file>
+
+<file path=ppt/slides/slide27.xml><?xml version="1.0" encoding="utf-8"?>
+<p:sld xmlns:a="http://schemas.openxmlformats.org/drawingml/2006/main" xmlns:r="http://schemas.openxmlformats.org/officeDocument/2006/relationships" xmlns:p="http://schemas.openxmlformats.org/presentationml/2006/main">
+  <p:cSld>
+    <p:spTree>
+      <p:nvGrpSpPr>
+        <p:cNvPr id="1" name=""/>
+        <p:cNvGrpSpPr/>
+        <p:nvPr/>
+      </p:nvGrpSpPr>
+      <p:grpSpPr>
+        <a:xfrm>
+          <a:off x="0" y="0"/>
+          <a:ext cx="0" cy="0"/>
+          <a:chOff x="0" y="0"/>
+          <a:chExt cx="0" cy="0"/>
+        </a:xfrm>
+      </p:grpSpPr>
+      <p:sp>
+        <p:nvSpPr>
+          <p:cNvPr id="2" name="Title 1"/>
           <p:cNvSpPr>
             <a:spLocks noGrp="1"/>
           </p:cNvSpPr>
@@ -4847,13 +7302,17 @@
           <a:bodyPr/>
           <a:lstStyle/>
           <a:p>
+            <a:r>
+              <a:rPr kumimoji="1" lang="ja-JP" altLang="en-US" dirty="0" smtClean="0"/>
+              <a:t>おわり</a:t>
+            </a:r>
             <a:endParaRPr kumimoji="1" lang="ja-JP" altLang="en-US" dirty="0"/>
           </a:p>
         </p:txBody>
       </p:sp>
       <p:sp>
         <p:nvSpPr>
-          <p:cNvPr id="5" name="Text Placeholder 4"/>
+          <p:cNvPr id="3" name="Text Placeholder 2"/>
           <p:cNvSpPr>
             <a:spLocks noGrp="1"/>
           </p:cNvSpPr>
@@ -4866,7 +7325,7 @@
           <a:bodyPr/>
           <a:lstStyle/>
           <a:p>
-            <a:endParaRPr kumimoji="1" lang="ja-JP" altLang="en-US"/>
+            <a:endParaRPr kumimoji="1" lang="ja-JP" altLang="en-US" dirty="0"/>
           </a:p>
         </p:txBody>
       </p:sp>
@@ -5560,6 +8019,360 @@
       </p:grpSpPr>
       <p:sp>
         <p:nvSpPr>
+          <p:cNvPr id="15361" name="Rectangle 1"/>
+          <p:cNvSpPr>
+            <a:spLocks noGrp="1" noChangeArrowheads="1"/>
+          </p:cNvSpPr>
+          <p:nvPr>
+            <p:ph type="title"/>
+          </p:nvPr>
+        </p:nvSpPr>
+        <p:spPr/>
+        <p:txBody>
+          <a:bodyPr/>
+          <a:lstStyle/>
+          <a:p>
+            <a:r>
+              <a:rPr lang="en-US" altLang="ja-JP" smtClean="0"/>
+              <a:t>Cambridge Learner Corpus (CLC)</a:t>
+            </a:r>
+            <a:endParaRPr lang="en-US" altLang="ja-JP" dirty="0"/>
+          </a:p>
+        </p:txBody>
+      </p:sp>
+      <p:sp>
+        <p:nvSpPr>
+          <p:cNvPr id="15362" name="Rectangle 2"/>
+          <p:cNvSpPr>
+            <a:spLocks noGrp="1" noChangeArrowheads="1"/>
+          </p:cNvSpPr>
+          <p:nvPr>
+            <p:ph sz="quarter" idx="10"/>
+          </p:nvPr>
+        </p:nvSpPr>
+        <p:spPr/>
+        <p:txBody>
+          <a:bodyPr/>
+          <a:lstStyle/>
+          <a:p>
+            <a:r>
+              <a:rPr lang="en-US" altLang="ja-JP" smtClean="0"/>
+              <a:t>Cambridge ESOL</a:t>
+            </a:r>
+            <a:r>
+              <a:rPr lang="ja-JP" altLang="en-US" smtClean="0"/>
+              <a:t>が実施している英語試験の回答を集めたもの</a:t>
+            </a:r>
+            <a:endParaRPr lang="en-US" altLang="ja-JP" smtClean="0"/>
+          </a:p>
+          <a:p>
+            <a:pPr lvl="1"/>
+            <a:r>
+              <a:rPr lang="nl-NL" altLang="ja-JP" smtClean="0"/>
+              <a:t>http://www.cambridgeesol.org/japan/</a:t>
+            </a:r>
+          </a:p>
+          <a:p>
+            <a:pPr lvl="1"/>
+            <a:r>
+              <a:rPr lang="en-US" altLang="ja-JP" smtClean="0"/>
+              <a:t>135,000</a:t>
+            </a:r>
+            <a:r>
+              <a:rPr lang="ja-JP" altLang="en-US" smtClean="0"/>
+              <a:t>人の学習者</a:t>
+            </a:r>
+            <a:endParaRPr lang="en-US" altLang="ja-JP" smtClean="0"/>
+          </a:p>
+          <a:p>
+            <a:pPr lvl="1"/>
+            <a:r>
+              <a:rPr lang="ja-JP" altLang="en-US" smtClean="0"/>
+              <a:t>世界</a:t>
+            </a:r>
+            <a:r>
+              <a:rPr lang="en-US" altLang="ja-JP" smtClean="0"/>
+              <a:t>190</a:t>
+            </a:r>
+            <a:r>
+              <a:rPr lang="ja-JP" altLang="en-US" smtClean="0"/>
+              <a:t>カ国、</a:t>
+            </a:r>
+            <a:r>
+              <a:rPr lang="en-US" altLang="ja-JP" smtClean="0"/>
+              <a:t>130</a:t>
+            </a:r>
+            <a:r>
+              <a:rPr lang="ja-JP" altLang="en-US" smtClean="0"/>
+              <a:t>の異なる母語話者</a:t>
+            </a:r>
+            <a:endParaRPr lang="en-US" altLang="ja-JP" smtClean="0"/>
+          </a:p>
+          <a:p>
+            <a:pPr lvl="1"/>
+            <a:r>
+              <a:rPr lang="ja-JP" altLang="en-US" smtClean="0"/>
+              <a:t>一部のみ自由なアクセスが可能（他は</a:t>
+            </a:r>
+            <a:r>
+              <a:rPr lang="en-US" altLang="ja-JP" smtClean="0"/>
+              <a:t>Cambridge</a:t>
+            </a:r>
+            <a:r>
+              <a:rPr lang="ja-JP" altLang="en-US" smtClean="0"/>
+              <a:t>関係者のみ）</a:t>
+            </a:r>
+            <a:endParaRPr lang="en-US" altLang="ja-JP" dirty="0"/>
+          </a:p>
+        </p:txBody>
+      </p:sp>
+      <p:pic>
+        <p:nvPicPr>
+          <p:cNvPr id="2" name="図 1"/>
+          <p:cNvPicPr>
+            <a:picLocks noChangeAspect="1"/>
+          </p:cNvPicPr>
+          <p:nvPr/>
+        </p:nvPicPr>
+        <p:blipFill>
+          <a:blip r:embed="rId2"/>
+          <a:stretch>
+            <a:fillRect/>
+          </a:stretch>
+        </p:blipFill>
+        <p:spPr>
+          <a:xfrm>
+            <a:off x="7438504" y="7829128"/>
+            <a:ext cx="4502448" cy="931798"/>
+          </a:xfrm>
+          <a:prstGeom prst="rect">
+            <a:avLst/>
+          </a:prstGeom>
+        </p:spPr>
+      </p:pic>
+    </p:spTree>
+    <p:extLst>
+      <p:ext uri="{BB962C8B-B14F-4D97-AF65-F5344CB8AC3E}">
+        <p14:creationId xmlns:p14="http://schemas.microsoft.com/office/powerpoint/2010/main" val="3779945729"/>
+      </p:ext>
+    </p:extLst>
+  </p:cSld>
+  <p:clrMapOvr>
+    <a:masterClrMapping/>
+  </p:clrMapOvr>
+  <p:transition/>
+  <p:timing>
+    <p:tnLst>
+      <p:par>
+        <p:cTn id="1" dur="indefinite" restart="never" nodeType="tmRoot"/>
+      </p:par>
+    </p:tnLst>
+  </p:timing>
+</p:sld>
+</file>
+
+<file path=ppt/slides/slide7.xml><?xml version="1.0" encoding="utf-8"?>
+<p:sld xmlns:a="http://schemas.openxmlformats.org/drawingml/2006/main" xmlns:r="http://schemas.openxmlformats.org/officeDocument/2006/relationships" xmlns:p="http://schemas.openxmlformats.org/presentationml/2006/main">
+  <p:cSld>
+    <p:spTree>
+      <p:nvGrpSpPr>
+        <p:cNvPr id="1" name=""/>
+        <p:cNvGrpSpPr/>
+        <p:nvPr/>
+      </p:nvGrpSpPr>
+      <p:grpSpPr>
+        <a:xfrm>
+          <a:off x="0" y="0"/>
+          <a:ext cx="0" cy="0"/>
+          <a:chOff x="0" y="0"/>
+          <a:chExt cx="0" cy="0"/>
+        </a:xfrm>
+      </p:grpSpPr>
+      <p:sp>
+        <p:nvSpPr>
+          <p:cNvPr id="16385" name="Rectangle 1"/>
+          <p:cNvSpPr>
+            <a:spLocks noGrp="1" noChangeArrowheads="1"/>
+          </p:cNvSpPr>
+          <p:nvPr>
+            <p:ph type="title"/>
+          </p:nvPr>
+        </p:nvSpPr>
+        <p:spPr>
+          <a:ln/>
+        </p:spPr>
+        <p:txBody>
+          <a:bodyPr/>
+          <a:lstStyle/>
+          <a:p>
+            <a:r>
+              <a:rPr lang="en-US" altLang="ja-JP" dirty="0" smtClean="0"/>
+              <a:t>CLC</a:t>
+            </a:r>
+            <a:r>
+              <a:rPr lang="ja-JP" altLang="en-US" dirty="0" smtClean="0"/>
+              <a:t>のファイルを見てみよう</a:t>
+            </a:r>
+            <a:endParaRPr lang="ja-JP" altLang="en-US" dirty="0"/>
+          </a:p>
+        </p:txBody>
+      </p:sp>
+      <p:sp>
+        <p:nvSpPr>
+          <p:cNvPr id="4" name="Slide Number Placeholder 3"/>
+          <p:cNvSpPr>
+            <a:spLocks noGrp="1"/>
+          </p:cNvSpPr>
+          <p:nvPr>
+            <p:ph type="sldNum" sz="quarter" idx="4"/>
+          </p:nvPr>
+        </p:nvSpPr>
+        <p:spPr>
+          <a:prstGeom prst="rect">
+            <a:avLst/>
+          </a:prstGeom>
+        </p:spPr>
+        <p:txBody>
+          <a:bodyPr/>
+          <a:lstStyle/>
+          <a:p>
+            <a:fld id="{9072F37F-0858-4410-B78C-0378AE9149C3}" type="slidenum">
+              <a:rPr lang="en-US" altLang="ja-JP"/>
+              <a:pPr/>
+              <a:t>7</a:t>
+            </a:fld>
+            <a:endParaRPr lang="en-US" altLang="ja-JP"/>
+          </a:p>
+        </p:txBody>
+      </p:sp>
+      <p:sp>
+        <p:nvSpPr>
+          <p:cNvPr id="9" name="Rectangle 2"/>
+          <p:cNvSpPr>
+            <a:spLocks noGrp="1" noChangeArrowheads="1"/>
+          </p:cNvSpPr>
+          <p:nvPr>
+            <p:ph sz="quarter" idx="10"/>
+          </p:nvPr>
+        </p:nvSpPr>
+        <p:spPr/>
+        <p:txBody>
+          <a:bodyPr/>
+          <a:lstStyle/>
+          <a:p>
+            <a:r>
+              <a:rPr lang="ja-JP" altLang="en-US" dirty="0" smtClean="0"/>
+              <a:t>人手で作成された</a:t>
+            </a:r>
+            <a:r>
+              <a:rPr lang="en-US" altLang="ja-JP" dirty="0" smtClean="0"/>
+              <a:t>xml</a:t>
+            </a:r>
+            <a:r>
+              <a:rPr lang="ja-JP" altLang="en-US" dirty="0" smtClean="0"/>
+              <a:t>ファイル</a:t>
+            </a:r>
+            <a:endParaRPr lang="en-US" altLang="ja-JP" dirty="0" smtClean="0"/>
+          </a:p>
+          <a:p>
+            <a:r>
+              <a:rPr lang="en-US" altLang="ja-JP" dirty="0" smtClean="0"/>
+              <a:t>80</a:t>
+            </a:r>
+            <a:r>
+              <a:rPr lang="ja-JP" altLang="en-US" dirty="0" smtClean="0"/>
+              <a:t>種類のエラータグ</a:t>
+            </a:r>
+            <a:r>
+              <a:rPr lang="en-US" altLang="ja-JP" dirty="0" smtClean="0"/>
+              <a:t>(</a:t>
+            </a:r>
+            <a:r>
+              <a:rPr lang="ja-JP" altLang="en-US" dirty="0" smtClean="0"/>
+              <a:t>例</a:t>
+            </a:r>
+            <a:r>
+              <a:rPr lang="en-US" altLang="ja-JP" dirty="0" smtClean="0"/>
+              <a:t>: NS type=“RT”→ </a:t>
+            </a:r>
+            <a:r>
+              <a:rPr lang="ja-JP" altLang="en-US" dirty="0" smtClean="0"/>
+              <a:t>前置詞置換のエラー</a:t>
+            </a:r>
+            <a:r>
+              <a:rPr lang="en-US" altLang="ja-JP" dirty="0" smtClean="0"/>
+              <a:t>)</a:t>
+            </a:r>
+          </a:p>
+          <a:p>
+            <a:endParaRPr lang="en-US" altLang="ja-JP" dirty="0" smtClean="0"/>
+          </a:p>
+        </p:txBody>
+      </p:sp>
+      <p:pic>
+        <p:nvPicPr>
+          <p:cNvPr id="6" name="図 5"/>
+          <p:cNvPicPr>
+            <a:picLocks noChangeAspect="1"/>
+          </p:cNvPicPr>
+          <p:nvPr/>
+        </p:nvPicPr>
+        <p:blipFill>
+          <a:blip r:embed="rId2"/>
+          <a:stretch>
+            <a:fillRect/>
+          </a:stretch>
+        </p:blipFill>
+        <p:spPr>
+          <a:xfrm>
+            <a:off x="0" y="4088704"/>
+            <a:ext cx="13004800" cy="5655795"/>
+          </a:xfrm>
+          <a:prstGeom prst="rect">
+            <a:avLst/>
+          </a:prstGeom>
+        </p:spPr>
+      </p:pic>
+    </p:spTree>
+    <p:extLst>
+      <p:ext uri="{BB962C8B-B14F-4D97-AF65-F5344CB8AC3E}">
+        <p14:creationId xmlns:p14="http://schemas.microsoft.com/office/powerpoint/2010/main" val="2164740713"/>
+      </p:ext>
+    </p:extLst>
+  </p:cSld>
+  <p:clrMapOvr>
+    <a:masterClrMapping/>
+  </p:clrMapOvr>
+  <p:transition/>
+  <p:timing>
+    <p:tnLst>
+      <p:par>
+        <p:cTn id="1" dur="indefinite" restart="never" nodeType="tmRoot"/>
+      </p:par>
+    </p:tnLst>
+  </p:timing>
+</p:sld>
+</file>
+
+<file path=ppt/slides/slide8.xml><?xml version="1.0" encoding="utf-8"?>
+<p:sld xmlns:a="http://schemas.openxmlformats.org/drawingml/2006/main" xmlns:r="http://schemas.openxmlformats.org/officeDocument/2006/relationships" xmlns:p="http://schemas.openxmlformats.org/presentationml/2006/main">
+  <p:cSld>
+    <p:spTree>
+      <p:nvGrpSpPr>
+        <p:cNvPr id="1" name=""/>
+        <p:cNvGrpSpPr/>
+        <p:nvPr/>
+      </p:nvGrpSpPr>
+      <p:grpSpPr>
+        <a:xfrm>
+          <a:off x="0" y="0"/>
+          <a:ext cx="0" cy="0"/>
+          <a:chOff x="0" y="0"/>
+          <a:chExt cx="0" cy="0"/>
+        </a:xfrm>
+      </p:grpSpPr>
+      <p:sp>
+        <p:nvSpPr>
           <p:cNvPr id="18433" name="Rectangle 1"/>
           <p:cNvSpPr>
             <a:spLocks noGrp="1" noChangeArrowheads="1"/>
@@ -5599,7 +8412,7 @@
             <a:fld id="{454F6648-BBE0-4562-A19D-9C00ED809A7A}" type="slidenum">
               <a:rPr lang="en-US" altLang="ja-JP" smtClean="0"/>
               <a:pPr/>
-              <a:t>6</a:t>
+              <a:t>8</a:t>
             </a:fld>
             <a:endParaRPr lang="en-US" altLang="ja-JP"/>
           </a:p>
@@ -5626,11 +8439,11 @@
             </a:r>
             <a:r>
               <a:rPr lang="ja-JP" altLang="en-US" dirty="0" smtClean="0"/>
-              <a:t>コーパス</a:t>
-            </a:r>
-            <a:r>
-              <a:rPr lang="en-US" altLang="ja-JP" dirty="0" smtClean="0"/>
-              <a:t>(./</a:t>
+              <a:t>コーパス（を下ごしらえしたもの：</a:t>
+            </a:r>
+            <a:r>
+              <a:rPr lang="en-US" altLang="ja-JP" dirty="0" smtClean="0"/>
+              <a:t>./</a:t>
             </a:r>
             <a:r>
               <a:rPr lang="en-US" altLang="ja-JP" dirty="0" err="1" smtClean="0"/>
@@ -5781,7 +8594,7 @@
 </p:sld>
 </file>
 
-<file path=ppt/slides/slide7.xml><?xml version="1.0" encoding="utf-8"?>
+<file path=ppt/slides/slide9.xml><?xml version="1.0" encoding="utf-8"?>
 <p:sld xmlns:a="http://schemas.openxmlformats.org/drawingml/2006/main" xmlns:r="http://schemas.openxmlformats.org/officeDocument/2006/relationships" xmlns:p="http://schemas.openxmlformats.org/presentationml/2006/main">
   <p:cSld>
     <p:spTree>
@@ -5901,646 +8714,6 @@
             <a:r>
               <a:rPr lang="ja-JP" altLang="en-US" smtClean="0"/>
               <a:t>＼ﾅﾝﾃｺｯﾀｲ</a:t>
-            </a:r>
-            <a:endParaRPr lang="ja-JP" altLang="en-US" dirty="0"/>
-          </a:p>
-        </p:txBody>
-      </p:sp>
-    </p:spTree>
-  </p:cSld>
-  <p:clrMapOvr>
-    <a:masterClrMapping/>
-  </p:clrMapOvr>
-  <p:transition/>
-  <p:timing>
-    <p:tnLst>
-      <p:par>
-        <p:cTn id="1" dur="indefinite" restart="never" nodeType="tmRoot"/>
-      </p:par>
-    </p:tnLst>
-  </p:timing>
-</p:sld>
-</file>
-
-<file path=ppt/slides/slide8.xml><?xml version="1.0" encoding="utf-8"?>
-<p:sld xmlns:a="http://schemas.openxmlformats.org/drawingml/2006/main" xmlns:r="http://schemas.openxmlformats.org/officeDocument/2006/relationships" xmlns:p="http://schemas.openxmlformats.org/presentationml/2006/main">
-  <p:cSld>
-    <p:spTree>
-      <p:nvGrpSpPr>
-        <p:cNvPr id="1" name=""/>
-        <p:cNvGrpSpPr/>
-        <p:nvPr/>
-      </p:nvGrpSpPr>
-      <p:grpSpPr>
-        <a:xfrm>
-          <a:off x="0" y="0"/>
-          <a:ext cx="0" cy="0"/>
-          <a:chOff x="0" y="0"/>
-          <a:chExt cx="0" cy="0"/>
-        </a:xfrm>
-      </p:grpSpPr>
-      <p:sp>
-        <p:nvSpPr>
-          <p:cNvPr id="20481" name="Rectangle 1"/>
-          <p:cNvSpPr>
-            <a:spLocks noGrp="1" noChangeArrowheads="1"/>
-          </p:cNvSpPr>
-          <p:nvPr>
-            <p:ph type="title"/>
-          </p:nvPr>
-        </p:nvSpPr>
-        <p:spPr>
-          <a:ln/>
-        </p:spPr>
-        <p:txBody>
-          <a:bodyPr/>
-          <a:lstStyle/>
-          <a:p>
-            <a:r>
-              <a:rPr lang="en-US" altLang="ja-JP" dirty="0"/>
-              <a:t>…</a:t>
-            </a:r>
-            <a:r>
-              <a:rPr lang="ja-JP" altLang="en-US" dirty="0"/>
-              <a:t>前処理はこちらでやります</a:t>
-            </a:r>
-          </a:p>
-        </p:txBody>
-      </p:sp>
-      <p:sp>
-        <p:nvSpPr>
-          <p:cNvPr id="4" name="Slide Number Placeholder 3"/>
-          <p:cNvSpPr>
-            <a:spLocks noGrp="1"/>
-          </p:cNvSpPr>
-          <p:nvPr>
-            <p:ph type="sldNum" sz="quarter" idx="4"/>
-          </p:nvPr>
-        </p:nvSpPr>
-        <p:spPr>
-          <a:prstGeom prst="rect">
-            <a:avLst/>
-          </a:prstGeom>
-        </p:spPr>
-        <p:txBody>
-          <a:bodyPr/>
-          <a:lstStyle/>
-          <a:p>
-            <a:fld id="{615D371A-56AF-4C11-88E3-9BEE827EAB19}" type="slidenum">
-              <a:rPr lang="en-US" altLang="ja-JP"/>
-              <a:pPr/>
-              <a:t>8</a:t>
-            </a:fld>
-            <a:endParaRPr lang="en-US" altLang="ja-JP"/>
-          </a:p>
-        </p:txBody>
-      </p:sp>
-      <p:sp>
-        <p:nvSpPr>
-          <p:cNvPr id="20482" name="Rectangle 2"/>
-          <p:cNvSpPr>
-            <a:spLocks noGrp="1" noChangeArrowheads="1"/>
-          </p:cNvSpPr>
-          <p:nvPr>
-            <p:ph sz="quarter" idx="10"/>
-          </p:nvPr>
-        </p:nvSpPr>
-        <p:spPr>
-          <a:ln/>
-        </p:spPr>
-        <p:txBody>
-          <a:bodyPr/>
-          <a:lstStyle/>
-          <a:p>
-            <a:pPr marL="525463" lvl="2">
-              <a:tabLst>
-                <a:tab pos="1304925" algn="l"/>
-                <a:tab pos="2346325" algn="l"/>
-              </a:tabLst>
-            </a:pPr>
-            <a:r>
-              <a:rPr lang="en-US" altLang="ja-JP" sz="2500" dirty="0"/>
-              <a:t>$python ./preprocessor.py </a:t>
-            </a:r>
-          </a:p>
-          <a:p>
-            <a:pPr>
-              <a:spcBef>
-                <a:spcPts val="2150"/>
-              </a:spcBef>
-              <a:tabLst>
-                <a:tab pos="1304925" algn="l"/>
-                <a:tab pos="2346325" algn="l"/>
-              </a:tabLst>
-            </a:pPr>
-            <a:r>
-              <a:rPr lang="en-US" altLang="ja-JP" sz="2800" dirty="0">
-                <a:latin typeface="Helvetica"/>
-              </a:rPr>
-              <a:t>”</a:t>
-            </a:r>
-            <a:r>
-              <a:rPr lang="en-US" altLang="ja-JP" sz="2800" dirty="0" err="1"/>
-              <a:t>packedcorpus.pkl</a:t>
-            </a:r>
-            <a:r>
-              <a:rPr lang="en-US" altLang="ja-JP" sz="2800" dirty="0">
-                <a:latin typeface="Helvetica"/>
-              </a:rPr>
-              <a:t>”</a:t>
-            </a:r>
-            <a:r>
-              <a:rPr lang="en-US" altLang="ja-JP" sz="2800" dirty="0"/>
-              <a:t> </a:t>
-            </a:r>
-            <a:r>
-              <a:rPr lang="ja-JP" altLang="en-US" sz="2800" dirty="0"/>
-              <a:t>が出力されます</a:t>
-            </a:r>
-            <a:r>
-              <a:rPr lang="en-US" altLang="ja-JP" sz="2800" dirty="0"/>
-              <a:t>.</a:t>
-            </a:r>
-          </a:p>
-          <a:p>
-            <a:pPr marL="842963" lvl="1">
-              <a:spcBef>
-                <a:spcPts val="2150"/>
-              </a:spcBef>
-              <a:tabLst>
-                <a:tab pos="1304925" algn="l"/>
-                <a:tab pos="2346325" algn="l"/>
-              </a:tabLst>
-            </a:pPr>
-            <a:r>
-              <a:rPr lang="ja-JP" altLang="en-US" sz="2800" dirty="0"/>
-              <a:t>今回はコーパスが小さく処理も簡潔なため </a:t>
-            </a:r>
-            <a:r>
-              <a:rPr lang="en-US" altLang="ja-JP" sz="2800" dirty="0"/>
-              <a:t>Python</a:t>
-            </a:r>
-            <a:r>
-              <a:rPr lang="ja-JP" altLang="en-US" sz="2800" dirty="0"/>
-              <a:t>の</a:t>
-            </a:r>
-            <a:r>
-              <a:rPr lang="en-US" altLang="ja-JP" sz="2800" dirty="0"/>
-              <a:t>pickle</a:t>
-            </a:r>
-            <a:r>
-              <a:rPr lang="ja-JP" altLang="en-US" sz="2800" dirty="0"/>
-              <a:t>モジュールを使いました</a:t>
-            </a:r>
-            <a:r>
-              <a:rPr lang="en-US" altLang="ja-JP" sz="2800" dirty="0"/>
-              <a:t>.</a:t>
-            </a:r>
-          </a:p>
-          <a:p>
-            <a:pPr>
-              <a:spcBef>
-                <a:spcPts val="2150"/>
-              </a:spcBef>
-              <a:tabLst>
-                <a:tab pos="1304925" algn="l"/>
-                <a:tab pos="2346325" algn="l"/>
-              </a:tabLst>
-            </a:pPr>
-            <a:r>
-              <a:rPr lang="ja-JP" altLang="en-US" sz="2800" dirty="0"/>
-              <a:t>ところで</a:t>
-            </a:r>
-            <a:r>
-              <a:rPr lang="en-US" altLang="ja-JP" sz="2800" dirty="0"/>
-              <a:t>...</a:t>
-            </a:r>
-          </a:p>
-          <a:p>
-            <a:pPr marL="842963" lvl="1">
-              <a:spcBef>
-                <a:spcPts val="2150"/>
-              </a:spcBef>
-              <a:tabLst>
-                <a:tab pos="1304925" algn="l"/>
-                <a:tab pos="2346325" algn="l"/>
-              </a:tabLst>
-            </a:pPr>
-            <a:r>
-              <a:rPr lang="ja-JP" altLang="en-US" sz="2800" dirty="0"/>
-              <a:t>これは実はほんとうの意味での下拵えではないのです</a:t>
-            </a:r>
-            <a:r>
-              <a:rPr lang="en-US" altLang="ja-JP" sz="2800" dirty="0"/>
-              <a:t>...</a:t>
-            </a:r>
-          </a:p>
-          <a:p>
-            <a:pPr marL="842963" lvl="1">
-              <a:spcBef>
-                <a:spcPts val="1800"/>
-              </a:spcBef>
-              <a:tabLst>
-                <a:tab pos="1304925" algn="l"/>
-                <a:tab pos="2346325" algn="l"/>
-              </a:tabLst>
-            </a:pPr>
-            <a:r>
-              <a:rPr lang="ja-JP" altLang="en-US" sz="2800" dirty="0"/>
-              <a:t>コーパスの整備や前処理はとても大事な工程です</a:t>
-            </a:r>
-            <a:r>
-              <a:rPr lang="en-US" altLang="ja-JP" sz="2800" dirty="0"/>
-              <a:t>!!!!!!</a:t>
-            </a:r>
-          </a:p>
-          <a:p>
-            <a:pPr marL="842963" lvl="1">
-              <a:spcBef>
-                <a:spcPts val="1800"/>
-              </a:spcBef>
-              <a:tabLst>
-                <a:tab pos="1304925" algn="l"/>
-                <a:tab pos="2346325" algn="l"/>
-              </a:tabLst>
-            </a:pPr>
-            <a:r>
-              <a:rPr lang="ja-JP" altLang="en-US" sz="2800" dirty="0"/>
-              <a:t>ここで先輩方から色々なエピソードが語られます・・・</a:t>
-            </a:r>
-          </a:p>
-        </p:txBody>
-      </p:sp>
-    </p:spTree>
-  </p:cSld>
-  <p:clrMapOvr>
-    <a:masterClrMapping/>
-  </p:clrMapOvr>
-  <p:transition/>
-  <p:timing>
-    <p:tnLst>
-      <p:par>
-        <p:cTn id="1" dur="indefinite" restart="never" nodeType="tmRoot"/>
-      </p:par>
-    </p:tnLst>
-  </p:timing>
-</p:sld>
-</file>
-
-<file path=ppt/slides/slide9.xml><?xml version="1.0" encoding="utf-8"?>
-<p:sld xmlns:a="http://schemas.openxmlformats.org/drawingml/2006/main" xmlns:r="http://schemas.openxmlformats.org/officeDocument/2006/relationships" xmlns:p="http://schemas.openxmlformats.org/presentationml/2006/main">
-  <p:cSld>
-    <p:spTree>
-      <p:nvGrpSpPr>
-        <p:cNvPr id="1" name=""/>
-        <p:cNvGrpSpPr/>
-        <p:nvPr/>
-      </p:nvGrpSpPr>
-      <p:grpSpPr>
-        <a:xfrm>
-          <a:off x="0" y="0"/>
-          <a:ext cx="0" cy="0"/>
-          <a:chOff x="0" y="0"/>
-          <a:chExt cx="0" cy="0"/>
-        </a:xfrm>
-      </p:grpSpPr>
-      <p:sp>
-        <p:nvSpPr>
-          <p:cNvPr id="21505" name="Rectangle 1"/>
-          <p:cNvSpPr>
-            <a:spLocks noGrp="1" noChangeArrowheads="1"/>
-          </p:cNvSpPr>
-          <p:nvPr>
-            <p:ph type="title"/>
-          </p:nvPr>
-        </p:nvSpPr>
-        <p:spPr>
-          <a:ln/>
-        </p:spPr>
-        <p:txBody>
-          <a:bodyPr/>
-          <a:lstStyle/>
-          <a:p>
-            <a:r>
-              <a:rPr lang="ja-JP" altLang="en-US" dirty="0"/>
-              <a:t>コーパス読み込み</a:t>
-            </a:r>
-          </a:p>
-        </p:txBody>
-      </p:sp>
-      <p:sp>
-        <p:nvSpPr>
-          <p:cNvPr id="4" name="Slide Number Placeholder 3"/>
-          <p:cNvSpPr>
-            <a:spLocks noGrp="1"/>
-          </p:cNvSpPr>
-          <p:nvPr>
-            <p:ph type="sldNum" sz="quarter" idx="4"/>
-          </p:nvPr>
-        </p:nvSpPr>
-        <p:spPr>
-          <a:prstGeom prst="rect">
-            <a:avLst/>
-          </a:prstGeom>
-        </p:spPr>
-        <p:txBody>
-          <a:bodyPr/>
-          <a:lstStyle/>
-          <a:p>
-            <a:fld id="{9EB7EA04-46B5-431A-9BD0-3CB2D3518C66}" type="slidenum">
-              <a:rPr lang="en-US" altLang="ja-JP"/>
-              <a:pPr/>
-              <a:t>9</a:t>
-            </a:fld>
-            <a:endParaRPr lang="en-US" altLang="ja-JP"/>
-          </a:p>
-        </p:txBody>
-      </p:sp>
-      <p:sp>
-        <p:nvSpPr>
-          <p:cNvPr id="21506" name="Rectangle 2"/>
-          <p:cNvSpPr>
-            <a:spLocks noGrp="1" noChangeArrowheads="1"/>
-          </p:cNvSpPr>
-          <p:nvPr>
-            <p:ph sz="quarter" idx="10"/>
-          </p:nvPr>
-        </p:nvSpPr>
-        <p:spPr>
-          <a:ln/>
-        </p:spPr>
-        <p:txBody>
-          <a:bodyPr/>
-          <a:lstStyle/>
-          <a:p>
-            <a:pPr>
-              <a:tabLst>
-                <a:tab pos="1304925" algn="l"/>
-                <a:tab pos="2346325" algn="l"/>
-                <a:tab pos="1304925" algn="l"/>
-                <a:tab pos="2346325" algn="l"/>
-              </a:tabLst>
-            </a:pPr>
-            <a:r>
-              <a:rPr lang="ja-JP" altLang="en-US" dirty="0"/>
-              <a:t>シリアライズされた</a:t>
-            </a:r>
-            <a:r>
-              <a:rPr lang="en-US" altLang="ja-JP" dirty="0"/>
-              <a:t>Python object</a:t>
-            </a:r>
-            <a:r>
-              <a:rPr lang="ja-JP" altLang="en-US" dirty="0"/>
-              <a:t>を読み込むには</a:t>
-            </a:r>
-            <a:r>
-              <a:rPr lang="en-US" altLang="ja-JP" dirty="0" smtClean="0">
-                <a:latin typeface="Helvetica"/>
-              </a:rPr>
-              <a:t>…</a:t>
-            </a:r>
-            <a:endParaRPr lang="en-US" altLang="ja-JP" dirty="0"/>
-          </a:p>
-          <a:p>
-            <a:pPr lvl="1">
-              <a:tabLst>
-                <a:tab pos="1304925" algn="l"/>
-                <a:tab pos="2346325" algn="l"/>
-                <a:tab pos="1304925" algn="l"/>
-                <a:tab pos="2346325" algn="l"/>
-              </a:tabLst>
-            </a:pPr>
-            <a:r>
-              <a:rPr lang="en-US" altLang="ja-JP" dirty="0" smtClean="0"/>
-              <a:t>Pickle </a:t>
-            </a:r>
-            <a:r>
-              <a:rPr lang="en-US" altLang="ja-JP" dirty="0"/>
-              <a:t>module</a:t>
-            </a:r>
-            <a:r>
-              <a:rPr lang="ja-JP" altLang="en-US" dirty="0"/>
-              <a:t>を</a:t>
-            </a:r>
-            <a:r>
-              <a:rPr lang="ja-JP" altLang="en-US" dirty="0" smtClean="0"/>
-              <a:t>使う</a:t>
-            </a:r>
-            <a:endParaRPr lang="en-US" altLang="ja-JP" dirty="0"/>
-          </a:p>
-          <a:p>
-            <a:pPr marL="525463" lvl="2">
-              <a:tabLst>
-                <a:tab pos="1304925" algn="l"/>
-                <a:tab pos="2346325" algn="l"/>
-                <a:tab pos="1304925" algn="l"/>
-                <a:tab pos="2346325" algn="l"/>
-              </a:tabLst>
-            </a:pPr>
-            <a:r>
-              <a:rPr lang="en-US" altLang="ja-JP" dirty="0"/>
-              <a:t>import </a:t>
-            </a:r>
-            <a:r>
-              <a:rPr lang="en-US" altLang="ja-JP" dirty="0" err="1"/>
-              <a:t>cPickle</a:t>
-            </a:r>
-            <a:r>
-              <a:rPr lang="en-US" altLang="ja-JP" dirty="0"/>
-              <a:t> as </a:t>
-            </a:r>
-            <a:r>
-              <a:rPr lang="en-US" altLang="ja-JP" dirty="0" smtClean="0"/>
-              <a:t>pickle</a:t>
-            </a:r>
-            <a:br>
-              <a:rPr lang="en-US" altLang="ja-JP" dirty="0" smtClean="0"/>
-            </a:br>
-            <a:r>
-              <a:rPr lang="en-US" altLang="ja-JP" dirty="0" smtClean="0"/>
-              <a:t>corpus </a:t>
-            </a:r>
-            <a:r>
-              <a:rPr lang="en-US" altLang="ja-JP" dirty="0"/>
-              <a:t>= </a:t>
-            </a:r>
-            <a:r>
-              <a:rPr lang="en-US" altLang="ja-JP" dirty="0" err="1"/>
-              <a:t>pickle.load</a:t>
-            </a:r>
-            <a:r>
-              <a:rPr lang="en-US" altLang="ja-JP" dirty="0"/>
-              <a:t>(</a:t>
-            </a:r>
-            <a:r>
-              <a:rPr lang="en-US" altLang="ja-JP" dirty="0">
-                <a:latin typeface="Helvetica"/>
-              </a:rPr>
-              <a:t>“</a:t>
-            </a:r>
-            <a:r>
-              <a:rPr lang="en-US" altLang="ja-JP" dirty="0" err="1"/>
-              <a:t>packedcorpus.pkl</a:t>
-            </a:r>
-            <a:r>
-              <a:rPr lang="en-US" altLang="ja-JP" dirty="0">
-                <a:latin typeface="Helvetica"/>
-              </a:rPr>
-              <a:t>”</a:t>
-            </a:r>
-            <a:r>
-              <a:rPr lang="en-US" altLang="ja-JP" dirty="0"/>
-              <a:t>, </a:t>
-            </a:r>
-            <a:r>
-              <a:rPr lang="en-US" altLang="ja-JP" dirty="0">
-                <a:latin typeface="Helvetica"/>
-              </a:rPr>
-              <a:t>“</a:t>
-            </a:r>
-            <a:r>
-              <a:rPr lang="en-US" altLang="ja-JP" dirty="0" err="1"/>
-              <a:t>rb</a:t>
-            </a:r>
-            <a:r>
-              <a:rPr lang="en-US" altLang="ja-JP" dirty="0">
-                <a:latin typeface="Helvetica"/>
-              </a:rPr>
-              <a:t>”</a:t>
-            </a:r>
-            <a:r>
-              <a:rPr lang="en-US" altLang="ja-JP" dirty="0"/>
-              <a:t>)</a:t>
-            </a:r>
-          </a:p>
-          <a:p>
-            <a:pPr marL="220163">
-              <a:tabLst>
-                <a:tab pos="1304925" algn="l"/>
-                <a:tab pos="2346325" algn="l"/>
-                <a:tab pos="1304925" algn="l"/>
-                <a:tab pos="2346325" algn="l"/>
-              </a:tabLst>
-            </a:pPr>
-            <a:r>
-              <a:rPr lang="ja-JP" altLang="en-US" dirty="0"/>
-              <a:t>一文に対応</a:t>
-            </a:r>
-            <a:r>
-              <a:rPr lang="ja-JP" altLang="en-US" dirty="0" smtClean="0"/>
-              <a:t>する</a:t>
-            </a:r>
-            <a:r>
-              <a:rPr lang="en-US" altLang="ja-JP" dirty="0" err="1" smtClean="0"/>
-              <a:t>dict</a:t>
-            </a:r>
-            <a:r>
-              <a:rPr lang="ja-JP" altLang="en-US" dirty="0" smtClean="0"/>
-              <a:t>が</a:t>
-            </a:r>
-            <a:r>
-              <a:rPr lang="en-US" altLang="ja-JP" dirty="0"/>
-              <a:t>1582</a:t>
-            </a:r>
-            <a:r>
-              <a:rPr lang="ja-JP" altLang="en-US" dirty="0"/>
-              <a:t>個入って</a:t>
-            </a:r>
-            <a:r>
-              <a:rPr lang="ja-JP" altLang="en-US" dirty="0" smtClean="0"/>
-              <a:t>いる</a:t>
-            </a:r>
-            <a:r>
-              <a:rPr lang="en-US" altLang="ja-JP" dirty="0" smtClean="0"/>
-              <a:t>list</a:t>
-            </a:r>
-          </a:p>
-          <a:p>
-            <a:pPr marL="842963" lvl="1">
-              <a:tabLst>
-                <a:tab pos="1304925" algn="l"/>
-                <a:tab pos="2346325" algn="l"/>
-                <a:tab pos="1304925" algn="l"/>
-                <a:tab pos="2346325" algn="l"/>
-              </a:tabLst>
-            </a:pPr>
-            <a:r>
-              <a:rPr lang="en-US" altLang="ja-JP" dirty="0" smtClean="0"/>
-              <a:t>key “</a:t>
-            </a:r>
-            <a:r>
-              <a:rPr lang="en-US" altLang="ja-JP" dirty="0" err="1" smtClean="0"/>
-              <a:t>training_words</a:t>
-            </a:r>
-            <a:r>
-              <a:rPr lang="en-US" altLang="ja-JP" dirty="0" smtClean="0"/>
-              <a:t>”, “</a:t>
-            </a:r>
-            <a:r>
-              <a:rPr lang="en-US" altLang="ja-JP" dirty="0" err="1" smtClean="0"/>
-              <a:t>test_words</a:t>
-            </a:r>
-            <a:r>
-              <a:rPr lang="en-US" altLang="ja-JP" dirty="0" smtClean="0"/>
-              <a:t>” </a:t>
-            </a:r>
-            <a:br>
-              <a:rPr lang="en-US" altLang="ja-JP" dirty="0" smtClean="0"/>
-            </a:br>
-            <a:r>
-              <a:rPr lang="en-US" altLang="ja-JP" dirty="0" smtClean="0"/>
-              <a:t>value = [“tokenized”, “sentence”, …]</a:t>
-            </a:r>
-          </a:p>
-          <a:p>
-            <a:pPr marL="842963" lvl="1">
-              <a:tabLst>
-                <a:tab pos="1304925" algn="l"/>
-                <a:tab pos="2346325" algn="l"/>
-                <a:tab pos="1304925" algn="l"/>
-                <a:tab pos="2346325" algn="l"/>
-              </a:tabLst>
-            </a:pPr>
-            <a:r>
-              <a:rPr lang="en-US" altLang="ja-JP" dirty="0" smtClean="0"/>
-              <a:t>key “</a:t>
-            </a:r>
-            <a:r>
-              <a:rPr lang="en-US" altLang="ja-JP" dirty="0" err="1" smtClean="0"/>
-              <a:t>correction_pair</a:t>
-            </a:r>
-            <a:r>
-              <a:rPr lang="en-US" altLang="ja-JP" dirty="0" smtClean="0"/>
-              <a:t>”, value = (“incorrect prep.”, “correct prep.”)</a:t>
-            </a:r>
-          </a:p>
-          <a:p>
-            <a:pPr marL="842963" lvl="1">
-              <a:tabLst>
-                <a:tab pos="1304925" algn="l"/>
-                <a:tab pos="2346325" algn="l"/>
-                <a:tab pos="1304925" algn="l"/>
-                <a:tab pos="2346325" algn="l"/>
-              </a:tabLst>
-            </a:pPr>
-            <a:r>
-              <a:rPr lang="en-US" altLang="ja-JP" dirty="0" smtClean="0"/>
-              <a:t>key “</a:t>
-            </a:r>
-            <a:r>
-              <a:rPr lang="en-US" altLang="ja-JP" dirty="0" err="1" smtClean="0"/>
-              <a:t>ppindex</a:t>
-            </a:r>
-            <a:r>
-              <a:rPr lang="en-US" altLang="ja-JP" dirty="0" smtClean="0"/>
-              <a:t>”, </a:t>
-            </a:r>
-            <a:br>
-              <a:rPr lang="en-US" altLang="ja-JP" dirty="0" smtClean="0"/>
-            </a:br>
-            <a:r>
-              <a:rPr lang="en-US" altLang="ja-JP" dirty="0" smtClean="0"/>
-              <a:t>value = &lt;index of target preposition in tokenized sentence&gt;</a:t>
             </a:r>
             <a:endParaRPr lang="ja-JP" altLang="en-US" dirty="0"/>
           </a:p>

--- a/ss2012_slide.pptx
+++ b/ss2012_slide.pptx
@@ -4,6 +4,9 @@
   <p:sldMasterIdLst>
     <p:sldMasterId id="2147483648" r:id="rId1"/>
   </p:sldMasterIdLst>
+  <p:notesMasterIdLst>
+    <p:notesMasterId r:id="rId30"/>
+  </p:notesMasterIdLst>
   <p:sldIdLst>
     <p:sldId id="256" r:id="rId2"/>
     <p:sldId id="271" r:id="rId3"/>
@@ -28,10 +31,11 @@
     <p:sldId id="274" r:id="rId22"/>
     <p:sldId id="262" r:id="rId23"/>
     <p:sldId id="266" r:id="rId24"/>
-    <p:sldId id="276" r:id="rId25"/>
-    <p:sldId id="268" r:id="rId26"/>
-    <p:sldId id="269" r:id="rId27"/>
-    <p:sldId id="277" r:id="rId28"/>
+    <p:sldId id="287" r:id="rId25"/>
+    <p:sldId id="276" r:id="rId26"/>
+    <p:sldId id="268" r:id="rId27"/>
+    <p:sldId id="269" r:id="rId28"/>
+    <p:sldId id="277" r:id="rId29"/>
   </p:sldIdLst>
   <p:sldSz cx="13004800" cy="9753600"/>
   <p:notesSz cx="6858000" cy="9144000"/>
@@ -170,6 +174,356 @@
     </a:lvl9pPr>
   </p:defaultTextStyle>
 </p:presentation>
+</file>
+
+<file path=ppt/notesMasters/notesMaster1.xml><?xml version="1.0" encoding="utf-8"?>
+<p:notesMaster xmlns:a="http://schemas.openxmlformats.org/drawingml/2006/main" xmlns:r="http://schemas.openxmlformats.org/officeDocument/2006/relationships" xmlns:p="http://schemas.openxmlformats.org/presentationml/2006/main">
+  <p:cSld>
+    <p:bg>
+      <p:bgRef idx="1001">
+        <a:schemeClr val="bg1"/>
+      </p:bgRef>
+    </p:bg>
+    <p:spTree>
+      <p:nvGrpSpPr>
+        <p:cNvPr id="1" name=""/>
+        <p:cNvGrpSpPr/>
+        <p:nvPr/>
+      </p:nvGrpSpPr>
+      <p:grpSpPr>
+        <a:xfrm>
+          <a:off x="0" y="0"/>
+          <a:ext cx="0" cy="0"/>
+          <a:chOff x="0" y="0"/>
+          <a:chExt cx="0" cy="0"/>
+        </a:xfrm>
+      </p:grpSpPr>
+      <p:sp>
+        <p:nvSpPr>
+          <p:cNvPr id="2" name="Header Placeholder 1"/>
+          <p:cNvSpPr>
+            <a:spLocks noGrp="1"/>
+          </p:cNvSpPr>
+          <p:nvPr>
+            <p:ph type="hdr" sz="quarter"/>
+          </p:nvPr>
+        </p:nvSpPr>
+        <p:spPr>
+          <a:xfrm>
+            <a:off x="0" y="0"/>
+            <a:ext cx="2971800" cy="457200"/>
+          </a:xfrm>
+          <a:prstGeom prst="rect">
+            <a:avLst/>
+          </a:prstGeom>
+        </p:spPr>
+        <p:txBody>
+          <a:bodyPr vert="horz" lIns="91440" tIns="45720" rIns="91440" bIns="45720" rtlCol="0"/>
+          <a:lstStyle>
+            <a:lvl1pPr algn="l">
+              <a:defRPr sz="1200"/>
+            </a:lvl1pPr>
+          </a:lstStyle>
+          <a:p>
+            <a:endParaRPr kumimoji="1" lang="ja-JP" altLang="en-US"/>
+          </a:p>
+        </p:txBody>
+      </p:sp>
+      <p:sp>
+        <p:nvSpPr>
+          <p:cNvPr id="3" name="Date Placeholder 2"/>
+          <p:cNvSpPr>
+            <a:spLocks noGrp="1"/>
+          </p:cNvSpPr>
+          <p:nvPr>
+            <p:ph type="dt" idx="1"/>
+          </p:nvPr>
+        </p:nvSpPr>
+        <p:spPr>
+          <a:xfrm>
+            <a:off x="3884613" y="0"/>
+            <a:ext cx="2971800" cy="457200"/>
+          </a:xfrm>
+          <a:prstGeom prst="rect">
+            <a:avLst/>
+          </a:prstGeom>
+        </p:spPr>
+        <p:txBody>
+          <a:bodyPr vert="horz" lIns="91440" tIns="45720" rIns="91440" bIns="45720" rtlCol="0"/>
+          <a:lstStyle>
+            <a:lvl1pPr algn="r">
+              <a:defRPr sz="1200"/>
+            </a:lvl1pPr>
+          </a:lstStyle>
+          <a:p>
+            <a:fld id="{2871D328-B0BD-4169-8843-6C8D9ECD8AE3}" type="datetimeFigureOut">
+              <a:rPr kumimoji="1" lang="ja-JP" altLang="en-US" smtClean="0"/>
+              <a:t>2012/3/8</a:t>
+            </a:fld>
+            <a:endParaRPr kumimoji="1" lang="ja-JP" altLang="en-US"/>
+          </a:p>
+        </p:txBody>
+      </p:sp>
+      <p:sp>
+        <p:nvSpPr>
+          <p:cNvPr id="4" name="Slide Image Placeholder 3"/>
+          <p:cNvSpPr>
+            <a:spLocks noGrp="1" noRot="1" noChangeAspect="1"/>
+          </p:cNvSpPr>
+          <p:nvPr>
+            <p:ph type="sldImg" idx="2"/>
+          </p:nvPr>
+        </p:nvSpPr>
+        <p:spPr>
+          <a:xfrm>
+            <a:off x="1143000" y="685800"/>
+            <a:ext cx="4572000" cy="3429000"/>
+          </a:xfrm>
+          <a:prstGeom prst="rect">
+            <a:avLst/>
+          </a:prstGeom>
+          <a:noFill/>
+          <a:ln w="12700">
+            <a:solidFill>
+              <a:prstClr val="black"/>
+            </a:solidFill>
+          </a:ln>
+        </p:spPr>
+        <p:txBody>
+          <a:bodyPr vert="horz" lIns="91440" tIns="45720" rIns="91440" bIns="45720" rtlCol="0" anchor="ctr"/>
+          <a:lstStyle/>
+          <a:p>
+            <a:endParaRPr lang="ja-JP" altLang="en-US"/>
+          </a:p>
+        </p:txBody>
+      </p:sp>
+      <p:sp>
+        <p:nvSpPr>
+          <p:cNvPr id="5" name="Notes Placeholder 4"/>
+          <p:cNvSpPr>
+            <a:spLocks noGrp="1"/>
+          </p:cNvSpPr>
+          <p:nvPr>
+            <p:ph type="body" sz="quarter" idx="3"/>
+          </p:nvPr>
+        </p:nvSpPr>
+        <p:spPr>
+          <a:xfrm>
+            <a:off x="685800" y="4343400"/>
+            <a:ext cx="5486400" cy="4114800"/>
+          </a:xfrm>
+          <a:prstGeom prst="rect">
+            <a:avLst/>
+          </a:prstGeom>
+        </p:spPr>
+        <p:txBody>
+          <a:bodyPr vert="horz" lIns="91440" tIns="45720" rIns="91440" bIns="45720" rtlCol="0"/>
+          <a:lstStyle/>
+          <a:p>
+            <a:pPr lvl="0"/>
+            <a:r>
+              <a:rPr kumimoji="1" lang="en-US" altLang="ja-JP" smtClean="0"/>
+              <a:t>Click to edit Master text styles</a:t>
+            </a:r>
+          </a:p>
+          <a:p>
+            <a:pPr lvl="1"/>
+            <a:r>
+              <a:rPr kumimoji="1" lang="en-US" altLang="ja-JP" smtClean="0"/>
+              <a:t>Second level</a:t>
+            </a:r>
+          </a:p>
+          <a:p>
+            <a:pPr lvl="2"/>
+            <a:r>
+              <a:rPr kumimoji="1" lang="en-US" altLang="ja-JP" smtClean="0"/>
+              <a:t>Third level</a:t>
+            </a:r>
+          </a:p>
+          <a:p>
+            <a:pPr lvl="3"/>
+            <a:r>
+              <a:rPr kumimoji="1" lang="en-US" altLang="ja-JP" smtClean="0"/>
+              <a:t>Fourth level</a:t>
+            </a:r>
+          </a:p>
+          <a:p>
+            <a:pPr lvl="4"/>
+            <a:r>
+              <a:rPr kumimoji="1" lang="en-US" altLang="ja-JP" smtClean="0"/>
+              <a:t>Fifth level</a:t>
+            </a:r>
+            <a:endParaRPr kumimoji="1" lang="ja-JP" altLang="en-US"/>
+          </a:p>
+        </p:txBody>
+      </p:sp>
+      <p:sp>
+        <p:nvSpPr>
+          <p:cNvPr id="6" name="Footer Placeholder 5"/>
+          <p:cNvSpPr>
+            <a:spLocks noGrp="1"/>
+          </p:cNvSpPr>
+          <p:nvPr>
+            <p:ph type="ftr" sz="quarter" idx="4"/>
+          </p:nvPr>
+        </p:nvSpPr>
+        <p:spPr>
+          <a:xfrm>
+            <a:off x="0" y="8685213"/>
+            <a:ext cx="2971800" cy="457200"/>
+          </a:xfrm>
+          <a:prstGeom prst="rect">
+            <a:avLst/>
+          </a:prstGeom>
+        </p:spPr>
+        <p:txBody>
+          <a:bodyPr vert="horz" lIns="91440" tIns="45720" rIns="91440" bIns="45720" rtlCol="0" anchor="b"/>
+          <a:lstStyle>
+            <a:lvl1pPr algn="l">
+              <a:defRPr sz="1200"/>
+            </a:lvl1pPr>
+          </a:lstStyle>
+          <a:p>
+            <a:endParaRPr kumimoji="1" lang="ja-JP" altLang="en-US"/>
+          </a:p>
+        </p:txBody>
+      </p:sp>
+      <p:sp>
+        <p:nvSpPr>
+          <p:cNvPr id="7" name="Slide Number Placeholder 6"/>
+          <p:cNvSpPr>
+            <a:spLocks noGrp="1"/>
+          </p:cNvSpPr>
+          <p:nvPr>
+            <p:ph type="sldNum" sz="quarter" idx="5"/>
+          </p:nvPr>
+        </p:nvSpPr>
+        <p:spPr>
+          <a:xfrm>
+            <a:off x="3884613" y="8685213"/>
+            <a:ext cx="2971800" cy="457200"/>
+          </a:xfrm>
+          <a:prstGeom prst="rect">
+            <a:avLst/>
+          </a:prstGeom>
+        </p:spPr>
+        <p:txBody>
+          <a:bodyPr vert="horz" lIns="91440" tIns="45720" rIns="91440" bIns="45720" rtlCol="0" anchor="b"/>
+          <a:lstStyle>
+            <a:lvl1pPr algn="r">
+              <a:defRPr sz="1200"/>
+            </a:lvl1pPr>
+          </a:lstStyle>
+          <a:p>
+            <a:fld id="{ABBD0019-26BD-46ED-A8C4-732A3BEB6EDE}" type="slidenum">
+              <a:rPr kumimoji="1" lang="ja-JP" altLang="en-US" smtClean="0"/>
+              <a:t>‹#›</a:t>
+            </a:fld>
+            <a:endParaRPr kumimoji="1" lang="ja-JP" altLang="en-US"/>
+          </a:p>
+        </p:txBody>
+      </p:sp>
+    </p:spTree>
+    <p:extLst>
+      <p:ext uri="{BB962C8B-B14F-4D97-AF65-F5344CB8AC3E}">
+        <p14:creationId xmlns:p14="http://schemas.microsoft.com/office/powerpoint/2010/main" val="861338957"/>
+      </p:ext>
+    </p:extLst>
+  </p:cSld>
+  <p:clrMap bg1="lt1" tx1="dk1" bg2="lt2" tx2="dk2" accent1="accent1" accent2="accent2" accent3="accent3" accent4="accent4" accent5="accent5" accent6="accent6" hlink="hlink" folHlink="folHlink"/>
+  <p:notesStyle>
+    <a:lvl1pPr marL="0" algn="l" defTabSz="914400" rtl="0" eaLnBrk="1" latinLnBrk="0" hangingPunct="1">
+      <a:defRPr kumimoji="1" sz="1200" kern="1200">
+        <a:solidFill>
+          <a:schemeClr val="tx1"/>
+        </a:solidFill>
+        <a:latin typeface="+mn-lt"/>
+        <a:ea typeface="+mn-ea"/>
+        <a:cs typeface="+mn-cs"/>
+      </a:defRPr>
+    </a:lvl1pPr>
+    <a:lvl2pPr marL="457200" algn="l" defTabSz="914400" rtl="0" eaLnBrk="1" latinLnBrk="0" hangingPunct="1">
+      <a:defRPr kumimoji="1" sz="1200" kern="1200">
+        <a:solidFill>
+          <a:schemeClr val="tx1"/>
+        </a:solidFill>
+        <a:latin typeface="+mn-lt"/>
+        <a:ea typeface="+mn-ea"/>
+        <a:cs typeface="+mn-cs"/>
+      </a:defRPr>
+    </a:lvl2pPr>
+    <a:lvl3pPr marL="914400" algn="l" defTabSz="914400" rtl="0" eaLnBrk="1" latinLnBrk="0" hangingPunct="1">
+      <a:defRPr kumimoji="1" sz="1200" kern="1200">
+        <a:solidFill>
+          <a:schemeClr val="tx1"/>
+        </a:solidFill>
+        <a:latin typeface="+mn-lt"/>
+        <a:ea typeface="+mn-ea"/>
+        <a:cs typeface="+mn-cs"/>
+      </a:defRPr>
+    </a:lvl3pPr>
+    <a:lvl4pPr marL="1371600" algn="l" defTabSz="914400" rtl="0" eaLnBrk="1" latinLnBrk="0" hangingPunct="1">
+      <a:defRPr kumimoji="1" sz="1200" kern="1200">
+        <a:solidFill>
+          <a:schemeClr val="tx1"/>
+        </a:solidFill>
+        <a:latin typeface="+mn-lt"/>
+        <a:ea typeface="+mn-ea"/>
+        <a:cs typeface="+mn-cs"/>
+      </a:defRPr>
+    </a:lvl4pPr>
+    <a:lvl5pPr marL="1828800" algn="l" defTabSz="914400" rtl="0" eaLnBrk="1" latinLnBrk="0" hangingPunct="1">
+      <a:defRPr kumimoji="1" sz="1200" kern="1200">
+        <a:solidFill>
+          <a:schemeClr val="tx1"/>
+        </a:solidFill>
+        <a:latin typeface="+mn-lt"/>
+        <a:ea typeface="+mn-ea"/>
+        <a:cs typeface="+mn-cs"/>
+      </a:defRPr>
+    </a:lvl5pPr>
+    <a:lvl6pPr marL="2286000" algn="l" defTabSz="914400" rtl="0" eaLnBrk="1" latinLnBrk="0" hangingPunct="1">
+      <a:defRPr kumimoji="1" sz="1200" kern="1200">
+        <a:solidFill>
+          <a:schemeClr val="tx1"/>
+        </a:solidFill>
+        <a:latin typeface="+mn-lt"/>
+        <a:ea typeface="+mn-ea"/>
+        <a:cs typeface="+mn-cs"/>
+      </a:defRPr>
+    </a:lvl6pPr>
+    <a:lvl7pPr marL="2743200" algn="l" defTabSz="914400" rtl="0" eaLnBrk="1" latinLnBrk="0" hangingPunct="1">
+      <a:defRPr kumimoji="1" sz="1200" kern="1200">
+        <a:solidFill>
+          <a:schemeClr val="tx1"/>
+        </a:solidFill>
+        <a:latin typeface="+mn-lt"/>
+        <a:ea typeface="+mn-ea"/>
+        <a:cs typeface="+mn-cs"/>
+      </a:defRPr>
+    </a:lvl7pPr>
+    <a:lvl8pPr marL="3200400" algn="l" defTabSz="914400" rtl="0" eaLnBrk="1" latinLnBrk="0" hangingPunct="1">
+      <a:defRPr kumimoji="1" sz="1200" kern="1200">
+        <a:solidFill>
+          <a:schemeClr val="tx1"/>
+        </a:solidFill>
+        <a:latin typeface="+mn-lt"/>
+        <a:ea typeface="+mn-ea"/>
+        <a:cs typeface="+mn-cs"/>
+      </a:defRPr>
+    </a:lvl8pPr>
+    <a:lvl9pPr marL="3657600" algn="l" defTabSz="914400" rtl="0" eaLnBrk="1" latinLnBrk="0" hangingPunct="1">
+      <a:defRPr kumimoji="1" sz="1200" kern="1200">
+        <a:solidFill>
+          <a:schemeClr val="tx1"/>
+        </a:solidFill>
+        <a:latin typeface="+mn-lt"/>
+        <a:ea typeface="+mn-ea"/>
+        <a:cs typeface="+mn-cs"/>
+      </a:defRPr>
+    </a:lvl9pPr>
+  </p:notesStyle>
+</p:notesMaster>
 </file>
 
 <file path=ppt/slideLayouts/slideLayout1.xml><?xml version="1.0" encoding="utf-8"?>
@@ -2338,7 +2692,7 @@
 </file>
 
 <file path=ppt/slides/slide11.xml><?xml version="1.0" encoding="utf-8"?>
-<p:sld xmlns:a="http://schemas.openxmlformats.org/drawingml/2006/main" xmlns:r="http://schemas.openxmlformats.org/officeDocument/2006/relationships" xmlns:p="http://schemas.openxmlformats.org/presentationml/2006/main">
+<p:sld xmlns:a="http://schemas.openxmlformats.org/drawingml/2006/main" xmlns:r="http://schemas.openxmlformats.org/officeDocument/2006/relationships" xmlns:p="http://schemas.openxmlformats.org/presentationml/2006/main" show="0">
   <p:cSld>
     <p:spTree>
       <p:nvGrpSpPr>
@@ -2512,7 +2866,11 @@
             </a:r>
             <a:r>
               <a:rPr kumimoji="1" lang="ja-JP" altLang="en-US" dirty="0" smtClean="0"/>
-              <a:t>されたことを聞く度に、この仕事をしていてよかったと感じるんです。」</a:t>
+              <a:t>されたことを聞く度に、この仕事をしていてよかったと感じるんです。</a:t>
+            </a:r>
+            <a:r>
+              <a:rPr kumimoji="1" lang="ja-JP" altLang="en-US" dirty="0" smtClean="0"/>
+              <a:t>」</a:t>
             </a:r>
             <a:endParaRPr kumimoji="1" lang="en-US" altLang="ja-JP" dirty="0" smtClean="0"/>
           </a:p>
@@ -2788,11 +3146,7 @@
             </a:r>
             <a:r>
               <a:rPr lang="ja-JP" altLang="en-US" dirty="0" smtClean="0"/>
-              <a:t>が入って</a:t>
-            </a:r>
-            <a:r>
-              <a:rPr lang="ja-JP" altLang="en-US" dirty="0" smtClean="0"/>
-              <a:t>いる</a:t>
+              <a:t>が入っている</a:t>
             </a:r>
             <a:r>
               <a:rPr lang="en-US" altLang="ja-JP" dirty="0" smtClean="0"/>
@@ -3256,7 +3610,11 @@
           <a:p>
             <a:r>
               <a:rPr lang="ja-JP" altLang="en-US" dirty="0" smtClean="0"/>
-              <a:t>最大エントロピー法</a:t>
+              <a:t>最大</a:t>
+            </a:r>
+            <a:r>
+              <a:rPr lang="ja-JP" altLang="en-US" dirty="0" smtClean="0"/>
+              <a:t>エントロピー法：概略</a:t>
             </a:r>
             <a:endParaRPr lang="ja-JP" altLang="en-US" dirty="0"/>
           </a:p>
@@ -3482,67 +3840,97 @@
               <a:rPr lang="en-US" altLang="ja-JP" dirty="0" smtClean="0"/>
               <a:t>) = 0.5</a:t>
             </a:r>
-            <a:endParaRPr lang="en-US" altLang="ja-JP" dirty="0" smtClean="0"/>
           </a:p>
         </p:txBody>
       </p:sp>
-      <p:graphicFrame>
-        <p:nvGraphicFramePr>
-          <p:cNvPr id="4" name="オブジェクト 3"/>
-          <p:cNvGraphicFramePr>
-            <a:graphicFrameLocks noChangeAspect="1"/>
-          </p:cNvGraphicFramePr>
+      <p:sp>
+        <p:nvSpPr>
+          <p:cNvPr id="5" name="Slide Number Placeholder 4"/>
+          <p:cNvSpPr>
+            <a:spLocks noGrp="1"/>
+          </p:cNvSpPr>
           <p:nvPr>
-            <p:extLst>
-              <p:ext uri="{D42A27DB-BD31-4B8C-83A1-F6EECF244321}">
-                <p14:modId xmlns:p14="http://schemas.microsoft.com/office/powerpoint/2010/main" val="2026422504"/>
-              </p:ext>
-            </p:extLst>
+            <p:ph type="sldNum" sz="quarter" idx="4"/>
           </p:nvPr>
-        </p:nvGraphicFramePr>
-        <p:xfrm>
-          <a:off x="1965896" y="3076600"/>
-          <a:ext cx="3359546" cy="792088"/>
-        </p:xfrm>
-        <a:graphic>
-          <a:graphicData uri="http://schemas.openxmlformats.org/presentationml/2006/ole">
-            <mc:AlternateContent xmlns:mc="http://schemas.openxmlformats.org/markup-compatibility/2006">
-              <mc:Choice xmlns:v="urn:schemas-microsoft-com:vml" Requires="v">
-                <p:oleObj spid="_x0000_s1032" name="数式" r:id="rId3" imgW="1562100" imgH="368300" progId="Equation.3">
-                  <p:embed/>
-                </p:oleObj>
-              </mc:Choice>
-              <mc:Fallback>
-                <p:oleObj name="数式" r:id="rId3" imgW="1562100" imgH="368300" progId="Equation.3">
-                  <p:embed/>
-                  <p:pic>
-                    <p:nvPicPr>
-                      <p:cNvPr id="0" name=""/>
-                      <p:cNvPicPr/>
-                      <p:nvPr/>
-                    </p:nvPicPr>
-                    <p:blipFill>
-                      <a:blip r:embed="rId4"/>
-                      <a:stretch>
-                        <a:fillRect/>
-                      </a:stretch>
-                    </p:blipFill>
-                    <p:spPr>
-                      <a:xfrm>
-                        <a:off x="1965896" y="3076600"/>
-                        <a:ext cx="3359546" cy="792088"/>
-                      </a:xfrm>
-                      <a:prstGeom prst="rect">
-                        <a:avLst/>
-                      </a:prstGeom>
-                    </p:spPr>
-                  </p:pic>
-                </p:oleObj>
-              </mc:Fallback>
-            </mc:AlternateContent>
-          </a:graphicData>
-        </a:graphic>
-      </p:graphicFrame>
+        </p:nvSpPr>
+        <p:spPr/>
+        <p:txBody>
+          <a:bodyPr/>
+          <a:lstStyle/>
+          <a:p>
+            <a:fld id="{6E9D2D78-C182-4C73-A5DD-18ECD1D1B49E}" type="slidenum">
+              <a:rPr lang="en-US" altLang="ja-JP" smtClean="0"/>
+              <a:pPr/>
+              <a:t>15</a:t>
+            </a:fld>
+            <a:endParaRPr lang="en-US" altLang="ja-JP" dirty="0"/>
+          </a:p>
+        </p:txBody>
+      </p:sp>
+      <p:pic>
+        <p:nvPicPr>
+          <p:cNvPr id="1044" name="Picture 20"/>
+          <p:cNvPicPr>
+            <a:picLocks noChangeAspect="1" noChangeArrowheads="1"/>
+          </p:cNvPicPr>
+          <p:nvPr/>
+        </p:nvPicPr>
+        <p:blipFill>
+          <a:blip r:embed="rId2">
+            <a:extLst>
+              <a:ext uri="{28A0092B-C50C-407E-A947-70E740481C1C}">
+                <a14:useLocalDpi xmlns:a14="http://schemas.microsoft.com/office/drawing/2010/main" val="0"/>
+              </a:ext>
+            </a:extLst>
+          </a:blip>
+          <a:srcRect/>
+          <a:stretch>
+            <a:fillRect/>
+          </a:stretch>
+        </p:blipFill>
+        <p:spPr bwMode="auto">
+          <a:xfrm>
+            <a:off x="4774208" y="2894923"/>
+            <a:ext cx="3371850" cy="800100"/>
+          </a:xfrm>
+          <a:prstGeom prst="rect">
+            <a:avLst/>
+          </a:prstGeom>
+          <a:noFill/>
+          <a:ln>
+            <a:noFill/>
+          </a:ln>
+          <a:effectLst/>
+          <a:extLst>
+            <a:ext uri="{909E8E84-426E-40DD-AFC4-6F175D3DCCD1}">
+              <a14:hiddenFill xmlns:a14="http://schemas.microsoft.com/office/drawing/2010/main">
+                <a:solidFill>
+                  <a:schemeClr val="accent1"/>
+                </a:solidFill>
+              </a14:hiddenFill>
+            </a:ext>
+            <a:ext uri="{91240B29-F687-4F45-9708-019B960494DF}">
+              <a14:hiddenLine xmlns:a14="http://schemas.microsoft.com/office/drawing/2010/main" w="9525">
+                <a:solidFill>
+                  <a:schemeClr val="tx1"/>
+                </a:solidFill>
+                <a:miter lim="800000"/>
+                <a:headEnd/>
+                <a:tailEnd/>
+              </a14:hiddenLine>
+            </a:ext>
+            <a:ext uri="{AF507438-7753-43E0-B8FC-AC1667EBCBE1}">
+              <a14:hiddenEffects xmlns:a14="http://schemas.microsoft.com/office/drawing/2010/main">
+                <a:effectLst>
+                  <a:outerShdw dist="35921" dir="2700000" algn="ctr" rotWithShape="0">
+                    <a:schemeClr val="bg2"/>
+                  </a:outerShdw>
+                </a:effectLst>
+              </a14:hiddenEffects>
+            </a:ext>
+          </a:extLst>
+        </p:spPr>
+      </p:pic>
     </p:spTree>
     <p:extLst>
       <p:ext uri="{BB962C8B-B14F-4D97-AF65-F5344CB8AC3E}">
@@ -3598,7 +3986,11 @@
           <a:p>
             <a:r>
               <a:rPr kumimoji="1" lang="ja-JP" altLang="en-US" dirty="0" smtClean="0"/>
-              <a:t>最大エントロピー法</a:t>
+              <a:t>最大</a:t>
+            </a:r>
+            <a:r>
+              <a:rPr kumimoji="1" lang="ja-JP" altLang="en-US" dirty="0" smtClean="0"/>
+              <a:t>エントロピー法：例題</a:t>
             </a:r>
             <a:endParaRPr kumimoji="1" lang="ja-JP" altLang="en-US" dirty="0"/>
           </a:p>
@@ -3791,6 +4183,30 @@
           </a:p>
           <a:p>
             <a:endParaRPr kumimoji="1" lang="en-US" altLang="ja-JP" dirty="0" smtClean="0"/>
+          </a:p>
+        </p:txBody>
+      </p:sp>
+      <p:sp>
+        <p:nvSpPr>
+          <p:cNvPr id="4" name="Slide Number Placeholder 3"/>
+          <p:cNvSpPr>
+            <a:spLocks noGrp="1"/>
+          </p:cNvSpPr>
+          <p:nvPr>
+            <p:ph type="sldNum" sz="quarter" idx="4"/>
+          </p:nvPr>
+        </p:nvSpPr>
+        <p:spPr/>
+        <p:txBody>
+          <a:bodyPr/>
+          <a:lstStyle/>
+          <a:p>
+            <a:fld id="{6E9D2D78-C182-4C73-A5DD-18ECD1D1B49E}" type="slidenum">
+              <a:rPr lang="en-US" altLang="ja-JP" smtClean="0"/>
+              <a:pPr/>
+              <a:t>16</a:t>
+            </a:fld>
+            <a:endParaRPr lang="en-US" altLang="ja-JP" dirty="0"/>
           </a:p>
         </p:txBody>
       </p:sp>
@@ -3849,7 +4265,11 @@
           <a:p>
             <a:r>
               <a:rPr kumimoji="1" lang="ja-JP" altLang="en-US" dirty="0" smtClean="0"/>
-              <a:t>最大エントロピー法</a:t>
+              <a:t>最大</a:t>
+            </a:r>
+            <a:r>
+              <a:rPr kumimoji="1" lang="ja-JP" altLang="en-US" dirty="0" smtClean="0"/>
+              <a:t>エントロピー法：例題</a:t>
             </a:r>
             <a:endParaRPr kumimoji="1" lang="ja-JP" altLang="en-US" dirty="0"/>
           </a:p>
@@ -3967,11 +4387,7 @@
             </a:r>
             <a:r>
               <a:rPr kumimoji="1" lang="ja-JP" altLang="en-US" dirty="0" smtClean="0"/>
-              <a:t>単語目に</a:t>
-            </a:r>
-            <a:r>
-              <a:rPr kumimoji="1" lang="ja-JP" altLang="en-US" dirty="0" smtClean="0"/>
-              <a:t>出現</a:t>
+              <a:t>単語目に出現</a:t>
             </a:r>
             <a:r>
               <a:rPr kumimoji="1" lang="en-US" altLang="ja-JP" dirty="0" smtClean="0"/>
@@ -4403,6 +4819,30 @@
           </a:p>
           <a:p>
             <a:endParaRPr kumimoji="1" lang="ja-JP" altLang="en-US" dirty="0"/>
+          </a:p>
+        </p:txBody>
+      </p:sp>
+      <p:sp>
+        <p:nvSpPr>
+          <p:cNvPr id="4" name="Slide Number Placeholder 3"/>
+          <p:cNvSpPr>
+            <a:spLocks noGrp="1"/>
+          </p:cNvSpPr>
+          <p:nvPr>
+            <p:ph type="sldNum" sz="quarter" idx="4"/>
+          </p:nvPr>
+        </p:nvSpPr>
+        <p:spPr/>
+        <p:txBody>
+          <a:bodyPr/>
+          <a:lstStyle/>
+          <a:p>
+            <a:fld id="{6E9D2D78-C182-4C73-A5DD-18ECD1D1B49E}" type="slidenum">
+              <a:rPr lang="en-US" altLang="ja-JP" smtClean="0"/>
+              <a:pPr/>
+              <a:t>17</a:t>
+            </a:fld>
+            <a:endParaRPr lang="en-US" altLang="ja-JP" dirty="0"/>
           </a:p>
         </p:txBody>
       </p:sp>
@@ -4461,7 +4901,11 @@
           <a:p>
             <a:r>
               <a:rPr kumimoji="1" lang="ja-JP" altLang="en-US" dirty="0" smtClean="0"/>
-              <a:t>最大エントロピー法</a:t>
+              <a:t>最大</a:t>
+            </a:r>
+            <a:r>
+              <a:rPr kumimoji="1" lang="ja-JP" altLang="en-US" dirty="0" smtClean="0"/>
+              <a:t>エントロピー法：分類・まとめ</a:t>
             </a:r>
             <a:endParaRPr kumimoji="1" lang="ja-JP" altLang="en-US" dirty="0"/>
           </a:p>
@@ -4477,15 +4921,10 @@
             <p:ph sz="quarter" idx="10"/>
           </p:nvPr>
         </p:nvSpPr>
-        <p:spPr>
-          <a:xfrm>
-            <a:off x="525736" y="2355850"/>
-            <a:ext cx="12313368" cy="7201470"/>
-          </a:xfrm>
-        </p:spPr>
+        <p:spPr/>
         <p:txBody>
           <a:bodyPr>
-            <a:normAutofit fontScale="92500" lnSpcReduction="20000"/>
+            <a:normAutofit fontScale="85000" lnSpcReduction="20000"/>
           </a:bodyPr>
           <a:lstStyle/>
           <a:p>
@@ -4761,6 +5200,30 @@
           </a:prstGeom>
         </p:spPr>
       </p:pic>
+      <p:sp>
+        <p:nvSpPr>
+          <p:cNvPr id="4" name="Slide Number Placeholder 3"/>
+          <p:cNvSpPr>
+            <a:spLocks noGrp="1"/>
+          </p:cNvSpPr>
+          <p:nvPr>
+            <p:ph type="sldNum" sz="quarter" idx="4"/>
+          </p:nvPr>
+        </p:nvSpPr>
+        <p:spPr/>
+        <p:txBody>
+          <a:bodyPr/>
+          <a:lstStyle/>
+          <a:p>
+            <a:fld id="{6E9D2D78-C182-4C73-A5DD-18ECD1D1B49E}" type="slidenum">
+              <a:rPr lang="en-US" altLang="ja-JP" smtClean="0"/>
+              <a:pPr/>
+              <a:t>18</a:t>
+            </a:fld>
+            <a:endParaRPr lang="en-US" altLang="ja-JP" dirty="0"/>
+          </a:p>
+        </p:txBody>
+      </p:sp>
     </p:spTree>
     <p:extLst>
       <p:ext uri="{BB962C8B-B14F-4D97-AF65-F5344CB8AC3E}">
@@ -5239,12 +5702,16 @@
           <a:lstStyle/>
           <a:p>
             <a:r>
-              <a:rPr lang="en-US" altLang="ja-JP" dirty="0" err="1"/>
-              <a:t>nltk.classify</a:t>
+              <a:rPr lang="en-US" altLang="ja-JP" dirty="0" err="1" smtClean="0"/>
+              <a:t>nltk.MaxentClassifier</a:t>
+            </a:r>
+            <a:r>
+              <a:rPr lang="ja-JP" altLang="en-US" dirty="0" smtClean="0"/>
+              <a:t>の</a:t>
             </a:r>
             <a:r>
               <a:rPr lang="ja-JP" altLang="en-US" dirty="0"/>
-              <a:t>のための学習事例</a:t>
+              <a:t>ための学習事例</a:t>
             </a:r>
           </a:p>
         </p:txBody>
@@ -6272,6 +6739,162 @@
           </a:p>
         </p:txBody>
       </p:sp>
+      <p:sp>
+        <p:nvSpPr>
+          <p:cNvPr id="2" name="TextBox 1"/>
+          <p:cNvSpPr txBox="1"/>
+          <p:nvPr/>
+        </p:nvSpPr>
+        <p:spPr>
+          <a:xfrm>
+            <a:off x="5926336" y="4084712"/>
+            <a:ext cx="6665460" cy="2044149"/>
+          </a:xfrm>
+          <a:prstGeom prst="rect">
+            <a:avLst/>
+          </a:prstGeom>
+          <a:effectLst>
+            <a:outerShdw blurRad="40000" dist="23000" dir="5400000" rotWithShape="0">
+              <a:srgbClr val="000000">
+                <a:alpha val="35000"/>
+              </a:srgbClr>
+            </a:outerShdw>
+            <a:softEdge rad="63500"/>
+          </a:effectLst>
+        </p:spPr>
+        <p:style>
+          <a:lnRef idx="1">
+            <a:schemeClr val="accent3"/>
+          </a:lnRef>
+          <a:fillRef idx="3">
+            <a:schemeClr val="accent3"/>
+          </a:fillRef>
+          <a:effectRef idx="2">
+            <a:schemeClr val="accent3"/>
+          </a:effectRef>
+          <a:fontRef idx="minor">
+            <a:schemeClr val="lt1"/>
+          </a:fontRef>
+        </p:style>
+        <p:txBody>
+          <a:bodyPr wrap="square" rtlCol="0">
+            <a:spAutoFit/>
+          </a:bodyPr>
+          <a:lstStyle/>
+          <a:p>
+            <a:pPr marL="525463" lvl="2" algn="l">
+              <a:spcBef>
+                <a:spcPts val="1900"/>
+              </a:spcBef>
+              <a:spcAft>
+                <a:spcPts val="1800"/>
+              </a:spcAft>
+              <a:buClr>
+                <a:srgbClr val="6585CF">
+                  <a:lumMod val="75000"/>
+                </a:srgbClr>
+              </a:buClr>
+              <a:tabLst>
+                <a:tab pos="1304925" algn="l"/>
+                <a:tab pos="2346325" algn="l"/>
+                <a:tab pos="1304925" algn="l"/>
+                <a:tab pos="2346325" algn="l"/>
+              </a:tabLst>
+            </a:pPr>
+            <a:r>
+              <a:rPr lang="en-US" altLang="ja-JP" sz="2400" dirty="0">
+                <a:latin typeface="Consolas" pitchFamily="49" charset="0"/>
+                <a:cs typeface="Consolas" pitchFamily="49" charset="0"/>
+                <a:sym typeface="Helvetica" charset="0"/>
+              </a:rPr>
+              <a:t>words = [“The”, “cat”, “is”, …]</a:t>
+            </a:r>
+            <a:r>
+              <a:rPr lang="en-US" altLang="ja-JP" sz="2400" dirty="0">
+                <a:latin typeface="Consolas" pitchFamily="49" charset="0"/>
+                <a:cs typeface="Consolas" pitchFamily="49" charset="0"/>
+                <a:sym typeface="Helvetica" charset="0"/>
+              </a:rPr>
+              <a:t/>
+            </a:r>
+            <a:br>
+              <a:rPr lang="en-US" altLang="ja-JP" sz="2400" dirty="0">
+                <a:latin typeface="Consolas" pitchFamily="49" charset="0"/>
+                <a:cs typeface="Consolas" pitchFamily="49" charset="0"/>
+                <a:sym typeface="Helvetica" charset="0"/>
+              </a:rPr>
+            </a:br>
+            <a:r>
+              <a:rPr lang="en-US" altLang="ja-JP" sz="2400" dirty="0">
+                <a:latin typeface="Consolas" pitchFamily="49" charset="0"/>
+                <a:cs typeface="Consolas" pitchFamily="49" charset="0"/>
+                <a:sym typeface="Helvetica" charset="0"/>
+              </a:rPr>
+              <a:t>tagged = </a:t>
+            </a:r>
+            <a:r>
+              <a:rPr lang="en-US" altLang="ja-JP" sz="2400" dirty="0" err="1">
+                <a:latin typeface="Consolas" pitchFamily="49" charset="0"/>
+                <a:cs typeface="Consolas" pitchFamily="49" charset="0"/>
+                <a:sym typeface="Helvetica" charset="0"/>
+              </a:rPr>
+              <a:t>nltk.pos_tag</a:t>
+            </a:r>
+            <a:r>
+              <a:rPr lang="en-US" altLang="ja-JP" sz="2400" dirty="0">
+                <a:latin typeface="Consolas" pitchFamily="49" charset="0"/>
+                <a:cs typeface="Consolas" pitchFamily="49" charset="0"/>
+                <a:sym typeface="Helvetica" charset="0"/>
+              </a:rPr>
+              <a:t>(words)</a:t>
+            </a:r>
+          </a:p>
+          <a:p>
+            <a:pPr marL="525463" lvl="2" algn="l">
+              <a:spcBef>
+                <a:spcPts val="1900"/>
+              </a:spcBef>
+              <a:spcAft>
+                <a:spcPts val="1800"/>
+              </a:spcAft>
+              <a:buClr>
+                <a:srgbClr val="6585CF">
+                  <a:lumMod val="75000"/>
+                </a:srgbClr>
+              </a:buClr>
+              <a:tabLst>
+                <a:tab pos="1304925" algn="l"/>
+                <a:tab pos="2346325" algn="l"/>
+                <a:tab pos="1304925" algn="l"/>
+                <a:tab pos="2346325" algn="l"/>
+              </a:tabLst>
+            </a:pPr>
+            <a:r>
+              <a:rPr lang="en-US" altLang="ja-JP" sz="2400" dirty="0">
+                <a:latin typeface="Consolas" pitchFamily="49" charset="0"/>
+                <a:cs typeface="Consolas" pitchFamily="49" charset="0"/>
+                <a:sym typeface="Helvetica" charset="0"/>
+              </a:rPr>
+              <a:t>tagged:</a:t>
+            </a:r>
+            <a:br>
+              <a:rPr lang="en-US" altLang="ja-JP" sz="2400" dirty="0">
+                <a:latin typeface="Consolas" pitchFamily="49" charset="0"/>
+                <a:cs typeface="Consolas" pitchFamily="49" charset="0"/>
+                <a:sym typeface="Helvetica" charset="0"/>
+              </a:rPr>
+            </a:br>
+            <a:r>
+              <a:rPr lang="en-US" altLang="ja-JP" sz="2400" dirty="0">
+                <a:latin typeface="Consolas" pitchFamily="49" charset="0"/>
+                <a:cs typeface="Consolas" pitchFamily="49" charset="0"/>
+                <a:sym typeface="Helvetica" charset="0"/>
+              </a:rPr>
+              <a:t>[(“The”, “DT”), (“cat”, “NN”),…]</a:t>
+            </a:r>
+          </a:p>
+        </p:txBody>
+      </p:sp>
     </p:spTree>
   </p:cSld>
   <p:clrMapOvr>
@@ -6404,7 +7027,15 @@
             <a:pPr lvl="1"/>
             <a:r>
               <a:rPr kumimoji="1" lang="ja-JP" altLang="en-US" dirty="0" smtClean="0"/>
-              <a:t>テストデータが学習データに含まれるとまずい？</a:t>
+              <a:t>テストデータが学習データに含まれる</a:t>
+            </a:r>
+            <a:r>
+              <a:rPr kumimoji="1" lang="ja-JP" altLang="en-US" dirty="0" smtClean="0"/>
+              <a:t>と何がまずい</a:t>
+            </a:r>
+            <a:r>
+              <a:rPr kumimoji="1" lang="ja-JP" altLang="en-US" dirty="0" smtClean="0"/>
+              <a:t>？</a:t>
             </a:r>
             <a:endParaRPr kumimoji="1" lang="en-US" altLang="ja-JP" dirty="0" smtClean="0"/>
           </a:p>
@@ -6442,7 +7073,23 @@
             </a:br>
             <a:r>
               <a:rPr kumimoji="1" lang="en-US" altLang="ja-JP" dirty="0" smtClean="0"/>
-              <a:t>(num. of correct output) / (num. of input cases)</a:t>
+              <a:t>(num. of correct </a:t>
+            </a:r>
+            <a:r>
+              <a:rPr kumimoji="1" lang="en-US" altLang="ja-JP" dirty="0" smtClean="0"/>
+              <a:t>output) </a:t>
+            </a:r>
+            <a:r>
+              <a:rPr kumimoji="1" lang="en-US" altLang="ja-JP" dirty="0" smtClean="0"/>
+              <a:t>/ (num. of input </a:t>
+            </a:r>
+            <a:r>
+              <a:rPr kumimoji="1" lang="en-US" altLang="ja-JP" dirty="0" smtClean="0"/>
+              <a:t>instances</a:t>
+            </a:r>
+            <a:r>
+              <a:rPr kumimoji="1" lang="en-US" altLang="ja-JP" dirty="0" smtClean="0"/>
+              <a:t>)</a:t>
             </a:r>
             <a:endParaRPr kumimoji="1" lang="en-US" altLang="ja-JP" dirty="0"/>
           </a:p>
@@ -6469,6 +7116,677 @@
 </file>
 
 <file path=ppt/slides/slide24.xml><?xml version="1.0" encoding="utf-8"?>
+<p:sld xmlns:a="http://schemas.openxmlformats.org/drawingml/2006/main" xmlns:r="http://schemas.openxmlformats.org/officeDocument/2006/relationships" xmlns:p="http://schemas.openxmlformats.org/presentationml/2006/main">
+  <p:cSld>
+    <p:spTree>
+      <p:nvGrpSpPr>
+        <p:cNvPr id="1" name=""/>
+        <p:cNvGrpSpPr/>
+        <p:nvPr/>
+      </p:nvGrpSpPr>
+      <p:grpSpPr>
+        <a:xfrm>
+          <a:off x="0" y="0"/>
+          <a:ext cx="0" cy="0"/>
+          <a:chOff x="0" y="0"/>
+          <a:chExt cx="0" cy="0"/>
+        </a:xfrm>
+      </p:grpSpPr>
+      <p:sp>
+        <p:nvSpPr>
+          <p:cNvPr id="2" name="Title 1"/>
+          <p:cNvSpPr>
+            <a:spLocks noGrp="1"/>
+          </p:cNvSpPr>
+          <p:nvPr>
+            <p:ph type="title"/>
+          </p:nvPr>
+        </p:nvSpPr>
+        <p:spPr/>
+        <p:txBody>
+          <a:bodyPr/>
+          <a:lstStyle/>
+          <a:p>
+            <a:r>
+              <a:rPr kumimoji="1" lang="ja-JP" altLang="en-US" dirty="0" smtClean="0"/>
+              <a:t>分類器の学習・テストのしかた</a:t>
+            </a:r>
+            <a:endParaRPr kumimoji="1" lang="ja-JP" altLang="en-US" dirty="0"/>
+          </a:p>
+        </p:txBody>
+      </p:sp>
+      <p:sp>
+        <p:nvSpPr>
+          <p:cNvPr id="3" name="Content Placeholder 2"/>
+          <p:cNvSpPr>
+            <a:spLocks noGrp="1"/>
+          </p:cNvSpPr>
+          <p:nvPr>
+            <p:ph sz="quarter" idx="10"/>
+          </p:nvPr>
+        </p:nvSpPr>
+        <p:spPr/>
+        <p:txBody>
+          <a:bodyPr/>
+          <a:lstStyle/>
+          <a:p>
+            <a:r>
+              <a:rPr kumimoji="1" lang="ja-JP" altLang="en-US" dirty="0" smtClean="0"/>
+              <a:t>学習</a:t>
+            </a:r>
+            <a:endParaRPr kumimoji="1" lang="en-US" altLang="ja-JP" dirty="0" smtClean="0"/>
+          </a:p>
+          <a:p>
+            <a:pPr lvl="2"/>
+            <a:r>
+              <a:rPr kumimoji="1" lang="en-US" altLang="ja-JP" sz="2400" dirty="0" err="1">
+                <a:solidFill>
+                  <a:schemeClr val="tx1">
+                    <a:lumMod val="75000"/>
+                    <a:lumOff val="25000"/>
+                  </a:schemeClr>
+                </a:solidFill>
+              </a:rPr>
+              <a:t>def</a:t>
+            </a:r>
+            <a:r>
+              <a:rPr kumimoji="1" lang="en-US" altLang="ja-JP" sz="2400" dirty="0">
+                <a:solidFill>
+                  <a:schemeClr val="tx1">
+                    <a:lumMod val="75000"/>
+                    <a:lumOff val="25000"/>
+                  </a:schemeClr>
+                </a:solidFill>
+              </a:rPr>
+              <a:t> train(</a:t>
+            </a:r>
+            <a:r>
+              <a:rPr kumimoji="1" lang="en-US" altLang="ja-JP" sz="2400" dirty="0" err="1">
+                <a:solidFill>
+                  <a:schemeClr val="tx1">
+                    <a:lumMod val="75000"/>
+                    <a:lumOff val="25000"/>
+                  </a:schemeClr>
+                </a:solidFill>
+              </a:rPr>
+              <a:t>numexamples</a:t>
+            </a:r>
+            <a:r>
+              <a:rPr kumimoji="1" lang="en-US" altLang="ja-JP" sz="2400" dirty="0">
+                <a:solidFill>
+                  <a:schemeClr val="tx1">
+                    <a:lumMod val="75000"/>
+                    <a:lumOff val="25000"/>
+                  </a:schemeClr>
+                </a:solidFill>
+              </a:rPr>
+              <a:t> = </a:t>
+            </a:r>
+            <a:r>
+              <a:rPr kumimoji="1" lang="en-US" altLang="ja-JP" sz="2400" dirty="0" smtClean="0">
+                <a:solidFill>
+                  <a:schemeClr val="tx1">
+                    <a:lumMod val="75000"/>
+                    <a:lumOff val="25000"/>
+                  </a:schemeClr>
+                </a:solidFill>
+              </a:rPr>
+              <a:t>&lt;xxx&gt;, </a:t>
+            </a:r>
+            <a:r>
+              <a:rPr kumimoji="1" lang="en-US" altLang="ja-JP" sz="2400" dirty="0" err="1">
+                <a:solidFill>
+                  <a:schemeClr val="tx1">
+                    <a:lumMod val="75000"/>
+                    <a:lumOff val="25000"/>
+                  </a:schemeClr>
+                </a:solidFill>
+              </a:rPr>
+              <a:t>numiter</a:t>
+            </a:r>
+            <a:r>
+              <a:rPr kumimoji="1" lang="en-US" altLang="ja-JP" sz="2400" dirty="0">
+                <a:solidFill>
+                  <a:schemeClr val="tx1">
+                    <a:lumMod val="75000"/>
+                    <a:lumOff val="25000"/>
+                  </a:schemeClr>
+                </a:solidFill>
+              </a:rPr>
+              <a:t> = </a:t>
+            </a:r>
+            <a:r>
+              <a:rPr kumimoji="1" lang="en-US" altLang="ja-JP" sz="2400" dirty="0" smtClean="0">
+                <a:solidFill>
+                  <a:schemeClr val="tx1">
+                    <a:lumMod val="75000"/>
+                    <a:lumOff val="25000"/>
+                  </a:schemeClr>
+                </a:solidFill>
+              </a:rPr>
+              <a:t>&lt;xxx&gt;):     </a:t>
+            </a:r>
+            <a:r>
+              <a:rPr kumimoji="1" lang="en-US" altLang="ja-JP" sz="2400" dirty="0">
+                <a:solidFill>
+                  <a:schemeClr val="tx1">
+                    <a:lumMod val="75000"/>
+                    <a:lumOff val="25000"/>
+                  </a:schemeClr>
+                </a:solidFill>
+              </a:rPr>
+              <a:t/>
+            </a:r>
+            <a:br>
+              <a:rPr kumimoji="1" lang="en-US" altLang="ja-JP" sz="2400" dirty="0">
+                <a:solidFill>
+                  <a:schemeClr val="tx1">
+                    <a:lumMod val="75000"/>
+                    <a:lumOff val="25000"/>
+                  </a:schemeClr>
+                </a:solidFill>
+              </a:rPr>
+            </a:br>
+            <a:r>
+              <a:rPr kumimoji="1" lang="en-US" altLang="ja-JP" sz="2400" dirty="0">
+                <a:solidFill>
+                  <a:schemeClr val="tx1">
+                    <a:lumMod val="75000"/>
+                    <a:lumOff val="25000"/>
+                  </a:schemeClr>
+                </a:solidFill>
+              </a:rPr>
+              <a:t>    </a:t>
+            </a:r>
+            <a:r>
+              <a:rPr kumimoji="1" lang="en-US" altLang="ja-JP" sz="2400" dirty="0" err="1">
+                <a:solidFill>
+                  <a:schemeClr val="tx1">
+                    <a:lumMod val="75000"/>
+                    <a:lumOff val="25000"/>
+                  </a:schemeClr>
+                </a:solidFill>
+              </a:rPr>
+              <a:t>trainset_features</a:t>
+            </a:r>
+            <a:r>
+              <a:rPr kumimoji="1" lang="en-US" altLang="ja-JP" sz="2400" dirty="0">
+                <a:solidFill>
+                  <a:schemeClr val="tx1">
+                    <a:lumMod val="75000"/>
+                    <a:lumOff val="25000"/>
+                  </a:schemeClr>
+                </a:solidFill>
+              </a:rPr>
+              <a:t> = &lt;a list of dictionaries&gt;</a:t>
+            </a:r>
+            <a:br>
+              <a:rPr kumimoji="1" lang="en-US" altLang="ja-JP" sz="2400" dirty="0">
+                <a:solidFill>
+                  <a:schemeClr val="tx1">
+                    <a:lumMod val="75000"/>
+                    <a:lumOff val="25000"/>
+                  </a:schemeClr>
+                </a:solidFill>
+              </a:rPr>
+            </a:br>
+            <a:r>
+              <a:rPr kumimoji="1" lang="en-US" altLang="ja-JP" sz="2400" dirty="0">
+                <a:solidFill>
+                  <a:schemeClr val="tx1">
+                    <a:lumMod val="75000"/>
+                    <a:lumOff val="25000"/>
+                  </a:schemeClr>
+                </a:solidFill>
+              </a:rPr>
+              <a:t>    </a:t>
+            </a:r>
+            <a:r>
+              <a:rPr kumimoji="1" lang="en-US" altLang="ja-JP" sz="2400" dirty="0" err="1">
+                <a:solidFill>
+                  <a:schemeClr val="tx1">
+                    <a:lumMod val="75000"/>
+                    <a:lumOff val="25000"/>
+                  </a:schemeClr>
+                </a:solidFill>
+              </a:rPr>
+              <a:t>trainset_labels</a:t>
+            </a:r>
+            <a:r>
+              <a:rPr kumimoji="1" lang="en-US" altLang="ja-JP" sz="2400" dirty="0">
+                <a:solidFill>
+                  <a:schemeClr val="tx1">
+                    <a:lumMod val="75000"/>
+                    <a:lumOff val="25000"/>
+                  </a:schemeClr>
+                </a:solidFill>
+              </a:rPr>
+              <a:t> = &lt;a list of strings&gt;</a:t>
+            </a:r>
+            <a:r>
+              <a:rPr kumimoji="1" lang="en-US" altLang="ja-JP" sz="2400" dirty="0"/>
+              <a:t/>
+            </a:r>
+            <a:br>
+              <a:rPr kumimoji="1" lang="en-US" altLang="ja-JP" sz="2400" dirty="0"/>
+            </a:br>
+            <a:r>
+              <a:rPr kumimoji="1" lang="en-US" altLang="ja-JP" sz="2400" dirty="0"/>
+              <a:t>    </a:t>
+            </a:r>
+            <a:r>
+              <a:rPr kumimoji="1" lang="en-US" altLang="ja-JP" sz="2400" dirty="0" err="1">
+                <a:solidFill>
+                  <a:schemeClr val="tx1">
+                    <a:lumMod val="75000"/>
+                    <a:lumOff val="25000"/>
+                  </a:schemeClr>
+                </a:solidFill>
+              </a:rPr>
+              <a:t>trainset</a:t>
+            </a:r>
+            <a:r>
+              <a:rPr kumimoji="1" lang="en-US" altLang="ja-JP" sz="2400" dirty="0">
+                <a:solidFill>
+                  <a:schemeClr val="tx1">
+                    <a:lumMod val="75000"/>
+                    <a:lumOff val="25000"/>
+                  </a:schemeClr>
+                </a:solidFill>
+              </a:rPr>
+              <a:t> = zip(</a:t>
+            </a:r>
+            <a:r>
+              <a:rPr kumimoji="1" lang="en-US" altLang="ja-JP" sz="2400" dirty="0" err="1">
+                <a:solidFill>
+                  <a:schemeClr val="tx1">
+                    <a:lumMod val="75000"/>
+                    <a:lumOff val="25000"/>
+                  </a:schemeClr>
+                </a:solidFill>
+              </a:rPr>
+              <a:t>trainset_features</a:t>
+            </a:r>
+            <a:r>
+              <a:rPr kumimoji="1" lang="en-US" altLang="ja-JP" sz="2400" dirty="0">
+                <a:solidFill>
+                  <a:schemeClr val="tx1">
+                    <a:lumMod val="75000"/>
+                    <a:lumOff val="25000"/>
+                  </a:schemeClr>
+                </a:solidFill>
+              </a:rPr>
+              <a:t>, </a:t>
+            </a:r>
+            <a:r>
+              <a:rPr kumimoji="1" lang="en-US" altLang="ja-JP" sz="2400" dirty="0" err="1">
+                <a:solidFill>
+                  <a:schemeClr val="tx1">
+                    <a:lumMod val="75000"/>
+                    <a:lumOff val="25000"/>
+                  </a:schemeClr>
+                </a:solidFill>
+              </a:rPr>
+              <a:t>trainset_labels</a:t>
+            </a:r>
+            <a:r>
+              <a:rPr kumimoji="1" lang="en-US" altLang="ja-JP" sz="2400" dirty="0">
+                <a:solidFill>
+                  <a:schemeClr val="tx1">
+                    <a:lumMod val="75000"/>
+                    <a:lumOff val="25000"/>
+                  </a:schemeClr>
+                </a:solidFill>
+              </a:rPr>
+              <a:t>)</a:t>
+            </a:r>
+            <a:r>
+              <a:rPr kumimoji="1" lang="en-US" altLang="ja-JP" sz="2400" dirty="0"/>
+              <a:t>  </a:t>
+            </a:r>
+            <a:br>
+              <a:rPr kumimoji="1" lang="en-US" altLang="ja-JP" sz="2400" dirty="0"/>
+            </a:br>
+            <a:r>
+              <a:rPr kumimoji="1" lang="en-US" altLang="ja-JP" sz="2400" dirty="0"/>
+              <a:t>    classifier = </a:t>
+            </a:r>
+            <a:br>
+              <a:rPr kumimoji="1" lang="en-US" altLang="ja-JP" sz="2400" dirty="0"/>
+            </a:br>
+            <a:r>
+              <a:rPr kumimoji="1" lang="en-US" altLang="ja-JP" sz="2400" dirty="0"/>
+              <a:t>    </a:t>
+            </a:r>
+            <a:r>
+              <a:rPr kumimoji="1" lang="en-US" altLang="ja-JP" sz="2400" dirty="0" err="1"/>
+              <a:t>nltk.MaxentClassifier.train</a:t>
+            </a:r>
+            <a:r>
+              <a:rPr kumimoji="1" lang="en-US" altLang="ja-JP" sz="2400" dirty="0"/>
+              <a:t>(</a:t>
+            </a:r>
+            <a:r>
+              <a:rPr kumimoji="1" lang="en-US" altLang="ja-JP" sz="2400" dirty="0" err="1"/>
+              <a:t>trainset</a:t>
+            </a:r>
+            <a:r>
+              <a:rPr kumimoji="1" lang="en-US" altLang="ja-JP" sz="2400" dirty="0"/>
+              <a:t>, algorithm="IIS", </a:t>
+            </a:r>
+            <a:r>
+              <a:rPr kumimoji="1" lang="en-US" altLang="ja-JP" sz="2400" dirty="0" smtClean="0"/>
+              <a:t/>
+            </a:r>
+            <a:br>
+              <a:rPr kumimoji="1" lang="en-US" altLang="ja-JP" sz="2400" dirty="0" smtClean="0"/>
+            </a:br>
+            <a:r>
+              <a:rPr kumimoji="1" lang="en-US" altLang="ja-JP" sz="2400" dirty="0" smtClean="0"/>
+              <a:t>									</a:t>
+            </a:r>
+            <a:r>
+              <a:rPr kumimoji="1" lang="en-US" altLang="ja-JP" sz="2400" dirty="0" err="1" smtClean="0"/>
+              <a:t>max_iter</a:t>
+            </a:r>
+            <a:r>
+              <a:rPr kumimoji="1" lang="en-US" altLang="ja-JP" sz="2400" dirty="0" smtClean="0"/>
+              <a:t>=</a:t>
+            </a:r>
+            <a:r>
+              <a:rPr kumimoji="1" lang="en-US" altLang="ja-JP" sz="2400" dirty="0" err="1" smtClean="0"/>
+              <a:t>numiter</a:t>
+            </a:r>
+            <a:r>
+              <a:rPr kumimoji="1" lang="en-US" altLang="ja-JP" sz="2400" dirty="0" smtClean="0"/>
+              <a:t>)</a:t>
+            </a:r>
+            <a:endParaRPr kumimoji="1" lang="en-US" altLang="ja-JP" dirty="0" smtClean="0"/>
+          </a:p>
+          <a:p>
+            <a:r>
+              <a:rPr kumimoji="1" lang="en-US" altLang="ja-JP" dirty="0" smtClean="0"/>
+              <a:t> </a:t>
+            </a:r>
+            <a:r>
+              <a:rPr kumimoji="1" lang="ja-JP" altLang="en-US" dirty="0" smtClean="0"/>
+              <a:t>テスト</a:t>
+            </a:r>
+            <a:endParaRPr kumimoji="1" lang="en-US" altLang="ja-JP" dirty="0" smtClean="0"/>
+          </a:p>
+          <a:p>
+            <a:pPr lvl="2"/>
+            <a:r>
+              <a:rPr kumimoji="1" lang="en-US" altLang="ja-JP" sz="2400" dirty="0" err="1" smtClean="0">
+                <a:solidFill>
+                  <a:schemeClr val="tx1">
+                    <a:lumMod val="75000"/>
+                    <a:lumOff val="25000"/>
+                  </a:schemeClr>
+                </a:solidFill>
+              </a:rPr>
+              <a:t>def</a:t>
+            </a:r>
+            <a:r>
+              <a:rPr kumimoji="1" lang="en-US" altLang="ja-JP" sz="2400" dirty="0" smtClean="0">
+                <a:solidFill>
+                  <a:schemeClr val="tx1">
+                    <a:lumMod val="75000"/>
+                    <a:lumOff val="25000"/>
+                  </a:schemeClr>
+                </a:solidFill>
+              </a:rPr>
+              <a:t> test(classifier):</a:t>
+            </a:r>
+            <a:br>
+              <a:rPr kumimoji="1" lang="en-US" altLang="ja-JP" sz="2400" dirty="0" smtClean="0">
+                <a:solidFill>
+                  <a:schemeClr val="tx1">
+                    <a:lumMod val="75000"/>
+                    <a:lumOff val="25000"/>
+                  </a:schemeClr>
+                </a:solidFill>
+              </a:rPr>
+            </a:br>
+            <a:r>
+              <a:rPr kumimoji="1" lang="en-US" altLang="ja-JP" sz="2400" dirty="0" smtClean="0">
+                <a:solidFill>
+                  <a:schemeClr val="tx1">
+                    <a:lumMod val="75000"/>
+                    <a:lumOff val="25000"/>
+                  </a:schemeClr>
+                </a:solidFill>
+              </a:rPr>
+              <a:t>    </a:t>
+            </a:r>
+            <a:r>
+              <a:rPr kumimoji="1" lang="en-US" altLang="ja-JP" sz="2400" dirty="0" err="1" smtClean="0">
+                <a:solidFill>
+                  <a:schemeClr val="tx1">
+                    <a:lumMod val="75000"/>
+                    <a:lumOff val="25000"/>
+                  </a:schemeClr>
+                </a:solidFill>
+              </a:rPr>
+              <a:t>testset_features</a:t>
+            </a:r>
+            <a:r>
+              <a:rPr kumimoji="1" lang="en-US" altLang="ja-JP" sz="2400" dirty="0" smtClean="0">
+                <a:solidFill>
+                  <a:schemeClr val="tx1">
+                    <a:lumMod val="75000"/>
+                    <a:lumOff val="25000"/>
+                  </a:schemeClr>
+                </a:solidFill>
+              </a:rPr>
+              <a:t> </a:t>
+            </a:r>
+            <a:r>
+              <a:rPr kumimoji="1" lang="en-US" altLang="ja-JP" sz="2400" dirty="0">
+                <a:solidFill>
+                  <a:schemeClr val="tx1">
+                    <a:lumMod val="75000"/>
+                    <a:lumOff val="25000"/>
+                  </a:schemeClr>
+                </a:solidFill>
+              </a:rPr>
+              <a:t>= </a:t>
+            </a:r>
+            <a:r>
+              <a:rPr kumimoji="1" lang="en-US" altLang="ja-JP" sz="2400" dirty="0" smtClean="0">
+                <a:solidFill>
+                  <a:schemeClr val="tx1">
+                    <a:lumMod val="75000"/>
+                    <a:lumOff val="25000"/>
+                  </a:schemeClr>
+                </a:solidFill>
+              </a:rPr>
+              <a:t>&lt;a list of dictionaries&gt;</a:t>
+            </a:r>
+            <a:br>
+              <a:rPr kumimoji="1" lang="en-US" altLang="ja-JP" sz="2400" dirty="0" smtClean="0">
+                <a:solidFill>
+                  <a:schemeClr val="tx1">
+                    <a:lumMod val="75000"/>
+                    <a:lumOff val="25000"/>
+                  </a:schemeClr>
+                </a:solidFill>
+              </a:rPr>
+            </a:br>
+            <a:r>
+              <a:rPr kumimoji="1" lang="en-US" altLang="ja-JP" sz="2400" dirty="0" smtClean="0">
+                <a:solidFill>
+                  <a:schemeClr val="tx1">
+                    <a:lumMod val="75000"/>
+                    <a:lumOff val="25000"/>
+                  </a:schemeClr>
+                </a:solidFill>
+              </a:rPr>
+              <a:t>    </a:t>
+            </a:r>
+            <a:r>
+              <a:rPr kumimoji="1" lang="en-US" altLang="ja-JP" sz="2400" dirty="0" err="1" smtClean="0">
+                <a:solidFill>
+                  <a:schemeClr val="tx1">
+                    <a:lumMod val="75000"/>
+                    <a:lumOff val="25000"/>
+                  </a:schemeClr>
+                </a:solidFill>
+              </a:rPr>
+              <a:t>testset_labels</a:t>
+            </a:r>
+            <a:r>
+              <a:rPr kumimoji="1" lang="en-US" altLang="ja-JP" sz="2400" dirty="0" smtClean="0">
+                <a:solidFill>
+                  <a:schemeClr val="tx1">
+                    <a:lumMod val="75000"/>
+                    <a:lumOff val="25000"/>
+                  </a:schemeClr>
+                </a:solidFill>
+              </a:rPr>
+              <a:t>   = &lt;a list of strings&gt;</a:t>
+            </a:r>
+            <a:r>
+              <a:rPr kumimoji="1" lang="en-US" altLang="ja-JP" sz="2400" dirty="0" smtClean="0"/>
+              <a:t/>
+            </a:r>
+            <a:br>
+              <a:rPr kumimoji="1" lang="en-US" altLang="ja-JP" sz="2400" dirty="0" smtClean="0"/>
+            </a:br>
+            <a:r>
+              <a:rPr kumimoji="1" lang="en-US" altLang="ja-JP" sz="2400" dirty="0" smtClean="0"/>
+              <a:t>    </a:t>
+            </a:r>
+            <a:r>
+              <a:rPr kumimoji="1" lang="en-US" altLang="ja-JP" sz="2400" dirty="0" err="1" smtClean="0">
+                <a:solidFill>
+                  <a:schemeClr val="tx1">
+                    <a:lumMod val="75000"/>
+                    <a:lumOff val="25000"/>
+                  </a:schemeClr>
+                </a:solidFill>
+              </a:rPr>
+              <a:t>testset</a:t>
+            </a:r>
+            <a:r>
+              <a:rPr kumimoji="1" lang="en-US" altLang="ja-JP" sz="2400" dirty="0" smtClean="0">
+                <a:solidFill>
+                  <a:schemeClr val="tx1">
+                    <a:lumMod val="75000"/>
+                    <a:lumOff val="25000"/>
+                  </a:schemeClr>
+                </a:solidFill>
+              </a:rPr>
+              <a:t> </a:t>
+            </a:r>
+            <a:r>
+              <a:rPr kumimoji="1" lang="en-US" altLang="ja-JP" sz="2400" dirty="0">
+                <a:solidFill>
+                  <a:schemeClr val="tx1">
+                    <a:lumMod val="75000"/>
+                    <a:lumOff val="25000"/>
+                  </a:schemeClr>
+                </a:solidFill>
+              </a:rPr>
+              <a:t>= zip(</a:t>
+            </a:r>
+            <a:r>
+              <a:rPr kumimoji="1" lang="en-US" altLang="ja-JP" sz="2400" dirty="0" err="1">
+                <a:solidFill>
+                  <a:schemeClr val="tx1">
+                    <a:lumMod val="75000"/>
+                    <a:lumOff val="25000"/>
+                  </a:schemeClr>
+                </a:solidFill>
+              </a:rPr>
+              <a:t>testset_features</a:t>
+            </a:r>
+            <a:r>
+              <a:rPr kumimoji="1" lang="en-US" altLang="ja-JP" sz="2400" dirty="0">
+                <a:solidFill>
+                  <a:schemeClr val="tx1">
+                    <a:lumMod val="75000"/>
+                    <a:lumOff val="25000"/>
+                  </a:schemeClr>
+                </a:solidFill>
+              </a:rPr>
+              <a:t>, </a:t>
+            </a:r>
+            <a:r>
+              <a:rPr kumimoji="1" lang="en-US" altLang="ja-JP" sz="2400" dirty="0" err="1" smtClean="0">
+                <a:solidFill>
+                  <a:schemeClr val="tx1">
+                    <a:lumMod val="75000"/>
+                    <a:lumOff val="25000"/>
+                  </a:schemeClr>
+                </a:solidFill>
+              </a:rPr>
+              <a:t>testset_labels</a:t>
+            </a:r>
+            <a:r>
+              <a:rPr kumimoji="1" lang="en-US" altLang="ja-JP" sz="2400" dirty="0" smtClean="0">
+                <a:solidFill>
+                  <a:schemeClr val="tx1">
+                    <a:lumMod val="75000"/>
+                    <a:lumOff val="25000"/>
+                  </a:schemeClr>
+                </a:solidFill>
+              </a:rPr>
+              <a:t>)</a:t>
+            </a:r>
+            <a:br>
+              <a:rPr kumimoji="1" lang="en-US" altLang="ja-JP" sz="2400" dirty="0" smtClean="0">
+                <a:solidFill>
+                  <a:schemeClr val="tx1">
+                    <a:lumMod val="75000"/>
+                    <a:lumOff val="25000"/>
+                  </a:schemeClr>
+                </a:solidFill>
+              </a:rPr>
+            </a:br>
+            <a:r>
+              <a:rPr kumimoji="1" lang="en-US" altLang="ja-JP" sz="2400" dirty="0" smtClean="0"/>
+              <a:t>    accuracy = </a:t>
+            </a:r>
+            <a:r>
+              <a:rPr kumimoji="1" lang="en-US" altLang="ja-JP" sz="2400" dirty="0" err="1" smtClean="0"/>
+              <a:t>nltk.classify.accuracy</a:t>
+            </a:r>
+            <a:r>
+              <a:rPr kumimoji="1" lang="en-US" altLang="ja-JP" sz="2400" dirty="0" smtClean="0"/>
+              <a:t>(classifier</a:t>
+            </a:r>
+            <a:r>
+              <a:rPr kumimoji="1" lang="en-US" altLang="ja-JP" sz="2400" dirty="0"/>
+              <a:t>, </a:t>
+            </a:r>
+            <a:r>
+              <a:rPr kumimoji="1" lang="en-US" altLang="ja-JP" sz="2400" dirty="0" err="1"/>
+              <a:t>testset</a:t>
+            </a:r>
+            <a:r>
+              <a:rPr kumimoji="1" lang="en-US" altLang="ja-JP" sz="2400" dirty="0"/>
+              <a:t>)</a:t>
+            </a:r>
+            <a:endParaRPr kumimoji="1" lang="en-US" altLang="ja-JP" sz="2400" dirty="0" smtClean="0"/>
+          </a:p>
+        </p:txBody>
+      </p:sp>
+    </p:spTree>
+    <p:extLst>
+      <p:ext uri="{BB962C8B-B14F-4D97-AF65-F5344CB8AC3E}">
+        <p14:creationId xmlns:p14="http://schemas.microsoft.com/office/powerpoint/2010/main" val="4230010490"/>
+      </p:ext>
+    </p:extLst>
+  </p:cSld>
+  <p:clrMapOvr>
+    <a:masterClrMapping/>
+  </p:clrMapOvr>
+  <p:transition/>
+</p:sld>
+</file>
+
+<file path=ppt/slides/slide25.xml><?xml version="1.0" encoding="utf-8"?>
 <p:sld xmlns:a="http://schemas.openxmlformats.org/drawingml/2006/main" xmlns:r="http://schemas.openxmlformats.org/officeDocument/2006/relationships" xmlns:p="http://schemas.openxmlformats.org/presentationml/2006/main">
   <p:cSld>
     <p:spTree>
@@ -6589,405 +7907,13 @@
           <a:p>
             <a:r>
               <a:rPr lang="ja-JP" altLang="en-US" dirty="0"/>
-              <a:t>終わらないかも・・・</a:t>
-            </a:r>
-          </a:p>
-        </p:txBody>
-      </p:sp>
-    </p:spTree>
-  </p:cSld>
-  <p:clrMapOvr>
-    <a:masterClrMapping/>
-  </p:clrMapOvr>
-  <p:transition/>
-  <p:timing>
-    <p:tnLst>
-      <p:par>
-        <p:cTn id="1" dur="indefinite" restart="never" nodeType="tmRoot"/>
-      </p:par>
-    </p:tnLst>
-  </p:timing>
-</p:sld>
-</file>
-
-<file path=ppt/slides/slide25.xml><?xml version="1.0" encoding="utf-8"?>
-<p:sld xmlns:a="http://schemas.openxmlformats.org/drawingml/2006/main" xmlns:r="http://schemas.openxmlformats.org/officeDocument/2006/relationships" xmlns:p="http://schemas.openxmlformats.org/presentationml/2006/main">
-  <p:cSld>
-    <p:spTree>
-      <p:nvGrpSpPr>
-        <p:cNvPr id="1" name=""/>
-        <p:cNvGrpSpPr/>
-        <p:nvPr/>
-      </p:nvGrpSpPr>
-      <p:grpSpPr>
-        <a:xfrm>
-          <a:off x="0" y="0"/>
-          <a:ext cx="0" cy="0"/>
-          <a:chOff x="0" y="0"/>
-          <a:chExt cx="0" cy="0"/>
-        </a:xfrm>
-      </p:grpSpPr>
-      <p:sp>
-        <p:nvSpPr>
-          <p:cNvPr id="30721" name="Rectangle 1"/>
-          <p:cNvSpPr>
-            <a:spLocks noGrp="1" noChangeArrowheads="1"/>
-          </p:cNvSpPr>
-          <p:nvPr>
-            <p:ph type="title"/>
-          </p:nvPr>
-        </p:nvSpPr>
-        <p:spPr>
-          <a:ln/>
-        </p:spPr>
-        <p:txBody>
-          <a:bodyPr/>
-          <a:lstStyle/>
-          <a:p>
-            <a:r>
-              <a:rPr lang="ja-JP" altLang="en-US" dirty="0"/>
-              <a:t>評価</a:t>
-            </a:r>
-            <a:r>
-              <a:rPr lang="en-US" altLang="ja-JP" dirty="0"/>
-              <a:t>: </a:t>
-            </a:r>
-            <a:r>
-              <a:rPr lang="ja-JP" altLang="en-US" dirty="0"/>
-              <a:t>そのモデルで大丈夫</a:t>
-            </a:r>
-            <a:r>
-              <a:rPr lang="en-US" altLang="ja-JP" dirty="0"/>
-              <a:t>?</a:t>
-            </a:r>
-          </a:p>
-        </p:txBody>
-      </p:sp>
-      <p:sp>
-        <p:nvSpPr>
-          <p:cNvPr id="4" name="Slide Number Placeholder 3"/>
-          <p:cNvSpPr>
-            <a:spLocks noGrp="1"/>
-          </p:cNvSpPr>
-          <p:nvPr>
-            <p:ph type="sldNum" sz="quarter" idx="4"/>
-          </p:nvPr>
-        </p:nvSpPr>
-        <p:spPr>
-          <a:prstGeom prst="rect">
-            <a:avLst/>
-          </a:prstGeom>
-        </p:spPr>
-        <p:txBody>
-          <a:bodyPr/>
-          <a:lstStyle/>
-          <a:p>
-            <a:fld id="{A9D3CB40-E20B-49ED-91F9-0F8BA9CA454A}" type="slidenum">
-              <a:rPr lang="en-US" altLang="ja-JP"/>
-              <a:pPr/>
-              <a:t>25</a:t>
-            </a:fld>
-            <a:endParaRPr lang="en-US" altLang="ja-JP"/>
-          </a:p>
-        </p:txBody>
-      </p:sp>
-      <p:sp>
-        <p:nvSpPr>
-          <p:cNvPr id="30722" name="Rectangle 2"/>
-          <p:cNvSpPr>
-            <a:spLocks noGrp="1" noChangeArrowheads="1"/>
-          </p:cNvSpPr>
-          <p:nvPr>
-            <p:ph sz="quarter" idx="10"/>
-          </p:nvPr>
-        </p:nvSpPr>
-        <p:spPr>
-          <a:ln/>
-        </p:spPr>
-        <p:txBody>
-          <a:bodyPr/>
-          <a:lstStyle/>
-          <a:p>
-            <a:pPr>
-              <a:tabLst>
-                <a:tab pos="1304925" algn="l"/>
-                <a:tab pos="2346325" algn="l"/>
-                <a:tab pos="1304925" algn="l"/>
-                <a:tab pos="2346325" algn="l"/>
-                <a:tab pos="1304925" algn="l"/>
-                <a:tab pos="2346325" algn="l"/>
-              </a:tabLst>
-            </a:pPr>
-            <a:r>
-              <a:rPr lang="en-US" altLang="ja-JP" dirty="0" smtClean="0"/>
-              <a:t>Accuracy</a:t>
+              <a:t>終わらないかも・・</a:t>
             </a:r>
             <a:r>
               <a:rPr lang="ja-JP" altLang="en-US" dirty="0" smtClean="0"/>
-              <a:t>はどうでしたか？</a:t>
-            </a:r>
-            <a:endParaRPr lang="en-US" altLang="ja-JP" dirty="0" smtClean="0"/>
-          </a:p>
-          <a:p>
-            <a:pPr>
-              <a:tabLst>
-                <a:tab pos="1304925" algn="l"/>
-                <a:tab pos="2346325" algn="l"/>
-                <a:tab pos="1304925" algn="l"/>
-                <a:tab pos="2346325" algn="l"/>
-                <a:tab pos="1304925" algn="l"/>
-                <a:tab pos="2346325" algn="l"/>
-              </a:tabLst>
-            </a:pPr>
-            <a:r>
-              <a:rPr lang="en-US" altLang="ja-JP" dirty="0" err="1" smtClean="0"/>
-              <a:t>MaxentClassifier</a:t>
-            </a:r>
-            <a:r>
-              <a:rPr lang="ja-JP" altLang="en-US" dirty="0"/>
-              <a:t>は多クラス分類器</a:t>
-            </a:r>
-          </a:p>
-          <a:p>
-            <a:pPr marL="842963" lvl="1">
-              <a:tabLst>
-                <a:tab pos="1304925" algn="l"/>
-                <a:tab pos="2346325" algn="l"/>
-                <a:tab pos="1304925" algn="l"/>
-                <a:tab pos="2346325" algn="l"/>
-                <a:tab pos="1304925" algn="l"/>
-                <a:tab pos="2346325" algn="l"/>
-              </a:tabLst>
-            </a:pPr>
-            <a:r>
-              <a:rPr lang="ja-JP" altLang="en-US" dirty="0"/>
-              <a:t>本当</a:t>
-            </a:r>
-            <a:r>
-              <a:rPr lang="ja-JP" altLang="en-US" dirty="0" smtClean="0"/>
-              <a:t>は </a:t>
-            </a:r>
-            <a:r>
-              <a:rPr lang="en-US" altLang="ja-JP" dirty="0" smtClean="0">
-                <a:latin typeface="Helvetica"/>
-              </a:rPr>
-              <a:t>“</a:t>
-            </a:r>
-            <a:r>
-              <a:rPr lang="en-US" altLang="ja-JP" dirty="0" smtClean="0"/>
-              <a:t>at</a:t>
-            </a:r>
-            <a:r>
-              <a:rPr lang="en-US" altLang="ja-JP" dirty="0" smtClean="0">
-                <a:latin typeface="Helvetica"/>
-              </a:rPr>
-              <a:t>”</a:t>
-            </a:r>
-            <a:r>
-              <a:rPr lang="en-US" altLang="ja-JP" dirty="0" smtClean="0"/>
-              <a:t> </a:t>
-            </a:r>
-            <a:r>
-              <a:rPr lang="ja-JP" altLang="en-US" dirty="0" err="1" smtClean="0"/>
-              <a:t>だったのに</a:t>
-            </a:r>
-            <a:r>
-              <a:rPr lang="ja-JP" altLang="en-US" dirty="0">
-                <a:latin typeface="Helvetica"/>
-              </a:rPr>
-              <a:t> </a:t>
-            </a:r>
-            <a:r>
-              <a:rPr lang="en-US" altLang="ja-JP" dirty="0" smtClean="0">
-                <a:latin typeface="Helvetica"/>
-              </a:rPr>
-              <a:t>“</a:t>
-            </a:r>
-            <a:r>
-              <a:rPr lang="en-US" altLang="ja-JP" dirty="0" smtClean="0"/>
-              <a:t>in</a:t>
-            </a:r>
-            <a:r>
-              <a:rPr lang="en-US" altLang="ja-JP" dirty="0" smtClean="0">
-                <a:latin typeface="Helvetica"/>
-              </a:rPr>
-              <a:t>”</a:t>
-            </a:r>
-            <a:r>
-              <a:rPr lang="en-US" altLang="ja-JP" dirty="0" smtClean="0"/>
-              <a:t> </a:t>
-            </a:r>
-            <a:r>
-              <a:rPr lang="ja-JP" altLang="en-US" dirty="0"/>
-              <a:t>だと出力した場合</a:t>
-            </a:r>
-            <a:r>
-              <a:rPr lang="ja-JP" altLang="en-US" dirty="0" smtClean="0"/>
-              <a:t>と </a:t>
-            </a:r>
-            <a:r>
-              <a:rPr lang="en-US" altLang="ja-JP" dirty="0" smtClean="0">
-                <a:latin typeface="Helvetica"/>
-              </a:rPr>
-              <a:t>“</a:t>
-            </a:r>
-            <a:r>
-              <a:rPr lang="en-US" altLang="ja-JP" dirty="0" smtClean="0"/>
-              <a:t>on</a:t>
-            </a:r>
-            <a:r>
-              <a:rPr lang="en-US" altLang="ja-JP" dirty="0" smtClean="0">
-                <a:latin typeface="Helvetica"/>
-              </a:rPr>
-              <a:t>” </a:t>
-            </a:r>
-            <a:r>
-              <a:rPr lang="ja-JP" altLang="en-US" dirty="0" smtClean="0"/>
-              <a:t>だと</a:t>
-            </a:r>
-            <a:r>
-              <a:rPr lang="ja-JP" altLang="en-US" dirty="0"/>
-              <a:t>出力した場合はどちらが多いんだろう</a:t>
-            </a:r>
-            <a:r>
-              <a:rPr lang="en-US" altLang="ja-JP" dirty="0" smtClean="0">
-                <a:latin typeface="Helvetica"/>
-              </a:rPr>
-              <a:t>…</a:t>
-            </a:r>
-            <a:endParaRPr lang="en-US" altLang="ja-JP" dirty="0"/>
-          </a:p>
-          <a:p>
-            <a:pPr marL="484188" lvl="2">
-              <a:tabLst>
-                <a:tab pos="1304925" algn="l"/>
-                <a:tab pos="2346325" algn="l"/>
-                <a:tab pos="1304925" algn="l"/>
-                <a:tab pos="2346325" algn="l"/>
-                <a:tab pos="1304925" algn="l"/>
-                <a:tab pos="2346325" algn="l"/>
-              </a:tabLst>
-            </a:pPr>
-            <a:r>
-              <a:rPr lang="en-US" altLang="ja-JP" b="0" dirty="0" smtClean="0"/>
-              <a:t>	</a:t>
-            </a:r>
-            <a:r>
-              <a:rPr lang="ja-JP" altLang="en-US" b="0" dirty="0" smtClean="0"/>
-              <a:t>分類器が間違いやすいケースを特定したい！</a:t>
-            </a:r>
-            <a:endParaRPr lang="ja-JP" altLang="en-US" b="0" dirty="0"/>
-          </a:p>
-          <a:p>
-            <a:pPr marL="842963" lvl="1">
-              <a:tabLst>
-                <a:tab pos="1304925" algn="l"/>
-                <a:tab pos="2346325" algn="l"/>
-                <a:tab pos="1304925" algn="l"/>
-                <a:tab pos="2346325" algn="l"/>
-                <a:tab pos="1304925" algn="l"/>
-                <a:tab pos="2346325" algn="l"/>
-              </a:tabLst>
-            </a:pPr>
-            <a:r>
-              <a:rPr lang="ja-JP" altLang="en-US" dirty="0"/>
-              <a:t>そこで混同行列</a:t>
-            </a:r>
-            <a:r>
-              <a:rPr lang="en-US" altLang="ja-JP" dirty="0"/>
-              <a:t>(Confusion Matrix</a:t>
-            </a:r>
-            <a:r>
-              <a:rPr lang="en-US" altLang="ja-JP" dirty="0" smtClean="0"/>
-              <a:t>)</a:t>
-            </a:r>
-            <a:r>
-              <a:rPr lang="ja-JP" altLang="en-US" dirty="0" smtClean="0"/>
-              <a:t>！</a:t>
-            </a:r>
-            <a:endParaRPr lang="en-US" altLang="ja-JP" dirty="0"/>
-          </a:p>
-          <a:p>
-            <a:pPr marL="525463" lvl="2">
-              <a:tabLst>
-                <a:tab pos="1304925" algn="l"/>
-                <a:tab pos="2346325" algn="l"/>
-                <a:tab pos="1304925" algn="l"/>
-                <a:tab pos="2346325" algn="l"/>
-                <a:tab pos="1304925" algn="l"/>
-                <a:tab pos="2346325" algn="l"/>
-              </a:tabLst>
-            </a:pPr>
-            <a:r>
-              <a:rPr lang="en-US" altLang="ja-JP" dirty="0" err="1"/>
-              <a:t>classifier_outputs</a:t>
-            </a:r>
-            <a:r>
-              <a:rPr lang="en-US" altLang="ja-JP" dirty="0"/>
-              <a:t> = </a:t>
-            </a:r>
-            <a:r>
-              <a:rPr lang="en-US" altLang="ja-JP" dirty="0" err="1" smtClean="0"/>
-              <a:t>MaxentClassifier.classify</a:t>
-            </a:r>
-            <a:r>
-              <a:rPr lang="en-US" altLang="ja-JP" dirty="0" smtClean="0"/>
-              <a:t>(</a:t>
-            </a:r>
-            <a:r>
-              <a:rPr lang="en-US" altLang="ja-JP" dirty="0" err="1" smtClean="0"/>
-              <a:t>test_features</a:t>
-            </a:r>
-            <a:r>
-              <a:rPr lang="en-US" altLang="ja-JP" dirty="0" smtClean="0"/>
-              <a:t>)</a:t>
-            </a:r>
-            <a:br>
-              <a:rPr lang="en-US" altLang="ja-JP" dirty="0" smtClean="0"/>
-            </a:br>
-            <a:r>
-              <a:rPr lang="en-US" altLang="ja-JP" dirty="0" smtClean="0"/>
-              <a:t>cm </a:t>
-            </a:r>
-            <a:r>
-              <a:rPr lang="en-US" altLang="ja-JP" dirty="0"/>
-              <a:t>= </a:t>
-            </a:r>
-            <a:r>
-              <a:rPr lang="en-US" altLang="ja-JP" dirty="0" err="1"/>
-              <a:t>nltk.ConfusionMatrix</a:t>
-            </a:r>
-            <a:r>
-              <a:rPr lang="en-US" altLang="ja-JP" dirty="0"/>
-              <a:t>(</a:t>
-            </a:r>
-            <a:r>
-              <a:rPr lang="en-US" altLang="ja-JP" dirty="0" err="1"/>
-              <a:t>gold_labels</a:t>
-            </a:r>
-            <a:r>
-              <a:rPr lang="en-US" altLang="ja-JP" dirty="0"/>
-              <a:t>, </a:t>
-            </a:r>
-            <a:r>
-              <a:rPr lang="en-US" altLang="ja-JP" dirty="0" err="1" smtClean="0"/>
-              <a:t>classifier_outputs</a:t>
-            </a:r>
-            <a:r>
-              <a:rPr lang="en-US" altLang="ja-JP" dirty="0" smtClean="0"/>
-              <a:t>)</a:t>
-            </a:r>
-            <a:br>
-              <a:rPr lang="en-US" altLang="ja-JP" dirty="0" smtClean="0"/>
-            </a:br>
-            <a:r>
-              <a:rPr lang="en-US" altLang="ja-JP" dirty="0" smtClean="0"/>
-              <a:t>print </a:t>
-            </a:r>
-            <a:r>
-              <a:rPr lang="en-US" altLang="ja-JP" dirty="0"/>
-              <a:t>cm</a:t>
-            </a:r>
+              <a:t>・</a:t>
+            </a:r>
+            <a:endParaRPr lang="ja-JP" altLang="en-US" dirty="0"/>
           </a:p>
         </p:txBody>
       </p:sp>
@@ -7026,7 +7952,7 @@
       </p:grpSpPr>
       <p:sp>
         <p:nvSpPr>
-          <p:cNvPr id="31745" name="Rectangle 1"/>
+          <p:cNvPr id="30721" name="Rectangle 1"/>
           <p:cNvSpPr>
             <a:spLocks noGrp="1" noChangeArrowheads="1"/>
           </p:cNvSpPr>
@@ -7043,17 +7969,20 @@
           <a:p>
             <a:r>
               <a:rPr lang="ja-JP" altLang="en-US" dirty="0"/>
-              <a:t>より</a:t>
-            </a:r>
-            <a:r>
-              <a:rPr lang="ja-JP" altLang="en-US" dirty="0" smtClean="0"/>
-              <a:t>良いモデルを求めて</a:t>
-            </a:r>
-            <a:r>
-              <a:rPr lang="en-US" altLang="ja-JP" dirty="0" smtClean="0"/>
-              <a:t>…</a:t>
-            </a:r>
-            <a:endParaRPr lang="ja-JP" altLang="en-US" dirty="0"/>
+              <a:t>評価</a:t>
+            </a:r>
+            <a:r>
+              <a:rPr lang="en-US" altLang="ja-JP" dirty="0"/>
+              <a:t>: </a:t>
+            </a:r>
+            <a:r>
+              <a:rPr lang="ja-JP" altLang="en-US" dirty="0"/>
+              <a:t>そのモデルで大丈夫</a:t>
+            </a:r>
+            <a:r>
+              <a:rPr lang="en-US" altLang="ja-JP" dirty="0"/>
+              <a:t>?</a:t>
+            </a:r>
           </a:p>
         </p:txBody>
       </p:sp>
@@ -7076,7 +8005,7 @@
           <a:bodyPr/>
           <a:lstStyle/>
           <a:p>
-            <a:fld id="{A51ECD0F-213E-4DC8-8B09-BB3C23AD1406}" type="slidenum">
+            <a:fld id="{A9D3CB40-E20B-49ED-91F9-0F8BA9CA454A}" type="slidenum">
               <a:rPr lang="en-US" altLang="ja-JP"/>
               <a:pPr/>
               <a:t>26</a:t>
@@ -7087,7 +8016,7 @@
       </p:sp>
       <p:sp>
         <p:nvSpPr>
-          <p:cNvPr id="31746" name="Rectangle 2"/>
+          <p:cNvPr id="30722" name="Rectangle 2"/>
           <p:cNvSpPr>
             <a:spLocks noGrp="1" noChangeArrowheads="1"/>
           </p:cNvSpPr>
@@ -7106,151 +8035,309 @@
               <a:tabLst>
                 <a:tab pos="1304925" algn="l"/>
                 <a:tab pos="2346325" algn="l"/>
+                <a:tab pos="1304925" algn="l"/>
+                <a:tab pos="2346325" algn="l"/>
+                <a:tab pos="1304925" algn="l"/>
+                <a:tab pos="2346325" algn="l"/>
               </a:tabLst>
             </a:pPr>
             <a:r>
+              <a:rPr lang="en-US" altLang="ja-JP" dirty="0" smtClean="0"/>
+              <a:t>Accuracy</a:t>
+            </a:r>
+            <a:r>
+              <a:rPr lang="ja-JP" altLang="en-US" dirty="0" smtClean="0"/>
+              <a:t>はどうでしたか？</a:t>
+            </a:r>
+            <a:endParaRPr lang="en-US" altLang="ja-JP" dirty="0" smtClean="0"/>
+          </a:p>
+          <a:p>
+            <a:pPr>
+              <a:tabLst>
+                <a:tab pos="1304925" algn="l"/>
+                <a:tab pos="2346325" algn="l"/>
+                <a:tab pos="1304925" algn="l"/>
+                <a:tab pos="2346325" algn="l"/>
+                <a:tab pos="1304925" algn="l"/>
+                <a:tab pos="2346325" algn="l"/>
+              </a:tabLst>
+            </a:pPr>
+            <a:r>
+              <a:rPr lang="en-US" altLang="ja-JP" dirty="0" err="1" smtClean="0"/>
+              <a:t>MaxentClassifier</a:t>
+            </a:r>
+            <a:r>
               <a:rPr lang="ja-JP" altLang="en-US" dirty="0"/>
-              <a:t>どの素性が精度に寄与しているのか</a:t>
+              <a:t>は多クラス分類器</a:t>
+            </a:r>
+          </a:p>
+          <a:p>
+            <a:pPr marL="842963" lvl="1">
+              <a:tabLst>
+                <a:tab pos="1304925" algn="l"/>
+                <a:tab pos="2346325" algn="l"/>
+                <a:tab pos="1304925" algn="l"/>
+                <a:tab pos="2346325" algn="l"/>
+                <a:tab pos="1304925" algn="l"/>
+                <a:tab pos="2346325" algn="l"/>
+              </a:tabLst>
+            </a:pPr>
+            <a:r>
+              <a:rPr lang="ja-JP" altLang="en-US" dirty="0"/>
+              <a:t>本当</a:t>
             </a:r>
             <a:r>
               <a:rPr lang="ja-JP" altLang="en-US" dirty="0" smtClean="0"/>
-              <a:t>調べたい</a:t>
+              <a:t>は </a:t>
+            </a:r>
+            <a:r>
+              <a:rPr lang="en-US" altLang="ja-JP" dirty="0" smtClean="0">
+                <a:latin typeface="Helvetica"/>
+              </a:rPr>
+              <a:t>“</a:t>
             </a:r>
             <a:r>
               <a:rPr lang="en-US" altLang="ja-JP" dirty="0" smtClean="0"/>
+              <a:t>at</a:t>
+            </a:r>
+            <a:r>
+              <a:rPr lang="en-US" altLang="ja-JP" dirty="0" smtClean="0">
+                <a:latin typeface="Helvetica"/>
+              </a:rPr>
+              <a:t>”</a:t>
+            </a:r>
+            <a:r>
+              <a:rPr lang="en-US" altLang="ja-JP" dirty="0" smtClean="0"/>
+              <a:t> </a:t>
+            </a:r>
+            <a:r>
+              <a:rPr lang="ja-JP" altLang="en-US" dirty="0" err="1" smtClean="0"/>
+              <a:t>だったのに</a:t>
+            </a:r>
+            <a:r>
+              <a:rPr lang="ja-JP" altLang="en-US" dirty="0">
+                <a:latin typeface="Helvetica"/>
+              </a:rPr>
+              <a:t> </a:t>
+            </a:r>
+            <a:r>
+              <a:rPr lang="en-US" altLang="ja-JP" dirty="0" smtClean="0">
+                <a:latin typeface="Helvetica"/>
+              </a:rPr>
+              <a:t>“</a:t>
+            </a:r>
+            <a:r>
+              <a:rPr lang="en-US" altLang="ja-JP" dirty="0" smtClean="0"/>
+              <a:t>in</a:t>
+            </a:r>
+            <a:r>
+              <a:rPr lang="en-US" altLang="ja-JP" dirty="0" smtClean="0">
+                <a:latin typeface="Helvetica"/>
+              </a:rPr>
+              <a:t>”</a:t>
+            </a:r>
+            <a:r>
+              <a:rPr lang="en-US" altLang="ja-JP" dirty="0" smtClean="0"/>
+              <a:t> </a:t>
+            </a:r>
+            <a:r>
+              <a:rPr lang="ja-JP" altLang="en-US" dirty="0"/>
+              <a:t>だと出力した場合</a:t>
+            </a:r>
+            <a:r>
+              <a:rPr lang="ja-JP" altLang="en-US" dirty="0" smtClean="0"/>
+              <a:t>と </a:t>
+            </a:r>
+            <a:r>
+              <a:rPr lang="en-US" altLang="ja-JP" dirty="0" smtClean="0">
+                <a:latin typeface="Helvetica"/>
+              </a:rPr>
+              <a:t>“</a:t>
+            </a:r>
+            <a:r>
+              <a:rPr lang="en-US" altLang="ja-JP" dirty="0" smtClean="0"/>
+              <a:t>on</a:t>
+            </a:r>
+            <a:r>
+              <a:rPr lang="en-US" altLang="ja-JP" dirty="0" smtClean="0">
+                <a:latin typeface="Helvetica"/>
+              </a:rPr>
+              <a:t>” </a:t>
+            </a:r>
+            <a:r>
+              <a:rPr lang="ja-JP" altLang="en-US" dirty="0" smtClean="0"/>
+              <a:t>だと</a:t>
+            </a:r>
+            <a:r>
+              <a:rPr lang="ja-JP" altLang="en-US" dirty="0"/>
+              <a:t>出力した場合はどちらが多いんだろう</a:t>
+            </a:r>
+            <a:r>
+              <a:rPr lang="en-US" altLang="ja-JP" dirty="0" smtClean="0">
+                <a:latin typeface="Helvetica"/>
+              </a:rPr>
               <a:t>…</a:t>
             </a:r>
-            <a:endParaRPr lang="ja-JP" altLang="en-US" dirty="0"/>
+            <a:endParaRPr lang="en-US" altLang="ja-JP" dirty="0"/>
+          </a:p>
+          <a:p>
+            <a:pPr marL="484188" lvl="2">
+              <a:tabLst>
+                <a:tab pos="1304925" algn="l"/>
+                <a:tab pos="2346325" algn="l"/>
+                <a:tab pos="1304925" algn="l"/>
+                <a:tab pos="2346325" algn="l"/>
+                <a:tab pos="1304925" algn="l"/>
+                <a:tab pos="2346325" algn="l"/>
+              </a:tabLst>
+            </a:pPr>
+            <a:r>
+              <a:rPr lang="en-US" altLang="ja-JP" b="0" dirty="0" smtClean="0"/>
+              <a:t>	</a:t>
+            </a:r>
+            <a:r>
+              <a:rPr lang="ja-JP" altLang="en-US" b="0" dirty="0" smtClean="0"/>
+              <a:t>分類器が間違いやすいケースを特定したい！</a:t>
+            </a:r>
+            <a:endParaRPr lang="ja-JP" altLang="en-US" b="0" dirty="0"/>
+          </a:p>
+          <a:p>
+            <a:pPr marL="842963" lvl="1">
+              <a:tabLst>
+                <a:tab pos="1304925" algn="l"/>
+                <a:tab pos="2346325" algn="l"/>
+                <a:tab pos="1304925" algn="l"/>
+                <a:tab pos="2346325" algn="l"/>
+                <a:tab pos="1304925" algn="l"/>
+                <a:tab pos="2346325" algn="l"/>
+              </a:tabLst>
+            </a:pPr>
+            <a:r>
+              <a:rPr lang="ja-JP" altLang="en-US" dirty="0"/>
+              <a:t>そこで混同行列</a:t>
+            </a:r>
+            <a:r>
+              <a:rPr lang="en-US" altLang="ja-JP" dirty="0"/>
+              <a:t>(Confusion Matrix</a:t>
+            </a:r>
+            <a:r>
+              <a:rPr lang="en-US" altLang="ja-JP" dirty="0" smtClean="0"/>
+              <a:t>)</a:t>
+            </a:r>
+            <a:r>
+              <a:rPr lang="ja-JP" altLang="en-US" dirty="0" smtClean="0"/>
+              <a:t>！</a:t>
+            </a:r>
+            <a:endParaRPr lang="en-US" altLang="ja-JP" dirty="0"/>
           </a:p>
           <a:p>
             <a:pPr marL="525463" lvl="2">
               <a:tabLst>
                 <a:tab pos="1304925" algn="l"/>
                 <a:tab pos="2346325" algn="l"/>
-              </a:tabLst>
-            </a:pPr>
-            <a:r>
-              <a:rPr lang="en-US" altLang="ja-JP" sz="2400" dirty="0" smtClean="0"/>
-              <a:t>print </a:t>
-            </a:r>
-            <a:r>
-              <a:rPr lang="en-US" altLang="ja-JP" sz="2400" dirty="0" err="1" smtClean="0"/>
-              <a:t>nltk.MaxentClassifier.show_most_informative_features</a:t>
-            </a:r>
-            <a:r>
-              <a:rPr lang="en-US" altLang="ja-JP" sz="2400" dirty="0" smtClean="0"/>
-              <a:t>(n </a:t>
-            </a:r>
-            <a:r>
-              <a:rPr lang="en-US" altLang="ja-JP" sz="2400" dirty="0"/>
-              <a:t>= 10</a:t>
-            </a:r>
-            <a:r>
-              <a:rPr lang="en-US" altLang="ja-JP" sz="2400" dirty="0" smtClean="0"/>
-              <a:t>)</a:t>
-            </a:r>
-          </a:p>
-          <a:p>
-            <a:pPr marL="842963" lvl="1">
-              <a:tabLst>
+                <a:tab pos="1304925" algn="l"/>
+                <a:tab pos="2346325" algn="l"/>
                 <a:tab pos="1304925" algn="l"/>
                 <a:tab pos="2346325" algn="l"/>
               </a:tabLst>
             </a:pPr>
             <a:r>
-              <a:rPr lang="ja-JP" altLang="en-US" dirty="0" smtClean="0"/>
-              <a:t>上位</a:t>
-            </a:r>
-            <a:r>
-              <a:rPr lang="en-US" altLang="ja-JP" dirty="0"/>
-              <a:t>10</a:t>
-            </a:r>
-            <a:r>
-              <a:rPr lang="ja-JP" altLang="en-US" dirty="0"/>
-              <a:t>個の素性とそのラベルが表示</a:t>
-            </a:r>
-            <a:r>
-              <a:rPr lang="ja-JP" altLang="en-US" dirty="0" smtClean="0"/>
-              <a:t>される</a:t>
-            </a:r>
-            <a:endParaRPr lang="en-US" altLang="ja-JP" dirty="0" smtClean="0"/>
-          </a:p>
-          <a:p>
-            <a:pPr marL="225425">
-              <a:tabLst>
-                <a:tab pos="1304925" algn="l"/>
-                <a:tab pos="2346325" algn="l"/>
-              </a:tabLst>
-            </a:pPr>
-            <a:r>
-              <a:rPr lang="ja-JP" altLang="en-US" dirty="0" smtClean="0"/>
-              <a:t>シンプルな素性では正しい文の特徴を捉えられないときがある</a:t>
-            </a:r>
-            <a:endParaRPr lang="en-US" altLang="ja-JP" dirty="0" smtClean="0"/>
-          </a:p>
-          <a:p>
-            <a:pPr marL="848225" lvl="1">
-              <a:tabLst>
-                <a:tab pos="1304925" algn="l"/>
-                <a:tab pos="2346325" algn="l"/>
-              </a:tabLst>
-            </a:pPr>
-            <a:r>
-              <a:rPr lang="ja-JP" altLang="en-US" dirty="0" smtClean="0"/>
-              <a:t>誤り事例や，元のコーパスをもう一度眺めてみる</a:t>
-            </a:r>
-            <a:r>
-              <a:rPr lang="en-US" altLang="ja-JP" dirty="0" smtClean="0"/>
-              <a:t>…</a:t>
-            </a:r>
-            <a:r>
-              <a:rPr lang="ja-JP" altLang="en-US" dirty="0" smtClean="0"/>
-              <a:t>そして考える</a:t>
-            </a:r>
-            <a:endParaRPr lang="en-US" altLang="ja-JP" dirty="0"/>
-          </a:p>
-          <a:p>
-            <a:pPr marL="848225" lvl="1">
-              <a:tabLst>
-                <a:tab pos="1304925" algn="l"/>
-                <a:tab pos="2346325" algn="l"/>
-              </a:tabLst>
-            </a:pPr>
-            <a:r>
-              <a:rPr lang="ja-JP" altLang="en-US" dirty="0"/>
-              <a:t>誤り</a:t>
-            </a:r>
-            <a:r>
-              <a:rPr lang="ja-JP" altLang="en-US" dirty="0" smtClean="0"/>
-              <a:t>の傾向を素性に取り込む必要があるのだろうか</a:t>
-            </a:r>
-            <a:endParaRPr lang="en-US" altLang="ja-JP" dirty="0" smtClean="0"/>
-          </a:p>
-          <a:p>
-            <a:pPr marL="848225" lvl="1">
-              <a:tabLst>
-                <a:tab pos="1304925" algn="l"/>
-                <a:tab pos="2346325" algn="l"/>
-              </a:tabLst>
-            </a:pPr>
-            <a:r>
-              <a:rPr lang="ja-JP" altLang="en-US" dirty="0" smtClean="0"/>
-              <a:t>単語の活用形ではなく，原形を入れてみてはどうだろうか</a:t>
-            </a:r>
-            <a:endParaRPr lang="en-US" altLang="ja-JP" dirty="0" smtClean="0"/>
-          </a:p>
-          <a:p>
-            <a:pPr marL="848225" lvl="1">
-              <a:tabLst>
-                <a:tab pos="1304925" algn="l"/>
-                <a:tab pos="2346325" algn="l"/>
-              </a:tabLst>
-            </a:pPr>
-            <a:r>
-              <a:rPr lang="ja-JP" altLang="en-US" dirty="0" smtClean="0"/>
-              <a:t>より広い範囲の構文的な情報を取り込むとどうなるだろうか</a:t>
-            </a:r>
-            <a:endParaRPr lang="en-US" altLang="ja-JP" dirty="0" smtClean="0"/>
+              <a:rPr lang="en-US" altLang="ja-JP" sz="2400" dirty="0" err="1" smtClean="0"/>
+              <a:t>classifier_outputs</a:t>
+            </a:r>
+            <a:r>
+              <a:rPr lang="en-US" altLang="ja-JP" sz="2400" dirty="0" smtClean="0"/>
+              <a:t> </a:t>
+            </a:r>
+            <a:r>
+              <a:rPr lang="en-US" altLang="ja-JP" sz="2400" dirty="0"/>
+              <a:t>= </a:t>
+            </a:r>
+            <a:r>
+              <a:rPr lang="en-US" altLang="ja-JP" sz="2400" dirty="0" smtClean="0"/>
+              <a:t/>
+            </a:r>
+            <a:br>
+              <a:rPr lang="en-US" altLang="ja-JP" sz="2400" dirty="0" smtClean="0"/>
+            </a:br>
+            <a:r>
+              <a:rPr lang="en-US" altLang="ja-JP" sz="2400" dirty="0" smtClean="0"/>
+              <a:t>	[</a:t>
+            </a:r>
+            <a:r>
+              <a:rPr lang="en-US" altLang="ja-JP" sz="2400" dirty="0" err="1" smtClean="0"/>
+              <a:t>nltk.MaxentClassifier.classify</a:t>
+            </a:r>
+            <a:r>
+              <a:rPr lang="en-US" altLang="ja-JP" sz="2400" dirty="0" smtClean="0"/>
+              <a:t>(t) </a:t>
+            </a:r>
+            <a:r>
+              <a:rPr lang="en-US" altLang="ja-JP" sz="2400" dirty="0"/>
+              <a:t>for </a:t>
+            </a:r>
+            <a:r>
+              <a:rPr lang="en-US" altLang="ja-JP" sz="2400" dirty="0" smtClean="0"/>
+              <a:t>t </a:t>
+            </a:r>
+            <a:r>
+              <a:rPr lang="en-US" altLang="ja-JP" sz="2400" dirty="0"/>
+              <a:t>in </a:t>
+            </a:r>
+            <a:r>
+              <a:rPr lang="en-US" altLang="ja-JP" sz="2400" dirty="0" err="1"/>
+              <a:t>testset_features</a:t>
+            </a:r>
+            <a:r>
+              <a:rPr lang="en-US" altLang="ja-JP" sz="2400" dirty="0" smtClean="0"/>
+              <a:t>]</a:t>
+            </a:r>
+            <a:br>
+              <a:rPr lang="en-US" altLang="ja-JP" sz="2400" dirty="0" smtClean="0"/>
+            </a:br>
+            <a:r>
+              <a:rPr lang="en-US" altLang="ja-JP" sz="2400" dirty="0" smtClean="0"/>
+              <a:t>cm </a:t>
+            </a:r>
+            <a:r>
+              <a:rPr lang="en-US" altLang="ja-JP" sz="2400" dirty="0"/>
+              <a:t>= </a:t>
+            </a:r>
+            <a:r>
+              <a:rPr lang="en-US" altLang="ja-JP" sz="2400" dirty="0" err="1"/>
+              <a:t>nltk.ConfusionMatrix</a:t>
+            </a:r>
+            <a:r>
+              <a:rPr lang="en-US" altLang="ja-JP" sz="2400" dirty="0"/>
+              <a:t>(</a:t>
+            </a:r>
+            <a:r>
+              <a:rPr lang="en-US" altLang="ja-JP" sz="2400" dirty="0" err="1"/>
+              <a:t>gold_labels</a:t>
+            </a:r>
+            <a:r>
+              <a:rPr lang="en-US" altLang="ja-JP" sz="2400" dirty="0"/>
+              <a:t>, </a:t>
+            </a:r>
+            <a:r>
+              <a:rPr lang="en-US" altLang="ja-JP" sz="2400" dirty="0" err="1" smtClean="0"/>
+              <a:t>classifier_outputs</a:t>
+            </a:r>
+            <a:r>
+              <a:rPr lang="en-US" altLang="ja-JP" sz="2400" dirty="0" smtClean="0"/>
+              <a:t>)</a:t>
+            </a:r>
+            <a:br>
+              <a:rPr lang="en-US" altLang="ja-JP" sz="2400" dirty="0" smtClean="0"/>
+            </a:br>
+            <a:r>
+              <a:rPr lang="en-US" altLang="ja-JP" sz="2400" dirty="0" smtClean="0"/>
+              <a:t>print </a:t>
+            </a:r>
+            <a:r>
+              <a:rPr lang="en-US" altLang="ja-JP" sz="2400" dirty="0"/>
+              <a:t>cm</a:t>
+            </a:r>
           </a:p>
         </p:txBody>
       </p:sp>
@@ -7289,6 +8376,285 @@
       </p:grpSpPr>
       <p:sp>
         <p:nvSpPr>
+          <p:cNvPr id="31745" name="Rectangle 1"/>
+          <p:cNvSpPr>
+            <a:spLocks noGrp="1" noChangeArrowheads="1"/>
+          </p:cNvSpPr>
+          <p:nvPr>
+            <p:ph type="title"/>
+          </p:nvPr>
+        </p:nvSpPr>
+        <p:spPr>
+          <a:ln/>
+        </p:spPr>
+        <p:txBody>
+          <a:bodyPr/>
+          <a:lstStyle/>
+          <a:p>
+            <a:r>
+              <a:rPr lang="ja-JP" altLang="en-US" dirty="0"/>
+              <a:t>より</a:t>
+            </a:r>
+            <a:r>
+              <a:rPr lang="ja-JP" altLang="en-US" dirty="0" smtClean="0"/>
+              <a:t>良いモデルを求めて</a:t>
+            </a:r>
+            <a:r>
+              <a:rPr lang="en-US" altLang="ja-JP" dirty="0" smtClean="0"/>
+              <a:t>…</a:t>
+            </a:r>
+            <a:endParaRPr lang="ja-JP" altLang="en-US" dirty="0"/>
+          </a:p>
+        </p:txBody>
+      </p:sp>
+      <p:sp>
+        <p:nvSpPr>
+          <p:cNvPr id="4" name="Slide Number Placeholder 3"/>
+          <p:cNvSpPr>
+            <a:spLocks noGrp="1"/>
+          </p:cNvSpPr>
+          <p:nvPr>
+            <p:ph type="sldNum" sz="quarter" idx="4"/>
+          </p:nvPr>
+        </p:nvSpPr>
+        <p:spPr>
+          <a:prstGeom prst="rect">
+            <a:avLst/>
+          </a:prstGeom>
+        </p:spPr>
+        <p:txBody>
+          <a:bodyPr/>
+          <a:lstStyle/>
+          <a:p>
+            <a:fld id="{A51ECD0F-213E-4DC8-8B09-BB3C23AD1406}" type="slidenum">
+              <a:rPr lang="en-US" altLang="ja-JP"/>
+              <a:pPr/>
+              <a:t>27</a:t>
+            </a:fld>
+            <a:endParaRPr lang="en-US" altLang="ja-JP"/>
+          </a:p>
+        </p:txBody>
+      </p:sp>
+      <p:sp>
+        <p:nvSpPr>
+          <p:cNvPr id="31746" name="Rectangle 2"/>
+          <p:cNvSpPr>
+            <a:spLocks noGrp="1" noChangeArrowheads="1"/>
+          </p:cNvSpPr>
+          <p:nvPr>
+            <p:ph sz="quarter" idx="10"/>
+          </p:nvPr>
+        </p:nvSpPr>
+        <p:spPr>
+          <a:ln/>
+        </p:spPr>
+        <p:txBody>
+          <a:bodyPr/>
+          <a:lstStyle/>
+          <a:p>
+            <a:pPr>
+              <a:tabLst>
+                <a:tab pos="1304925" algn="l"/>
+                <a:tab pos="2346325" algn="l"/>
+              </a:tabLst>
+            </a:pPr>
+            <a:r>
+              <a:rPr lang="ja-JP" altLang="en-US" dirty="0"/>
+              <a:t>どの素性が精度に寄与しているのか</a:t>
+            </a:r>
+            <a:r>
+              <a:rPr lang="ja-JP" altLang="en-US" dirty="0" smtClean="0"/>
+              <a:t>調べたい</a:t>
+            </a:r>
+            <a:r>
+              <a:rPr lang="en-US" altLang="ja-JP" dirty="0" smtClean="0"/>
+              <a:t>…</a:t>
+            </a:r>
+            <a:endParaRPr lang="ja-JP" altLang="en-US" dirty="0"/>
+          </a:p>
+          <a:p>
+            <a:pPr marL="525463" lvl="2">
+              <a:tabLst>
+                <a:tab pos="1304925" algn="l"/>
+                <a:tab pos="2346325" algn="l"/>
+              </a:tabLst>
+            </a:pPr>
+            <a:r>
+              <a:rPr lang="en-US" altLang="ja-JP" sz="2400" dirty="0" smtClean="0"/>
+              <a:t>print </a:t>
+            </a:r>
+            <a:r>
+              <a:rPr lang="en-US" altLang="ja-JP" sz="2400" dirty="0" err="1" smtClean="0"/>
+              <a:t>nltk.MaxentClassifier.show_most_informative_features</a:t>
+            </a:r>
+            <a:r>
+              <a:rPr lang="en-US" altLang="ja-JP" sz="2400" dirty="0" smtClean="0"/>
+              <a:t>(n </a:t>
+            </a:r>
+            <a:r>
+              <a:rPr lang="en-US" altLang="ja-JP" sz="2400" dirty="0"/>
+              <a:t>= 10</a:t>
+            </a:r>
+            <a:r>
+              <a:rPr lang="en-US" altLang="ja-JP" sz="2400" dirty="0" smtClean="0"/>
+              <a:t>)</a:t>
+            </a:r>
+          </a:p>
+          <a:p>
+            <a:pPr marL="842963" lvl="1">
+              <a:tabLst>
+                <a:tab pos="1304925" algn="l"/>
+                <a:tab pos="2346325" algn="l"/>
+              </a:tabLst>
+            </a:pPr>
+            <a:r>
+              <a:rPr lang="ja-JP" altLang="en-US" dirty="0" smtClean="0"/>
+              <a:t>上位</a:t>
+            </a:r>
+            <a:r>
+              <a:rPr lang="en-US" altLang="ja-JP" dirty="0"/>
+              <a:t>10</a:t>
+            </a:r>
+            <a:r>
+              <a:rPr lang="ja-JP" altLang="en-US" dirty="0"/>
+              <a:t>個の素性とそのラベルが表示</a:t>
+            </a:r>
+            <a:r>
+              <a:rPr lang="ja-JP" altLang="en-US" dirty="0" smtClean="0"/>
+              <a:t>される</a:t>
+            </a:r>
+            <a:endParaRPr lang="en-US" altLang="ja-JP" dirty="0" smtClean="0"/>
+          </a:p>
+          <a:p>
+            <a:pPr marL="225425">
+              <a:tabLst>
+                <a:tab pos="1304925" algn="l"/>
+                <a:tab pos="2346325" algn="l"/>
+              </a:tabLst>
+            </a:pPr>
+            <a:r>
+              <a:rPr lang="ja-JP" altLang="en-US" dirty="0" smtClean="0"/>
+              <a:t>シンプルな素性では正しい文の特徴を捉えられないときがある</a:t>
+            </a:r>
+            <a:endParaRPr lang="en-US" altLang="ja-JP" dirty="0" smtClean="0"/>
+          </a:p>
+          <a:p>
+            <a:pPr marL="848225" lvl="1">
+              <a:tabLst>
+                <a:tab pos="1304925" algn="l"/>
+                <a:tab pos="2346325" algn="l"/>
+              </a:tabLst>
+            </a:pPr>
+            <a:r>
+              <a:rPr lang="ja-JP" altLang="en-US" dirty="0" smtClean="0"/>
+              <a:t>誤り事例や，元のコーパスをもう一度眺めてみる</a:t>
+            </a:r>
+            <a:r>
+              <a:rPr lang="en-US" altLang="ja-JP" dirty="0" smtClean="0"/>
+              <a:t>…</a:t>
+            </a:r>
+            <a:r>
+              <a:rPr lang="ja-JP" altLang="en-US" dirty="0" smtClean="0"/>
+              <a:t>そして</a:t>
+            </a:r>
+            <a:r>
+              <a:rPr lang="ja-JP" altLang="en-US" dirty="0" smtClean="0"/>
+              <a:t>考える</a:t>
+            </a:r>
+            <a:endParaRPr lang="en-US" altLang="ja-JP" dirty="0" smtClean="0"/>
+          </a:p>
+          <a:p>
+            <a:pPr marL="848225" lvl="1">
+              <a:tabLst>
+                <a:tab pos="1304925" algn="l"/>
+                <a:tab pos="2346325" algn="l"/>
+              </a:tabLst>
+            </a:pPr>
+            <a:r>
+              <a:rPr lang="ja-JP" altLang="en-US" dirty="0" smtClean="0"/>
+              <a:t>単語の活用形ではなく，原形を入れてみてはどうだろうか</a:t>
+            </a:r>
+            <a:endParaRPr lang="en-US" altLang="ja-JP" dirty="0" smtClean="0"/>
+          </a:p>
+          <a:p>
+            <a:pPr marL="848225" lvl="1">
+              <a:tabLst>
+                <a:tab pos="1304925" algn="l"/>
+                <a:tab pos="2346325" algn="l"/>
+              </a:tabLst>
+            </a:pPr>
+            <a:r>
+              <a:rPr lang="ja-JP" altLang="en-US" dirty="0" smtClean="0"/>
+              <a:t>より広い範囲の構文的な情報を取り込むとどうなるだろう</a:t>
+            </a:r>
+            <a:r>
+              <a:rPr lang="ja-JP" altLang="en-US" dirty="0" smtClean="0"/>
+              <a:t>か</a:t>
+            </a:r>
+            <a:endParaRPr lang="en-US" altLang="ja-JP" dirty="0" smtClean="0"/>
+          </a:p>
+          <a:p>
+            <a:pPr marL="848225" lvl="1">
+              <a:tabLst>
+                <a:tab pos="1304925" algn="l"/>
+                <a:tab pos="2346325" algn="l"/>
+              </a:tabLst>
+            </a:pPr>
+            <a:r>
+              <a:rPr lang="ja-JP" altLang="en-US" dirty="0"/>
+              <a:t>誤りの</a:t>
+            </a:r>
+            <a:r>
+              <a:rPr lang="ja-JP" altLang="en-US" dirty="0" smtClean="0"/>
+              <a:t>傾向は？素性</a:t>
+            </a:r>
+            <a:r>
+              <a:rPr lang="ja-JP" altLang="en-US" dirty="0"/>
+              <a:t>に</a:t>
+            </a:r>
+            <a:r>
+              <a:rPr lang="ja-JP" altLang="en-US" dirty="0" smtClean="0"/>
+              <a:t>取り込むにはどうするか・・・</a:t>
+            </a:r>
+            <a:endParaRPr lang="en-US" altLang="ja-JP" dirty="0" smtClean="0"/>
+          </a:p>
+        </p:txBody>
+      </p:sp>
+    </p:spTree>
+  </p:cSld>
+  <p:clrMapOvr>
+    <a:masterClrMapping/>
+  </p:clrMapOvr>
+  <p:transition/>
+  <p:timing>
+    <p:tnLst>
+      <p:par>
+        <p:cTn id="1" dur="indefinite" restart="never" nodeType="tmRoot"/>
+      </p:par>
+    </p:tnLst>
+  </p:timing>
+</p:sld>
+</file>
+
+<file path=ppt/slides/slide28.xml><?xml version="1.0" encoding="utf-8"?>
+<p:sld xmlns:a="http://schemas.openxmlformats.org/drawingml/2006/main" xmlns:r="http://schemas.openxmlformats.org/officeDocument/2006/relationships" xmlns:p="http://schemas.openxmlformats.org/presentationml/2006/main">
+  <p:cSld>
+    <p:spTree>
+      <p:nvGrpSpPr>
+        <p:cNvPr id="1" name=""/>
+        <p:cNvGrpSpPr/>
+        <p:nvPr/>
+      </p:nvGrpSpPr>
+      <p:grpSpPr>
+        <a:xfrm>
+          <a:off x="0" y="0"/>
+          <a:ext cx="0" cy="0"/>
+          <a:chOff x="0" y="0"/>
+          <a:chExt cx="0" cy="0"/>
+        </a:xfrm>
+      </p:grpSpPr>
+      <p:sp>
+        <p:nvSpPr>
           <p:cNvPr id="2" name="Title 1"/>
           <p:cNvSpPr>
             <a:spLocks noGrp="1"/>
@@ -7304,7 +8670,7 @@
           <a:p>
             <a:r>
               <a:rPr kumimoji="1" lang="ja-JP" altLang="en-US" dirty="0" smtClean="0"/>
-              <a:t>おわり</a:t>
+              <a:t>おつかれさまでした！</a:t>
             </a:r>
             <a:endParaRPr kumimoji="1" lang="ja-JP" altLang="en-US" dirty="0"/>
           </a:p>
@@ -7312,7 +8678,7 @@
       </p:sp>
       <p:sp>
         <p:nvSpPr>
-          <p:cNvPr id="3" name="Text Placeholder 2"/>
+          <p:cNvPr id="4" name="Text Placeholder 3"/>
           <p:cNvSpPr>
             <a:spLocks noGrp="1"/>
           </p:cNvSpPr>
@@ -7325,7 +8691,96 @@
           <a:bodyPr/>
           <a:lstStyle/>
           <a:p>
+            <a:r>
+              <a:rPr kumimoji="1" lang="ja-JP" altLang="en-US" dirty="0" smtClean="0"/>
+              <a:t>また会う日まで・・・</a:t>
+            </a:r>
             <a:endParaRPr kumimoji="1" lang="ja-JP" altLang="en-US" dirty="0"/>
+          </a:p>
+        </p:txBody>
+      </p:sp>
+      <p:pic>
+        <p:nvPicPr>
+          <p:cNvPr id="2050" name="Picture 2" descr="C:\Users\tuxedocat\Downloads\3505514132_4603ba56df_o.jpg"/>
+          <p:cNvPicPr>
+            <a:picLocks noChangeAspect="1" noChangeArrowheads="1"/>
+          </p:cNvPicPr>
+          <p:nvPr/>
+        </p:nvPicPr>
+        <p:blipFill rotWithShape="1">
+          <a:blip r:embed="rId2">
+            <a:extLst>
+              <a:ext uri="{28A0092B-C50C-407E-A947-70E740481C1C}">
+                <a14:useLocalDpi xmlns:a14="http://schemas.microsoft.com/office/drawing/2010/main" val="0"/>
+              </a:ext>
+            </a:extLst>
+          </a:blip>
+          <a:srcRect t="23153" r="932"/>
+          <a:stretch/>
+        </p:blipFill>
+        <p:spPr bwMode="auto">
+          <a:xfrm>
+            <a:off x="0" y="0"/>
+            <a:ext cx="13004800" cy="7521543"/>
+          </a:xfrm>
+          <a:prstGeom prst="rect">
+            <a:avLst/>
+          </a:prstGeom>
+          <a:noFill/>
+          <a:extLst>
+            <a:ext uri="{909E8E84-426E-40DD-AFC4-6F175D3DCCD1}">
+              <a14:hiddenFill xmlns:a14="http://schemas.microsoft.com/office/drawing/2010/main">
+                <a:solidFill>
+                  <a:srgbClr val="FFFFFF"/>
+                </a:solidFill>
+              </a14:hiddenFill>
+            </a:ext>
+          </a:extLst>
+        </p:spPr>
+      </p:pic>
+      <p:sp>
+        <p:nvSpPr>
+          <p:cNvPr id="5" name="TextBox 4"/>
+          <p:cNvSpPr txBox="1"/>
+          <p:nvPr/>
+        </p:nvSpPr>
+        <p:spPr>
+          <a:xfrm>
+            <a:off x="6358384" y="3815264"/>
+            <a:ext cx="6408712" cy="738664"/>
+          </a:xfrm>
+          <a:prstGeom prst="rect">
+            <a:avLst/>
+          </a:prstGeom>
+          <a:noFill/>
+        </p:spPr>
+        <p:txBody>
+          <a:bodyPr wrap="square" rtlCol="0">
+            <a:spAutoFit/>
+          </a:bodyPr>
+          <a:lstStyle/>
+          <a:p>
+            <a:r>
+              <a:rPr kumimoji="1" lang="en-US" altLang="ja-JP" dirty="0" smtClean="0">
+                <a:solidFill>
+                  <a:schemeClr val="bg1">
+                    <a:lumMod val="95000"/>
+                  </a:schemeClr>
+                </a:solidFill>
+                <a:latin typeface="Consolas Bold" pitchFamily="49" charset="0"/>
+                <a:cs typeface="Consolas Bold" pitchFamily="49" charset="0"/>
+              </a:rPr>
+              <a:t>Congratulations!!</a:t>
+            </a:r>
+            <a:endParaRPr kumimoji="1" lang="ja-JP" altLang="en-US" dirty="0">
+              <a:solidFill>
+                <a:schemeClr val="bg1">
+                  <a:lumMod val="95000"/>
+                </a:schemeClr>
+              </a:solidFill>
+              <a:latin typeface="Consolas Bold" pitchFamily="49" charset="0"/>
+              <a:cs typeface="Consolas Bold" pitchFamily="49" charset="0"/>
+            </a:endParaRPr>
           </a:p>
         </p:txBody>
       </p:sp>
@@ -9153,4 +10608,289 @@
     </a:extraClrScheme>
   </a:extraClrSchemeLst>
 </a:theme>
+</file>
+
+<file path=ppt/theme/theme2.xml><?xml version="1.0" encoding="utf-8"?>
+<a:theme xmlns:a="http://schemas.openxmlformats.org/drawingml/2006/main" name="Office Theme">
+  <a:themeElements>
+    <a:clrScheme name="Office">
+      <a:dk1>
+        <a:sysClr val="windowText" lastClr="000000"/>
+      </a:dk1>
+      <a:lt1>
+        <a:sysClr val="window" lastClr="FFFFFF"/>
+      </a:lt1>
+      <a:dk2>
+        <a:srgbClr val="1F497D"/>
+      </a:dk2>
+      <a:lt2>
+        <a:srgbClr val="EEECE1"/>
+      </a:lt2>
+      <a:accent1>
+        <a:srgbClr val="4F81BD"/>
+      </a:accent1>
+      <a:accent2>
+        <a:srgbClr val="C0504D"/>
+      </a:accent2>
+      <a:accent3>
+        <a:srgbClr val="9BBB59"/>
+      </a:accent3>
+      <a:accent4>
+        <a:srgbClr val="8064A2"/>
+      </a:accent4>
+      <a:accent5>
+        <a:srgbClr val="4BACC6"/>
+      </a:accent5>
+      <a:accent6>
+        <a:srgbClr val="F79646"/>
+      </a:accent6>
+      <a:hlink>
+        <a:srgbClr val="0000FF"/>
+      </a:hlink>
+      <a:folHlink>
+        <a:srgbClr val="800080"/>
+      </a:folHlink>
+    </a:clrScheme>
+    <a:fontScheme name="Office">
+      <a:majorFont>
+        <a:latin typeface="Calibri"/>
+        <a:ea typeface=""/>
+        <a:cs typeface=""/>
+        <a:font script="Jpan" typeface="ＭＳ Ｐゴシック"/>
+        <a:font script="Hang" typeface="맑은 고딕"/>
+        <a:font script="Hans" typeface="宋体"/>
+        <a:font script="Hant" typeface="新細明體"/>
+        <a:font script="Arab" typeface="Times New Roman"/>
+        <a:font script="Hebr" typeface="Times New Roman"/>
+        <a:font script="Thai" typeface="Angsana New"/>
+        <a:font script="Ethi" typeface="Nyala"/>
+        <a:font script="Beng" typeface="Vrinda"/>
+        <a:font script="Gujr" typeface="Shruti"/>
+        <a:font script="Khmr" typeface="MoolBoran"/>
+        <a:font script="Knda" typeface="Tunga"/>
+        <a:font script="Guru" typeface="Raavi"/>
+        <a:font script="Cans" typeface="Euphemia"/>
+        <a:font script="Cher" typeface="Plantagenet Cherokee"/>
+        <a:font script="Yiii" typeface="Microsoft Yi Baiti"/>
+        <a:font script="Tibt" typeface="Microsoft Himalaya"/>
+        <a:font script="Thaa" typeface="MV Boli"/>
+        <a:font script="Deva" typeface="Mangal"/>
+        <a:font script="Telu" typeface="Gautami"/>
+        <a:font script="Taml" typeface="Latha"/>
+        <a:font script="Syrc" typeface="Estrangelo Edessa"/>
+        <a:font script="Orya" typeface="Kalinga"/>
+        <a:font script="Mlym" typeface="Kartika"/>
+        <a:font script="Laoo" typeface="DokChampa"/>
+        <a:font script="Sinh" typeface="Iskoola Pota"/>
+        <a:font script="Mong" typeface="Mongolian Baiti"/>
+        <a:font script="Viet" typeface="Times New Roman"/>
+        <a:font script="Uigh" typeface="Microsoft Uighur"/>
+        <a:font script="Geor" typeface="Sylfaen"/>
+      </a:majorFont>
+      <a:minorFont>
+        <a:latin typeface="Calibri"/>
+        <a:ea typeface=""/>
+        <a:cs typeface=""/>
+        <a:font script="Jpan" typeface="ＭＳ Ｐゴシック"/>
+        <a:font script="Hang" typeface="맑은 고딕"/>
+        <a:font script="Hans" typeface="宋体"/>
+        <a:font script="Hant" typeface="新細明體"/>
+        <a:font script="Arab" typeface="Arial"/>
+        <a:font script="Hebr" typeface="Arial"/>
+        <a:font script="Thai" typeface="Cordia New"/>
+        <a:font script="Ethi" typeface="Nyala"/>
+        <a:font script="Beng" typeface="Vrinda"/>
+        <a:font script="Gujr" typeface="Shruti"/>
+        <a:font script="Khmr" typeface="DaunPenh"/>
+        <a:font script="Knda" typeface="Tunga"/>
+        <a:font script="Guru" typeface="Raavi"/>
+        <a:font script="Cans" typeface="Euphemia"/>
+        <a:font script="Cher" typeface="Plantagenet Cherokee"/>
+        <a:font script="Yiii" typeface="Microsoft Yi Baiti"/>
+        <a:font script="Tibt" typeface="Microsoft Himalaya"/>
+        <a:font script="Thaa" typeface="MV Boli"/>
+        <a:font script="Deva" typeface="Mangal"/>
+        <a:font script="Telu" typeface="Gautami"/>
+        <a:font script="Taml" typeface="Latha"/>
+        <a:font script="Syrc" typeface="Estrangelo Edessa"/>
+        <a:font script="Orya" typeface="Kalinga"/>
+        <a:font script="Mlym" typeface="Kartika"/>
+        <a:font script="Laoo" typeface="DokChampa"/>
+        <a:font script="Sinh" typeface="Iskoola Pota"/>
+        <a:font script="Mong" typeface="Mongolian Baiti"/>
+        <a:font script="Viet" typeface="Arial"/>
+        <a:font script="Uigh" typeface="Microsoft Uighur"/>
+        <a:font script="Geor" typeface="Sylfaen"/>
+      </a:minorFont>
+    </a:fontScheme>
+    <a:fmtScheme name="Office">
+      <a:fillStyleLst>
+        <a:solidFill>
+          <a:schemeClr val="phClr"/>
+        </a:solidFill>
+        <a:gradFill rotWithShape="1">
+          <a:gsLst>
+            <a:gs pos="0">
+              <a:schemeClr val="phClr">
+                <a:tint val="50000"/>
+                <a:satMod val="300000"/>
+              </a:schemeClr>
+            </a:gs>
+            <a:gs pos="35000">
+              <a:schemeClr val="phClr">
+                <a:tint val="37000"/>
+                <a:satMod val="300000"/>
+              </a:schemeClr>
+            </a:gs>
+            <a:gs pos="100000">
+              <a:schemeClr val="phClr">
+                <a:tint val="15000"/>
+                <a:satMod val="350000"/>
+              </a:schemeClr>
+            </a:gs>
+          </a:gsLst>
+          <a:lin ang="16200000" scaled="1"/>
+        </a:gradFill>
+        <a:gradFill rotWithShape="1">
+          <a:gsLst>
+            <a:gs pos="0">
+              <a:schemeClr val="phClr">
+                <a:shade val="51000"/>
+                <a:satMod val="130000"/>
+              </a:schemeClr>
+            </a:gs>
+            <a:gs pos="80000">
+              <a:schemeClr val="phClr">
+                <a:shade val="93000"/>
+                <a:satMod val="130000"/>
+              </a:schemeClr>
+            </a:gs>
+            <a:gs pos="100000">
+              <a:schemeClr val="phClr">
+                <a:shade val="94000"/>
+                <a:satMod val="135000"/>
+              </a:schemeClr>
+            </a:gs>
+          </a:gsLst>
+          <a:lin ang="16200000" scaled="0"/>
+        </a:gradFill>
+      </a:fillStyleLst>
+      <a:lnStyleLst>
+        <a:ln w="9525" cap="flat" cmpd="sng" algn="ctr">
+          <a:solidFill>
+            <a:schemeClr val="phClr">
+              <a:shade val="95000"/>
+              <a:satMod val="105000"/>
+            </a:schemeClr>
+          </a:solidFill>
+          <a:prstDash val="solid"/>
+        </a:ln>
+        <a:ln w="25400" cap="flat" cmpd="sng" algn="ctr">
+          <a:solidFill>
+            <a:schemeClr val="phClr"/>
+          </a:solidFill>
+          <a:prstDash val="solid"/>
+        </a:ln>
+        <a:ln w="38100" cap="flat" cmpd="sng" algn="ctr">
+          <a:solidFill>
+            <a:schemeClr val="phClr"/>
+          </a:solidFill>
+          <a:prstDash val="solid"/>
+        </a:ln>
+      </a:lnStyleLst>
+      <a:effectStyleLst>
+        <a:effectStyle>
+          <a:effectLst>
+            <a:outerShdw blurRad="40000" dist="20000" dir="5400000" rotWithShape="0">
+              <a:srgbClr val="000000">
+                <a:alpha val="38000"/>
+              </a:srgbClr>
+            </a:outerShdw>
+          </a:effectLst>
+        </a:effectStyle>
+        <a:effectStyle>
+          <a:effectLst>
+            <a:outerShdw blurRad="40000" dist="23000" dir="5400000" rotWithShape="0">
+              <a:srgbClr val="000000">
+                <a:alpha val="35000"/>
+              </a:srgbClr>
+            </a:outerShdw>
+          </a:effectLst>
+        </a:effectStyle>
+        <a:effectStyle>
+          <a:effectLst>
+            <a:outerShdw blurRad="40000" dist="23000" dir="5400000" rotWithShape="0">
+              <a:srgbClr val="000000">
+                <a:alpha val="35000"/>
+              </a:srgbClr>
+            </a:outerShdw>
+          </a:effectLst>
+          <a:scene3d>
+            <a:camera prst="orthographicFront">
+              <a:rot lat="0" lon="0" rev="0"/>
+            </a:camera>
+            <a:lightRig rig="threePt" dir="t">
+              <a:rot lat="0" lon="0" rev="1200000"/>
+            </a:lightRig>
+          </a:scene3d>
+          <a:sp3d>
+            <a:bevelT w="63500" h="25400"/>
+          </a:sp3d>
+        </a:effectStyle>
+      </a:effectStyleLst>
+      <a:bgFillStyleLst>
+        <a:solidFill>
+          <a:schemeClr val="phClr"/>
+        </a:solidFill>
+        <a:gradFill rotWithShape="1">
+          <a:gsLst>
+            <a:gs pos="0">
+              <a:schemeClr val="phClr">
+                <a:tint val="40000"/>
+                <a:satMod val="350000"/>
+              </a:schemeClr>
+            </a:gs>
+            <a:gs pos="40000">
+              <a:schemeClr val="phClr">
+                <a:tint val="45000"/>
+                <a:shade val="99000"/>
+                <a:satMod val="350000"/>
+              </a:schemeClr>
+            </a:gs>
+            <a:gs pos="100000">
+              <a:schemeClr val="phClr">
+                <a:shade val="20000"/>
+                <a:satMod val="255000"/>
+              </a:schemeClr>
+            </a:gs>
+          </a:gsLst>
+          <a:path path="circle">
+            <a:fillToRect l="50000" t="-80000" r="50000" b="180000"/>
+          </a:path>
+        </a:gradFill>
+        <a:gradFill rotWithShape="1">
+          <a:gsLst>
+            <a:gs pos="0">
+              <a:schemeClr val="phClr">
+                <a:tint val="80000"/>
+                <a:satMod val="300000"/>
+              </a:schemeClr>
+            </a:gs>
+            <a:gs pos="100000">
+              <a:schemeClr val="phClr">
+                <a:shade val="30000"/>
+                <a:satMod val="200000"/>
+              </a:schemeClr>
+            </a:gs>
+          </a:gsLst>
+          <a:path path="circle">
+            <a:fillToRect l="50000" t="50000" r="50000" b="50000"/>
+          </a:path>
+        </a:gradFill>
+      </a:bgFillStyleLst>
+    </a:fmtScheme>
+  </a:themeElements>
+  <a:objectDefaults/>
+  <a:extraClrSchemeLst/>
+</a:theme>
 </file>
--- a/ss2012_slide.pptx
+++ b/ss2012_slide.pptx
@@ -2866,11 +2866,7 @@
             </a:r>
             <a:r>
               <a:rPr kumimoji="1" lang="ja-JP" altLang="en-US" dirty="0" smtClean="0"/>
-              <a:t>されたことを聞く度に、この仕事をしていてよかったと感じるんです。</a:t>
-            </a:r>
-            <a:r>
-              <a:rPr kumimoji="1" lang="ja-JP" altLang="en-US" dirty="0" smtClean="0"/>
-              <a:t>」</a:t>
+              <a:t>されたことを聞く度に、この仕事をしていてよかったと感じるんです。」</a:t>
             </a:r>
             <a:endParaRPr kumimoji="1" lang="en-US" altLang="ja-JP" dirty="0" smtClean="0"/>
           </a:p>
@@ -3610,11 +3606,7 @@
           <a:p>
             <a:r>
               <a:rPr lang="ja-JP" altLang="en-US" dirty="0" smtClean="0"/>
-              <a:t>最大</a:t>
-            </a:r>
-            <a:r>
-              <a:rPr lang="ja-JP" altLang="en-US" dirty="0" smtClean="0"/>
-              <a:t>エントロピー法：概略</a:t>
+              <a:t>最大エントロピー法：概略</a:t>
             </a:r>
             <a:endParaRPr lang="ja-JP" altLang="en-US" dirty="0"/>
           </a:p>
@@ -3986,11 +3978,7 @@
           <a:p>
             <a:r>
               <a:rPr kumimoji="1" lang="ja-JP" altLang="en-US" dirty="0" smtClean="0"/>
-              <a:t>最大</a:t>
-            </a:r>
-            <a:r>
-              <a:rPr kumimoji="1" lang="ja-JP" altLang="en-US" dirty="0" smtClean="0"/>
-              <a:t>エントロピー法：例題</a:t>
+              <a:t>最大エントロピー法：例題</a:t>
             </a:r>
             <a:endParaRPr kumimoji="1" lang="ja-JP" altLang="en-US" dirty="0"/>
           </a:p>
@@ -4265,11 +4253,7 @@
           <a:p>
             <a:r>
               <a:rPr kumimoji="1" lang="ja-JP" altLang="en-US" dirty="0" smtClean="0"/>
-              <a:t>最大</a:t>
-            </a:r>
-            <a:r>
-              <a:rPr kumimoji="1" lang="ja-JP" altLang="en-US" dirty="0" smtClean="0"/>
-              <a:t>エントロピー法：例題</a:t>
+              <a:t>最大エントロピー法：例題</a:t>
             </a:r>
             <a:endParaRPr kumimoji="1" lang="ja-JP" altLang="en-US" dirty="0"/>
           </a:p>
@@ -4315,7 +4299,15 @@
             </a:r>
             <a:r>
               <a:rPr kumimoji="1" lang="ja-JP" altLang="en-US" dirty="0" smtClean="0"/>
-              <a:t>ベクトルとそのラベル</a:t>
+              <a:t>ベクトル</a:t>
+            </a:r>
+            <a:r>
+              <a:rPr kumimoji="1" lang="en-US" altLang="ja-JP" b="1" dirty="0" smtClean="0"/>
+              <a:t>x</a:t>
+            </a:r>
+            <a:r>
+              <a:rPr kumimoji="1" lang="ja-JP" altLang="en-US" dirty="0" smtClean="0"/>
+              <a:t>とそのラベル</a:t>
             </a:r>
             <a:r>
               <a:rPr kumimoji="1" lang="en-US" altLang="ja-JP" dirty="0" smtClean="0"/>
@@ -4327,7 +4319,7 @@
             </a:r>
             <a:r>
               <a:rPr kumimoji="1" lang="en-US" altLang="ja-JP" dirty="0" smtClean="0"/>
-              <a:t>)</a:t>
+              <a:t>)y</a:t>
             </a:r>
             <a:r>
               <a:rPr kumimoji="1" lang="ja-JP" altLang="en-US" dirty="0" smtClean="0"/>
@@ -4346,16 +4338,12 @@
               <a:t>: </a:t>
             </a:r>
             <a:r>
-              <a:rPr kumimoji="1" lang="en-US" altLang="ja-JP" dirty="0" err="1" smtClean="0"/>
-              <a:t>φ</a:t>
-            </a:r>
-            <a:r>
-              <a:rPr kumimoji="1" lang="en-US" altLang="ja-JP" dirty="0"/>
-              <a:t>(</a:t>
+              <a:rPr kumimoji="1" lang="en-US" altLang="ja-JP" b="1" dirty="0"/>
+              <a:t>x</a:t>
             </a:r>
             <a:r>
               <a:rPr kumimoji="1" lang="en-US" altLang="ja-JP" dirty="0" smtClean="0"/>
-              <a:t>φ1,φ2,…φ9)</a:t>
+              <a:t>(x1,x2,…x9)</a:t>
             </a:r>
             <a:r>
               <a:rPr kumimoji="1" lang="ja-JP" altLang="en-US" dirty="0" smtClean="0"/>
@@ -4366,8 +4354,12 @@
           <a:p>
             <a:pPr lvl="2"/>
             <a:r>
+              <a:rPr kumimoji="1" lang="en-US" altLang="ja-JP" dirty="0"/>
+              <a:t>x</a:t>
+            </a:r>
+            <a:r>
               <a:rPr kumimoji="1" lang="en-US" altLang="ja-JP" dirty="0" smtClean="0"/>
-              <a:t>φ1 = </a:t>
+              <a:t>1 = </a:t>
             </a:r>
             <a:r>
               <a:rPr kumimoji="1" lang="ja-JP" altLang="en-US" dirty="0" smtClean="0"/>
@@ -4398,7 +4390,7 @@
             </a:br>
             <a:r>
               <a:rPr kumimoji="1" lang="en-US" altLang="ja-JP" dirty="0" smtClean="0"/>
-              <a:t>φ2 </a:t>
+              <a:t>x2 </a:t>
             </a:r>
             <a:r>
               <a:rPr kumimoji="1" lang="en-US" altLang="ja-JP" dirty="0"/>
@@ -4440,8 +4432,12 @@
               <a:rPr kumimoji="1" lang="en-US" altLang="ja-JP" dirty="0"/>
             </a:br>
             <a:r>
+              <a:rPr kumimoji="1" lang="en-US" altLang="ja-JP" dirty="0"/>
+              <a:t>x</a:t>
+            </a:r>
+            <a:r>
               <a:rPr kumimoji="1" lang="en-US" altLang="ja-JP" dirty="0" smtClean="0"/>
-              <a:t>φ3 </a:t>
+              <a:t>3 </a:t>
             </a:r>
             <a:r>
               <a:rPr kumimoji="1" lang="en-US" altLang="ja-JP" dirty="0"/>
@@ -4483,8 +4479,12 @@
               <a:rPr kumimoji="1" lang="en-US" altLang="ja-JP" dirty="0"/>
             </a:br>
             <a:r>
+              <a:rPr kumimoji="1" lang="en-US" altLang="ja-JP" dirty="0"/>
+              <a:t>x</a:t>
+            </a:r>
+            <a:r>
               <a:rPr kumimoji="1" lang="en-US" altLang="ja-JP" dirty="0" smtClean="0"/>
-              <a:t>φ4 </a:t>
+              <a:t>4 </a:t>
             </a:r>
             <a:r>
               <a:rPr kumimoji="1" lang="en-US" altLang="ja-JP" dirty="0"/>
@@ -4522,8 +4522,12 @@
               <a:rPr kumimoji="1" lang="en-US" altLang="ja-JP" dirty="0"/>
             </a:br>
             <a:r>
+              <a:rPr kumimoji="1" lang="en-US" altLang="ja-JP" dirty="0"/>
+              <a:t>x</a:t>
+            </a:r>
+            <a:r>
               <a:rPr kumimoji="1" lang="en-US" altLang="ja-JP" dirty="0" smtClean="0"/>
-              <a:t>φ5 </a:t>
+              <a:t>5 </a:t>
             </a:r>
             <a:r>
               <a:rPr kumimoji="1" lang="en-US" altLang="ja-JP" dirty="0"/>
@@ -4565,8 +4569,12 @@
               <a:rPr kumimoji="1" lang="en-US" altLang="ja-JP" dirty="0"/>
             </a:br>
             <a:r>
+              <a:rPr kumimoji="1" lang="en-US" altLang="ja-JP" dirty="0"/>
+              <a:t>x</a:t>
+            </a:r>
+            <a:r>
               <a:rPr kumimoji="1" lang="en-US" altLang="ja-JP" dirty="0" smtClean="0"/>
-              <a:t>φ6 </a:t>
+              <a:t>6 </a:t>
             </a:r>
             <a:r>
               <a:rPr kumimoji="1" lang="en-US" altLang="ja-JP" dirty="0"/>
@@ -4608,8 +4616,12 @@
               <a:rPr kumimoji="1" lang="en-US" altLang="ja-JP" dirty="0"/>
             </a:br>
             <a:r>
+              <a:rPr kumimoji="1" lang="en-US" altLang="ja-JP" dirty="0"/>
+              <a:t>x</a:t>
+            </a:r>
+            <a:r>
               <a:rPr kumimoji="1" lang="en-US" altLang="ja-JP" dirty="0" smtClean="0"/>
-              <a:t>φ7 </a:t>
+              <a:t>7 </a:t>
             </a:r>
             <a:r>
               <a:rPr kumimoji="1" lang="en-US" altLang="ja-JP" dirty="0"/>
@@ -4647,8 +4659,12 @@
               <a:rPr kumimoji="1" lang="en-US" altLang="ja-JP" dirty="0"/>
             </a:br>
             <a:r>
+              <a:rPr kumimoji="1" lang="en-US" altLang="ja-JP" dirty="0"/>
+              <a:t>x</a:t>
+            </a:r>
+            <a:r>
               <a:rPr kumimoji="1" lang="en-US" altLang="ja-JP" dirty="0" smtClean="0"/>
-              <a:t>φ8 </a:t>
+              <a:t>8 </a:t>
             </a:r>
             <a:r>
               <a:rPr kumimoji="1" lang="en-US" altLang="ja-JP" dirty="0"/>
@@ -4690,8 +4706,12 @@
               <a:rPr kumimoji="1" lang="en-US" altLang="ja-JP" dirty="0"/>
             </a:br>
             <a:r>
+              <a:rPr kumimoji="1" lang="en-US" altLang="ja-JP" dirty="0"/>
+              <a:t>x</a:t>
+            </a:r>
+            <a:r>
               <a:rPr kumimoji="1" lang="en-US" altLang="ja-JP" dirty="0" smtClean="0"/>
-              <a:t>φ9 </a:t>
+              <a:t>9 </a:t>
             </a:r>
             <a:r>
               <a:rPr kumimoji="1" lang="en-US" altLang="ja-JP" dirty="0"/>
@@ -4739,7 +4759,7 @@
             </a:r>
             <a:r>
               <a:rPr kumimoji="1" lang="en-US" altLang="ja-JP" dirty="0" smtClean="0"/>
-              <a:t> = (1,0,1,0,0,0,0,1,0), label: N</a:t>
+              <a:t> = (1,0,1,0,0,0,0,1,0), label y: N</a:t>
             </a:r>
             <a:r>
               <a:rPr kumimoji="1" lang="ja-JP" altLang="en-US" dirty="0" err="1" smtClean="0"/>
@@ -4774,7 +4794,15 @@
             </a:r>
             <a:r>
               <a:rPr kumimoji="1" lang="en-US" altLang="ja-JP" dirty="0"/>
-              <a:t>), label: N</a:t>
+              <a:t>), </a:t>
+            </a:r>
+            <a:r>
+              <a:rPr kumimoji="1" lang="en-US" altLang="ja-JP" dirty="0" smtClean="0"/>
+              <a:t>label y: </a:t>
+            </a:r>
+            <a:r>
+              <a:rPr kumimoji="1" lang="en-US" altLang="ja-JP" dirty="0"/>
+              <a:t>N</a:t>
             </a:r>
             <a:r>
               <a:rPr kumimoji="1" lang="ja-JP" altLang="en-US" dirty="0" err="1" smtClean="0"/>
@@ -4901,11 +4929,7 @@
           <a:p>
             <a:r>
               <a:rPr kumimoji="1" lang="ja-JP" altLang="en-US" dirty="0" smtClean="0"/>
-              <a:t>最大</a:t>
-            </a:r>
-            <a:r>
-              <a:rPr kumimoji="1" lang="ja-JP" altLang="en-US" dirty="0" smtClean="0"/>
-              <a:t>エントロピー法：分類・まとめ</a:t>
+              <a:t>最大エントロピー法：分類・まとめ</a:t>
             </a:r>
             <a:endParaRPr kumimoji="1" lang="ja-JP" altLang="en-US" dirty="0"/>
           </a:p>
@@ -6809,14 +6833,6 @@
               </a:rPr>
               <a:t>words = [“The”, “cat”, “is”, …]</a:t>
             </a:r>
-            <a:r>
-              <a:rPr lang="en-US" altLang="ja-JP" sz="2400" dirty="0">
-                <a:latin typeface="Consolas" pitchFamily="49" charset="0"/>
-                <a:cs typeface="Consolas" pitchFamily="49" charset="0"/>
-                <a:sym typeface="Helvetica" charset="0"/>
-              </a:rPr>
-              <a:t/>
-            </a:r>
             <a:br>
               <a:rPr lang="en-US" altLang="ja-JP" sz="2400" dirty="0">
                 <a:latin typeface="Consolas" pitchFamily="49" charset="0"/>
@@ -7027,15 +7043,7 @@
             <a:pPr lvl="1"/>
             <a:r>
               <a:rPr kumimoji="1" lang="ja-JP" altLang="en-US" dirty="0" smtClean="0"/>
-              <a:t>テストデータが学習データに含まれる</a:t>
-            </a:r>
-            <a:r>
-              <a:rPr kumimoji="1" lang="ja-JP" altLang="en-US" dirty="0" smtClean="0"/>
-              <a:t>と何がまずい</a:t>
-            </a:r>
-            <a:r>
-              <a:rPr kumimoji="1" lang="ja-JP" altLang="en-US" dirty="0" smtClean="0"/>
-              <a:t>？</a:t>
+              <a:t>テストデータが学習データに含まれると何がまずい？</a:t>
             </a:r>
             <a:endParaRPr kumimoji="1" lang="en-US" altLang="ja-JP" dirty="0" smtClean="0"/>
           </a:p>
@@ -7073,23 +7081,7 @@
             </a:br>
             <a:r>
               <a:rPr kumimoji="1" lang="en-US" altLang="ja-JP" dirty="0" smtClean="0"/>
-              <a:t>(num. of correct </a:t>
-            </a:r>
-            <a:r>
-              <a:rPr kumimoji="1" lang="en-US" altLang="ja-JP" dirty="0" smtClean="0"/>
-              <a:t>output) </a:t>
-            </a:r>
-            <a:r>
-              <a:rPr kumimoji="1" lang="en-US" altLang="ja-JP" dirty="0" smtClean="0"/>
-              <a:t>/ (num. of input </a:t>
-            </a:r>
-            <a:r>
-              <a:rPr kumimoji="1" lang="en-US" altLang="ja-JP" dirty="0" smtClean="0"/>
-              <a:t>instances</a:t>
-            </a:r>
-            <a:r>
-              <a:rPr kumimoji="1" lang="en-US" altLang="ja-JP" dirty="0" smtClean="0"/>
-              <a:t>)</a:t>
+              <a:t>(num. of correct output) / (num. of input instances)</a:t>
             </a:r>
             <a:endParaRPr kumimoji="1" lang="en-US" altLang="ja-JP" dirty="0"/>
           </a:p>
@@ -8555,11 +8547,7 @@
             </a:r>
             <a:r>
               <a:rPr lang="ja-JP" altLang="en-US" dirty="0" smtClean="0"/>
-              <a:t>そして</a:t>
-            </a:r>
-            <a:r>
-              <a:rPr lang="ja-JP" altLang="en-US" dirty="0" smtClean="0"/>
-              <a:t>考える</a:t>
+              <a:t>そして考える</a:t>
             </a:r>
             <a:endParaRPr lang="en-US" altLang="ja-JP" dirty="0" smtClean="0"/>
           </a:p>
@@ -8585,11 +8573,7 @@
             </a:pPr>
             <a:r>
               <a:rPr lang="ja-JP" altLang="en-US" dirty="0" smtClean="0"/>
-              <a:t>より広い範囲の構文的な情報を取り込むとどうなるだろう</a:t>
-            </a:r>
-            <a:r>
-              <a:rPr lang="ja-JP" altLang="en-US" dirty="0" smtClean="0"/>
-              <a:t>か</a:t>
+              <a:t>より広い範囲の構文的な情報を取り込むとどうなるだろうか</a:t>
             </a:r>
             <a:endParaRPr lang="en-US" altLang="ja-JP" dirty="0" smtClean="0"/>
           </a:p>
